--- a/NF Collab Summary.pptx
+++ b/NF Collab Summary.pptx
@@ -5,23 +5,25 @@
     <p:sldMasterId id="2147483684" r:id="rId1"/>
   </p:sldMasterIdLst>
   <p:notesMasterIdLst>
-    <p:notesMasterId r:id="rId13"/>
+    <p:notesMasterId r:id="rId15"/>
   </p:notesMasterIdLst>
   <p:handoutMasterIdLst>
-    <p:handoutMasterId r:id="rId14"/>
+    <p:handoutMasterId r:id="rId16"/>
   </p:handoutMasterIdLst>
   <p:sldIdLst>
     <p:sldId id="256" r:id="rId2"/>
     <p:sldId id="258" r:id="rId3"/>
     <p:sldId id="259" r:id="rId4"/>
     <p:sldId id="260" r:id="rId5"/>
-    <p:sldId id="257" r:id="rId6"/>
-    <p:sldId id="261" r:id="rId7"/>
-    <p:sldId id="262" r:id="rId8"/>
-    <p:sldId id="263" r:id="rId9"/>
-    <p:sldId id="265" r:id="rId10"/>
-    <p:sldId id="266" r:id="rId11"/>
-    <p:sldId id="264" r:id="rId12"/>
+    <p:sldId id="267" r:id="rId6"/>
+    <p:sldId id="268" r:id="rId7"/>
+    <p:sldId id="257" r:id="rId8"/>
+    <p:sldId id="261" r:id="rId9"/>
+    <p:sldId id="262" r:id="rId10"/>
+    <p:sldId id="263" r:id="rId11"/>
+    <p:sldId id="265" r:id="rId12"/>
+    <p:sldId id="266" r:id="rId13"/>
+    <p:sldId id="264" r:id="rId14"/>
   </p:sldIdLst>
   <p:sldSz cx="12192000" cy="6858000"/>
   <p:notesSz cx="6858000" cy="9144000"/>
@@ -225,7 +227,7 @@
           <a:p>
             <a:fld id="{14580B53-B3FA-440E-B97E-7F7743C74805}" type="datetimeFigureOut">
               <a:rPr lang="en-US" smtClean="0"/>
-              <a:t>1/12/2024</a:t>
+              <a:t>4/5/2024</a:t>
             </a:fld>
             <a:endParaRPr lang="en-US"/>
           </a:p>
@@ -402,7 +404,7 @@
           <a:p>
             <a:fld id="{DFF06B30-C56E-4ACA-940F-52D7F8EC3A48}" type="datetimeFigureOut">
               <a:rPr lang="en-US" smtClean="0"/>
-              <a:t>1/12/2024</a:t>
+              <a:t>4/5/2024</a:t>
             </a:fld>
             <a:endParaRPr lang="en-US"/>
           </a:p>
@@ -1159,7 +1161,7 @@
           <a:p>
             <a:fld id="{6D309A34-CB22-414B-B337-22A54F31417C}" type="datetime1">
               <a:rPr lang="en-US" smtClean="0"/>
-              <a:t>1/12/2024</a:t>
+              <a:t>4/5/2024</a:t>
             </a:fld>
             <a:endParaRPr lang="en-US"/>
           </a:p>
@@ -1306,7 +1308,7 @@
           <a:p>
             <a:fld id="{2875BB1A-84CA-4261-AA50-DA2DDF53AC57}" type="datetime1">
               <a:rPr lang="en-US" smtClean="0"/>
-              <a:t>1/12/2024</a:t>
+              <a:t>4/5/2024</a:t>
             </a:fld>
             <a:endParaRPr lang="en-US"/>
           </a:p>
@@ -1630,7 +1632,7 @@
           <a:p>
             <a:fld id="{01337600-D417-47B7-AA41-087585197EDC}" type="datetime1">
               <a:rPr lang="en-US" smtClean="0"/>
-              <a:t>1/12/2024</a:t>
+              <a:t>4/5/2024</a:t>
             </a:fld>
             <a:endParaRPr lang="en-US"/>
           </a:p>
@@ -1914,7 +1916,7 @@
           <a:p>
             <a:fld id="{D07EAAE8-4F5E-4E22-B18A-33ECA1052179}" type="datetime1">
               <a:rPr lang="en-US" smtClean="0"/>
-              <a:t>1/12/2024</a:t>
+              <a:t>4/5/2024</a:t>
             </a:fld>
             <a:endParaRPr lang="en-US"/>
           </a:p>
@@ -2193,7 +2195,7 @@
           <a:p>
             <a:fld id="{CE037CEF-216D-4711-8A5B-8A9A7F84D340}" type="datetime1">
               <a:rPr lang="en-US" smtClean="0"/>
-              <a:t>1/12/2024</a:t>
+              <a:t>4/5/2024</a:t>
             </a:fld>
             <a:endParaRPr lang="en-US"/>
           </a:p>
@@ -2671,7 +2673,7 @@
           <a:p>
             <a:r>
               <a:rPr lang="en-US" dirty="0"/>
-              <a:t>Last updated: 01/12/2024</a:t>
+              <a:t>Last updated: 04/05/2024</a:t>
             </a:r>
           </a:p>
         </p:txBody>
@@ -2740,6 +2742,1548 @@
           <p:cNvPr id="2" name="Title 1">
             <a:extLst>
               <a:ext uri="{FF2B5EF4-FFF2-40B4-BE49-F238E27FC236}">
+                <a16:creationId xmlns:a16="http://schemas.microsoft.com/office/drawing/2014/main" id="{1F8246AC-7E72-A555-19BF-3EA7DDEDB59E}"/>
+              </a:ext>
+            </a:extLst>
+          </p:cNvPr>
+          <p:cNvSpPr>
+            <a:spLocks noGrp="1"/>
+          </p:cNvSpPr>
+          <p:nvPr>
+            <p:ph type="title"/>
+          </p:nvPr>
+        </p:nvSpPr>
+        <p:spPr/>
+        <p:txBody>
+          <a:bodyPr/>
+          <a:lstStyle/>
+          <a:p>
+            <a:r>
+              <a:rPr lang="en-US" dirty="0"/>
+              <a:t>NFH(D2)</a:t>
+            </a:r>
+          </a:p>
+        </p:txBody>
+      </p:sp>
+      <p:sp>
+        <p:nvSpPr>
+          <p:cNvPr id="3" name="Slide Number Placeholder 2">
+            <a:extLst>
+              <a:ext uri="{FF2B5EF4-FFF2-40B4-BE49-F238E27FC236}">
+                <a16:creationId xmlns:a16="http://schemas.microsoft.com/office/drawing/2014/main" id="{33F8F74B-90E6-2E17-9581-73EC6821BD76}"/>
+              </a:ext>
+            </a:extLst>
+          </p:cNvPr>
+          <p:cNvSpPr>
+            <a:spLocks noGrp="1"/>
+          </p:cNvSpPr>
+          <p:nvPr>
+            <p:ph type="sldNum" sz="quarter" idx="12"/>
+          </p:nvPr>
+        </p:nvSpPr>
+        <p:spPr/>
+        <p:txBody>
+          <a:bodyPr/>
+          <a:lstStyle/>
+          <a:p>
+            <a:fld id="{B40DB54C-0C58-4481-B5FF-5C3F14CFF9B3}" type="slidenum">
+              <a:rPr lang="en-US" smtClean="0"/>
+              <a:t>10</a:t>
+            </a:fld>
+            <a:endParaRPr lang="en-US"/>
+          </a:p>
+        </p:txBody>
+      </p:sp>
+      <p:grpSp>
+        <p:nvGrpSpPr>
+          <p:cNvPr id="13" name="Group 12">
+            <a:extLst>
+              <a:ext uri="{FF2B5EF4-FFF2-40B4-BE49-F238E27FC236}">
+                <a16:creationId xmlns:a16="http://schemas.microsoft.com/office/drawing/2014/main" id="{E45AB686-37F6-C18C-3E4D-C1964CCB31C8}"/>
+              </a:ext>
+            </a:extLst>
+          </p:cNvPr>
+          <p:cNvGrpSpPr/>
+          <p:nvPr/>
+        </p:nvGrpSpPr>
+        <p:grpSpPr>
+          <a:xfrm>
+            <a:off x="3282677" y="4411089"/>
+            <a:ext cx="5824993" cy="2446911"/>
+            <a:chOff x="1042532" y="2423046"/>
+            <a:chExt cx="5824993" cy="2446911"/>
+          </a:xfrm>
+        </p:grpSpPr>
+        <p:pic>
+          <p:nvPicPr>
+            <p:cNvPr id="4" name="Picture 12">
+              <a:extLst>
+                <a:ext uri="{FF2B5EF4-FFF2-40B4-BE49-F238E27FC236}">
+                  <a16:creationId xmlns:a16="http://schemas.microsoft.com/office/drawing/2014/main" id="{B09AC93E-C722-A661-AFB0-2E0007080751}"/>
+                </a:ext>
+              </a:extLst>
+            </p:cNvPr>
+            <p:cNvPicPr>
+              <a:picLocks noChangeAspect="1" noChangeArrowheads="1"/>
+            </p:cNvPicPr>
+            <p:nvPr/>
+          </p:nvPicPr>
+          <p:blipFill>
+            <a:blip r:embed="rId2">
+              <a:extLst>
+                <a:ext uri="{28A0092B-C50C-407E-A947-70E740481C1C}">
+                  <a14:useLocalDpi xmlns:a14="http://schemas.microsoft.com/office/drawing/2010/main" val="0"/>
+                </a:ext>
+              </a:extLst>
+            </a:blip>
+            <a:srcRect/>
+            <a:stretch>
+              <a:fillRect/>
+            </a:stretch>
+          </p:blipFill>
+          <p:spPr bwMode="auto">
+            <a:xfrm>
+              <a:off x="1042532" y="2423046"/>
+              <a:ext cx="5824993" cy="2446911"/>
+            </a:xfrm>
+            <a:prstGeom prst="rect">
+              <a:avLst/>
+            </a:prstGeom>
+            <a:noFill/>
+            <a:extLst>
+              <a:ext uri="{909E8E84-426E-40DD-AFC4-6F175D3DCCD1}">
+                <a14:hiddenFill xmlns:a14="http://schemas.microsoft.com/office/drawing/2010/main">
+                  <a:solidFill>
+                    <a:srgbClr val="FFFFFF"/>
+                  </a:solidFill>
+                </a14:hiddenFill>
+              </a:ext>
+            </a:extLst>
+          </p:spPr>
+        </p:pic>
+        <p:grpSp>
+          <p:nvGrpSpPr>
+            <p:cNvPr id="5" name="Group 4">
+              <a:extLst>
+                <a:ext uri="{FF2B5EF4-FFF2-40B4-BE49-F238E27FC236}">
+                  <a16:creationId xmlns:a16="http://schemas.microsoft.com/office/drawing/2014/main" id="{4C33686A-6CD6-8E6D-5F66-8595438A7BD5}"/>
+                </a:ext>
+              </a:extLst>
+            </p:cNvPr>
+            <p:cNvGrpSpPr/>
+            <p:nvPr/>
+          </p:nvGrpSpPr>
+          <p:grpSpPr>
+            <a:xfrm>
+              <a:off x="2074287" y="2861048"/>
+              <a:ext cx="3433325" cy="1154786"/>
+              <a:chOff x="6696635" y="1773370"/>
+              <a:chExt cx="3433325" cy="1154786"/>
+            </a:xfrm>
+          </p:grpSpPr>
+          <p:sp>
+            <p:nvSpPr>
+              <p:cNvPr id="6" name="TextBox 5">
+                <a:extLst>
+                  <a:ext uri="{FF2B5EF4-FFF2-40B4-BE49-F238E27FC236}">
+                    <a16:creationId xmlns:a16="http://schemas.microsoft.com/office/drawing/2014/main" id="{1C6E9365-1A18-7F3A-AE24-491F44C8241A}"/>
+                  </a:ext>
+                </a:extLst>
+              </p:cNvPr>
+              <p:cNvSpPr txBox="1"/>
+              <p:nvPr/>
+            </p:nvSpPr>
+            <p:spPr>
+              <a:xfrm>
+                <a:off x="7028329" y="1773370"/>
+                <a:ext cx="896470" cy="369332"/>
+              </a:xfrm>
+              <a:prstGeom prst="rect">
+                <a:avLst/>
+              </a:prstGeom>
+              <a:noFill/>
+            </p:spPr>
+            <p:txBody>
+              <a:bodyPr wrap="square" rtlCol="0">
+                <a:spAutoFit/>
+              </a:bodyPr>
+              <a:lstStyle/>
+              <a:p>
+                <a:r>
+                  <a:rPr lang="en-US" dirty="0"/>
+                  <a:t>NFH</a:t>
+                </a:r>
+              </a:p>
+            </p:txBody>
+          </p:sp>
+          <p:sp>
+            <p:nvSpPr>
+              <p:cNvPr id="7" name="TextBox 6">
+                <a:extLst>
+                  <a:ext uri="{FF2B5EF4-FFF2-40B4-BE49-F238E27FC236}">
+                    <a16:creationId xmlns:a16="http://schemas.microsoft.com/office/drawing/2014/main" id="{5A449321-071F-84EC-F649-E90031DD6D24}"/>
+                  </a:ext>
+                </a:extLst>
+              </p:cNvPr>
+              <p:cNvSpPr txBox="1"/>
+              <p:nvPr/>
+            </p:nvSpPr>
+            <p:spPr>
+              <a:xfrm>
+                <a:off x="7377672" y="2558824"/>
+                <a:ext cx="896470" cy="369332"/>
+              </a:xfrm>
+              <a:prstGeom prst="rect">
+                <a:avLst/>
+              </a:prstGeom>
+              <a:noFill/>
+            </p:spPr>
+            <p:txBody>
+              <a:bodyPr wrap="square" rtlCol="0">
+                <a:spAutoFit/>
+              </a:bodyPr>
+              <a:lstStyle/>
+              <a:p>
+                <a:r>
+                  <a:rPr lang="en-US" dirty="0"/>
+                  <a:t>NFHD2</a:t>
+                </a:r>
+              </a:p>
+            </p:txBody>
+          </p:sp>
+          <p:cxnSp>
+            <p:nvCxnSpPr>
+              <p:cNvPr id="8" name="Straight Arrow Connector 7">
+                <a:extLst>
+                  <a:ext uri="{FF2B5EF4-FFF2-40B4-BE49-F238E27FC236}">
+                    <a16:creationId xmlns:a16="http://schemas.microsoft.com/office/drawing/2014/main" id="{0DC0E9D1-4832-2071-2604-12B8E5E5698F}"/>
+                  </a:ext>
+                </a:extLst>
+              </p:cNvPr>
+              <p:cNvCxnSpPr>
+                <a:cxnSpLocks/>
+              </p:cNvCxnSpPr>
+              <p:nvPr/>
+            </p:nvCxnSpPr>
+            <p:spPr>
+              <a:xfrm flipH="1">
+                <a:off x="6696635" y="2743490"/>
+                <a:ext cx="691156" cy="0"/>
+              </a:xfrm>
+              <a:prstGeom prst="straightConnector1">
+                <a:avLst/>
+              </a:prstGeom>
+              <a:ln w="19050">
+                <a:solidFill>
+                  <a:schemeClr val="tx1"/>
+                </a:solidFill>
+                <a:tailEnd type="triangle"/>
+              </a:ln>
+            </p:spPr>
+            <p:style>
+              <a:lnRef idx="1">
+                <a:schemeClr val="accent1"/>
+              </a:lnRef>
+              <a:fillRef idx="0">
+                <a:schemeClr val="accent1"/>
+              </a:fillRef>
+              <a:effectRef idx="0">
+                <a:schemeClr val="accent1"/>
+              </a:effectRef>
+              <a:fontRef idx="minor">
+                <a:schemeClr val="tx1"/>
+              </a:fontRef>
+            </p:style>
+          </p:cxnSp>
+          <p:cxnSp>
+            <p:nvCxnSpPr>
+              <p:cNvPr id="9" name="Straight Arrow Connector 8">
+                <a:extLst>
+                  <a:ext uri="{FF2B5EF4-FFF2-40B4-BE49-F238E27FC236}">
+                    <a16:creationId xmlns:a16="http://schemas.microsoft.com/office/drawing/2014/main" id="{5F717E59-5F8B-D34A-2352-7B07CD87F9BA}"/>
+                  </a:ext>
+                </a:extLst>
+              </p:cNvPr>
+              <p:cNvCxnSpPr>
+                <a:cxnSpLocks/>
+                <a:stCxn id="6" idx="1"/>
+              </p:cNvCxnSpPr>
+              <p:nvPr/>
+            </p:nvCxnSpPr>
+            <p:spPr>
+              <a:xfrm flipH="1">
+                <a:off x="6759388" y="1958036"/>
+                <a:ext cx="268941" cy="0"/>
+              </a:xfrm>
+              <a:prstGeom prst="straightConnector1">
+                <a:avLst/>
+              </a:prstGeom>
+              <a:ln w="19050">
+                <a:solidFill>
+                  <a:schemeClr val="tx1"/>
+                </a:solidFill>
+                <a:tailEnd type="triangle"/>
+              </a:ln>
+            </p:spPr>
+            <p:style>
+              <a:lnRef idx="1">
+                <a:schemeClr val="accent1"/>
+              </a:lnRef>
+              <a:fillRef idx="0">
+                <a:schemeClr val="accent1"/>
+              </a:fillRef>
+              <a:effectRef idx="0">
+                <a:schemeClr val="accent1"/>
+              </a:effectRef>
+              <a:fontRef idx="minor">
+                <a:schemeClr val="tx1"/>
+              </a:fontRef>
+            </p:style>
+          </p:cxnSp>
+          <p:cxnSp>
+            <p:nvCxnSpPr>
+              <p:cNvPr id="10" name="Straight Arrow Connector 9">
+                <a:extLst>
+                  <a:ext uri="{FF2B5EF4-FFF2-40B4-BE49-F238E27FC236}">
+                    <a16:creationId xmlns:a16="http://schemas.microsoft.com/office/drawing/2014/main" id="{EF63435C-C8A6-D7BD-5A54-D598D0613A57}"/>
+                  </a:ext>
+                </a:extLst>
+              </p:cNvPr>
+              <p:cNvCxnSpPr>
+                <a:cxnSpLocks/>
+                <a:stCxn id="7" idx="3"/>
+              </p:cNvCxnSpPr>
+              <p:nvPr/>
+            </p:nvCxnSpPr>
+            <p:spPr>
+              <a:xfrm>
+                <a:off x="8274142" y="2743490"/>
+                <a:ext cx="1855818" cy="0"/>
+              </a:xfrm>
+              <a:prstGeom prst="straightConnector1">
+                <a:avLst/>
+              </a:prstGeom>
+              <a:ln w="19050">
+                <a:solidFill>
+                  <a:schemeClr val="tx1"/>
+                </a:solidFill>
+                <a:tailEnd type="triangle"/>
+              </a:ln>
+            </p:spPr>
+            <p:style>
+              <a:lnRef idx="1">
+                <a:schemeClr val="accent1"/>
+              </a:lnRef>
+              <a:fillRef idx="0">
+                <a:schemeClr val="accent1"/>
+              </a:fillRef>
+              <a:effectRef idx="0">
+                <a:schemeClr val="accent1"/>
+              </a:effectRef>
+              <a:fontRef idx="minor">
+                <a:schemeClr val="tx1"/>
+              </a:fontRef>
+            </p:style>
+          </p:cxnSp>
+          <p:cxnSp>
+            <p:nvCxnSpPr>
+              <p:cNvPr id="11" name="Straight Arrow Connector 10">
+                <a:extLst>
+                  <a:ext uri="{FF2B5EF4-FFF2-40B4-BE49-F238E27FC236}">
+                    <a16:creationId xmlns:a16="http://schemas.microsoft.com/office/drawing/2014/main" id="{1A542E35-063E-3EBB-6B51-9611CEE409B3}"/>
+                  </a:ext>
+                </a:extLst>
+              </p:cNvPr>
+              <p:cNvCxnSpPr>
+                <a:cxnSpLocks/>
+              </p:cNvCxnSpPr>
+              <p:nvPr/>
+            </p:nvCxnSpPr>
+            <p:spPr>
+              <a:xfrm>
+                <a:off x="7646296" y="1955149"/>
+                <a:ext cx="2214723" cy="15779"/>
+              </a:xfrm>
+              <a:prstGeom prst="straightConnector1">
+                <a:avLst/>
+              </a:prstGeom>
+              <a:ln w="19050">
+                <a:solidFill>
+                  <a:schemeClr val="tx1"/>
+                </a:solidFill>
+                <a:tailEnd type="triangle"/>
+              </a:ln>
+            </p:spPr>
+            <p:style>
+              <a:lnRef idx="1">
+                <a:schemeClr val="accent1"/>
+              </a:lnRef>
+              <a:fillRef idx="0">
+                <a:schemeClr val="accent1"/>
+              </a:fillRef>
+              <a:effectRef idx="0">
+                <a:schemeClr val="accent1"/>
+              </a:effectRef>
+              <a:fontRef idx="minor">
+                <a:schemeClr val="tx1"/>
+              </a:fontRef>
+            </p:style>
+          </p:cxnSp>
+        </p:grpSp>
+      </p:grpSp>
+      <p:sp>
+        <p:nvSpPr>
+          <p:cNvPr id="12" name="Content Placeholder 2">
+            <a:extLst>
+              <a:ext uri="{FF2B5EF4-FFF2-40B4-BE49-F238E27FC236}">
+                <a16:creationId xmlns:a16="http://schemas.microsoft.com/office/drawing/2014/main" id="{DC750A4E-D70C-997F-12CA-CBCA5D9E8946}"/>
+              </a:ext>
+            </a:extLst>
+          </p:cNvPr>
+          <p:cNvSpPr txBox="1">
+            <a:spLocks/>
+          </p:cNvSpPr>
+          <p:nvPr/>
+        </p:nvSpPr>
+        <p:spPr>
+          <a:xfrm>
+            <a:off x="838200" y="1081157"/>
+            <a:ext cx="10515600" cy="5109249"/>
+          </a:xfrm>
+          <a:prstGeom prst="rect">
+            <a:avLst/>
+          </a:prstGeom>
+        </p:spPr>
+        <p:txBody>
+          <a:bodyPr/>
+          <a:lstStyle>
+            <a:lvl1pPr marL="228600" indent="-228600" algn="l" defTabSz="914400" rtl="0" eaLnBrk="1" latinLnBrk="0" hangingPunct="1">
+              <a:lnSpc>
+                <a:spcPct val="100000"/>
+              </a:lnSpc>
+              <a:spcBef>
+                <a:spcPts val="1000"/>
+              </a:spcBef>
+              <a:spcAft>
+                <a:spcPts val="1200"/>
+              </a:spcAft>
+              <a:buFont typeface="Arial" panose="020B0604020202020204" pitchFamily="34" charset="0"/>
+              <a:buChar char="•"/>
+              <a:defRPr sz="2400" kern="1200">
+                <a:solidFill>
+                  <a:schemeClr val="tx1"/>
+                </a:solidFill>
+                <a:latin typeface="Lucida Grande" pitchFamily="2" charset="0"/>
+                <a:ea typeface="Lucida Grande" pitchFamily="2" charset="0"/>
+                <a:cs typeface="Lucida Grande" pitchFamily="2" charset="0"/>
+              </a:defRPr>
+            </a:lvl1pPr>
+            <a:lvl2pPr marL="685800" indent="-228600" algn="l" defTabSz="914400" rtl="0" eaLnBrk="1" latinLnBrk="0" hangingPunct="1">
+              <a:lnSpc>
+                <a:spcPct val="100000"/>
+              </a:lnSpc>
+              <a:spcBef>
+                <a:spcPts val="500"/>
+              </a:spcBef>
+              <a:spcAft>
+                <a:spcPts val="1200"/>
+              </a:spcAft>
+              <a:buFont typeface="Arial" panose="020B0604020202020204" pitchFamily="34" charset="0"/>
+              <a:buChar char="•"/>
+              <a:defRPr sz="2000" kern="1200">
+                <a:solidFill>
+                  <a:schemeClr val="tx1"/>
+                </a:solidFill>
+                <a:latin typeface="Lucida Grande" pitchFamily="2" charset="0"/>
+                <a:ea typeface="Lucida Grande" pitchFamily="2" charset="0"/>
+                <a:cs typeface="Lucida Grande" pitchFamily="2" charset="0"/>
+              </a:defRPr>
+            </a:lvl2pPr>
+            <a:lvl3pPr marL="1143000" indent="-228600" algn="l" defTabSz="914400" rtl="0" eaLnBrk="1" latinLnBrk="0" hangingPunct="1">
+              <a:lnSpc>
+                <a:spcPct val="100000"/>
+              </a:lnSpc>
+              <a:spcBef>
+                <a:spcPts val="500"/>
+              </a:spcBef>
+              <a:spcAft>
+                <a:spcPts val="1200"/>
+              </a:spcAft>
+              <a:buFont typeface="Arial" panose="020B0604020202020204" pitchFamily="34" charset="0"/>
+              <a:buChar char="•"/>
+              <a:defRPr sz="1800" kern="1200">
+                <a:solidFill>
+                  <a:schemeClr val="tx1"/>
+                </a:solidFill>
+                <a:latin typeface="Lucida Grande" pitchFamily="2" charset="0"/>
+                <a:ea typeface="Lucida Grande" pitchFamily="2" charset="0"/>
+                <a:cs typeface="Lucida Grande" pitchFamily="2" charset="0"/>
+              </a:defRPr>
+            </a:lvl3pPr>
+            <a:lvl4pPr marL="1600200" indent="-228600" algn="l" defTabSz="914400" rtl="0" eaLnBrk="1" latinLnBrk="0" hangingPunct="1">
+              <a:lnSpc>
+                <a:spcPct val="100000"/>
+              </a:lnSpc>
+              <a:spcBef>
+                <a:spcPts val="500"/>
+              </a:spcBef>
+              <a:spcAft>
+                <a:spcPts val="1200"/>
+              </a:spcAft>
+              <a:buFont typeface="Arial" panose="020B0604020202020204" pitchFamily="34" charset="0"/>
+              <a:buChar char="•"/>
+              <a:defRPr sz="1600" kern="1200">
+                <a:solidFill>
+                  <a:schemeClr val="tx1"/>
+                </a:solidFill>
+                <a:latin typeface="Lucida Grande" pitchFamily="2" charset="0"/>
+                <a:ea typeface="Lucida Grande" pitchFamily="2" charset="0"/>
+                <a:cs typeface="Lucida Grande" pitchFamily="2" charset="0"/>
+              </a:defRPr>
+            </a:lvl4pPr>
+            <a:lvl5pPr marL="2057400" indent="-228600" algn="l" defTabSz="914400" rtl="0" eaLnBrk="1" latinLnBrk="0" hangingPunct="1">
+              <a:lnSpc>
+                <a:spcPct val="100000"/>
+              </a:lnSpc>
+              <a:spcBef>
+                <a:spcPts val="500"/>
+              </a:spcBef>
+              <a:spcAft>
+                <a:spcPts val="1200"/>
+              </a:spcAft>
+              <a:buFont typeface="Arial" panose="020B0604020202020204" pitchFamily="34" charset="0"/>
+              <a:buChar char="•"/>
+              <a:defRPr sz="1600" kern="1200">
+                <a:solidFill>
+                  <a:schemeClr val="tx1"/>
+                </a:solidFill>
+                <a:latin typeface="Lucida Grande" pitchFamily="2" charset="0"/>
+                <a:ea typeface="Lucida Grande" pitchFamily="2" charset="0"/>
+                <a:cs typeface="Lucida Grande" pitchFamily="2" charset="0"/>
+              </a:defRPr>
+            </a:lvl5pPr>
+            <a:lvl6pPr marL="2514600" indent="-228600" algn="l" defTabSz="914400" rtl="0" eaLnBrk="1" latinLnBrk="0" hangingPunct="1">
+              <a:lnSpc>
+                <a:spcPct val="90000"/>
+              </a:lnSpc>
+              <a:spcBef>
+                <a:spcPts val="500"/>
+              </a:spcBef>
+              <a:buFont typeface="Arial" panose="020B0604020202020204" pitchFamily="34" charset="0"/>
+              <a:buChar char="•"/>
+              <a:defRPr sz="1800" kern="1200">
+                <a:solidFill>
+                  <a:schemeClr val="tx1"/>
+                </a:solidFill>
+                <a:latin typeface="+mn-lt"/>
+                <a:ea typeface="+mn-ea"/>
+                <a:cs typeface="+mn-cs"/>
+              </a:defRPr>
+            </a:lvl6pPr>
+            <a:lvl7pPr marL="2971800" indent="-228600" algn="l" defTabSz="914400" rtl="0" eaLnBrk="1" latinLnBrk="0" hangingPunct="1">
+              <a:lnSpc>
+                <a:spcPct val="90000"/>
+              </a:lnSpc>
+              <a:spcBef>
+                <a:spcPts val="500"/>
+              </a:spcBef>
+              <a:buFont typeface="Arial" panose="020B0604020202020204" pitchFamily="34" charset="0"/>
+              <a:buChar char="•"/>
+              <a:defRPr sz="1800" kern="1200">
+                <a:solidFill>
+                  <a:schemeClr val="tx1"/>
+                </a:solidFill>
+                <a:latin typeface="+mn-lt"/>
+                <a:ea typeface="+mn-ea"/>
+                <a:cs typeface="+mn-cs"/>
+              </a:defRPr>
+            </a:lvl7pPr>
+            <a:lvl8pPr marL="3429000" indent="-228600" algn="l" defTabSz="914400" rtl="0" eaLnBrk="1" latinLnBrk="0" hangingPunct="1">
+              <a:lnSpc>
+                <a:spcPct val="90000"/>
+              </a:lnSpc>
+              <a:spcBef>
+                <a:spcPts val="500"/>
+              </a:spcBef>
+              <a:buFont typeface="Arial" panose="020B0604020202020204" pitchFamily="34" charset="0"/>
+              <a:buChar char="•"/>
+              <a:defRPr sz="1800" kern="1200">
+                <a:solidFill>
+                  <a:schemeClr val="tx1"/>
+                </a:solidFill>
+                <a:latin typeface="+mn-lt"/>
+                <a:ea typeface="+mn-ea"/>
+                <a:cs typeface="+mn-cs"/>
+              </a:defRPr>
+            </a:lvl8pPr>
+            <a:lvl9pPr marL="3886200" indent="-228600" algn="l" defTabSz="914400" rtl="0" eaLnBrk="1" latinLnBrk="0" hangingPunct="1">
+              <a:lnSpc>
+                <a:spcPct val="90000"/>
+              </a:lnSpc>
+              <a:spcBef>
+                <a:spcPts val="500"/>
+              </a:spcBef>
+              <a:buFont typeface="Arial" panose="020B0604020202020204" pitchFamily="34" charset="0"/>
+              <a:buChar char="•"/>
+              <a:defRPr sz="1800" kern="1200">
+                <a:solidFill>
+                  <a:schemeClr val="tx1"/>
+                </a:solidFill>
+                <a:latin typeface="+mn-lt"/>
+                <a:ea typeface="+mn-ea"/>
+                <a:cs typeface="+mn-cs"/>
+              </a:defRPr>
+            </a:lvl9pPr>
+          </a:lstStyle>
+          <a:p>
+            <a:r>
+              <a:rPr lang="en-US" dirty="0"/>
+              <a:t>Height increase from loss of oppositely charged region </a:t>
+            </a:r>
+          </a:p>
+          <a:p>
+            <a:pPr lvl="1"/>
+            <a:r>
+              <a:rPr lang="en-US" dirty="0"/>
+              <a:t>Note: Large decrease in brush volume due to lower D2 grafting density (in addition to loss of monomers): 0.03010 </a:t>
+            </a:r>
+            <a:r>
+              <a:rPr lang="en-US" dirty="0">
+                <a:sym typeface="Wingdings" panose="05000000000000000000" pitchFamily="2" charset="2"/>
+              </a:rPr>
+              <a:t> 0.01854 c/nm2</a:t>
+            </a:r>
+            <a:endParaRPr lang="en-US" dirty="0"/>
+          </a:p>
+        </p:txBody>
+      </p:sp>
+      <p:grpSp>
+        <p:nvGrpSpPr>
+          <p:cNvPr id="16" name="Group 15">
+            <a:extLst>
+              <a:ext uri="{FF2B5EF4-FFF2-40B4-BE49-F238E27FC236}">
+                <a16:creationId xmlns:a16="http://schemas.microsoft.com/office/drawing/2014/main" id="{739A9C79-2B81-FCD5-B0DB-BECEB42E1E4A}"/>
+              </a:ext>
+            </a:extLst>
+          </p:cNvPr>
+          <p:cNvGrpSpPr/>
+          <p:nvPr/>
+        </p:nvGrpSpPr>
+        <p:grpSpPr>
+          <a:xfrm>
+            <a:off x="2909116" y="2515230"/>
+            <a:ext cx="6924675" cy="1817726"/>
+            <a:chOff x="2185785" y="1608079"/>
+            <a:chExt cx="6924675" cy="1817726"/>
+          </a:xfrm>
+        </p:grpSpPr>
+        <p:pic>
+          <p:nvPicPr>
+            <p:cNvPr id="3074" name="Picture 2">
+              <a:extLst>
+                <a:ext uri="{FF2B5EF4-FFF2-40B4-BE49-F238E27FC236}">
+                  <a16:creationId xmlns:a16="http://schemas.microsoft.com/office/drawing/2014/main" id="{95F16A2D-092A-C28E-7D11-EE7322441C92}"/>
+                </a:ext>
+              </a:extLst>
+            </p:cNvPr>
+            <p:cNvPicPr>
+              <a:picLocks noChangeAspect="1" noChangeArrowheads="1"/>
+            </p:cNvPicPr>
+            <p:nvPr/>
+          </p:nvPicPr>
+          <p:blipFill>
+            <a:blip r:embed="rId3">
+              <a:extLst>
+                <a:ext uri="{28A0092B-C50C-407E-A947-70E740481C1C}">
+                  <a14:useLocalDpi xmlns:a14="http://schemas.microsoft.com/office/drawing/2010/main" val="0"/>
+                </a:ext>
+              </a:extLst>
+            </a:blip>
+            <a:srcRect/>
+            <a:stretch>
+              <a:fillRect/>
+            </a:stretch>
+          </p:blipFill>
+          <p:spPr bwMode="auto">
+            <a:xfrm>
+              <a:off x="2185785" y="1752583"/>
+              <a:ext cx="6924675" cy="1673222"/>
+            </a:xfrm>
+            <a:prstGeom prst="rect">
+              <a:avLst/>
+            </a:prstGeom>
+            <a:noFill/>
+            <a:extLst>
+              <a:ext uri="{909E8E84-426E-40DD-AFC4-6F175D3DCCD1}">
+                <a14:hiddenFill xmlns:a14="http://schemas.microsoft.com/office/drawing/2010/main">
+                  <a:solidFill>
+                    <a:srgbClr val="FFFFFF"/>
+                  </a:solidFill>
+                </a14:hiddenFill>
+              </a:ext>
+            </a:extLst>
+          </p:spPr>
+        </p:pic>
+        <p:sp>
+          <p:nvSpPr>
+            <p:cNvPr id="14" name="Rectangle 13">
+              <a:extLst>
+                <a:ext uri="{FF2B5EF4-FFF2-40B4-BE49-F238E27FC236}">
+                  <a16:creationId xmlns:a16="http://schemas.microsoft.com/office/drawing/2014/main" id="{69FF3488-41A5-8B19-81CD-57F4EA24894F}"/>
+                </a:ext>
+              </a:extLst>
+            </p:cNvPr>
+            <p:cNvSpPr/>
+            <p:nvPr/>
+          </p:nvSpPr>
+          <p:spPr>
+            <a:xfrm>
+              <a:off x="2688649" y="1847850"/>
+              <a:ext cx="426026" cy="1118068"/>
+            </a:xfrm>
+            <a:prstGeom prst="rect">
+              <a:avLst/>
+            </a:prstGeom>
+            <a:noFill/>
+            <a:ln w="38100"/>
+          </p:spPr>
+          <p:style>
+            <a:lnRef idx="2">
+              <a:schemeClr val="accent1">
+                <a:shade val="15000"/>
+              </a:schemeClr>
+            </a:lnRef>
+            <a:fillRef idx="1">
+              <a:schemeClr val="accent1"/>
+            </a:fillRef>
+            <a:effectRef idx="0">
+              <a:schemeClr val="accent1"/>
+            </a:effectRef>
+            <a:fontRef idx="minor">
+              <a:schemeClr val="lt1"/>
+            </a:fontRef>
+          </p:style>
+          <p:txBody>
+            <a:bodyPr rtlCol="0" anchor="ctr"/>
+            <a:lstStyle/>
+            <a:p>
+              <a:pPr algn="ctr"/>
+              <a:endParaRPr lang="en-US" dirty="0"/>
+            </a:p>
+          </p:txBody>
+        </p:sp>
+        <p:sp>
+          <p:nvSpPr>
+            <p:cNvPr id="15" name="TextBox 14">
+              <a:extLst>
+                <a:ext uri="{FF2B5EF4-FFF2-40B4-BE49-F238E27FC236}">
+                  <a16:creationId xmlns:a16="http://schemas.microsoft.com/office/drawing/2014/main" id="{00E7BE38-D2A2-FF84-949B-BC1CC26ACDE9}"/>
+                </a:ext>
+              </a:extLst>
+            </p:cNvPr>
+            <p:cNvSpPr txBox="1"/>
+            <p:nvPr/>
+          </p:nvSpPr>
+          <p:spPr>
+            <a:xfrm>
+              <a:off x="3146969" y="1608079"/>
+              <a:ext cx="2353721" cy="369332"/>
+            </a:xfrm>
+            <a:prstGeom prst="rect">
+              <a:avLst/>
+            </a:prstGeom>
+            <a:noFill/>
+          </p:spPr>
+          <p:txBody>
+            <a:bodyPr wrap="none" rtlCol="0">
+              <a:spAutoFit/>
+            </a:bodyPr>
+            <a:lstStyle/>
+            <a:p>
+              <a:r>
+                <a:rPr lang="en-US" dirty="0"/>
+                <a:t>Approximate D2 region</a:t>
+              </a:r>
+            </a:p>
+          </p:txBody>
+        </p:sp>
+      </p:grpSp>
+    </p:spTree>
+    <p:extLst>
+      <p:ext uri="{BB962C8B-B14F-4D97-AF65-F5344CB8AC3E}">
+        <p14:creationId xmlns:p14="http://schemas.microsoft.com/office/powerpoint/2010/main" val="889184620"/>
+      </p:ext>
+    </p:extLst>
+  </p:cSld>
+  <p:clrMapOvr>
+    <a:masterClrMapping/>
+  </p:clrMapOvr>
+</p:sld>
+</file>
+
+<file path=ppt/slides/slide11.xml><?xml version="1.0" encoding="utf-8"?>
+<p:sld xmlns:a="http://schemas.openxmlformats.org/drawingml/2006/main" xmlns:r="http://schemas.openxmlformats.org/officeDocument/2006/relationships" xmlns:p="http://schemas.openxmlformats.org/presentationml/2006/main">
+  <p:cSld>
+    <p:spTree>
+      <p:nvGrpSpPr>
+        <p:cNvPr id="1" name=""/>
+        <p:cNvGrpSpPr/>
+        <p:nvPr/>
+      </p:nvGrpSpPr>
+      <p:grpSpPr>
+        <a:xfrm>
+          <a:off x="0" y="0"/>
+          <a:ext cx="0" cy="0"/>
+          <a:chOff x="0" y="0"/>
+          <a:chExt cx="0" cy="0"/>
+        </a:xfrm>
+      </p:grpSpPr>
+      <p:sp>
+        <p:nvSpPr>
+          <p:cNvPr id="2" name="Title 1">
+            <a:extLst>
+              <a:ext uri="{FF2B5EF4-FFF2-40B4-BE49-F238E27FC236}">
+                <a16:creationId xmlns:a16="http://schemas.microsoft.com/office/drawing/2014/main" id="{0ECB7215-559A-C3D0-8516-BCDF0CBDA66A}"/>
+              </a:ext>
+            </a:extLst>
+          </p:cNvPr>
+          <p:cNvSpPr>
+            <a:spLocks noGrp="1"/>
+          </p:cNvSpPr>
+          <p:nvPr>
+            <p:ph type="title"/>
+          </p:nvPr>
+        </p:nvSpPr>
+        <p:spPr/>
+        <p:txBody>
+          <a:bodyPr/>
+          <a:lstStyle/>
+          <a:p>
+            <a:r>
+              <a:rPr lang="en-US" dirty="0" err="1"/>
+              <a:t>pNFH</a:t>
+            </a:r>
+            <a:r>
+              <a:rPr lang="en-US" dirty="0"/>
+              <a:t>(D2) Option 1</a:t>
+            </a:r>
+          </a:p>
+        </p:txBody>
+      </p:sp>
+      <p:sp>
+        <p:nvSpPr>
+          <p:cNvPr id="3" name="Slide Number Placeholder 2">
+            <a:extLst>
+              <a:ext uri="{FF2B5EF4-FFF2-40B4-BE49-F238E27FC236}">
+                <a16:creationId xmlns:a16="http://schemas.microsoft.com/office/drawing/2014/main" id="{9E388C0F-15A0-7138-FEBA-D6A9424161E3}"/>
+              </a:ext>
+            </a:extLst>
+          </p:cNvPr>
+          <p:cNvSpPr>
+            <a:spLocks noGrp="1"/>
+          </p:cNvSpPr>
+          <p:nvPr>
+            <p:ph type="sldNum" sz="quarter" idx="12"/>
+          </p:nvPr>
+        </p:nvSpPr>
+        <p:spPr/>
+        <p:txBody>
+          <a:bodyPr/>
+          <a:lstStyle/>
+          <a:p>
+            <a:fld id="{B40DB54C-0C58-4481-B5FF-5C3F14CFF9B3}" type="slidenum">
+              <a:rPr lang="en-US" smtClean="0"/>
+              <a:t>11</a:t>
+            </a:fld>
+            <a:endParaRPr lang="en-US"/>
+          </a:p>
+        </p:txBody>
+      </p:sp>
+      <p:sp>
+        <p:nvSpPr>
+          <p:cNvPr id="4" name="Content Placeholder 2">
+            <a:extLst>
+              <a:ext uri="{FF2B5EF4-FFF2-40B4-BE49-F238E27FC236}">
+                <a16:creationId xmlns:a16="http://schemas.microsoft.com/office/drawing/2014/main" id="{AC6A9A94-8932-B05B-C38B-DFBE459587B2}"/>
+              </a:ext>
+            </a:extLst>
+          </p:cNvPr>
+          <p:cNvSpPr txBox="1">
+            <a:spLocks/>
+          </p:cNvSpPr>
+          <p:nvPr/>
+        </p:nvSpPr>
+        <p:spPr>
+          <a:xfrm>
+            <a:off x="838200" y="1081157"/>
+            <a:ext cx="10515600" cy="5109249"/>
+          </a:xfrm>
+          <a:prstGeom prst="rect">
+            <a:avLst/>
+          </a:prstGeom>
+        </p:spPr>
+        <p:txBody>
+          <a:bodyPr/>
+          <a:lstStyle>
+            <a:lvl1pPr marL="228600" indent="-228600" algn="l" defTabSz="914400" rtl="0" eaLnBrk="1" latinLnBrk="0" hangingPunct="1">
+              <a:lnSpc>
+                <a:spcPct val="100000"/>
+              </a:lnSpc>
+              <a:spcBef>
+                <a:spcPts val="1000"/>
+              </a:spcBef>
+              <a:spcAft>
+                <a:spcPts val="1200"/>
+              </a:spcAft>
+              <a:buFont typeface="Arial" panose="020B0604020202020204" pitchFamily="34" charset="0"/>
+              <a:buChar char="•"/>
+              <a:defRPr sz="2400" kern="1200">
+                <a:solidFill>
+                  <a:schemeClr val="tx1"/>
+                </a:solidFill>
+                <a:latin typeface="Lucida Grande" pitchFamily="2" charset="0"/>
+                <a:ea typeface="Lucida Grande" pitchFamily="2" charset="0"/>
+                <a:cs typeface="Lucida Grande" pitchFamily="2" charset="0"/>
+              </a:defRPr>
+            </a:lvl1pPr>
+            <a:lvl2pPr marL="685800" indent="-228600" algn="l" defTabSz="914400" rtl="0" eaLnBrk="1" latinLnBrk="0" hangingPunct="1">
+              <a:lnSpc>
+                <a:spcPct val="100000"/>
+              </a:lnSpc>
+              <a:spcBef>
+                <a:spcPts val="500"/>
+              </a:spcBef>
+              <a:spcAft>
+                <a:spcPts val="1200"/>
+              </a:spcAft>
+              <a:buFont typeface="Arial" panose="020B0604020202020204" pitchFamily="34" charset="0"/>
+              <a:buChar char="•"/>
+              <a:defRPr sz="2000" kern="1200">
+                <a:solidFill>
+                  <a:schemeClr val="tx1"/>
+                </a:solidFill>
+                <a:latin typeface="Lucida Grande" pitchFamily="2" charset="0"/>
+                <a:ea typeface="Lucida Grande" pitchFamily="2" charset="0"/>
+                <a:cs typeface="Lucida Grande" pitchFamily="2" charset="0"/>
+              </a:defRPr>
+            </a:lvl2pPr>
+            <a:lvl3pPr marL="1143000" indent="-228600" algn="l" defTabSz="914400" rtl="0" eaLnBrk="1" latinLnBrk="0" hangingPunct="1">
+              <a:lnSpc>
+                <a:spcPct val="100000"/>
+              </a:lnSpc>
+              <a:spcBef>
+                <a:spcPts val="500"/>
+              </a:spcBef>
+              <a:spcAft>
+                <a:spcPts val="1200"/>
+              </a:spcAft>
+              <a:buFont typeface="Arial" panose="020B0604020202020204" pitchFamily="34" charset="0"/>
+              <a:buChar char="•"/>
+              <a:defRPr sz="1800" kern="1200">
+                <a:solidFill>
+                  <a:schemeClr val="tx1"/>
+                </a:solidFill>
+                <a:latin typeface="Lucida Grande" pitchFamily="2" charset="0"/>
+                <a:ea typeface="Lucida Grande" pitchFamily="2" charset="0"/>
+                <a:cs typeface="Lucida Grande" pitchFamily="2" charset="0"/>
+              </a:defRPr>
+            </a:lvl3pPr>
+            <a:lvl4pPr marL="1600200" indent="-228600" algn="l" defTabSz="914400" rtl="0" eaLnBrk="1" latinLnBrk="0" hangingPunct="1">
+              <a:lnSpc>
+                <a:spcPct val="100000"/>
+              </a:lnSpc>
+              <a:spcBef>
+                <a:spcPts val="500"/>
+              </a:spcBef>
+              <a:spcAft>
+                <a:spcPts val="1200"/>
+              </a:spcAft>
+              <a:buFont typeface="Arial" panose="020B0604020202020204" pitchFamily="34" charset="0"/>
+              <a:buChar char="•"/>
+              <a:defRPr sz="1600" kern="1200">
+                <a:solidFill>
+                  <a:schemeClr val="tx1"/>
+                </a:solidFill>
+                <a:latin typeface="Lucida Grande" pitchFamily="2" charset="0"/>
+                <a:ea typeface="Lucida Grande" pitchFamily="2" charset="0"/>
+                <a:cs typeface="Lucida Grande" pitchFamily="2" charset="0"/>
+              </a:defRPr>
+            </a:lvl4pPr>
+            <a:lvl5pPr marL="2057400" indent="-228600" algn="l" defTabSz="914400" rtl="0" eaLnBrk="1" latinLnBrk="0" hangingPunct="1">
+              <a:lnSpc>
+                <a:spcPct val="100000"/>
+              </a:lnSpc>
+              <a:spcBef>
+                <a:spcPts val="500"/>
+              </a:spcBef>
+              <a:spcAft>
+                <a:spcPts val="1200"/>
+              </a:spcAft>
+              <a:buFont typeface="Arial" panose="020B0604020202020204" pitchFamily="34" charset="0"/>
+              <a:buChar char="•"/>
+              <a:defRPr sz="1600" kern="1200">
+                <a:solidFill>
+                  <a:schemeClr val="tx1"/>
+                </a:solidFill>
+                <a:latin typeface="Lucida Grande" pitchFamily="2" charset="0"/>
+                <a:ea typeface="Lucida Grande" pitchFamily="2" charset="0"/>
+                <a:cs typeface="Lucida Grande" pitchFamily="2" charset="0"/>
+              </a:defRPr>
+            </a:lvl5pPr>
+            <a:lvl6pPr marL="2514600" indent="-228600" algn="l" defTabSz="914400" rtl="0" eaLnBrk="1" latinLnBrk="0" hangingPunct="1">
+              <a:lnSpc>
+                <a:spcPct val="90000"/>
+              </a:lnSpc>
+              <a:spcBef>
+                <a:spcPts val="500"/>
+              </a:spcBef>
+              <a:buFont typeface="Arial" panose="020B0604020202020204" pitchFamily="34" charset="0"/>
+              <a:buChar char="•"/>
+              <a:defRPr sz="1800" kern="1200">
+                <a:solidFill>
+                  <a:schemeClr val="tx1"/>
+                </a:solidFill>
+                <a:latin typeface="+mn-lt"/>
+                <a:ea typeface="+mn-ea"/>
+                <a:cs typeface="+mn-cs"/>
+              </a:defRPr>
+            </a:lvl6pPr>
+            <a:lvl7pPr marL="2971800" indent="-228600" algn="l" defTabSz="914400" rtl="0" eaLnBrk="1" latinLnBrk="0" hangingPunct="1">
+              <a:lnSpc>
+                <a:spcPct val="90000"/>
+              </a:lnSpc>
+              <a:spcBef>
+                <a:spcPts val="500"/>
+              </a:spcBef>
+              <a:buFont typeface="Arial" panose="020B0604020202020204" pitchFamily="34" charset="0"/>
+              <a:buChar char="•"/>
+              <a:defRPr sz="1800" kern="1200">
+                <a:solidFill>
+                  <a:schemeClr val="tx1"/>
+                </a:solidFill>
+                <a:latin typeface="+mn-lt"/>
+                <a:ea typeface="+mn-ea"/>
+                <a:cs typeface="+mn-cs"/>
+              </a:defRPr>
+            </a:lvl7pPr>
+            <a:lvl8pPr marL="3429000" indent="-228600" algn="l" defTabSz="914400" rtl="0" eaLnBrk="1" latinLnBrk="0" hangingPunct="1">
+              <a:lnSpc>
+                <a:spcPct val="90000"/>
+              </a:lnSpc>
+              <a:spcBef>
+                <a:spcPts val="500"/>
+              </a:spcBef>
+              <a:buFont typeface="Arial" panose="020B0604020202020204" pitchFamily="34" charset="0"/>
+              <a:buChar char="•"/>
+              <a:defRPr sz="1800" kern="1200">
+                <a:solidFill>
+                  <a:schemeClr val="tx1"/>
+                </a:solidFill>
+                <a:latin typeface="+mn-lt"/>
+                <a:ea typeface="+mn-ea"/>
+                <a:cs typeface="+mn-cs"/>
+              </a:defRPr>
+            </a:lvl8pPr>
+            <a:lvl9pPr marL="3886200" indent="-228600" algn="l" defTabSz="914400" rtl="0" eaLnBrk="1" latinLnBrk="0" hangingPunct="1">
+              <a:lnSpc>
+                <a:spcPct val="90000"/>
+              </a:lnSpc>
+              <a:spcBef>
+                <a:spcPts val="500"/>
+              </a:spcBef>
+              <a:buFont typeface="Arial" panose="020B0604020202020204" pitchFamily="34" charset="0"/>
+              <a:buChar char="•"/>
+              <a:defRPr sz="1800" kern="1200">
+                <a:solidFill>
+                  <a:schemeClr val="tx1"/>
+                </a:solidFill>
+                <a:latin typeface="+mn-lt"/>
+                <a:ea typeface="+mn-ea"/>
+                <a:cs typeface="+mn-cs"/>
+              </a:defRPr>
+            </a:lvl9pPr>
+          </a:lstStyle>
+          <a:p>
+            <a:r>
+              <a:rPr lang="en-US" dirty="0"/>
+              <a:t>2</a:t>
+            </a:r>
+            <a:r>
+              <a:rPr lang="en-US" baseline="30000" dirty="0"/>
+              <a:t>nd</a:t>
+            </a:r>
+            <a:r>
+              <a:rPr lang="en-US" dirty="0"/>
+              <a:t> block responsible for forming second layer (looks like flower conformation previously reported for </a:t>
+            </a:r>
+            <a:r>
+              <a:rPr lang="en-US" dirty="0" err="1"/>
+              <a:t>pNFH</a:t>
+            </a:r>
+            <a:r>
+              <a:rPr lang="en-US" dirty="0"/>
+              <a:t>)</a:t>
+            </a:r>
+          </a:p>
+        </p:txBody>
+      </p:sp>
+      <p:grpSp>
+        <p:nvGrpSpPr>
+          <p:cNvPr id="9" name="Group 8">
+            <a:extLst>
+              <a:ext uri="{FF2B5EF4-FFF2-40B4-BE49-F238E27FC236}">
+                <a16:creationId xmlns:a16="http://schemas.microsoft.com/office/drawing/2014/main" id="{6C1EA11B-1D91-D48D-725B-C522C8444350}"/>
+              </a:ext>
+            </a:extLst>
+          </p:cNvPr>
+          <p:cNvGrpSpPr/>
+          <p:nvPr/>
+        </p:nvGrpSpPr>
+        <p:grpSpPr>
+          <a:xfrm>
+            <a:off x="2358645" y="2036583"/>
+            <a:ext cx="3518280" cy="2768482"/>
+            <a:chOff x="2358645" y="2036583"/>
+            <a:chExt cx="3518280" cy="2768482"/>
+          </a:xfrm>
+        </p:grpSpPr>
+        <p:pic>
+          <p:nvPicPr>
+            <p:cNvPr id="7170" name="Picture 2">
+              <a:extLst>
+                <a:ext uri="{FF2B5EF4-FFF2-40B4-BE49-F238E27FC236}">
+                  <a16:creationId xmlns:a16="http://schemas.microsoft.com/office/drawing/2014/main" id="{72BDFBE8-D064-2CFA-AED7-04412C5B4DF4}"/>
+                </a:ext>
+              </a:extLst>
+            </p:cNvPr>
+            <p:cNvPicPr>
+              <a:picLocks noChangeAspect="1" noChangeArrowheads="1"/>
+            </p:cNvPicPr>
+            <p:nvPr/>
+          </p:nvPicPr>
+          <p:blipFill>
+            <a:blip r:embed="rId2">
+              <a:extLst>
+                <a:ext uri="{28A0092B-C50C-407E-A947-70E740481C1C}">
+                  <a14:useLocalDpi xmlns:a14="http://schemas.microsoft.com/office/drawing/2010/main" val="0"/>
+                </a:ext>
+              </a:extLst>
+            </a:blip>
+            <a:srcRect/>
+            <a:stretch>
+              <a:fillRect/>
+            </a:stretch>
+          </p:blipFill>
+          <p:spPr bwMode="auto">
+            <a:xfrm>
+              <a:off x="2358645" y="2036583"/>
+              <a:ext cx="3518280" cy="2768482"/>
+            </a:xfrm>
+            <a:prstGeom prst="rect">
+              <a:avLst/>
+            </a:prstGeom>
+            <a:noFill/>
+            <a:extLst>
+              <a:ext uri="{909E8E84-426E-40DD-AFC4-6F175D3DCCD1}">
+                <a14:hiddenFill xmlns:a14="http://schemas.microsoft.com/office/drawing/2010/main">
+                  <a:solidFill>
+                    <a:srgbClr val="FFFFFF"/>
+                  </a:solidFill>
+                </a14:hiddenFill>
+              </a:ext>
+            </a:extLst>
+          </p:spPr>
+        </p:pic>
+        <p:sp>
+          <p:nvSpPr>
+            <p:cNvPr id="8" name="TextBox 7">
+              <a:extLst>
+                <a:ext uri="{FF2B5EF4-FFF2-40B4-BE49-F238E27FC236}">
+                  <a16:creationId xmlns:a16="http://schemas.microsoft.com/office/drawing/2014/main" id="{CFB405C2-E6B2-BA52-DC74-3295B960BE62}"/>
+                </a:ext>
+              </a:extLst>
+            </p:cNvPr>
+            <p:cNvSpPr txBox="1"/>
+            <p:nvPr/>
+          </p:nvSpPr>
+          <p:spPr>
+            <a:xfrm>
+              <a:off x="3152775" y="2476500"/>
+              <a:ext cx="952500" cy="369332"/>
+            </a:xfrm>
+            <a:prstGeom prst="rect">
+              <a:avLst/>
+            </a:prstGeom>
+            <a:noFill/>
+          </p:spPr>
+          <p:txBody>
+            <a:bodyPr wrap="square" rtlCol="0">
+              <a:spAutoFit/>
+            </a:bodyPr>
+            <a:lstStyle/>
+            <a:p>
+              <a:r>
+                <a:rPr lang="en-US" dirty="0" err="1"/>
+                <a:t>pNFH</a:t>
+              </a:r>
+              <a:endParaRPr lang="en-US" dirty="0"/>
+            </a:p>
+          </p:txBody>
+        </p:sp>
+      </p:grpSp>
+      <p:grpSp>
+        <p:nvGrpSpPr>
+          <p:cNvPr id="11" name="Group 10">
+            <a:extLst>
+              <a:ext uri="{FF2B5EF4-FFF2-40B4-BE49-F238E27FC236}">
+                <a16:creationId xmlns:a16="http://schemas.microsoft.com/office/drawing/2014/main" id="{9BAAF3F6-6F4D-2523-9974-27C9924B3B96}"/>
+              </a:ext>
+            </a:extLst>
+          </p:cNvPr>
+          <p:cNvGrpSpPr/>
+          <p:nvPr/>
+        </p:nvGrpSpPr>
+        <p:grpSpPr>
+          <a:xfrm>
+            <a:off x="5876925" y="2036582"/>
+            <a:ext cx="3518280" cy="2768483"/>
+            <a:chOff x="5876925" y="2036582"/>
+            <a:chExt cx="3518280" cy="2768483"/>
+          </a:xfrm>
+        </p:grpSpPr>
+        <p:pic>
+          <p:nvPicPr>
+            <p:cNvPr id="7172" name="Picture 4">
+              <a:extLst>
+                <a:ext uri="{FF2B5EF4-FFF2-40B4-BE49-F238E27FC236}">
+                  <a16:creationId xmlns:a16="http://schemas.microsoft.com/office/drawing/2014/main" id="{199056DB-F653-466E-F3EB-C875C954A70B}"/>
+                </a:ext>
+              </a:extLst>
+            </p:cNvPr>
+            <p:cNvPicPr>
+              <a:picLocks noChangeAspect="1" noChangeArrowheads="1"/>
+            </p:cNvPicPr>
+            <p:nvPr/>
+          </p:nvPicPr>
+          <p:blipFill>
+            <a:blip r:embed="rId3">
+              <a:extLst>
+                <a:ext uri="{28A0092B-C50C-407E-A947-70E740481C1C}">
+                  <a14:useLocalDpi xmlns:a14="http://schemas.microsoft.com/office/drawing/2010/main" val="0"/>
+                </a:ext>
+              </a:extLst>
+            </a:blip>
+            <a:srcRect/>
+            <a:stretch>
+              <a:fillRect/>
+            </a:stretch>
+          </p:blipFill>
+          <p:spPr bwMode="auto">
+            <a:xfrm>
+              <a:off x="5876925" y="2036582"/>
+              <a:ext cx="3518280" cy="2768483"/>
+            </a:xfrm>
+            <a:prstGeom prst="rect">
+              <a:avLst/>
+            </a:prstGeom>
+            <a:noFill/>
+            <a:extLst>
+              <a:ext uri="{909E8E84-426E-40DD-AFC4-6F175D3DCCD1}">
+                <a14:hiddenFill xmlns:a14="http://schemas.microsoft.com/office/drawing/2010/main">
+                  <a:solidFill>
+                    <a:srgbClr val="FFFFFF"/>
+                  </a:solidFill>
+                </a14:hiddenFill>
+              </a:ext>
+            </a:extLst>
+          </p:spPr>
+        </p:pic>
+        <p:sp>
+          <p:nvSpPr>
+            <p:cNvPr id="10" name="TextBox 9">
+              <a:extLst>
+                <a:ext uri="{FF2B5EF4-FFF2-40B4-BE49-F238E27FC236}">
+                  <a16:creationId xmlns:a16="http://schemas.microsoft.com/office/drawing/2014/main" id="{3663E390-0B96-A913-9B33-708EC501E727}"/>
+                </a:ext>
+              </a:extLst>
+            </p:cNvPr>
+            <p:cNvSpPr txBox="1"/>
+            <p:nvPr/>
+          </p:nvSpPr>
+          <p:spPr>
+            <a:xfrm>
+              <a:off x="6619875" y="2457450"/>
+              <a:ext cx="1304925" cy="369332"/>
+            </a:xfrm>
+            <a:prstGeom prst="rect">
+              <a:avLst/>
+            </a:prstGeom>
+            <a:noFill/>
+          </p:spPr>
+          <p:txBody>
+            <a:bodyPr wrap="square" rtlCol="0">
+              <a:spAutoFit/>
+            </a:bodyPr>
+            <a:lstStyle/>
+            <a:p>
+              <a:r>
+                <a:rPr lang="en-US" dirty="0"/>
+                <a:t>pNFH_D2</a:t>
+              </a:r>
+            </a:p>
+          </p:txBody>
+        </p:sp>
+      </p:grpSp>
+      <p:grpSp>
+        <p:nvGrpSpPr>
+          <p:cNvPr id="18" name="Group 17">
+            <a:extLst>
+              <a:ext uri="{FF2B5EF4-FFF2-40B4-BE49-F238E27FC236}">
+                <a16:creationId xmlns:a16="http://schemas.microsoft.com/office/drawing/2014/main" id="{95265833-5E51-27FB-8B1C-A8B4C4A654DA}"/>
+              </a:ext>
+            </a:extLst>
+          </p:cNvPr>
+          <p:cNvGrpSpPr/>
+          <p:nvPr/>
+        </p:nvGrpSpPr>
+        <p:grpSpPr>
+          <a:xfrm>
+            <a:off x="2678300" y="5051814"/>
+            <a:ext cx="6835400" cy="1611667"/>
+            <a:chOff x="2678300" y="4971009"/>
+            <a:chExt cx="6835400" cy="1611667"/>
+          </a:xfrm>
+        </p:grpSpPr>
+        <p:grpSp>
+          <p:nvGrpSpPr>
+            <p:cNvPr id="5" name="Group 4">
+              <a:extLst>
+                <a:ext uri="{FF2B5EF4-FFF2-40B4-BE49-F238E27FC236}">
+                  <a16:creationId xmlns:a16="http://schemas.microsoft.com/office/drawing/2014/main" id="{D6BB36D1-5E92-45B4-243A-B6D3BB1EEC69}"/>
+                </a:ext>
+              </a:extLst>
+            </p:cNvPr>
+            <p:cNvGrpSpPr/>
+            <p:nvPr/>
+          </p:nvGrpSpPr>
+          <p:grpSpPr>
+            <a:xfrm>
+              <a:off x="3002788" y="4971009"/>
+              <a:ext cx="6510912" cy="1611667"/>
+              <a:chOff x="5155438" y="5061492"/>
+              <a:chExt cx="5110627" cy="1265050"/>
+            </a:xfrm>
+          </p:grpSpPr>
+          <p:pic>
+            <p:nvPicPr>
+              <p:cNvPr id="6" name="Picture 6">
+                <a:extLst>
+                  <a:ext uri="{FF2B5EF4-FFF2-40B4-BE49-F238E27FC236}">
+                    <a16:creationId xmlns:a16="http://schemas.microsoft.com/office/drawing/2014/main" id="{600810A8-6DB8-5D93-35DA-94404BF5C219}"/>
+                  </a:ext>
+                </a:extLst>
+              </p:cNvPr>
+              <p:cNvPicPr>
+                <a:picLocks noChangeAspect="1" noChangeArrowheads="1"/>
+              </p:cNvPicPr>
+              <p:nvPr/>
+            </p:nvPicPr>
+            <p:blipFill rotWithShape="1">
+              <a:blip r:embed="rId4">
+                <a:extLst>
+                  <a:ext uri="{28A0092B-C50C-407E-A947-70E740481C1C}">
+                    <a14:useLocalDpi xmlns:a14="http://schemas.microsoft.com/office/drawing/2010/main" val="0"/>
+                  </a:ext>
+                </a:extLst>
+              </a:blip>
+              <a:srcRect t="1" b="84583"/>
+              <a:stretch/>
+            </p:blipFill>
+            <p:spPr bwMode="auto">
+              <a:xfrm>
+                <a:off x="5155439" y="5061492"/>
+                <a:ext cx="5110626" cy="190366"/>
+              </a:xfrm>
+              <a:prstGeom prst="rect">
+                <a:avLst/>
+              </a:prstGeom>
+              <a:noFill/>
+              <a:extLst>
+                <a:ext uri="{909E8E84-426E-40DD-AFC4-6F175D3DCCD1}">
+                  <a14:hiddenFill xmlns:a14="http://schemas.microsoft.com/office/drawing/2010/main">
+                    <a:solidFill>
+                      <a:srgbClr val="FFFFFF"/>
+                    </a:solidFill>
+                  </a14:hiddenFill>
+                </a:ext>
+              </a:extLst>
+            </p:spPr>
+          </p:pic>
+          <p:pic>
+            <p:nvPicPr>
+              <p:cNvPr id="7" name="Picture 8">
+                <a:extLst>
+                  <a:ext uri="{FF2B5EF4-FFF2-40B4-BE49-F238E27FC236}">
+                    <a16:creationId xmlns:a16="http://schemas.microsoft.com/office/drawing/2014/main" id="{2EABB3F6-3B88-5AC2-6A54-BFDB69661144}"/>
+                  </a:ext>
+                </a:extLst>
+              </p:cNvPr>
+              <p:cNvPicPr>
+                <a:picLocks noChangeAspect="1" noChangeArrowheads="1"/>
+              </p:cNvPicPr>
+              <p:nvPr/>
+            </p:nvPicPr>
+            <p:blipFill rotWithShape="1">
+              <a:blip r:embed="rId5">
+                <a:extLst>
+                  <a:ext uri="{28A0092B-C50C-407E-A947-70E740481C1C}">
+                    <a14:useLocalDpi xmlns:a14="http://schemas.microsoft.com/office/drawing/2010/main" val="0"/>
+                  </a:ext>
+                </a:extLst>
+              </a:blip>
+              <a:srcRect t="17568"/>
+              <a:stretch/>
+            </p:blipFill>
+            <p:spPr bwMode="auto">
+              <a:xfrm>
+                <a:off x="5155438" y="5308599"/>
+                <a:ext cx="5110627" cy="1017943"/>
+              </a:xfrm>
+              <a:prstGeom prst="rect">
+                <a:avLst/>
+              </a:prstGeom>
+              <a:noFill/>
+              <a:extLst>
+                <a:ext uri="{909E8E84-426E-40DD-AFC4-6F175D3DCCD1}">
+                  <a14:hiddenFill xmlns:a14="http://schemas.microsoft.com/office/drawing/2010/main">
+                    <a:solidFill>
+                      <a:srgbClr val="FFFFFF"/>
+                    </a:solidFill>
+                  </a14:hiddenFill>
+                </a:ext>
+              </a:extLst>
+            </p:spPr>
+          </p:pic>
+        </p:grpSp>
+        <p:sp>
+          <p:nvSpPr>
+            <p:cNvPr id="16" name="Rectangle 15">
+              <a:extLst>
+                <a:ext uri="{FF2B5EF4-FFF2-40B4-BE49-F238E27FC236}">
+                  <a16:creationId xmlns:a16="http://schemas.microsoft.com/office/drawing/2014/main" id="{B959834C-C674-80AA-8E62-600B1775C292}"/>
+                </a:ext>
+              </a:extLst>
+            </p:cNvPr>
+            <p:cNvSpPr/>
+            <p:nvPr/>
+          </p:nvSpPr>
+          <p:spPr>
+            <a:xfrm>
+              <a:off x="3492304" y="4996658"/>
+              <a:ext cx="426026" cy="1118068"/>
+            </a:xfrm>
+            <a:prstGeom prst="rect">
+              <a:avLst/>
+            </a:prstGeom>
+            <a:noFill/>
+            <a:ln w="38100"/>
+          </p:spPr>
+          <p:style>
+            <a:lnRef idx="2">
+              <a:schemeClr val="accent1">
+                <a:shade val="15000"/>
+              </a:schemeClr>
+            </a:lnRef>
+            <a:fillRef idx="1">
+              <a:schemeClr val="accent1"/>
+            </a:fillRef>
+            <a:effectRef idx="0">
+              <a:schemeClr val="accent1"/>
+            </a:effectRef>
+            <a:fontRef idx="minor">
+              <a:schemeClr val="lt1"/>
+            </a:fontRef>
+          </p:style>
+          <p:txBody>
+            <a:bodyPr rtlCol="0" anchor="ctr"/>
+            <a:lstStyle/>
+            <a:p>
+              <a:pPr algn="ctr"/>
+              <a:endParaRPr lang="en-US" dirty="0"/>
+            </a:p>
+          </p:txBody>
+        </p:sp>
+        <p:sp>
+          <p:nvSpPr>
+            <p:cNvPr id="17" name="TextBox 16">
+              <a:extLst>
+                <a:ext uri="{FF2B5EF4-FFF2-40B4-BE49-F238E27FC236}">
+                  <a16:creationId xmlns:a16="http://schemas.microsoft.com/office/drawing/2014/main" id="{6C9BBD0E-72C4-97EF-5C0E-6C47C5F02788}"/>
+                </a:ext>
+              </a:extLst>
+            </p:cNvPr>
+            <p:cNvSpPr txBox="1"/>
+            <p:nvPr/>
+          </p:nvSpPr>
+          <p:spPr>
+            <a:xfrm>
+              <a:off x="2678300" y="6150244"/>
+              <a:ext cx="2353721" cy="369332"/>
+            </a:xfrm>
+            <a:prstGeom prst="rect">
+              <a:avLst/>
+            </a:prstGeom>
+            <a:noFill/>
+          </p:spPr>
+          <p:txBody>
+            <a:bodyPr wrap="none" rtlCol="0">
+              <a:spAutoFit/>
+            </a:bodyPr>
+            <a:lstStyle/>
+            <a:p>
+              <a:r>
+                <a:rPr lang="en-US" dirty="0"/>
+                <a:t>Approximate D2 region</a:t>
+              </a:r>
+            </a:p>
+          </p:txBody>
+        </p:sp>
+      </p:grpSp>
+    </p:spTree>
+    <p:extLst>
+      <p:ext uri="{BB962C8B-B14F-4D97-AF65-F5344CB8AC3E}">
+        <p14:creationId xmlns:p14="http://schemas.microsoft.com/office/powerpoint/2010/main" val="1229037523"/>
+      </p:ext>
+    </p:extLst>
+  </p:cSld>
+  <p:clrMapOvr>
+    <a:masterClrMapping/>
+  </p:clrMapOvr>
+</p:sld>
+</file>
+
+<file path=ppt/slides/slide12.xml><?xml version="1.0" encoding="utf-8"?>
+<p:sld xmlns:a="http://schemas.openxmlformats.org/drawingml/2006/main" xmlns:r="http://schemas.openxmlformats.org/officeDocument/2006/relationships" xmlns:p="http://schemas.openxmlformats.org/presentationml/2006/main">
+  <p:cSld>
+    <p:spTree>
+      <p:nvGrpSpPr>
+        <p:cNvPr id="1" name=""/>
+        <p:cNvGrpSpPr/>
+        <p:nvPr/>
+      </p:nvGrpSpPr>
+      <p:grpSpPr>
+        <a:xfrm>
+          <a:off x="0" y="0"/>
+          <a:ext cx="0" cy="0"/>
+          <a:chOff x="0" y="0"/>
+          <a:chExt cx="0" cy="0"/>
+        </a:xfrm>
+      </p:grpSpPr>
+      <p:sp>
+        <p:nvSpPr>
+          <p:cNvPr id="2" name="Title 1">
+            <a:extLst>
+              <a:ext uri="{FF2B5EF4-FFF2-40B4-BE49-F238E27FC236}">
                 <a16:creationId xmlns:a16="http://schemas.microsoft.com/office/drawing/2014/main" id="{E4185B72-430C-9180-300F-4543AF980796}"/>
               </a:ext>
             </a:extLst>
@@ -2797,7 +4341,7 @@
           <a:p>
             <a:fld id="{B40DB54C-0C58-4481-B5FF-5C3F14CFF9B3}" type="slidenum">
               <a:rPr lang="en-US" smtClean="0"/>
-              <a:t>10</a:t>
+              <a:t>12</a:t>
             </a:fld>
             <a:endParaRPr lang="en-US"/>
           </a:p>
@@ -3337,7 +4881,7 @@
 </p:sld>
 </file>
 
-<file path=ppt/slides/slide11.xml><?xml version="1.0" encoding="utf-8"?>
+<file path=ppt/slides/slide13.xml><?xml version="1.0" encoding="utf-8"?>
 <p:sld xmlns:a="http://schemas.openxmlformats.org/drawingml/2006/main" xmlns:r="http://schemas.openxmlformats.org/officeDocument/2006/relationships" xmlns:p="http://schemas.openxmlformats.org/presentationml/2006/main">
   <p:cSld>
     <p:spTree>
@@ -3409,7 +4953,7 @@
           <a:p>
             <a:fld id="{B40DB54C-0C58-4481-B5FF-5C3F14CFF9B3}" type="slidenum">
               <a:rPr lang="en-US" smtClean="0"/>
-              <a:t>11</a:t>
+              <a:t>13</a:t>
             </a:fld>
             <a:endParaRPr lang="en-US"/>
           </a:p>
@@ -4076,7 +5620,7 @@
           <a:p>
             <a:r>
               <a:rPr lang="en-US" dirty="0"/>
-              <a:t>System</a:t>
+              <a:t>Problem</a:t>
             </a:r>
           </a:p>
         </p:txBody>
@@ -4555,50 +6099,6 @@
       </p:grpSp>
       <p:sp>
         <p:nvSpPr>
-          <p:cNvPr id="22" name="TextBox 21">
-            <a:extLst>
-              <a:ext uri="{FF2B5EF4-FFF2-40B4-BE49-F238E27FC236}">
-                <a16:creationId xmlns:a16="http://schemas.microsoft.com/office/drawing/2014/main" id="{5A803E02-1AC5-3AF2-AF62-8423DD9FA1C1}"/>
-              </a:ext>
-            </a:extLst>
-          </p:cNvPr>
-          <p:cNvSpPr txBox="1"/>
-          <p:nvPr/>
-        </p:nvSpPr>
-        <p:spPr>
-          <a:xfrm>
-            <a:off x="7218065" y="6574883"/>
-            <a:ext cx="3579406" cy="276999"/>
-          </a:xfrm>
-          <a:prstGeom prst="rect">
-            <a:avLst/>
-          </a:prstGeom>
-          <a:noFill/>
-        </p:spPr>
-        <p:txBody>
-          <a:bodyPr wrap="square" rtlCol="0">
-            <a:spAutoFit/>
-          </a:bodyPr>
-          <a:lstStyle/>
-          <a:p>
-            <a:pPr algn="ctr"/>
-            <a:r>
-              <a:rPr lang="en-US" sz="1200" dirty="0"/>
-              <a:t>Yokokura et al. </a:t>
-            </a:r>
-            <a:r>
-              <a:rPr lang="en-US" sz="1200" i="1" dirty="0"/>
-              <a:t>Biomacromolecules</a:t>
-            </a:r>
-            <a:r>
-              <a:rPr lang="en-US" sz="1200" dirty="0"/>
-              <a:t>. 2024</a:t>
-            </a:r>
-          </a:p>
-        </p:txBody>
-      </p:sp>
-      <p:sp>
-        <p:nvSpPr>
           <p:cNvPr id="23" name="Slide Number Placeholder 22">
             <a:extLst>
               <a:ext uri="{FF2B5EF4-FFF2-40B4-BE49-F238E27FC236}">
@@ -4754,7 +6254,7 @@
           <a:p>
             <a:r>
               <a:rPr lang="en-US" dirty="0"/>
-              <a:t>Method</a:t>
+              <a:t>System</a:t>
             </a:r>
           </a:p>
         </p:txBody>
@@ -4782,7 +6282,17 @@
           <a:p>
             <a:r>
               <a:rPr lang="en-US" dirty="0"/>
-              <a:t>Coarse-graining</a:t>
+              <a:t>Protein </a:t>
+            </a:r>
+            <a:r>
+              <a:rPr lang="en-US" dirty="0">
+                <a:sym typeface="Wingdings" panose="05000000000000000000" pitchFamily="2" charset="2"/>
+              </a:rPr>
+              <a:t> </a:t>
+            </a:r>
+            <a:r>
+              <a:rPr lang="en-US" dirty="0"/>
+              <a:t>Multiblock charged macromolecular model</a:t>
             </a:r>
           </a:p>
           <a:p>
@@ -4792,20 +6302,23 @@
             <a:endParaRPr lang="en-US" dirty="0"/>
           </a:p>
           <a:p>
+            <a:pPr marL="0" indent="0">
+              <a:buNone/>
+            </a:pPr>
             <a:endParaRPr lang="en-US" dirty="0"/>
           </a:p>
           <a:p>
             <a:r>
               <a:rPr lang="en-US" dirty="0"/>
-              <a:t>Application to NF (e.g. </a:t>
+              <a:t>Coarse-graining by grouping similar neighboring charges (</a:t>
             </a:r>
             <a:r>
               <a:rPr lang="en-US" dirty="0" err="1"/>
-              <a:t>pNFH</a:t>
+              <a:t>cusum</a:t>
             </a:r>
             <a:r>
               <a:rPr lang="en-US" dirty="0"/>
-              <a:t>)</a:t>
+              <a:t> method)</a:t>
             </a:r>
           </a:p>
           <a:p>
@@ -4856,7 +6369,7 @@
         </p:nvSpPr>
         <p:spPr>
           <a:xfrm>
-            <a:off x="7218065" y="6574883"/>
+            <a:off x="838200" y="6574883"/>
             <a:ext cx="3579406" cy="276999"/>
           </a:xfrm>
           <a:prstGeom prst="rect">
@@ -4870,7 +6383,6 @@
           </a:bodyPr>
           <a:lstStyle/>
           <a:p>
-            <a:pPr algn="ctr"/>
             <a:r>
               <a:rPr lang="en-US" sz="1200" dirty="0"/>
               <a:t>Yokokura et al. </a:t>
@@ -4886,164 +6398,6 @@
           </a:p>
         </p:txBody>
       </p:sp>
-      <p:pic>
-        <p:nvPicPr>
-          <p:cNvPr id="1028" name="Picture 4">
-            <a:extLst>
-              <a:ext uri="{FF2B5EF4-FFF2-40B4-BE49-F238E27FC236}">
-                <a16:creationId xmlns:a16="http://schemas.microsoft.com/office/drawing/2014/main" id="{8B5B35A0-8DE2-80AE-CBDB-BE81A42C7EE9}"/>
-              </a:ext>
-            </a:extLst>
-          </p:cNvPr>
-          <p:cNvPicPr>
-            <a:picLocks noChangeAspect="1" noChangeArrowheads="1"/>
-          </p:cNvPicPr>
-          <p:nvPr/>
-        </p:nvPicPr>
-        <p:blipFill>
-          <a:blip r:embed="rId2">
-            <a:extLst>
-              <a:ext uri="{28A0092B-C50C-407E-A947-70E740481C1C}">
-                <a14:useLocalDpi xmlns:a14="http://schemas.microsoft.com/office/drawing/2010/main" val="0"/>
-              </a:ext>
-            </a:extLst>
-          </a:blip>
-          <a:srcRect/>
-          <a:stretch>
-            <a:fillRect/>
-          </a:stretch>
-        </p:blipFill>
-        <p:spPr bwMode="auto">
-          <a:xfrm>
-            <a:off x="1394529" y="4229100"/>
-            <a:ext cx="3384337" cy="2522962"/>
-          </a:xfrm>
-          <a:prstGeom prst="rect">
-            <a:avLst/>
-          </a:prstGeom>
-          <a:noFill/>
-          <a:extLst>
-            <a:ext uri="{909E8E84-426E-40DD-AFC4-6F175D3DCCD1}">
-              <a14:hiddenFill xmlns:a14="http://schemas.microsoft.com/office/drawing/2010/main">
-                <a:solidFill>
-                  <a:srgbClr val="FFFFFF"/>
-                </a:solidFill>
-              </a14:hiddenFill>
-            </a:ext>
-          </a:extLst>
-        </p:spPr>
-      </p:pic>
-      <p:grpSp>
-        <p:nvGrpSpPr>
-          <p:cNvPr id="6" name="Group 5">
-            <a:extLst>
-              <a:ext uri="{FF2B5EF4-FFF2-40B4-BE49-F238E27FC236}">
-                <a16:creationId xmlns:a16="http://schemas.microsoft.com/office/drawing/2014/main" id="{83644CDE-319B-7260-2862-8C78E13D28BE}"/>
-              </a:ext>
-            </a:extLst>
-          </p:cNvPr>
-          <p:cNvGrpSpPr/>
-          <p:nvPr/>
-        </p:nvGrpSpPr>
-        <p:grpSpPr>
-          <a:xfrm>
-            <a:off x="5155438" y="4744683"/>
-            <a:ext cx="6510912" cy="1611667"/>
-            <a:chOff x="5155438" y="5061492"/>
-            <a:chExt cx="5110627" cy="1265050"/>
-          </a:xfrm>
-        </p:grpSpPr>
-        <p:pic>
-          <p:nvPicPr>
-            <p:cNvPr id="1030" name="Picture 6">
-              <a:extLst>
-                <a:ext uri="{FF2B5EF4-FFF2-40B4-BE49-F238E27FC236}">
-                  <a16:creationId xmlns:a16="http://schemas.microsoft.com/office/drawing/2014/main" id="{9D8E2DA7-BA4D-5FD4-6B28-30C4A5169D25}"/>
-                </a:ext>
-              </a:extLst>
-            </p:cNvPr>
-            <p:cNvPicPr>
-              <a:picLocks noChangeAspect="1" noChangeArrowheads="1"/>
-            </p:cNvPicPr>
-            <p:nvPr/>
-          </p:nvPicPr>
-          <p:blipFill rotWithShape="1">
-            <a:blip r:embed="rId3">
-              <a:extLst>
-                <a:ext uri="{28A0092B-C50C-407E-A947-70E740481C1C}">
-                  <a14:useLocalDpi xmlns:a14="http://schemas.microsoft.com/office/drawing/2010/main" val="0"/>
-                </a:ext>
-              </a:extLst>
-            </a:blip>
-            <a:srcRect t="1" b="84583"/>
-            <a:stretch/>
-          </p:blipFill>
-          <p:spPr bwMode="auto">
-            <a:xfrm>
-              <a:off x="5155439" y="5061492"/>
-              <a:ext cx="5110626" cy="190366"/>
-            </a:xfrm>
-            <a:prstGeom prst="rect">
-              <a:avLst/>
-            </a:prstGeom>
-            <a:noFill/>
-            <a:extLst>
-              <a:ext uri="{909E8E84-426E-40DD-AFC4-6F175D3DCCD1}">
-                <a14:hiddenFill xmlns:a14="http://schemas.microsoft.com/office/drawing/2010/main">
-                  <a:solidFill>
-                    <a:srgbClr val="FFFFFF"/>
-                  </a:solidFill>
-                </a14:hiddenFill>
-              </a:ext>
-            </a:extLst>
-          </p:spPr>
-        </p:pic>
-        <p:pic>
-          <p:nvPicPr>
-            <p:cNvPr id="1032" name="Picture 8">
-              <a:extLst>
-                <a:ext uri="{FF2B5EF4-FFF2-40B4-BE49-F238E27FC236}">
-                  <a16:creationId xmlns:a16="http://schemas.microsoft.com/office/drawing/2014/main" id="{F5830B06-9941-9822-8235-6D3D57373D13}"/>
-                </a:ext>
-              </a:extLst>
-            </p:cNvPr>
-            <p:cNvPicPr>
-              <a:picLocks noChangeAspect="1" noChangeArrowheads="1"/>
-            </p:cNvPicPr>
-            <p:nvPr/>
-          </p:nvPicPr>
-          <p:blipFill rotWithShape="1">
-            <a:blip r:embed="rId4">
-              <a:extLst>
-                <a:ext uri="{28A0092B-C50C-407E-A947-70E740481C1C}">
-                  <a14:useLocalDpi xmlns:a14="http://schemas.microsoft.com/office/drawing/2010/main" val="0"/>
-                </a:ext>
-              </a:extLst>
-            </a:blip>
-            <a:srcRect t="17568"/>
-            <a:stretch/>
-          </p:blipFill>
-          <p:spPr bwMode="auto">
-            <a:xfrm>
-              <a:off x="5155438" y="5308599"/>
-              <a:ext cx="5110627" cy="1017943"/>
-            </a:xfrm>
-            <a:prstGeom prst="rect">
-              <a:avLst/>
-            </a:prstGeom>
-            <a:noFill/>
-            <a:extLst>
-              <a:ext uri="{909E8E84-426E-40DD-AFC4-6F175D3DCCD1}">
-                <a14:hiddenFill xmlns:a14="http://schemas.microsoft.com/office/drawing/2010/main">
-                  <a:solidFill>
-                    <a:srgbClr val="FFFFFF"/>
-                  </a:solidFill>
-                </a14:hiddenFill>
-              </a:ext>
-            </a:extLst>
-          </p:spPr>
-        </p:pic>
-      </p:grpSp>
       <p:pic>
         <p:nvPicPr>
           <p:cNvPr id="8" name="Picture 7">
@@ -5059,14 +6413,44 @@
           <p:nvPr/>
         </p:nvPicPr>
         <p:blipFill rotWithShape="1">
-          <a:blip r:embed="rId5"/>
+          <a:blip r:embed="rId2"/>
           <a:srcRect t="1205" b="378"/>
           <a:stretch/>
         </p:blipFill>
         <p:spPr>
           <a:xfrm>
-            <a:off x="3510548" y="1600084"/>
-            <a:ext cx="5170904" cy="1983697"/>
+            <a:off x="3510548" y="1633952"/>
+            <a:ext cx="4744452" cy="1820099"/>
+          </a:xfrm>
+          <a:prstGeom prst="rect">
+            <a:avLst/>
+          </a:prstGeom>
+        </p:spPr>
+      </p:pic>
+      <p:pic>
+        <p:nvPicPr>
+          <p:cNvPr id="9" name="Picture 8">
+            <a:extLst>
+              <a:ext uri="{FF2B5EF4-FFF2-40B4-BE49-F238E27FC236}">
+                <a16:creationId xmlns:a16="http://schemas.microsoft.com/office/drawing/2014/main" id="{FF3AACC2-241A-06F7-6B72-9C80A242ACB0}"/>
+              </a:ext>
+            </a:extLst>
+          </p:cNvPr>
+          <p:cNvPicPr>
+            <a:picLocks noChangeAspect="1"/>
+          </p:cNvPicPr>
+          <p:nvPr/>
+        </p:nvPicPr>
+        <p:blipFill>
+          <a:blip r:embed="rId3"/>
+          <a:stretch>
+            <a:fillRect/>
+          </a:stretch>
+        </p:blipFill>
+        <p:spPr>
+          <a:xfrm>
+            <a:off x="4662627" y="4380168"/>
+            <a:ext cx="2866746" cy="1946650"/>
           </a:xfrm>
           <a:prstGeom prst="rect">
             <a:avLst/>
@@ -5108,7 +6492,7 @@
           <p:cNvPr id="2" name="Title 1">
             <a:extLst>
               <a:ext uri="{FF2B5EF4-FFF2-40B4-BE49-F238E27FC236}">
-                <a16:creationId xmlns:a16="http://schemas.microsoft.com/office/drawing/2014/main" id="{30905D25-D850-C73A-E620-1F23B6E7A426}"/>
+                <a16:creationId xmlns:a16="http://schemas.microsoft.com/office/drawing/2014/main" id="{300678A9-AE01-D7EB-B6A6-DBA5B25638E2}"/>
               </a:ext>
             </a:extLst>
           </p:cNvPr>
@@ -5126,17 +6510,17 @@
           <a:p>
             <a:r>
               <a:rPr lang="en-US" dirty="0"/>
-              <a:t>Results</a:t>
+              <a:t>Coarse-grained Sequences (1 of 2)</a:t>
             </a:r>
           </a:p>
         </p:txBody>
       </p:sp>
       <p:sp>
         <p:nvSpPr>
-          <p:cNvPr id="3" name="Slide Number Placeholder 2">
-            <a:extLst>
-              <a:ext uri="{FF2B5EF4-FFF2-40B4-BE49-F238E27FC236}">
-                <a16:creationId xmlns:a16="http://schemas.microsoft.com/office/drawing/2014/main" id="{F899F345-FA69-C319-9430-7DD965D92026}"/>
+          <p:cNvPr id="4" name="Slide Number Placeholder 3">
+            <a:extLst>
+              <a:ext uri="{FF2B5EF4-FFF2-40B4-BE49-F238E27FC236}">
+                <a16:creationId xmlns:a16="http://schemas.microsoft.com/office/drawing/2014/main" id="{8F4AD91E-A188-DC4A-1E3F-9A81D7F2F492}"/>
               </a:ext>
             </a:extLst>
           </p:cNvPr>
@@ -5160,90 +6544,12 @@
           </a:p>
         </p:txBody>
       </p:sp>
-      <p:sp>
-        <p:nvSpPr>
-          <p:cNvPr id="4" name="TextBox 3">
-            <a:extLst>
-              <a:ext uri="{FF2B5EF4-FFF2-40B4-BE49-F238E27FC236}">
-                <a16:creationId xmlns:a16="http://schemas.microsoft.com/office/drawing/2014/main" id="{653AE7B6-0D99-6BF7-9D22-0DB7141790F0}"/>
-              </a:ext>
-            </a:extLst>
-          </p:cNvPr>
-          <p:cNvSpPr txBox="1"/>
-          <p:nvPr/>
-        </p:nvSpPr>
-        <p:spPr>
-          <a:xfrm>
-            <a:off x="8038570" y="4340009"/>
-            <a:ext cx="3553883" cy="369332"/>
-          </a:xfrm>
-          <a:prstGeom prst="rect">
-            <a:avLst/>
-          </a:prstGeom>
-          <a:noFill/>
-        </p:spPr>
-        <p:txBody>
-          <a:bodyPr wrap="square" rtlCol="0">
-            <a:spAutoFit/>
-          </a:bodyPr>
-          <a:lstStyle/>
-          <a:p>
-            <a:r>
-              <a:rPr lang="en-US" dirty="0" err="1"/>
-              <a:t>pNFH</a:t>
-            </a:r>
-            <a:r>
-              <a:rPr lang="en-US" dirty="0"/>
-              <a:t> option 2: Pr040 b60v10</a:t>
-            </a:r>
-          </a:p>
-        </p:txBody>
-      </p:sp>
-      <p:sp>
-        <p:nvSpPr>
-          <p:cNvPr id="5" name="TextBox 4">
-            <a:extLst>
-              <a:ext uri="{FF2B5EF4-FFF2-40B4-BE49-F238E27FC236}">
-                <a16:creationId xmlns:a16="http://schemas.microsoft.com/office/drawing/2014/main" id="{6836F1B4-9477-615A-7D80-C335C41CB426}"/>
-              </a:ext>
-            </a:extLst>
-          </p:cNvPr>
-          <p:cNvSpPr txBox="1"/>
-          <p:nvPr/>
-        </p:nvSpPr>
-        <p:spPr>
-          <a:xfrm>
-            <a:off x="8038570" y="1983873"/>
-            <a:ext cx="3458105" cy="369332"/>
-          </a:xfrm>
-          <a:prstGeom prst="rect">
-            <a:avLst/>
-          </a:prstGeom>
-          <a:noFill/>
-        </p:spPr>
-        <p:txBody>
-          <a:bodyPr wrap="square" rtlCol="0">
-            <a:spAutoFit/>
-          </a:bodyPr>
-          <a:lstStyle/>
-          <a:p>
-            <a:r>
-              <a:rPr lang="en-US" dirty="0" err="1"/>
-              <a:t>pNFH</a:t>
-            </a:r>
-            <a:r>
-              <a:rPr lang="en-US" dirty="0"/>
-              <a:t> option 1: b60v15</a:t>
-            </a:r>
-          </a:p>
-        </p:txBody>
-      </p:sp>
       <p:pic>
         <p:nvPicPr>
-          <p:cNvPr id="2050" name="Picture 2">
-            <a:extLst>
-              <a:ext uri="{FF2B5EF4-FFF2-40B4-BE49-F238E27FC236}">
-                <a16:creationId xmlns:a16="http://schemas.microsoft.com/office/drawing/2014/main" id="{41152CC1-966B-D1C9-4EB3-AEEDCF3E833E}"/>
+          <p:cNvPr id="1026" name="Picture 2">
+            <a:extLst>
+              <a:ext uri="{FF2B5EF4-FFF2-40B4-BE49-F238E27FC236}">
+                <a16:creationId xmlns:a16="http://schemas.microsoft.com/office/drawing/2014/main" id="{73D39F52-9824-C171-569E-C549E6C56E4F}"/>
               </a:ext>
             </a:extLst>
           </p:cNvPr>
@@ -5252,7 +6558,7 @@
           </p:cNvPicPr>
           <p:nvPr/>
         </p:nvPicPr>
-        <p:blipFill rotWithShape="1">
+        <p:blipFill>
           <a:blip r:embed="rId2">
             <a:extLst>
               <a:ext uri="{28A0092B-C50C-407E-A947-70E740481C1C}">
@@ -5260,13 +6566,15 @@
               </a:ext>
             </a:extLst>
           </a:blip>
-          <a:srcRect l="67776"/>
-          <a:stretch/>
+          <a:srcRect/>
+          <a:stretch>
+            <a:fillRect/>
+          </a:stretch>
         </p:blipFill>
         <p:spPr bwMode="auto">
           <a:xfrm>
-            <a:off x="5324476" y="1149905"/>
-            <a:ext cx="2469089" cy="2430396"/>
+            <a:off x="1854201" y="1809960"/>
+            <a:ext cx="2713304" cy="2019677"/>
           </a:xfrm>
           <a:prstGeom prst="rect">
             <a:avLst/>
@@ -5285,10 +6593,10 @@
       </p:pic>
       <p:pic>
         <p:nvPicPr>
-          <p:cNvPr id="9" name="Picture 2">
-            <a:extLst>
-              <a:ext uri="{FF2B5EF4-FFF2-40B4-BE49-F238E27FC236}">
-                <a16:creationId xmlns:a16="http://schemas.microsoft.com/office/drawing/2014/main" id="{59C757AC-07CF-F64C-E6DF-BEA017341F1D}"/>
+          <p:cNvPr id="1028" name="Picture 4">
+            <a:extLst>
+              <a:ext uri="{FF2B5EF4-FFF2-40B4-BE49-F238E27FC236}">
+                <a16:creationId xmlns:a16="http://schemas.microsoft.com/office/drawing/2014/main" id="{9A40FF1F-CA14-17BB-6BEE-283C10E3BB65}"/>
               </a:ext>
             </a:extLst>
           </p:cNvPr>
@@ -5297,21 +6605,23 @@
           </p:cNvPicPr>
           <p:nvPr/>
         </p:nvPicPr>
-        <p:blipFill rotWithShape="1">
-          <a:blip r:embed="rId2">
+        <p:blipFill>
+          <a:blip r:embed="rId3">
             <a:extLst>
               <a:ext uri="{28A0092B-C50C-407E-A947-70E740481C1C}">
                 <a14:useLocalDpi xmlns:a14="http://schemas.microsoft.com/office/drawing/2010/main" val="0"/>
               </a:ext>
             </a:extLst>
           </a:blip>
-          <a:srcRect r="32224"/>
-          <a:stretch/>
+          <a:srcRect/>
+          <a:stretch>
+            <a:fillRect/>
+          </a:stretch>
         </p:blipFill>
         <p:spPr bwMode="auto">
           <a:xfrm>
-            <a:off x="131232" y="2629129"/>
-            <a:ext cx="5193244" cy="2430396"/>
+            <a:off x="1788978" y="3928401"/>
+            <a:ext cx="2713303" cy="2019677"/>
           </a:xfrm>
           <a:prstGeom prst="rect">
             <a:avLst/>
@@ -5330,10 +6640,10 @@
       </p:pic>
       <p:pic>
         <p:nvPicPr>
-          <p:cNvPr id="2052" name="Picture 4">
-            <a:extLst>
-              <a:ext uri="{FF2B5EF4-FFF2-40B4-BE49-F238E27FC236}">
-                <a16:creationId xmlns:a16="http://schemas.microsoft.com/office/drawing/2014/main" id="{E55C1D69-645A-9F57-FC49-3DA82CBA835A}"/>
+          <p:cNvPr id="1030" name="Picture 6">
+            <a:extLst>
+              <a:ext uri="{FF2B5EF4-FFF2-40B4-BE49-F238E27FC236}">
+                <a16:creationId xmlns:a16="http://schemas.microsoft.com/office/drawing/2014/main" id="{B6244204-47A4-263E-A6DA-9396C1A37446}"/>
               </a:ext>
             </a:extLst>
           </p:cNvPr>
@@ -5342,21 +6652,471 @@
           </p:cNvPicPr>
           <p:nvPr/>
         </p:nvPicPr>
-        <p:blipFill rotWithShape="1">
-          <a:blip r:embed="rId3">
+        <p:blipFill>
+          <a:blip r:embed="rId4">
             <a:extLst>
               <a:ext uri="{28A0092B-C50C-407E-A947-70E740481C1C}">
                 <a14:useLocalDpi xmlns:a14="http://schemas.microsoft.com/office/drawing/2010/main" val="0"/>
               </a:ext>
             </a:extLst>
           </a:blip>
-          <a:srcRect l="68984"/>
-          <a:stretch/>
+          <a:srcRect/>
+          <a:stretch>
+            <a:fillRect/>
+          </a:stretch>
         </p:blipFill>
         <p:spPr bwMode="auto">
           <a:xfrm>
-            <a:off x="5417045" y="3400425"/>
-            <a:ext cx="2376520" cy="2430396"/>
+            <a:off x="5023843" y="3879230"/>
+            <a:ext cx="2713303" cy="2022718"/>
+          </a:xfrm>
+          <a:prstGeom prst="rect">
+            <a:avLst/>
+          </a:prstGeom>
+          <a:noFill/>
+          <a:extLst>
+            <a:ext uri="{909E8E84-426E-40DD-AFC4-6F175D3DCCD1}">
+              <a14:hiddenFill xmlns:a14="http://schemas.microsoft.com/office/drawing/2010/main">
+                <a:solidFill>
+                  <a:srgbClr val="FFFFFF"/>
+                </a:solidFill>
+              </a14:hiddenFill>
+            </a:ext>
+          </a:extLst>
+        </p:spPr>
+      </p:pic>
+      <p:pic>
+        <p:nvPicPr>
+          <p:cNvPr id="1032" name="Picture 8">
+            <a:extLst>
+              <a:ext uri="{FF2B5EF4-FFF2-40B4-BE49-F238E27FC236}">
+                <a16:creationId xmlns:a16="http://schemas.microsoft.com/office/drawing/2014/main" id="{BE83DCA2-D0CD-0454-3112-AB0CF68A9287}"/>
+              </a:ext>
+            </a:extLst>
+          </p:cNvPr>
+          <p:cNvPicPr>
+            <a:picLocks noChangeAspect="1" noChangeArrowheads="1"/>
+          </p:cNvPicPr>
+          <p:nvPr/>
+        </p:nvPicPr>
+        <p:blipFill>
+          <a:blip r:embed="rId5">
+            <a:extLst>
+              <a:ext uri="{28A0092B-C50C-407E-A947-70E740481C1C}">
+                <a14:useLocalDpi xmlns:a14="http://schemas.microsoft.com/office/drawing/2010/main" val="0"/>
+              </a:ext>
+            </a:extLst>
+          </a:blip>
+          <a:srcRect/>
+          <a:stretch>
+            <a:fillRect/>
+          </a:stretch>
+        </p:blipFill>
+        <p:spPr bwMode="auto">
+          <a:xfrm>
+            <a:off x="5023843" y="1809959"/>
+            <a:ext cx="2713303" cy="2019677"/>
+          </a:xfrm>
+          <a:prstGeom prst="rect">
+            <a:avLst/>
+          </a:prstGeom>
+          <a:noFill/>
+          <a:extLst>
+            <a:ext uri="{909E8E84-426E-40DD-AFC4-6F175D3DCCD1}">
+              <a14:hiddenFill xmlns:a14="http://schemas.microsoft.com/office/drawing/2010/main">
+                <a:solidFill>
+                  <a:srgbClr val="FFFFFF"/>
+                </a:solidFill>
+              </a14:hiddenFill>
+            </a:ext>
+          </a:extLst>
+        </p:spPr>
+      </p:pic>
+      <p:sp>
+        <p:nvSpPr>
+          <p:cNvPr id="9" name="TextBox 8">
+            <a:extLst>
+              <a:ext uri="{FF2B5EF4-FFF2-40B4-BE49-F238E27FC236}">
+                <a16:creationId xmlns:a16="http://schemas.microsoft.com/office/drawing/2014/main" id="{21F14438-7EAC-7D3E-9BEF-D17C26913949}"/>
+              </a:ext>
+            </a:extLst>
+          </p:cNvPr>
+          <p:cNvSpPr txBox="1"/>
+          <p:nvPr/>
+        </p:nvSpPr>
+        <p:spPr>
+          <a:xfrm>
+            <a:off x="220134" y="2479735"/>
+            <a:ext cx="1515533" cy="369332"/>
+          </a:xfrm>
+          <a:prstGeom prst="rect">
+            <a:avLst/>
+          </a:prstGeom>
+          <a:noFill/>
+        </p:spPr>
+        <p:txBody>
+          <a:bodyPr wrap="square" rtlCol="0">
+            <a:spAutoFit/>
+          </a:bodyPr>
+          <a:lstStyle/>
+          <a:p>
+            <a:r>
+              <a:rPr lang="en-US" dirty="0"/>
+              <a:t>Non-</a:t>
+            </a:r>
+            <a:r>
+              <a:rPr lang="en-US" dirty="0" err="1"/>
+              <a:t>phospho</a:t>
+            </a:r>
+            <a:endParaRPr lang="en-US" dirty="0"/>
+          </a:p>
+        </p:txBody>
+      </p:sp>
+      <p:sp>
+        <p:nvSpPr>
+          <p:cNvPr id="10" name="TextBox 9">
+            <a:extLst>
+              <a:ext uri="{FF2B5EF4-FFF2-40B4-BE49-F238E27FC236}">
+                <a16:creationId xmlns:a16="http://schemas.microsoft.com/office/drawing/2014/main" id="{01B6A34B-A590-1EF6-1B3A-1F41DE7BD2BB}"/>
+              </a:ext>
+            </a:extLst>
+          </p:cNvPr>
+          <p:cNvSpPr txBox="1"/>
+          <p:nvPr/>
+        </p:nvSpPr>
+        <p:spPr>
+          <a:xfrm>
+            <a:off x="431800" y="4521257"/>
+            <a:ext cx="1303867" cy="369332"/>
+          </a:xfrm>
+          <a:prstGeom prst="rect">
+            <a:avLst/>
+          </a:prstGeom>
+          <a:noFill/>
+        </p:spPr>
+        <p:txBody>
+          <a:bodyPr wrap="square" rtlCol="0">
+            <a:spAutoFit/>
+          </a:bodyPr>
+          <a:lstStyle/>
+          <a:p>
+            <a:r>
+              <a:rPr lang="en-US" dirty="0" err="1"/>
+              <a:t>Phospho</a:t>
+            </a:r>
+            <a:endParaRPr lang="en-US" dirty="0"/>
+          </a:p>
+        </p:txBody>
+      </p:sp>
+      <p:sp>
+        <p:nvSpPr>
+          <p:cNvPr id="11" name="TextBox 10">
+            <a:extLst>
+              <a:ext uri="{FF2B5EF4-FFF2-40B4-BE49-F238E27FC236}">
+                <a16:creationId xmlns:a16="http://schemas.microsoft.com/office/drawing/2014/main" id="{5C72DC76-E600-D15F-9D6D-0193E138D90A}"/>
+              </a:ext>
+            </a:extLst>
+          </p:cNvPr>
+          <p:cNvSpPr txBox="1"/>
+          <p:nvPr/>
+        </p:nvSpPr>
+        <p:spPr>
+          <a:xfrm>
+            <a:off x="2387864" y="1363998"/>
+            <a:ext cx="1515533" cy="369332"/>
+          </a:xfrm>
+          <a:prstGeom prst="rect">
+            <a:avLst/>
+          </a:prstGeom>
+          <a:noFill/>
+        </p:spPr>
+        <p:txBody>
+          <a:bodyPr wrap="square" rtlCol="0">
+            <a:spAutoFit/>
+          </a:bodyPr>
+          <a:lstStyle/>
+          <a:p>
+            <a:pPr algn="ctr"/>
+            <a:r>
+              <a:rPr lang="en-US" dirty="0"/>
+              <a:t>NFL</a:t>
+            </a:r>
+          </a:p>
+        </p:txBody>
+      </p:sp>
+      <p:sp>
+        <p:nvSpPr>
+          <p:cNvPr id="12" name="TextBox 11">
+            <a:extLst>
+              <a:ext uri="{FF2B5EF4-FFF2-40B4-BE49-F238E27FC236}">
+                <a16:creationId xmlns:a16="http://schemas.microsoft.com/office/drawing/2014/main" id="{3EC92289-9BA0-CD21-CCB9-9837F11F27E4}"/>
+              </a:ext>
+            </a:extLst>
+          </p:cNvPr>
+          <p:cNvSpPr txBox="1"/>
+          <p:nvPr/>
+        </p:nvSpPr>
+        <p:spPr>
+          <a:xfrm>
+            <a:off x="5528734" y="1347225"/>
+            <a:ext cx="1515533" cy="369332"/>
+          </a:xfrm>
+          <a:prstGeom prst="rect">
+            <a:avLst/>
+          </a:prstGeom>
+          <a:noFill/>
+        </p:spPr>
+        <p:txBody>
+          <a:bodyPr wrap="square" rtlCol="0">
+            <a:spAutoFit/>
+          </a:bodyPr>
+          <a:lstStyle/>
+          <a:p>
+            <a:pPr algn="ctr"/>
+            <a:r>
+              <a:rPr lang="en-US" dirty="0"/>
+              <a:t>NFM</a:t>
+            </a:r>
+          </a:p>
+        </p:txBody>
+      </p:sp>
+      <p:sp>
+        <p:nvSpPr>
+          <p:cNvPr id="13" name="TextBox 12">
+            <a:extLst>
+              <a:ext uri="{FF2B5EF4-FFF2-40B4-BE49-F238E27FC236}">
+                <a16:creationId xmlns:a16="http://schemas.microsoft.com/office/drawing/2014/main" id="{C62C9C4E-3D70-5572-413E-2A2ED8E75B98}"/>
+              </a:ext>
+            </a:extLst>
+          </p:cNvPr>
+          <p:cNvSpPr txBox="1"/>
+          <p:nvPr/>
+        </p:nvSpPr>
+        <p:spPr>
+          <a:xfrm>
+            <a:off x="8898467" y="1347225"/>
+            <a:ext cx="1515533" cy="369332"/>
+          </a:xfrm>
+          <a:prstGeom prst="rect">
+            <a:avLst/>
+          </a:prstGeom>
+          <a:noFill/>
+        </p:spPr>
+        <p:txBody>
+          <a:bodyPr wrap="square" rtlCol="0">
+            <a:spAutoFit/>
+          </a:bodyPr>
+          <a:lstStyle/>
+          <a:p>
+            <a:pPr algn="ctr"/>
+            <a:r>
+              <a:rPr lang="en-US" dirty="0"/>
+              <a:t>NFH</a:t>
+            </a:r>
+          </a:p>
+        </p:txBody>
+      </p:sp>
+      <mc:AlternateContent xmlns:mc="http://schemas.openxmlformats.org/markup-compatibility/2006">
+        <mc:Choice xmlns:a14="http://schemas.microsoft.com/office/drawing/2010/main" Requires="a14">
+          <p:sp>
+            <p:nvSpPr>
+              <p:cNvPr id="14" name="TextBox 13">
+                <a:extLst>
+                  <a:ext uri="{FF2B5EF4-FFF2-40B4-BE49-F238E27FC236}">
+                    <a16:creationId xmlns:a16="http://schemas.microsoft.com/office/drawing/2014/main" id="{50A32553-1073-3759-F6C3-74AE527F70C2}"/>
+                  </a:ext>
+                </a:extLst>
+              </p:cNvPr>
+              <p:cNvSpPr txBox="1"/>
+              <p:nvPr/>
+            </p:nvSpPr>
+            <p:spPr>
+              <a:xfrm>
+                <a:off x="431800" y="6455114"/>
+                <a:ext cx="9118337" cy="276999"/>
+              </a:xfrm>
+              <a:prstGeom prst="rect">
+                <a:avLst/>
+              </a:prstGeom>
+              <a:noFill/>
+            </p:spPr>
+            <p:txBody>
+              <a:bodyPr wrap="square" rtlCol="0">
+                <a:spAutoFit/>
+              </a:bodyPr>
+              <a:lstStyle/>
+              <a:p>
+                <a:r>
+                  <a:rPr lang="en-US" sz="1200" dirty="0"/>
+                  <a:t>Note: </a:t>
+                </a:r>
+                <a:r>
+                  <a:rPr lang="en-US" sz="1200" dirty="0" err="1"/>
+                  <a:t>phospho</a:t>
+                </a:r>
+                <a:r>
+                  <a:rPr lang="en-US" sz="1200" dirty="0"/>
+                  <a:t> </a:t>
+                </a:r>
+                <a14:m>
+                  <m:oMath xmlns:m="http://schemas.openxmlformats.org/officeDocument/2006/math">
+                    <m:r>
+                      <a:rPr lang="en-US" sz="1200" b="0" i="0" dirty="0" smtClean="0">
+                        <a:latin typeface="Cambria Math" panose="02040503050406030204" pitchFamily="18" charset="0"/>
+                      </a:rPr>
+                      <m:t>=</m:t>
+                    </m:r>
+                    <m:r>
+                      <a:rPr lang="en-US" sz="1200" i="1" dirty="0" smtClean="0">
+                        <a:latin typeface="Cambria Math" panose="02040503050406030204" pitchFamily="18" charset="0"/>
+                      </a:rPr>
+                      <m:t>−1</m:t>
+                    </m:r>
+                    <m:r>
+                      <a:rPr lang="en-US" sz="1200" i="1" dirty="0" smtClean="0">
+                        <a:latin typeface="Cambria Math" panose="02040503050406030204" pitchFamily="18" charset="0"/>
+                      </a:rPr>
+                      <m:t>𝑒</m:t>
+                    </m:r>
+                    <m:r>
+                      <a:rPr lang="en-US" sz="1200" i="1" dirty="0" smtClean="0">
+                        <a:latin typeface="Cambria Math" panose="02040503050406030204" pitchFamily="18" charset="0"/>
+                      </a:rPr>
+                      <m:t> </m:t>
+                    </m:r>
+                  </m:oMath>
+                </a14:m>
+                <a:r>
+                  <a:rPr lang="en-US" sz="1200" dirty="0"/>
+                  <a:t> chosen for best agreement with experimentally measured heights</a:t>
+                </a:r>
+              </a:p>
+            </p:txBody>
+          </p:sp>
+        </mc:Choice>
+        <mc:Fallback>
+          <p:sp>
+            <p:nvSpPr>
+              <p:cNvPr id="14" name="TextBox 13">
+                <a:extLst>
+                  <a:ext uri="{FF2B5EF4-FFF2-40B4-BE49-F238E27FC236}">
+                    <a16:creationId xmlns:a16="http://schemas.microsoft.com/office/drawing/2014/main" id="{50A32553-1073-3759-F6C3-74AE527F70C2}"/>
+                  </a:ext>
+                </a:extLst>
+              </p:cNvPr>
+              <p:cNvSpPr txBox="1">
+                <a:spLocks noRot="1" noChangeAspect="1" noMove="1" noResize="1" noEditPoints="1" noAdjustHandles="1" noChangeArrowheads="1" noChangeShapeType="1" noTextEdit="1"/>
+              </p:cNvSpPr>
+              <p:nvPr/>
+            </p:nvSpPr>
+            <p:spPr>
+              <a:xfrm>
+                <a:off x="431800" y="6455114"/>
+                <a:ext cx="9118337" cy="276999"/>
+              </a:xfrm>
+              <a:prstGeom prst="rect">
+                <a:avLst/>
+              </a:prstGeom>
+              <a:blipFill>
+                <a:blip r:embed="rId6"/>
+                <a:stretch>
+                  <a:fillRect l="-67" t="-2222" b="-17778"/>
+                </a:stretch>
+              </a:blipFill>
+            </p:spPr>
+            <p:txBody>
+              <a:bodyPr/>
+              <a:lstStyle/>
+              <a:p>
+                <a:r>
+                  <a:rPr lang="en-US">
+                    <a:noFill/>
+                  </a:rPr>
+                  <a:t> </a:t>
+                </a:r>
+              </a:p>
+            </p:txBody>
+          </p:sp>
+        </mc:Fallback>
+      </mc:AlternateContent>
+      <p:pic>
+        <p:nvPicPr>
+          <p:cNvPr id="1034" name="Picture 10">
+            <a:extLst>
+              <a:ext uri="{FF2B5EF4-FFF2-40B4-BE49-F238E27FC236}">
+                <a16:creationId xmlns:a16="http://schemas.microsoft.com/office/drawing/2014/main" id="{9788A634-442F-4D3A-6342-74889D4155DF}"/>
+              </a:ext>
+            </a:extLst>
+          </p:cNvPr>
+          <p:cNvPicPr>
+            <a:picLocks noChangeAspect="1" noChangeArrowheads="1"/>
+          </p:cNvPicPr>
+          <p:nvPr/>
+        </p:nvPicPr>
+        <p:blipFill>
+          <a:blip r:embed="rId7">
+            <a:extLst>
+              <a:ext uri="{28A0092B-C50C-407E-A947-70E740481C1C}">
+                <a14:useLocalDpi xmlns:a14="http://schemas.microsoft.com/office/drawing/2010/main" val="0"/>
+              </a:ext>
+            </a:extLst>
+          </a:blip>
+          <a:srcRect/>
+          <a:stretch>
+            <a:fillRect/>
+          </a:stretch>
+        </p:blipFill>
+        <p:spPr bwMode="auto">
+          <a:xfrm>
+            <a:off x="8362818" y="1809958"/>
+            <a:ext cx="2713304" cy="2019677"/>
+          </a:xfrm>
+          <a:prstGeom prst="rect">
+            <a:avLst/>
+          </a:prstGeom>
+          <a:noFill/>
+          <a:extLst>
+            <a:ext uri="{909E8E84-426E-40DD-AFC4-6F175D3DCCD1}">
+              <a14:hiddenFill xmlns:a14="http://schemas.microsoft.com/office/drawing/2010/main">
+                <a:solidFill>
+                  <a:srgbClr val="FFFFFF"/>
+                </a:solidFill>
+              </a14:hiddenFill>
+            </a:ext>
+          </a:extLst>
+        </p:spPr>
+      </p:pic>
+      <p:pic>
+        <p:nvPicPr>
+          <p:cNvPr id="1036" name="Picture 12">
+            <a:extLst>
+              <a:ext uri="{FF2B5EF4-FFF2-40B4-BE49-F238E27FC236}">
+                <a16:creationId xmlns:a16="http://schemas.microsoft.com/office/drawing/2014/main" id="{1498FECB-2172-77FD-0F37-E65446F0B5DE}"/>
+              </a:ext>
+            </a:extLst>
+          </p:cNvPr>
+          <p:cNvPicPr>
+            <a:picLocks noChangeAspect="1" noChangeArrowheads="1"/>
+          </p:cNvPicPr>
+          <p:nvPr/>
+        </p:nvPicPr>
+        <p:blipFill>
+          <a:blip r:embed="rId8">
+            <a:extLst>
+              <a:ext uri="{28A0092B-C50C-407E-A947-70E740481C1C}">
+                <a14:useLocalDpi xmlns:a14="http://schemas.microsoft.com/office/drawing/2010/main" val="0"/>
+              </a:ext>
+            </a:extLst>
+          </a:blip>
+          <a:srcRect/>
+          <a:stretch>
+            <a:fillRect/>
+          </a:stretch>
+        </p:blipFill>
+        <p:spPr bwMode="auto">
+          <a:xfrm>
+            <a:off x="8358733" y="3879230"/>
+            <a:ext cx="2717389" cy="2022718"/>
           </a:xfrm>
           <a:prstGeom prst="rect">
             <a:avLst/>
@@ -5376,7 +7136,7 @@
     </p:spTree>
     <p:extLst>
       <p:ext uri="{BB962C8B-B14F-4D97-AF65-F5344CB8AC3E}">
-        <p14:creationId xmlns:p14="http://schemas.microsoft.com/office/powerpoint/2010/main" val="1943666839"/>
+        <p14:creationId xmlns:p14="http://schemas.microsoft.com/office/powerpoint/2010/main" val="4086766069"/>
       </p:ext>
     </p:extLst>
   </p:cSld>
@@ -5408,7 +7168,7 @@
           <p:cNvPr id="2" name="Title 1">
             <a:extLst>
               <a:ext uri="{FF2B5EF4-FFF2-40B4-BE49-F238E27FC236}">
-                <a16:creationId xmlns:a16="http://schemas.microsoft.com/office/drawing/2014/main" id="{23CDC1B1-E5BC-E498-0F62-109F6812D44E}"/>
+                <a16:creationId xmlns:a16="http://schemas.microsoft.com/office/drawing/2014/main" id="{300678A9-AE01-D7EB-B6A6-DBA5B25638E2}"/>
               </a:ext>
             </a:extLst>
           </p:cNvPr>
@@ -5426,17 +7186,17 @@
           <a:p>
             <a:r>
               <a:rPr lang="en-US" dirty="0"/>
-              <a:t>NFL</a:t>
+              <a:t>Coarse-grained Sequences (2 of 2)</a:t>
             </a:r>
           </a:p>
         </p:txBody>
       </p:sp>
       <p:sp>
         <p:nvSpPr>
-          <p:cNvPr id="3" name="Slide Number Placeholder 2">
-            <a:extLst>
-              <a:ext uri="{FF2B5EF4-FFF2-40B4-BE49-F238E27FC236}">
-                <a16:creationId xmlns:a16="http://schemas.microsoft.com/office/drawing/2014/main" id="{BC52B724-F553-E9FB-1E36-6AE861F71B79}"/>
+          <p:cNvPr id="4" name="Slide Number Placeholder 3">
+            <a:extLst>
+              <a:ext uri="{FF2B5EF4-FFF2-40B4-BE49-F238E27FC236}">
+                <a16:creationId xmlns:a16="http://schemas.microsoft.com/office/drawing/2014/main" id="{8F4AD91E-A188-DC4A-1E3F-9A81D7F2F492}"/>
               </a:ext>
             </a:extLst>
           </p:cNvPr>
@@ -5455,6 +7215,996 @@
             <a:fld id="{B40DB54C-0C58-4481-B5FF-5C3F14CFF9B3}" type="slidenum">
               <a:rPr lang="en-US" smtClean="0"/>
               <a:t>6</a:t>
+            </a:fld>
+            <a:endParaRPr lang="en-US"/>
+          </a:p>
+        </p:txBody>
+      </p:sp>
+      <p:sp>
+        <p:nvSpPr>
+          <p:cNvPr id="3" name="TextBox 2">
+            <a:extLst>
+              <a:ext uri="{FF2B5EF4-FFF2-40B4-BE49-F238E27FC236}">
+                <a16:creationId xmlns:a16="http://schemas.microsoft.com/office/drawing/2014/main" id="{3D0147D4-4EA3-95CD-36E4-100FEB23502F}"/>
+              </a:ext>
+            </a:extLst>
+          </p:cNvPr>
+          <p:cNvSpPr txBox="1"/>
+          <p:nvPr/>
+        </p:nvSpPr>
+        <p:spPr>
+          <a:xfrm>
+            <a:off x="220134" y="2649069"/>
+            <a:ext cx="1515533" cy="369332"/>
+          </a:xfrm>
+          <a:prstGeom prst="rect">
+            <a:avLst/>
+          </a:prstGeom>
+          <a:noFill/>
+        </p:spPr>
+        <p:txBody>
+          <a:bodyPr wrap="square" rtlCol="0">
+            <a:spAutoFit/>
+          </a:bodyPr>
+          <a:lstStyle/>
+          <a:p>
+            <a:r>
+              <a:rPr lang="en-US" dirty="0"/>
+              <a:t>Non-</a:t>
+            </a:r>
+            <a:r>
+              <a:rPr lang="en-US" dirty="0" err="1"/>
+              <a:t>phospho</a:t>
+            </a:r>
+            <a:endParaRPr lang="en-US" dirty="0"/>
+          </a:p>
+        </p:txBody>
+      </p:sp>
+      <p:sp>
+        <p:nvSpPr>
+          <p:cNvPr id="5" name="TextBox 4">
+            <a:extLst>
+              <a:ext uri="{FF2B5EF4-FFF2-40B4-BE49-F238E27FC236}">
+                <a16:creationId xmlns:a16="http://schemas.microsoft.com/office/drawing/2014/main" id="{06638217-30E3-BA1A-F42E-A5E4D520E540}"/>
+              </a:ext>
+            </a:extLst>
+          </p:cNvPr>
+          <p:cNvSpPr txBox="1"/>
+          <p:nvPr/>
+        </p:nvSpPr>
+        <p:spPr>
+          <a:xfrm>
+            <a:off x="431800" y="4690591"/>
+            <a:ext cx="1303867" cy="369332"/>
+          </a:xfrm>
+          <a:prstGeom prst="rect">
+            <a:avLst/>
+          </a:prstGeom>
+          <a:noFill/>
+        </p:spPr>
+        <p:txBody>
+          <a:bodyPr wrap="square" rtlCol="0">
+            <a:spAutoFit/>
+          </a:bodyPr>
+          <a:lstStyle/>
+          <a:p>
+            <a:r>
+              <a:rPr lang="en-US" dirty="0" err="1"/>
+              <a:t>Phospho</a:t>
+            </a:r>
+            <a:endParaRPr lang="en-US" dirty="0"/>
+          </a:p>
+        </p:txBody>
+      </p:sp>
+      <p:sp>
+        <p:nvSpPr>
+          <p:cNvPr id="6" name="TextBox 5">
+            <a:extLst>
+              <a:ext uri="{FF2B5EF4-FFF2-40B4-BE49-F238E27FC236}">
+                <a16:creationId xmlns:a16="http://schemas.microsoft.com/office/drawing/2014/main" id="{A68CDFED-934E-75E8-9AD5-0B1875D74274}"/>
+              </a:ext>
+            </a:extLst>
+          </p:cNvPr>
+          <p:cNvSpPr txBox="1"/>
+          <p:nvPr/>
+        </p:nvSpPr>
+        <p:spPr>
+          <a:xfrm>
+            <a:off x="2387864" y="1427575"/>
+            <a:ext cx="1515533" cy="369332"/>
+          </a:xfrm>
+          <a:prstGeom prst="rect">
+            <a:avLst/>
+          </a:prstGeom>
+          <a:noFill/>
+        </p:spPr>
+        <p:txBody>
+          <a:bodyPr wrap="square" rtlCol="0">
+            <a:spAutoFit/>
+          </a:bodyPr>
+          <a:lstStyle/>
+          <a:p>
+            <a:pPr algn="ctr"/>
+            <a:r>
+              <a:rPr lang="en-US" dirty="0"/>
+              <a:t>NFM S1</a:t>
+            </a:r>
+          </a:p>
+        </p:txBody>
+      </p:sp>
+      <p:sp>
+        <p:nvSpPr>
+          <p:cNvPr id="7" name="TextBox 6">
+            <a:extLst>
+              <a:ext uri="{FF2B5EF4-FFF2-40B4-BE49-F238E27FC236}">
+                <a16:creationId xmlns:a16="http://schemas.microsoft.com/office/drawing/2014/main" id="{E838D411-2A63-6B5B-F96A-75600714FFAB}"/>
+              </a:ext>
+            </a:extLst>
+          </p:cNvPr>
+          <p:cNvSpPr txBox="1"/>
+          <p:nvPr/>
+        </p:nvSpPr>
+        <p:spPr>
+          <a:xfrm>
+            <a:off x="4699001" y="1427575"/>
+            <a:ext cx="1515533" cy="369332"/>
+          </a:xfrm>
+          <a:prstGeom prst="rect">
+            <a:avLst/>
+          </a:prstGeom>
+          <a:noFill/>
+        </p:spPr>
+        <p:txBody>
+          <a:bodyPr wrap="square" rtlCol="0">
+            <a:spAutoFit/>
+          </a:bodyPr>
+          <a:lstStyle/>
+          <a:p>
+            <a:pPr algn="ctr"/>
+            <a:r>
+              <a:rPr lang="en-US" dirty="0"/>
+              <a:t>NFM S2</a:t>
+            </a:r>
+          </a:p>
+        </p:txBody>
+      </p:sp>
+      <p:sp>
+        <p:nvSpPr>
+          <p:cNvPr id="8" name="TextBox 7">
+            <a:extLst>
+              <a:ext uri="{FF2B5EF4-FFF2-40B4-BE49-F238E27FC236}">
+                <a16:creationId xmlns:a16="http://schemas.microsoft.com/office/drawing/2014/main" id="{E533DAEB-5E93-2B5A-C544-7DA15B06ACF7}"/>
+              </a:ext>
+            </a:extLst>
+          </p:cNvPr>
+          <p:cNvSpPr txBox="1"/>
+          <p:nvPr/>
+        </p:nvSpPr>
+        <p:spPr>
+          <a:xfrm>
+            <a:off x="7399868" y="1427575"/>
+            <a:ext cx="1515533" cy="369332"/>
+          </a:xfrm>
+          <a:prstGeom prst="rect">
+            <a:avLst/>
+          </a:prstGeom>
+          <a:noFill/>
+        </p:spPr>
+        <p:txBody>
+          <a:bodyPr wrap="square" rtlCol="0">
+            <a:spAutoFit/>
+          </a:bodyPr>
+          <a:lstStyle/>
+          <a:p>
+            <a:pPr algn="ctr"/>
+            <a:r>
+              <a:rPr lang="en-US" dirty="0"/>
+              <a:t>NFH D2</a:t>
+            </a:r>
+          </a:p>
+        </p:txBody>
+      </p:sp>
+      <p:sp>
+        <p:nvSpPr>
+          <p:cNvPr id="9" name="TextBox 8">
+            <a:extLst>
+              <a:ext uri="{FF2B5EF4-FFF2-40B4-BE49-F238E27FC236}">
+                <a16:creationId xmlns:a16="http://schemas.microsoft.com/office/drawing/2014/main" id="{690B735D-42F2-9DD8-34CD-690BFDA50F4F}"/>
+              </a:ext>
+            </a:extLst>
+          </p:cNvPr>
+          <p:cNvSpPr txBox="1"/>
+          <p:nvPr/>
+        </p:nvSpPr>
+        <p:spPr>
+          <a:xfrm>
+            <a:off x="10100735" y="1427575"/>
+            <a:ext cx="1515533" cy="369332"/>
+          </a:xfrm>
+          <a:prstGeom prst="rect">
+            <a:avLst/>
+          </a:prstGeom>
+          <a:noFill/>
+        </p:spPr>
+        <p:txBody>
+          <a:bodyPr wrap="square" rtlCol="0">
+            <a:spAutoFit/>
+          </a:bodyPr>
+          <a:lstStyle/>
+          <a:p>
+            <a:pPr algn="ctr"/>
+            <a:r>
+              <a:rPr lang="en-US" dirty="0"/>
+              <a:t>NFH D6</a:t>
+            </a:r>
+          </a:p>
+        </p:txBody>
+      </p:sp>
+      <mc:AlternateContent xmlns:mc="http://schemas.openxmlformats.org/markup-compatibility/2006">
+        <mc:Choice xmlns:a14="http://schemas.microsoft.com/office/drawing/2010/main" Requires="a14">
+          <p:sp>
+            <p:nvSpPr>
+              <p:cNvPr id="10" name="TextBox 9">
+                <a:extLst>
+                  <a:ext uri="{FF2B5EF4-FFF2-40B4-BE49-F238E27FC236}">
+                    <a16:creationId xmlns:a16="http://schemas.microsoft.com/office/drawing/2014/main" id="{7828B522-E60B-F1F2-AFA3-AC77BE4C5ED7}"/>
+                  </a:ext>
+                </a:extLst>
+              </p:cNvPr>
+              <p:cNvSpPr txBox="1"/>
+              <p:nvPr/>
+            </p:nvSpPr>
+            <p:spPr>
+              <a:xfrm>
+                <a:off x="431800" y="6455114"/>
+                <a:ext cx="9118337" cy="276999"/>
+              </a:xfrm>
+              <a:prstGeom prst="rect">
+                <a:avLst/>
+              </a:prstGeom>
+              <a:noFill/>
+            </p:spPr>
+            <p:txBody>
+              <a:bodyPr wrap="square" rtlCol="0">
+                <a:spAutoFit/>
+              </a:bodyPr>
+              <a:lstStyle/>
+              <a:p>
+                <a:r>
+                  <a:rPr lang="en-US" sz="1200" dirty="0"/>
+                  <a:t>Note: </a:t>
+                </a:r>
+                <a:r>
+                  <a:rPr lang="en-US" sz="1200" dirty="0" err="1"/>
+                  <a:t>phospho</a:t>
+                </a:r>
+                <a:r>
+                  <a:rPr lang="en-US" sz="1200" dirty="0"/>
+                  <a:t> </a:t>
+                </a:r>
+                <a14:m>
+                  <m:oMath xmlns:m="http://schemas.openxmlformats.org/officeDocument/2006/math">
+                    <m:r>
+                      <a:rPr lang="en-US" sz="1200" b="0" i="0" dirty="0" smtClean="0">
+                        <a:latin typeface="Cambria Math" panose="02040503050406030204" pitchFamily="18" charset="0"/>
+                      </a:rPr>
+                      <m:t>=</m:t>
+                    </m:r>
+                    <m:r>
+                      <a:rPr lang="en-US" sz="1200" i="1" dirty="0" smtClean="0">
+                        <a:latin typeface="Cambria Math" panose="02040503050406030204" pitchFamily="18" charset="0"/>
+                      </a:rPr>
+                      <m:t>−1</m:t>
+                    </m:r>
+                    <m:r>
+                      <a:rPr lang="en-US" sz="1200" i="1" dirty="0" smtClean="0">
+                        <a:latin typeface="Cambria Math" panose="02040503050406030204" pitchFamily="18" charset="0"/>
+                      </a:rPr>
+                      <m:t>𝑒</m:t>
+                    </m:r>
+                    <m:r>
+                      <a:rPr lang="en-US" sz="1200" i="1" dirty="0" smtClean="0">
+                        <a:latin typeface="Cambria Math" panose="02040503050406030204" pitchFamily="18" charset="0"/>
+                      </a:rPr>
+                      <m:t> </m:t>
+                    </m:r>
+                  </m:oMath>
+                </a14:m>
+                <a:r>
+                  <a:rPr lang="en-US" sz="1200" dirty="0"/>
+                  <a:t> chosen for best agreement with experimentally measured heights</a:t>
+                </a:r>
+              </a:p>
+            </p:txBody>
+          </p:sp>
+        </mc:Choice>
+        <mc:Fallback>
+          <p:sp>
+            <p:nvSpPr>
+              <p:cNvPr id="10" name="TextBox 9">
+                <a:extLst>
+                  <a:ext uri="{FF2B5EF4-FFF2-40B4-BE49-F238E27FC236}">
+                    <a16:creationId xmlns:a16="http://schemas.microsoft.com/office/drawing/2014/main" id="{7828B522-E60B-F1F2-AFA3-AC77BE4C5ED7}"/>
+                  </a:ext>
+                </a:extLst>
+              </p:cNvPr>
+              <p:cNvSpPr txBox="1">
+                <a:spLocks noRot="1" noChangeAspect="1" noMove="1" noResize="1" noEditPoints="1" noAdjustHandles="1" noChangeArrowheads="1" noChangeShapeType="1" noTextEdit="1"/>
+              </p:cNvSpPr>
+              <p:nvPr/>
+            </p:nvSpPr>
+            <p:spPr>
+              <a:xfrm>
+                <a:off x="431800" y="6455114"/>
+                <a:ext cx="9118337" cy="276999"/>
+              </a:xfrm>
+              <a:prstGeom prst="rect">
+                <a:avLst/>
+              </a:prstGeom>
+              <a:blipFill>
+                <a:blip r:embed="rId2"/>
+                <a:stretch>
+                  <a:fillRect l="-67" t="-2222" b="-17778"/>
+                </a:stretch>
+              </a:blipFill>
+            </p:spPr>
+            <p:txBody>
+              <a:bodyPr/>
+              <a:lstStyle/>
+              <a:p>
+                <a:r>
+                  <a:rPr lang="en-US">
+                    <a:noFill/>
+                  </a:rPr>
+                  <a:t> </a:t>
+                </a:r>
+              </a:p>
+            </p:txBody>
+          </p:sp>
+        </mc:Fallback>
+      </mc:AlternateContent>
+      <p:pic>
+        <p:nvPicPr>
+          <p:cNvPr id="2050" name="Picture 2">
+            <a:extLst>
+              <a:ext uri="{FF2B5EF4-FFF2-40B4-BE49-F238E27FC236}">
+                <a16:creationId xmlns:a16="http://schemas.microsoft.com/office/drawing/2014/main" id="{2CE400E7-C7CF-616E-ED97-B08E353DD93D}"/>
+              </a:ext>
+            </a:extLst>
+          </p:cNvPr>
+          <p:cNvPicPr>
+            <a:picLocks noChangeAspect="1" noChangeArrowheads="1"/>
+          </p:cNvPicPr>
+          <p:nvPr/>
+        </p:nvPicPr>
+        <p:blipFill>
+          <a:blip r:embed="rId3">
+            <a:extLst>
+              <a:ext uri="{28A0092B-C50C-407E-A947-70E740481C1C}">
+                <a14:useLocalDpi xmlns:a14="http://schemas.microsoft.com/office/drawing/2010/main" val="0"/>
+              </a:ext>
+            </a:extLst>
+          </a:blip>
+          <a:srcRect/>
+          <a:stretch>
+            <a:fillRect/>
+          </a:stretch>
+        </p:blipFill>
+        <p:spPr bwMode="auto">
+          <a:xfrm>
+            <a:off x="2007455" y="1917703"/>
+            <a:ext cx="2366501" cy="1764184"/>
+          </a:xfrm>
+          <a:prstGeom prst="rect">
+            <a:avLst/>
+          </a:prstGeom>
+          <a:noFill/>
+          <a:extLst>
+            <a:ext uri="{909E8E84-426E-40DD-AFC4-6F175D3DCCD1}">
+              <a14:hiddenFill xmlns:a14="http://schemas.microsoft.com/office/drawing/2010/main">
+                <a:solidFill>
+                  <a:srgbClr val="FFFFFF"/>
+                </a:solidFill>
+              </a14:hiddenFill>
+            </a:ext>
+          </a:extLst>
+        </p:spPr>
+      </p:pic>
+      <p:pic>
+        <p:nvPicPr>
+          <p:cNvPr id="2052" name="Picture 4">
+            <a:extLst>
+              <a:ext uri="{FF2B5EF4-FFF2-40B4-BE49-F238E27FC236}">
+                <a16:creationId xmlns:a16="http://schemas.microsoft.com/office/drawing/2014/main" id="{4497CF02-60A5-52F6-7553-E600541D8FB2}"/>
+              </a:ext>
+            </a:extLst>
+          </p:cNvPr>
+          <p:cNvPicPr>
+            <a:picLocks noChangeAspect="1" noChangeArrowheads="1"/>
+          </p:cNvPicPr>
+          <p:nvPr/>
+        </p:nvPicPr>
+        <p:blipFill>
+          <a:blip r:embed="rId4">
+            <a:extLst>
+              <a:ext uri="{28A0092B-C50C-407E-A947-70E740481C1C}">
+                <a14:useLocalDpi xmlns:a14="http://schemas.microsoft.com/office/drawing/2010/main" val="0"/>
+              </a:ext>
+            </a:extLst>
+          </a:blip>
+          <a:srcRect/>
+          <a:stretch>
+            <a:fillRect/>
+          </a:stretch>
+        </p:blipFill>
+        <p:spPr bwMode="auto">
+          <a:xfrm>
+            <a:off x="4394859" y="1917703"/>
+            <a:ext cx="2366099" cy="1761232"/>
+          </a:xfrm>
+          <a:prstGeom prst="rect">
+            <a:avLst/>
+          </a:prstGeom>
+          <a:noFill/>
+          <a:extLst>
+            <a:ext uri="{909E8E84-426E-40DD-AFC4-6F175D3DCCD1}">
+              <a14:hiddenFill xmlns:a14="http://schemas.microsoft.com/office/drawing/2010/main">
+                <a:solidFill>
+                  <a:srgbClr val="FFFFFF"/>
+                </a:solidFill>
+              </a14:hiddenFill>
+            </a:ext>
+          </a:extLst>
+        </p:spPr>
+      </p:pic>
+      <p:sp>
+        <p:nvSpPr>
+          <p:cNvPr id="11" name="TextBox 10">
+            <a:extLst>
+              <a:ext uri="{FF2B5EF4-FFF2-40B4-BE49-F238E27FC236}">
+                <a16:creationId xmlns:a16="http://schemas.microsoft.com/office/drawing/2014/main" id="{98C25DC7-5C98-EF73-D865-B88BFB4283B1}"/>
+              </a:ext>
+            </a:extLst>
+          </p:cNvPr>
+          <p:cNvSpPr txBox="1"/>
+          <p:nvPr/>
+        </p:nvSpPr>
+        <p:spPr>
+          <a:xfrm>
+            <a:off x="2480997" y="4670736"/>
+            <a:ext cx="1159669" cy="369332"/>
+          </a:xfrm>
+          <a:prstGeom prst="rect">
+            <a:avLst/>
+          </a:prstGeom>
+          <a:noFill/>
+        </p:spPr>
+        <p:txBody>
+          <a:bodyPr wrap="square" rtlCol="0">
+            <a:spAutoFit/>
+          </a:bodyPr>
+          <a:lstStyle/>
+          <a:p>
+            <a:pPr algn="ctr"/>
+            <a:r>
+              <a:rPr lang="en-US" dirty="0"/>
+              <a:t>—</a:t>
+            </a:r>
+          </a:p>
+        </p:txBody>
+      </p:sp>
+      <p:sp>
+        <p:nvSpPr>
+          <p:cNvPr id="12" name="TextBox 11">
+            <a:extLst>
+              <a:ext uri="{FF2B5EF4-FFF2-40B4-BE49-F238E27FC236}">
+                <a16:creationId xmlns:a16="http://schemas.microsoft.com/office/drawing/2014/main" id="{515F9EEA-56D4-3E3F-9562-1B20C199DDCF}"/>
+              </a:ext>
+            </a:extLst>
+          </p:cNvPr>
+          <p:cNvSpPr txBox="1"/>
+          <p:nvPr/>
+        </p:nvSpPr>
+        <p:spPr>
+          <a:xfrm>
+            <a:off x="4876932" y="4670736"/>
+            <a:ext cx="1159669" cy="369332"/>
+          </a:xfrm>
+          <a:prstGeom prst="rect">
+            <a:avLst/>
+          </a:prstGeom>
+          <a:noFill/>
+        </p:spPr>
+        <p:txBody>
+          <a:bodyPr wrap="square" rtlCol="0">
+            <a:spAutoFit/>
+          </a:bodyPr>
+          <a:lstStyle/>
+          <a:p>
+            <a:pPr algn="ctr"/>
+            <a:r>
+              <a:rPr lang="en-US" dirty="0"/>
+              <a:t>—</a:t>
+            </a:r>
+          </a:p>
+        </p:txBody>
+      </p:sp>
+      <p:pic>
+        <p:nvPicPr>
+          <p:cNvPr id="2054" name="Picture 6">
+            <a:extLst>
+              <a:ext uri="{FF2B5EF4-FFF2-40B4-BE49-F238E27FC236}">
+                <a16:creationId xmlns:a16="http://schemas.microsoft.com/office/drawing/2014/main" id="{155A8FAF-0E5E-80B3-5EA6-A6A8B9504080}"/>
+              </a:ext>
+            </a:extLst>
+          </p:cNvPr>
+          <p:cNvPicPr>
+            <a:picLocks noChangeAspect="1" noChangeArrowheads="1"/>
+          </p:cNvPicPr>
+          <p:nvPr/>
+        </p:nvPicPr>
+        <p:blipFill>
+          <a:blip r:embed="rId5">
+            <a:extLst>
+              <a:ext uri="{28A0092B-C50C-407E-A947-70E740481C1C}">
+                <a14:useLocalDpi xmlns:a14="http://schemas.microsoft.com/office/drawing/2010/main" val="0"/>
+              </a:ext>
+            </a:extLst>
+          </a:blip>
+          <a:srcRect/>
+          <a:stretch>
+            <a:fillRect/>
+          </a:stretch>
+        </p:blipFill>
+        <p:spPr bwMode="auto">
+          <a:xfrm>
+            <a:off x="9675451" y="1889315"/>
+            <a:ext cx="2366099" cy="1761232"/>
+          </a:xfrm>
+          <a:prstGeom prst="rect">
+            <a:avLst/>
+          </a:prstGeom>
+          <a:noFill/>
+          <a:extLst>
+            <a:ext uri="{909E8E84-426E-40DD-AFC4-6F175D3DCCD1}">
+              <a14:hiddenFill xmlns:a14="http://schemas.microsoft.com/office/drawing/2010/main">
+                <a:solidFill>
+                  <a:srgbClr val="FFFFFF"/>
+                </a:solidFill>
+              </a14:hiddenFill>
+            </a:ext>
+          </a:extLst>
+        </p:spPr>
+      </p:pic>
+      <p:pic>
+        <p:nvPicPr>
+          <p:cNvPr id="2056" name="Picture 8">
+            <a:extLst>
+              <a:ext uri="{FF2B5EF4-FFF2-40B4-BE49-F238E27FC236}">
+                <a16:creationId xmlns:a16="http://schemas.microsoft.com/office/drawing/2014/main" id="{8FC3486B-C2AB-430F-BD0D-3186AC64F64E}"/>
+              </a:ext>
+            </a:extLst>
+          </p:cNvPr>
+          <p:cNvPicPr>
+            <a:picLocks noChangeAspect="1" noChangeArrowheads="1"/>
+          </p:cNvPicPr>
+          <p:nvPr/>
+        </p:nvPicPr>
+        <p:blipFill>
+          <a:blip r:embed="rId6">
+            <a:extLst>
+              <a:ext uri="{28A0092B-C50C-407E-A947-70E740481C1C}">
+                <a14:useLocalDpi xmlns:a14="http://schemas.microsoft.com/office/drawing/2010/main" val="0"/>
+              </a:ext>
+            </a:extLst>
+          </a:blip>
+          <a:srcRect/>
+          <a:stretch>
+            <a:fillRect/>
+          </a:stretch>
+        </p:blipFill>
+        <p:spPr bwMode="auto">
+          <a:xfrm>
+            <a:off x="9675451" y="4080518"/>
+            <a:ext cx="2370065" cy="1764184"/>
+          </a:xfrm>
+          <a:prstGeom prst="rect">
+            <a:avLst/>
+          </a:prstGeom>
+          <a:noFill/>
+          <a:extLst>
+            <a:ext uri="{909E8E84-426E-40DD-AFC4-6F175D3DCCD1}">
+              <a14:hiddenFill xmlns:a14="http://schemas.microsoft.com/office/drawing/2010/main">
+                <a:solidFill>
+                  <a:srgbClr val="FFFFFF"/>
+                </a:solidFill>
+              </a14:hiddenFill>
+            </a:ext>
+          </a:extLst>
+        </p:spPr>
+      </p:pic>
+      <p:sp>
+        <p:nvSpPr>
+          <p:cNvPr id="13" name="Rectangle 12">
+            <a:extLst>
+              <a:ext uri="{FF2B5EF4-FFF2-40B4-BE49-F238E27FC236}">
+                <a16:creationId xmlns:a16="http://schemas.microsoft.com/office/drawing/2014/main" id="{7F62F7DF-0F8C-9B75-A7B2-9C69DF98A078}"/>
+              </a:ext>
+            </a:extLst>
+          </p:cNvPr>
+          <p:cNvSpPr/>
+          <p:nvPr/>
+        </p:nvSpPr>
+        <p:spPr>
+          <a:xfrm>
+            <a:off x="9589474" y="5660051"/>
+            <a:ext cx="1852251" cy="365125"/>
+          </a:xfrm>
+          <a:prstGeom prst="rect">
+            <a:avLst/>
+          </a:prstGeom>
+        </p:spPr>
+        <p:style>
+          <a:lnRef idx="2">
+            <a:schemeClr val="accent1">
+              <a:shade val="15000"/>
+            </a:schemeClr>
+          </a:lnRef>
+          <a:fillRef idx="1">
+            <a:schemeClr val="accent1"/>
+          </a:fillRef>
+          <a:effectRef idx="0">
+            <a:schemeClr val="accent1"/>
+          </a:effectRef>
+          <a:fontRef idx="minor">
+            <a:schemeClr val="lt1"/>
+          </a:fontRef>
+        </p:style>
+        <p:txBody>
+          <a:bodyPr rtlCol="0" anchor="ctr"/>
+          <a:lstStyle/>
+          <a:p>
+            <a:pPr algn="ctr"/>
+            <a:r>
+              <a:rPr lang="en-US" dirty="0"/>
+              <a:t>Could change</a:t>
+            </a:r>
+          </a:p>
+        </p:txBody>
+      </p:sp>
+    </p:spTree>
+    <p:extLst>
+      <p:ext uri="{BB962C8B-B14F-4D97-AF65-F5344CB8AC3E}">
+        <p14:creationId xmlns:p14="http://schemas.microsoft.com/office/powerpoint/2010/main" val="1397067559"/>
+      </p:ext>
+    </p:extLst>
+  </p:cSld>
+  <p:clrMapOvr>
+    <a:masterClrMapping/>
+  </p:clrMapOvr>
+</p:sld>
+</file>
+
+<file path=ppt/slides/slide7.xml><?xml version="1.0" encoding="utf-8"?>
+<p:sld xmlns:a="http://schemas.openxmlformats.org/drawingml/2006/main" xmlns:r="http://schemas.openxmlformats.org/officeDocument/2006/relationships" xmlns:p="http://schemas.openxmlformats.org/presentationml/2006/main">
+  <p:cSld>
+    <p:spTree>
+      <p:nvGrpSpPr>
+        <p:cNvPr id="1" name=""/>
+        <p:cNvGrpSpPr/>
+        <p:nvPr/>
+      </p:nvGrpSpPr>
+      <p:grpSpPr>
+        <a:xfrm>
+          <a:off x="0" y="0"/>
+          <a:ext cx="0" cy="0"/>
+          <a:chOff x="0" y="0"/>
+          <a:chExt cx="0" cy="0"/>
+        </a:xfrm>
+      </p:grpSpPr>
+      <p:sp>
+        <p:nvSpPr>
+          <p:cNvPr id="2" name="Title 1">
+            <a:extLst>
+              <a:ext uri="{FF2B5EF4-FFF2-40B4-BE49-F238E27FC236}">
+                <a16:creationId xmlns:a16="http://schemas.microsoft.com/office/drawing/2014/main" id="{30905D25-D850-C73A-E620-1F23B6E7A426}"/>
+              </a:ext>
+            </a:extLst>
+          </p:cNvPr>
+          <p:cNvSpPr>
+            <a:spLocks noGrp="1"/>
+          </p:cNvSpPr>
+          <p:nvPr>
+            <p:ph type="title"/>
+          </p:nvPr>
+        </p:nvSpPr>
+        <p:spPr/>
+        <p:txBody>
+          <a:bodyPr/>
+          <a:lstStyle/>
+          <a:p>
+            <a:r>
+              <a:rPr lang="en-US" dirty="0"/>
+              <a:t>Agreement with AFM-measured heights</a:t>
+            </a:r>
+          </a:p>
+        </p:txBody>
+      </p:sp>
+      <p:sp>
+        <p:nvSpPr>
+          <p:cNvPr id="3" name="Slide Number Placeholder 2">
+            <a:extLst>
+              <a:ext uri="{FF2B5EF4-FFF2-40B4-BE49-F238E27FC236}">
+                <a16:creationId xmlns:a16="http://schemas.microsoft.com/office/drawing/2014/main" id="{F899F345-FA69-C319-9430-7DD965D92026}"/>
+              </a:ext>
+            </a:extLst>
+          </p:cNvPr>
+          <p:cNvSpPr>
+            <a:spLocks noGrp="1"/>
+          </p:cNvSpPr>
+          <p:nvPr>
+            <p:ph type="sldNum" sz="quarter" idx="12"/>
+          </p:nvPr>
+        </p:nvSpPr>
+        <p:spPr/>
+        <p:txBody>
+          <a:bodyPr/>
+          <a:lstStyle/>
+          <a:p>
+            <a:fld id="{B40DB54C-0C58-4481-B5FF-5C3F14CFF9B3}" type="slidenum">
+              <a:rPr lang="en-US" smtClean="0"/>
+              <a:t>7</a:t>
+            </a:fld>
+            <a:endParaRPr lang="en-US"/>
+          </a:p>
+        </p:txBody>
+      </p:sp>
+      <p:pic>
+        <p:nvPicPr>
+          <p:cNvPr id="4108" name="Picture 12">
+            <a:extLst>
+              <a:ext uri="{FF2B5EF4-FFF2-40B4-BE49-F238E27FC236}">
+                <a16:creationId xmlns:a16="http://schemas.microsoft.com/office/drawing/2014/main" id="{341C2F45-7258-7468-DA5C-3BEF8225B25D}"/>
+              </a:ext>
+            </a:extLst>
+          </p:cNvPr>
+          <p:cNvPicPr>
+            <a:picLocks noChangeAspect="1" noChangeArrowheads="1"/>
+          </p:cNvPicPr>
+          <p:nvPr/>
+        </p:nvPicPr>
+        <p:blipFill>
+          <a:blip r:embed="rId2">
+            <a:extLst>
+              <a:ext uri="{28A0092B-C50C-407E-A947-70E740481C1C}">
+                <a14:useLocalDpi xmlns:a14="http://schemas.microsoft.com/office/drawing/2010/main" val="0"/>
+              </a:ext>
+            </a:extLst>
+          </a:blip>
+          <a:srcRect/>
+          <a:stretch>
+            <a:fillRect/>
+          </a:stretch>
+        </p:blipFill>
+        <p:spPr bwMode="auto">
+          <a:xfrm>
+            <a:off x="2184398" y="1483943"/>
+            <a:ext cx="7493001" cy="2376686"/>
+          </a:xfrm>
+          <a:prstGeom prst="rect">
+            <a:avLst/>
+          </a:prstGeom>
+          <a:noFill/>
+          <a:extLst>
+            <a:ext uri="{909E8E84-426E-40DD-AFC4-6F175D3DCCD1}">
+              <a14:hiddenFill xmlns:a14="http://schemas.microsoft.com/office/drawing/2010/main">
+                <a:solidFill>
+                  <a:srgbClr val="FFFFFF"/>
+                </a:solidFill>
+              </a14:hiddenFill>
+            </a:ext>
+          </a:extLst>
+        </p:spPr>
+      </p:pic>
+      <p:pic>
+        <p:nvPicPr>
+          <p:cNvPr id="4110" name="Picture 14">
+            <a:extLst>
+              <a:ext uri="{FF2B5EF4-FFF2-40B4-BE49-F238E27FC236}">
+                <a16:creationId xmlns:a16="http://schemas.microsoft.com/office/drawing/2014/main" id="{8F8F6982-B250-0F22-8B82-94C4D5A698DA}"/>
+              </a:ext>
+            </a:extLst>
+          </p:cNvPr>
+          <p:cNvPicPr>
+            <a:picLocks noChangeAspect="1" noChangeArrowheads="1"/>
+          </p:cNvPicPr>
+          <p:nvPr/>
+        </p:nvPicPr>
+        <p:blipFill>
+          <a:blip r:embed="rId3">
+            <a:extLst>
+              <a:ext uri="{28A0092B-C50C-407E-A947-70E740481C1C}">
+                <a14:useLocalDpi xmlns:a14="http://schemas.microsoft.com/office/drawing/2010/main" val="0"/>
+              </a:ext>
+            </a:extLst>
+          </a:blip>
+          <a:srcRect/>
+          <a:stretch>
+            <a:fillRect/>
+          </a:stretch>
+        </p:blipFill>
+        <p:spPr bwMode="auto">
+          <a:xfrm>
+            <a:off x="2184398" y="3957306"/>
+            <a:ext cx="7492996" cy="2376685"/>
+          </a:xfrm>
+          <a:prstGeom prst="rect">
+            <a:avLst/>
+          </a:prstGeom>
+          <a:noFill/>
+          <a:extLst>
+            <a:ext uri="{909E8E84-426E-40DD-AFC4-6F175D3DCCD1}">
+              <a14:hiddenFill xmlns:a14="http://schemas.microsoft.com/office/drawing/2010/main">
+                <a:solidFill>
+                  <a:srgbClr val="FFFFFF"/>
+                </a:solidFill>
+              </a14:hiddenFill>
+            </a:ext>
+          </a:extLst>
+        </p:spPr>
+      </p:pic>
+      <p:sp>
+        <p:nvSpPr>
+          <p:cNvPr id="6" name="TextBox 5">
+            <a:extLst>
+              <a:ext uri="{FF2B5EF4-FFF2-40B4-BE49-F238E27FC236}">
+                <a16:creationId xmlns:a16="http://schemas.microsoft.com/office/drawing/2014/main" id="{2F867BD9-1221-7D64-E4C0-A0FF82038B1C}"/>
+              </a:ext>
+            </a:extLst>
+          </p:cNvPr>
+          <p:cNvSpPr txBox="1"/>
+          <p:nvPr/>
+        </p:nvSpPr>
+        <p:spPr>
+          <a:xfrm>
+            <a:off x="220134" y="2444290"/>
+            <a:ext cx="1515533" cy="369332"/>
+          </a:xfrm>
+          <a:prstGeom prst="rect">
+            <a:avLst/>
+          </a:prstGeom>
+          <a:noFill/>
+        </p:spPr>
+        <p:txBody>
+          <a:bodyPr wrap="square" rtlCol="0">
+            <a:spAutoFit/>
+          </a:bodyPr>
+          <a:lstStyle/>
+          <a:p>
+            <a:r>
+              <a:rPr lang="en-US" dirty="0"/>
+              <a:t>Non-modified</a:t>
+            </a:r>
+          </a:p>
+        </p:txBody>
+      </p:sp>
+      <p:sp>
+        <p:nvSpPr>
+          <p:cNvPr id="7" name="TextBox 6">
+            <a:extLst>
+              <a:ext uri="{FF2B5EF4-FFF2-40B4-BE49-F238E27FC236}">
+                <a16:creationId xmlns:a16="http://schemas.microsoft.com/office/drawing/2014/main" id="{99DE77C7-2DF8-D68C-683F-2BDD9E211BD1}"/>
+              </a:ext>
+            </a:extLst>
+          </p:cNvPr>
+          <p:cNvSpPr txBox="1"/>
+          <p:nvPr/>
+        </p:nvSpPr>
+        <p:spPr>
+          <a:xfrm>
+            <a:off x="431800" y="4776316"/>
+            <a:ext cx="1303867" cy="369332"/>
+          </a:xfrm>
+          <a:prstGeom prst="rect">
+            <a:avLst/>
+          </a:prstGeom>
+          <a:noFill/>
+        </p:spPr>
+        <p:txBody>
+          <a:bodyPr wrap="square" rtlCol="0">
+            <a:spAutoFit/>
+          </a:bodyPr>
+          <a:lstStyle/>
+          <a:p>
+            <a:r>
+              <a:rPr lang="en-US" dirty="0"/>
+              <a:t>Modified</a:t>
+            </a:r>
+          </a:p>
+        </p:txBody>
+      </p:sp>
+    </p:spTree>
+    <p:extLst>
+      <p:ext uri="{BB962C8B-B14F-4D97-AF65-F5344CB8AC3E}">
+        <p14:creationId xmlns:p14="http://schemas.microsoft.com/office/powerpoint/2010/main" val="1943666839"/>
+      </p:ext>
+    </p:extLst>
+  </p:cSld>
+  <p:clrMapOvr>
+    <a:masterClrMapping/>
+  </p:clrMapOvr>
+</p:sld>
+</file>
+
+<file path=ppt/slides/slide8.xml><?xml version="1.0" encoding="utf-8"?>
+<p:sld xmlns:a="http://schemas.openxmlformats.org/drawingml/2006/main" xmlns:r="http://schemas.openxmlformats.org/officeDocument/2006/relationships" xmlns:p="http://schemas.openxmlformats.org/presentationml/2006/main">
+  <p:cSld>
+    <p:spTree>
+      <p:nvGrpSpPr>
+        <p:cNvPr id="1" name=""/>
+        <p:cNvGrpSpPr/>
+        <p:nvPr/>
+      </p:nvGrpSpPr>
+      <p:grpSpPr>
+        <a:xfrm>
+          <a:off x="0" y="0"/>
+          <a:ext cx="0" cy="0"/>
+          <a:chOff x="0" y="0"/>
+          <a:chExt cx="0" cy="0"/>
+        </a:xfrm>
+      </p:grpSpPr>
+      <p:sp>
+        <p:nvSpPr>
+          <p:cNvPr id="2" name="Title 1">
+            <a:extLst>
+              <a:ext uri="{FF2B5EF4-FFF2-40B4-BE49-F238E27FC236}">
+                <a16:creationId xmlns:a16="http://schemas.microsoft.com/office/drawing/2014/main" id="{23CDC1B1-E5BC-E498-0F62-109F6812D44E}"/>
+              </a:ext>
+            </a:extLst>
+          </p:cNvPr>
+          <p:cNvSpPr>
+            <a:spLocks noGrp="1"/>
+          </p:cNvSpPr>
+          <p:nvPr>
+            <p:ph type="title"/>
+          </p:nvPr>
+        </p:nvSpPr>
+        <p:spPr/>
+        <p:txBody>
+          <a:bodyPr/>
+          <a:lstStyle/>
+          <a:p>
+            <a:r>
+              <a:rPr lang="en-US" dirty="0"/>
+              <a:t>NFL</a:t>
+            </a:r>
+          </a:p>
+        </p:txBody>
+      </p:sp>
+      <p:sp>
+        <p:nvSpPr>
+          <p:cNvPr id="3" name="Slide Number Placeholder 2">
+            <a:extLst>
+              <a:ext uri="{FF2B5EF4-FFF2-40B4-BE49-F238E27FC236}">
+                <a16:creationId xmlns:a16="http://schemas.microsoft.com/office/drawing/2014/main" id="{BC52B724-F553-E9FB-1E36-6AE861F71B79}"/>
+              </a:ext>
+            </a:extLst>
+          </p:cNvPr>
+          <p:cNvSpPr>
+            <a:spLocks noGrp="1"/>
+          </p:cNvSpPr>
+          <p:nvPr>
+            <p:ph type="sldNum" sz="quarter" idx="12"/>
+          </p:nvPr>
+        </p:nvSpPr>
+        <p:spPr/>
+        <p:txBody>
+          <a:bodyPr/>
+          <a:lstStyle/>
+          <a:p>
+            <a:fld id="{B40DB54C-0C58-4481-B5FF-5C3F14CFF9B3}" type="slidenum">
+              <a:rPr lang="en-US" smtClean="0"/>
+              <a:t>8</a:t>
             </a:fld>
             <a:endParaRPr lang="en-US"/>
           </a:p>
@@ -6215,7 +8965,7 @@
 </p:sld>
 </file>
 
-<file path=ppt/slides/slide7.xml><?xml version="1.0" encoding="utf-8"?>
+<file path=ppt/slides/slide9.xml><?xml version="1.0" encoding="utf-8"?>
 <p:sld xmlns:a="http://schemas.openxmlformats.org/drawingml/2006/main" xmlns:r="http://schemas.openxmlformats.org/officeDocument/2006/relationships" xmlns:p="http://schemas.openxmlformats.org/presentationml/2006/main">
   <p:cSld>
     <p:spTree>
@@ -6283,7 +9033,7 @@
           <a:p>
             <a:fld id="{B40DB54C-0C58-4481-B5FF-5C3F14CFF9B3}" type="slidenum">
               <a:rPr lang="en-US" smtClean="0"/>
-              <a:t>7</a:t>
+              <a:t>9</a:t>
             </a:fld>
             <a:endParaRPr lang="en-US"/>
           </a:p>
@@ -6908,1548 +9658,6 @@
     <p:extLst>
       <p:ext uri="{BB962C8B-B14F-4D97-AF65-F5344CB8AC3E}">
         <p14:creationId xmlns:p14="http://schemas.microsoft.com/office/powerpoint/2010/main" val="2742560492"/>
-      </p:ext>
-    </p:extLst>
-  </p:cSld>
-  <p:clrMapOvr>
-    <a:masterClrMapping/>
-  </p:clrMapOvr>
-</p:sld>
-</file>
-
-<file path=ppt/slides/slide8.xml><?xml version="1.0" encoding="utf-8"?>
-<p:sld xmlns:a="http://schemas.openxmlformats.org/drawingml/2006/main" xmlns:r="http://schemas.openxmlformats.org/officeDocument/2006/relationships" xmlns:p="http://schemas.openxmlformats.org/presentationml/2006/main">
-  <p:cSld>
-    <p:spTree>
-      <p:nvGrpSpPr>
-        <p:cNvPr id="1" name=""/>
-        <p:cNvGrpSpPr/>
-        <p:nvPr/>
-      </p:nvGrpSpPr>
-      <p:grpSpPr>
-        <a:xfrm>
-          <a:off x="0" y="0"/>
-          <a:ext cx="0" cy="0"/>
-          <a:chOff x="0" y="0"/>
-          <a:chExt cx="0" cy="0"/>
-        </a:xfrm>
-      </p:grpSpPr>
-      <p:sp>
-        <p:nvSpPr>
-          <p:cNvPr id="2" name="Title 1">
-            <a:extLst>
-              <a:ext uri="{FF2B5EF4-FFF2-40B4-BE49-F238E27FC236}">
-                <a16:creationId xmlns:a16="http://schemas.microsoft.com/office/drawing/2014/main" id="{1F8246AC-7E72-A555-19BF-3EA7DDEDB59E}"/>
-              </a:ext>
-            </a:extLst>
-          </p:cNvPr>
-          <p:cNvSpPr>
-            <a:spLocks noGrp="1"/>
-          </p:cNvSpPr>
-          <p:nvPr>
-            <p:ph type="title"/>
-          </p:nvPr>
-        </p:nvSpPr>
-        <p:spPr/>
-        <p:txBody>
-          <a:bodyPr/>
-          <a:lstStyle/>
-          <a:p>
-            <a:r>
-              <a:rPr lang="en-US" dirty="0"/>
-              <a:t>NFH(D2)</a:t>
-            </a:r>
-          </a:p>
-        </p:txBody>
-      </p:sp>
-      <p:sp>
-        <p:nvSpPr>
-          <p:cNvPr id="3" name="Slide Number Placeholder 2">
-            <a:extLst>
-              <a:ext uri="{FF2B5EF4-FFF2-40B4-BE49-F238E27FC236}">
-                <a16:creationId xmlns:a16="http://schemas.microsoft.com/office/drawing/2014/main" id="{33F8F74B-90E6-2E17-9581-73EC6821BD76}"/>
-              </a:ext>
-            </a:extLst>
-          </p:cNvPr>
-          <p:cNvSpPr>
-            <a:spLocks noGrp="1"/>
-          </p:cNvSpPr>
-          <p:nvPr>
-            <p:ph type="sldNum" sz="quarter" idx="12"/>
-          </p:nvPr>
-        </p:nvSpPr>
-        <p:spPr/>
-        <p:txBody>
-          <a:bodyPr/>
-          <a:lstStyle/>
-          <a:p>
-            <a:fld id="{B40DB54C-0C58-4481-B5FF-5C3F14CFF9B3}" type="slidenum">
-              <a:rPr lang="en-US" smtClean="0"/>
-              <a:t>8</a:t>
-            </a:fld>
-            <a:endParaRPr lang="en-US"/>
-          </a:p>
-        </p:txBody>
-      </p:sp>
-      <p:grpSp>
-        <p:nvGrpSpPr>
-          <p:cNvPr id="13" name="Group 12">
-            <a:extLst>
-              <a:ext uri="{FF2B5EF4-FFF2-40B4-BE49-F238E27FC236}">
-                <a16:creationId xmlns:a16="http://schemas.microsoft.com/office/drawing/2014/main" id="{E45AB686-37F6-C18C-3E4D-C1964CCB31C8}"/>
-              </a:ext>
-            </a:extLst>
-          </p:cNvPr>
-          <p:cNvGrpSpPr/>
-          <p:nvPr/>
-        </p:nvGrpSpPr>
-        <p:grpSpPr>
-          <a:xfrm>
-            <a:off x="3282677" y="4411089"/>
-            <a:ext cx="5824993" cy="2446911"/>
-            <a:chOff x="1042532" y="2423046"/>
-            <a:chExt cx="5824993" cy="2446911"/>
-          </a:xfrm>
-        </p:grpSpPr>
-        <p:pic>
-          <p:nvPicPr>
-            <p:cNvPr id="4" name="Picture 12">
-              <a:extLst>
-                <a:ext uri="{FF2B5EF4-FFF2-40B4-BE49-F238E27FC236}">
-                  <a16:creationId xmlns:a16="http://schemas.microsoft.com/office/drawing/2014/main" id="{B09AC93E-C722-A661-AFB0-2E0007080751}"/>
-                </a:ext>
-              </a:extLst>
-            </p:cNvPr>
-            <p:cNvPicPr>
-              <a:picLocks noChangeAspect="1" noChangeArrowheads="1"/>
-            </p:cNvPicPr>
-            <p:nvPr/>
-          </p:nvPicPr>
-          <p:blipFill>
-            <a:blip r:embed="rId2">
-              <a:extLst>
-                <a:ext uri="{28A0092B-C50C-407E-A947-70E740481C1C}">
-                  <a14:useLocalDpi xmlns:a14="http://schemas.microsoft.com/office/drawing/2010/main" val="0"/>
-                </a:ext>
-              </a:extLst>
-            </a:blip>
-            <a:srcRect/>
-            <a:stretch>
-              <a:fillRect/>
-            </a:stretch>
-          </p:blipFill>
-          <p:spPr bwMode="auto">
-            <a:xfrm>
-              <a:off x="1042532" y="2423046"/>
-              <a:ext cx="5824993" cy="2446911"/>
-            </a:xfrm>
-            <a:prstGeom prst="rect">
-              <a:avLst/>
-            </a:prstGeom>
-            <a:noFill/>
-            <a:extLst>
-              <a:ext uri="{909E8E84-426E-40DD-AFC4-6F175D3DCCD1}">
-                <a14:hiddenFill xmlns:a14="http://schemas.microsoft.com/office/drawing/2010/main">
-                  <a:solidFill>
-                    <a:srgbClr val="FFFFFF"/>
-                  </a:solidFill>
-                </a14:hiddenFill>
-              </a:ext>
-            </a:extLst>
-          </p:spPr>
-        </p:pic>
-        <p:grpSp>
-          <p:nvGrpSpPr>
-            <p:cNvPr id="5" name="Group 4">
-              <a:extLst>
-                <a:ext uri="{FF2B5EF4-FFF2-40B4-BE49-F238E27FC236}">
-                  <a16:creationId xmlns:a16="http://schemas.microsoft.com/office/drawing/2014/main" id="{4C33686A-6CD6-8E6D-5F66-8595438A7BD5}"/>
-                </a:ext>
-              </a:extLst>
-            </p:cNvPr>
-            <p:cNvGrpSpPr/>
-            <p:nvPr/>
-          </p:nvGrpSpPr>
-          <p:grpSpPr>
-            <a:xfrm>
-              <a:off x="2074287" y="2861048"/>
-              <a:ext cx="3433325" cy="1154786"/>
-              <a:chOff x="6696635" y="1773370"/>
-              <a:chExt cx="3433325" cy="1154786"/>
-            </a:xfrm>
-          </p:grpSpPr>
-          <p:sp>
-            <p:nvSpPr>
-              <p:cNvPr id="6" name="TextBox 5">
-                <a:extLst>
-                  <a:ext uri="{FF2B5EF4-FFF2-40B4-BE49-F238E27FC236}">
-                    <a16:creationId xmlns:a16="http://schemas.microsoft.com/office/drawing/2014/main" id="{1C6E9365-1A18-7F3A-AE24-491F44C8241A}"/>
-                  </a:ext>
-                </a:extLst>
-              </p:cNvPr>
-              <p:cNvSpPr txBox="1"/>
-              <p:nvPr/>
-            </p:nvSpPr>
-            <p:spPr>
-              <a:xfrm>
-                <a:off x="7028329" y="1773370"/>
-                <a:ext cx="896470" cy="369332"/>
-              </a:xfrm>
-              <a:prstGeom prst="rect">
-                <a:avLst/>
-              </a:prstGeom>
-              <a:noFill/>
-            </p:spPr>
-            <p:txBody>
-              <a:bodyPr wrap="square" rtlCol="0">
-                <a:spAutoFit/>
-              </a:bodyPr>
-              <a:lstStyle/>
-              <a:p>
-                <a:r>
-                  <a:rPr lang="en-US" dirty="0"/>
-                  <a:t>NFH</a:t>
-                </a:r>
-              </a:p>
-            </p:txBody>
-          </p:sp>
-          <p:sp>
-            <p:nvSpPr>
-              <p:cNvPr id="7" name="TextBox 6">
-                <a:extLst>
-                  <a:ext uri="{FF2B5EF4-FFF2-40B4-BE49-F238E27FC236}">
-                    <a16:creationId xmlns:a16="http://schemas.microsoft.com/office/drawing/2014/main" id="{5A449321-071F-84EC-F649-E90031DD6D24}"/>
-                  </a:ext>
-                </a:extLst>
-              </p:cNvPr>
-              <p:cNvSpPr txBox="1"/>
-              <p:nvPr/>
-            </p:nvSpPr>
-            <p:spPr>
-              <a:xfrm>
-                <a:off x="7377672" y="2558824"/>
-                <a:ext cx="896470" cy="369332"/>
-              </a:xfrm>
-              <a:prstGeom prst="rect">
-                <a:avLst/>
-              </a:prstGeom>
-              <a:noFill/>
-            </p:spPr>
-            <p:txBody>
-              <a:bodyPr wrap="square" rtlCol="0">
-                <a:spAutoFit/>
-              </a:bodyPr>
-              <a:lstStyle/>
-              <a:p>
-                <a:r>
-                  <a:rPr lang="en-US" dirty="0"/>
-                  <a:t>NFHD2</a:t>
-                </a:r>
-              </a:p>
-            </p:txBody>
-          </p:sp>
-          <p:cxnSp>
-            <p:nvCxnSpPr>
-              <p:cNvPr id="8" name="Straight Arrow Connector 7">
-                <a:extLst>
-                  <a:ext uri="{FF2B5EF4-FFF2-40B4-BE49-F238E27FC236}">
-                    <a16:creationId xmlns:a16="http://schemas.microsoft.com/office/drawing/2014/main" id="{0DC0E9D1-4832-2071-2604-12B8E5E5698F}"/>
-                  </a:ext>
-                </a:extLst>
-              </p:cNvPr>
-              <p:cNvCxnSpPr>
-                <a:cxnSpLocks/>
-              </p:cNvCxnSpPr>
-              <p:nvPr/>
-            </p:nvCxnSpPr>
-            <p:spPr>
-              <a:xfrm flipH="1">
-                <a:off x="6696635" y="2743490"/>
-                <a:ext cx="691156" cy="0"/>
-              </a:xfrm>
-              <a:prstGeom prst="straightConnector1">
-                <a:avLst/>
-              </a:prstGeom>
-              <a:ln w="19050">
-                <a:solidFill>
-                  <a:schemeClr val="tx1"/>
-                </a:solidFill>
-                <a:tailEnd type="triangle"/>
-              </a:ln>
-            </p:spPr>
-            <p:style>
-              <a:lnRef idx="1">
-                <a:schemeClr val="accent1"/>
-              </a:lnRef>
-              <a:fillRef idx="0">
-                <a:schemeClr val="accent1"/>
-              </a:fillRef>
-              <a:effectRef idx="0">
-                <a:schemeClr val="accent1"/>
-              </a:effectRef>
-              <a:fontRef idx="minor">
-                <a:schemeClr val="tx1"/>
-              </a:fontRef>
-            </p:style>
-          </p:cxnSp>
-          <p:cxnSp>
-            <p:nvCxnSpPr>
-              <p:cNvPr id="9" name="Straight Arrow Connector 8">
-                <a:extLst>
-                  <a:ext uri="{FF2B5EF4-FFF2-40B4-BE49-F238E27FC236}">
-                    <a16:creationId xmlns:a16="http://schemas.microsoft.com/office/drawing/2014/main" id="{5F717E59-5F8B-D34A-2352-7B07CD87F9BA}"/>
-                  </a:ext>
-                </a:extLst>
-              </p:cNvPr>
-              <p:cNvCxnSpPr>
-                <a:cxnSpLocks/>
-                <a:stCxn id="6" idx="1"/>
-              </p:cNvCxnSpPr>
-              <p:nvPr/>
-            </p:nvCxnSpPr>
-            <p:spPr>
-              <a:xfrm flipH="1">
-                <a:off x="6759388" y="1958036"/>
-                <a:ext cx="268941" cy="0"/>
-              </a:xfrm>
-              <a:prstGeom prst="straightConnector1">
-                <a:avLst/>
-              </a:prstGeom>
-              <a:ln w="19050">
-                <a:solidFill>
-                  <a:schemeClr val="tx1"/>
-                </a:solidFill>
-                <a:tailEnd type="triangle"/>
-              </a:ln>
-            </p:spPr>
-            <p:style>
-              <a:lnRef idx="1">
-                <a:schemeClr val="accent1"/>
-              </a:lnRef>
-              <a:fillRef idx="0">
-                <a:schemeClr val="accent1"/>
-              </a:fillRef>
-              <a:effectRef idx="0">
-                <a:schemeClr val="accent1"/>
-              </a:effectRef>
-              <a:fontRef idx="minor">
-                <a:schemeClr val="tx1"/>
-              </a:fontRef>
-            </p:style>
-          </p:cxnSp>
-          <p:cxnSp>
-            <p:nvCxnSpPr>
-              <p:cNvPr id="10" name="Straight Arrow Connector 9">
-                <a:extLst>
-                  <a:ext uri="{FF2B5EF4-FFF2-40B4-BE49-F238E27FC236}">
-                    <a16:creationId xmlns:a16="http://schemas.microsoft.com/office/drawing/2014/main" id="{EF63435C-C8A6-D7BD-5A54-D598D0613A57}"/>
-                  </a:ext>
-                </a:extLst>
-              </p:cNvPr>
-              <p:cNvCxnSpPr>
-                <a:cxnSpLocks/>
-                <a:stCxn id="7" idx="3"/>
-              </p:cNvCxnSpPr>
-              <p:nvPr/>
-            </p:nvCxnSpPr>
-            <p:spPr>
-              <a:xfrm>
-                <a:off x="8274142" y="2743490"/>
-                <a:ext cx="1855818" cy="0"/>
-              </a:xfrm>
-              <a:prstGeom prst="straightConnector1">
-                <a:avLst/>
-              </a:prstGeom>
-              <a:ln w="19050">
-                <a:solidFill>
-                  <a:schemeClr val="tx1"/>
-                </a:solidFill>
-                <a:tailEnd type="triangle"/>
-              </a:ln>
-            </p:spPr>
-            <p:style>
-              <a:lnRef idx="1">
-                <a:schemeClr val="accent1"/>
-              </a:lnRef>
-              <a:fillRef idx="0">
-                <a:schemeClr val="accent1"/>
-              </a:fillRef>
-              <a:effectRef idx="0">
-                <a:schemeClr val="accent1"/>
-              </a:effectRef>
-              <a:fontRef idx="minor">
-                <a:schemeClr val="tx1"/>
-              </a:fontRef>
-            </p:style>
-          </p:cxnSp>
-          <p:cxnSp>
-            <p:nvCxnSpPr>
-              <p:cNvPr id="11" name="Straight Arrow Connector 10">
-                <a:extLst>
-                  <a:ext uri="{FF2B5EF4-FFF2-40B4-BE49-F238E27FC236}">
-                    <a16:creationId xmlns:a16="http://schemas.microsoft.com/office/drawing/2014/main" id="{1A542E35-063E-3EBB-6B51-9611CEE409B3}"/>
-                  </a:ext>
-                </a:extLst>
-              </p:cNvPr>
-              <p:cNvCxnSpPr>
-                <a:cxnSpLocks/>
-              </p:cNvCxnSpPr>
-              <p:nvPr/>
-            </p:nvCxnSpPr>
-            <p:spPr>
-              <a:xfrm>
-                <a:off x="7646296" y="1955149"/>
-                <a:ext cx="2214723" cy="15779"/>
-              </a:xfrm>
-              <a:prstGeom prst="straightConnector1">
-                <a:avLst/>
-              </a:prstGeom>
-              <a:ln w="19050">
-                <a:solidFill>
-                  <a:schemeClr val="tx1"/>
-                </a:solidFill>
-                <a:tailEnd type="triangle"/>
-              </a:ln>
-            </p:spPr>
-            <p:style>
-              <a:lnRef idx="1">
-                <a:schemeClr val="accent1"/>
-              </a:lnRef>
-              <a:fillRef idx="0">
-                <a:schemeClr val="accent1"/>
-              </a:fillRef>
-              <a:effectRef idx="0">
-                <a:schemeClr val="accent1"/>
-              </a:effectRef>
-              <a:fontRef idx="minor">
-                <a:schemeClr val="tx1"/>
-              </a:fontRef>
-            </p:style>
-          </p:cxnSp>
-        </p:grpSp>
-      </p:grpSp>
-      <p:sp>
-        <p:nvSpPr>
-          <p:cNvPr id="12" name="Content Placeholder 2">
-            <a:extLst>
-              <a:ext uri="{FF2B5EF4-FFF2-40B4-BE49-F238E27FC236}">
-                <a16:creationId xmlns:a16="http://schemas.microsoft.com/office/drawing/2014/main" id="{DC750A4E-D70C-997F-12CA-CBCA5D9E8946}"/>
-              </a:ext>
-            </a:extLst>
-          </p:cNvPr>
-          <p:cNvSpPr txBox="1">
-            <a:spLocks/>
-          </p:cNvSpPr>
-          <p:nvPr/>
-        </p:nvSpPr>
-        <p:spPr>
-          <a:xfrm>
-            <a:off x="838200" y="1081157"/>
-            <a:ext cx="10515600" cy="5109249"/>
-          </a:xfrm>
-          <a:prstGeom prst="rect">
-            <a:avLst/>
-          </a:prstGeom>
-        </p:spPr>
-        <p:txBody>
-          <a:bodyPr/>
-          <a:lstStyle>
-            <a:lvl1pPr marL="228600" indent="-228600" algn="l" defTabSz="914400" rtl="0" eaLnBrk="1" latinLnBrk="0" hangingPunct="1">
-              <a:lnSpc>
-                <a:spcPct val="100000"/>
-              </a:lnSpc>
-              <a:spcBef>
-                <a:spcPts val="1000"/>
-              </a:spcBef>
-              <a:spcAft>
-                <a:spcPts val="1200"/>
-              </a:spcAft>
-              <a:buFont typeface="Arial" panose="020B0604020202020204" pitchFamily="34" charset="0"/>
-              <a:buChar char="•"/>
-              <a:defRPr sz="2400" kern="1200">
-                <a:solidFill>
-                  <a:schemeClr val="tx1"/>
-                </a:solidFill>
-                <a:latin typeface="Lucida Grande" pitchFamily="2" charset="0"/>
-                <a:ea typeface="Lucida Grande" pitchFamily="2" charset="0"/>
-                <a:cs typeface="Lucida Grande" pitchFamily="2" charset="0"/>
-              </a:defRPr>
-            </a:lvl1pPr>
-            <a:lvl2pPr marL="685800" indent="-228600" algn="l" defTabSz="914400" rtl="0" eaLnBrk="1" latinLnBrk="0" hangingPunct="1">
-              <a:lnSpc>
-                <a:spcPct val="100000"/>
-              </a:lnSpc>
-              <a:spcBef>
-                <a:spcPts val="500"/>
-              </a:spcBef>
-              <a:spcAft>
-                <a:spcPts val="1200"/>
-              </a:spcAft>
-              <a:buFont typeface="Arial" panose="020B0604020202020204" pitchFamily="34" charset="0"/>
-              <a:buChar char="•"/>
-              <a:defRPr sz="2000" kern="1200">
-                <a:solidFill>
-                  <a:schemeClr val="tx1"/>
-                </a:solidFill>
-                <a:latin typeface="Lucida Grande" pitchFamily="2" charset="0"/>
-                <a:ea typeface="Lucida Grande" pitchFamily="2" charset="0"/>
-                <a:cs typeface="Lucida Grande" pitchFamily="2" charset="0"/>
-              </a:defRPr>
-            </a:lvl2pPr>
-            <a:lvl3pPr marL="1143000" indent="-228600" algn="l" defTabSz="914400" rtl="0" eaLnBrk="1" latinLnBrk="0" hangingPunct="1">
-              <a:lnSpc>
-                <a:spcPct val="100000"/>
-              </a:lnSpc>
-              <a:spcBef>
-                <a:spcPts val="500"/>
-              </a:spcBef>
-              <a:spcAft>
-                <a:spcPts val="1200"/>
-              </a:spcAft>
-              <a:buFont typeface="Arial" panose="020B0604020202020204" pitchFamily="34" charset="0"/>
-              <a:buChar char="•"/>
-              <a:defRPr sz="1800" kern="1200">
-                <a:solidFill>
-                  <a:schemeClr val="tx1"/>
-                </a:solidFill>
-                <a:latin typeface="Lucida Grande" pitchFamily="2" charset="0"/>
-                <a:ea typeface="Lucida Grande" pitchFamily="2" charset="0"/>
-                <a:cs typeface="Lucida Grande" pitchFamily="2" charset="0"/>
-              </a:defRPr>
-            </a:lvl3pPr>
-            <a:lvl4pPr marL="1600200" indent="-228600" algn="l" defTabSz="914400" rtl="0" eaLnBrk="1" latinLnBrk="0" hangingPunct="1">
-              <a:lnSpc>
-                <a:spcPct val="100000"/>
-              </a:lnSpc>
-              <a:spcBef>
-                <a:spcPts val="500"/>
-              </a:spcBef>
-              <a:spcAft>
-                <a:spcPts val="1200"/>
-              </a:spcAft>
-              <a:buFont typeface="Arial" panose="020B0604020202020204" pitchFamily="34" charset="0"/>
-              <a:buChar char="•"/>
-              <a:defRPr sz="1600" kern="1200">
-                <a:solidFill>
-                  <a:schemeClr val="tx1"/>
-                </a:solidFill>
-                <a:latin typeface="Lucida Grande" pitchFamily="2" charset="0"/>
-                <a:ea typeface="Lucida Grande" pitchFamily="2" charset="0"/>
-                <a:cs typeface="Lucida Grande" pitchFamily="2" charset="0"/>
-              </a:defRPr>
-            </a:lvl4pPr>
-            <a:lvl5pPr marL="2057400" indent="-228600" algn="l" defTabSz="914400" rtl="0" eaLnBrk="1" latinLnBrk="0" hangingPunct="1">
-              <a:lnSpc>
-                <a:spcPct val="100000"/>
-              </a:lnSpc>
-              <a:spcBef>
-                <a:spcPts val="500"/>
-              </a:spcBef>
-              <a:spcAft>
-                <a:spcPts val="1200"/>
-              </a:spcAft>
-              <a:buFont typeface="Arial" panose="020B0604020202020204" pitchFamily="34" charset="0"/>
-              <a:buChar char="•"/>
-              <a:defRPr sz="1600" kern="1200">
-                <a:solidFill>
-                  <a:schemeClr val="tx1"/>
-                </a:solidFill>
-                <a:latin typeface="Lucida Grande" pitchFamily="2" charset="0"/>
-                <a:ea typeface="Lucida Grande" pitchFamily="2" charset="0"/>
-                <a:cs typeface="Lucida Grande" pitchFamily="2" charset="0"/>
-              </a:defRPr>
-            </a:lvl5pPr>
-            <a:lvl6pPr marL="2514600" indent="-228600" algn="l" defTabSz="914400" rtl="0" eaLnBrk="1" latinLnBrk="0" hangingPunct="1">
-              <a:lnSpc>
-                <a:spcPct val="90000"/>
-              </a:lnSpc>
-              <a:spcBef>
-                <a:spcPts val="500"/>
-              </a:spcBef>
-              <a:buFont typeface="Arial" panose="020B0604020202020204" pitchFamily="34" charset="0"/>
-              <a:buChar char="•"/>
-              <a:defRPr sz="1800" kern="1200">
-                <a:solidFill>
-                  <a:schemeClr val="tx1"/>
-                </a:solidFill>
-                <a:latin typeface="+mn-lt"/>
-                <a:ea typeface="+mn-ea"/>
-                <a:cs typeface="+mn-cs"/>
-              </a:defRPr>
-            </a:lvl6pPr>
-            <a:lvl7pPr marL="2971800" indent="-228600" algn="l" defTabSz="914400" rtl="0" eaLnBrk="1" latinLnBrk="0" hangingPunct="1">
-              <a:lnSpc>
-                <a:spcPct val="90000"/>
-              </a:lnSpc>
-              <a:spcBef>
-                <a:spcPts val="500"/>
-              </a:spcBef>
-              <a:buFont typeface="Arial" panose="020B0604020202020204" pitchFamily="34" charset="0"/>
-              <a:buChar char="•"/>
-              <a:defRPr sz="1800" kern="1200">
-                <a:solidFill>
-                  <a:schemeClr val="tx1"/>
-                </a:solidFill>
-                <a:latin typeface="+mn-lt"/>
-                <a:ea typeface="+mn-ea"/>
-                <a:cs typeface="+mn-cs"/>
-              </a:defRPr>
-            </a:lvl7pPr>
-            <a:lvl8pPr marL="3429000" indent="-228600" algn="l" defTabSz="914400" rtl="0" eaLnBrk="1" latinLnBrk="0" hangingPunct="1">
-              <a:lnSpc>
-                <a:spcPct val="90000"/>
-              </a:lnSpc>
-              <a:spcBef>
-                <a:spcPts val="500"/>
-              </a:spcBef>
-              <a:buFont typeface="Arial" panose="020B0604020202020204" pitchFamily="34" charset="0"/>
-              <a:buChar char="•"/>
-              <a:defRPr sz="1800" kern="1200">
-                <a:solidFill>
-                  <a:schemeClr val="tx1"/>
-                </a:solidFill>
-                <a:latin typeface="+mn-lt"/>
-                <a:ea typeface="+mn-ea"/>
-                <a:cs typeface="+mn-cs"/>
-              </a:defRPr>
-            </a:lvl8pPr>
-            <a:lvl9pPr marL="3886200" indent="-228600" algn="l" defTabSz="914400" rtl="0" eaLnBrk="1" latinLnBrk="0" hangingPunct="1">
-              <a:lnSpc>
-                <a:spcPct val="90000"/>
-              </a:lnSpc>
-              <a:spcBef>
-                <a:spcPts val="500"/>
-              </a:spcBef>
-              <a:buFont typeface="Arial" panose="020B0604020202020204" pitchFamily="34" charset="0"/>
-              <a:buChar char="•"/>
-              <a:defRPr sz="1800" kern="1200">
-                <a:solidFill>
-                  <a:schemeClr val="tx1"/>
-                </a:solidFill>
-                <a:latin typeface="+mn-lt"/>
-                <a:ea typeface="+mn-ea"/>
-                <a:cs typeface="+mn-cs"/>
-              </a:defRPr>
-            </a:lvl9pPr>
-          </a:lstStyle>
-          <a:p>
-            <a:r>
-              <a:rPr lang="en-US" dirty="0"/>
-              <a:t>Height increase from loss of oppositely charged region </a:t>
-            </a:r>
-          </a:p>
-          <a:p>
-            <a:pPr lvl="1"/>
-            <a:r>
-              <a:rPr lang="en-US" dirty="0"/>
-              <a:t>Note: Large decrease in brush volume due to lower D2 grafting density (in addition to loss of monomers): 0.03010 </a:t>
-            </a:r>
-            <a:r>
-              <a:rPr lang="en-US" dirty="0">
-                <a:sym typeface="Wingdings" panose="05000000000000000000" pitchFamily="2" charset="2"/>
-              </a:rPr>
-              <a:t> 0.01854 c/nm2</a:t>
-            </a:r>
-            <a:endParaRPr lang="en-US" dirty="0"/>
-          </a:p>
-        </p:txBody>
-      </p:sp>
-      <p:grpSp>
-        <p:nvGrpSpPr>
-          <p:cNvPr id="16" name="Group 15">
-            <a:extLst>
-              <a:ext uri="{FF2B5EF4-FFF2-40B4-BE49-F238E27FC236}">
-                <a16:creationId xmlns:a16="http://schemas.microsoft.com/office/drawing/2014/main" id="{739A9C79-2B81-FCD5-B0DB-BECEB42E1E4A}"/>
-              </a:ext>
-            </a:extLst>
-          </p:cNvPr>
-          <p:cNvGrpSpPr/>
-          <p:nvPr/>
-        </p:nvGrpSpPr>
-        <p:grpSpPr>
-          <a:xfrm>
-            <a:off x="2909116" y="2515230"/>
-            <a:ext cx="6924675" cy="1817726"/>
-            <a:chOff x="2185785" y="1608079"/>
-            <a:chExt cx="6924675" cy="1817726"/>
-          </a:xfrm>
-        </p:grpSpPr>
-        <p:pic>
-          <p:nvPicPr>
-            <p:cNvPr id="3074" name="Picture 2">
-              <a:extLst>
-                <a:ext uri="{FF2B5EF4-FFF2-40B4-BE49-F238E27FC236}">
-                  <a16:creationId xmlns:a16="http://schemas.microsoft.com/office/drawing/2014/main" id="{95F16A2D-092A-C28E-7D11-EE7322441C92}"/>
-                </a:ext>
-              </a:extLst>
-            </p:cNvPr>
-            <p:cNvPicPr>
-              <a:picLocks noChangeAspect="1" noChangeArrowheads="1"/>
-            </p:cNvPicPr>
-            <p:nvPr/>
-          </p:nvPicPr>
-          <p:blipFill>
-            <a:blip r:embed="rId3">
-              <a:extLst>
-                <a:ext uri="{28A0092B-C50C-407E-A947-70E740481C1C}">
-                  <a14:useLocalDpi xmlns:a14="http://schemas.microsoft.com/office/drawing/2010/main" val="0"/>
-                </a:ext>
-              </a:extLst>
-            </a:blip>
-            <a:srcRect/>
-            <a:stretch>
-              <a:fillRect/>
-            </a:stretch>
-          </p:blipFill>
-          <p:spPr bwMode="auto">
-            <a:xfrm>
-              <a:off x="2185785" y="1752583"/>
-              <a:ext cx="6924675" cy="1673222"/>
-            </a:xfrm>
-            <a:prstGeom prst="rect">
-              <a:avLst/>
-            </a:prstGeom>
-            <a:noFill/>
-            <a:extLst>
-              <a:ext uri="{909E8E84-426E-40DD-AFC4-6F175D3DCCD1}">
-                <a14:hiddenFill xmlns:a14="http://schemas.microsoft.com/office/drawing/2010/main">
-                  <a:solidFill>
-                    <a:srgbClr val="FFFFFF"/>
-                  </a:solidFill>
-                </a14:hiddenFill>
-              </a:ext>
-            </a:extLst>
-          </p:spPr>
-        </p:pic>
-        <p:sp>
-          <p:nvSpPr>
-            <p:cNvPr id="14" name="Rectangle 13">
-              <a:extLst>
-                <a:ext uri="{FF2B5EF4-FFF2-40B4-BE49-F238E27FC236}">
-                  <a16:creationId xmlns:a16="http://schemas.microsoft.com/office/drawing/2014/main" id="{69FF3488-41A5-8B19-81CD-57F4EA24894F}"/>
-                </a:ext>
-              </a:extLst>
-            </p:cNvPr>
-            <p:cNvSpPr/>
-            <p:nvPr/>
-          </p:nvSpPr>
-          <p:spPr>
-            <a:xfrm>
-              <a:off x="2688649" y="1847850"/>
-              <a:ext cx="426026" cy="1118068"/>
-            </a:xfrm>
-            <a:prstGeom prst="rect">
-              <a:avLst/>
-            </a:prstGeom>
-            <a:noFill/>
-            <a:ln w="38100"/>
-          </p:spPr>
-          <p:style>
-            <a:lnRef idx="2">
-              <a:schemeClr val="accent1">
-                <a:shade val="15000"/>
-              </a:schemeClr>
-            </a:lnRef>
-            <a:fillRef idx="1">
-              <a:schemeClr val="accent1"/>
-            </a:fillRef>
-            <a:effectRef idx="0">
-              <a:schemeClr val="accent1"/>
-            </a:effectRef>
-            <a:fontRef idx="minor">
-              <a:schemeClr val="lt1"/>
-            </a:fontRef>
-          </p:style>
-          <p:txBody>
-            <a:bodyPr rtlCol="0" anchor="ctr"/>
-            <a:lstStyle/>
-            <a:p>
-              <a:pPr algn="ctr"/>
-              <a:endParaRPr lang="en-US" dirty="0"/>
-            </a:p>
-          </p:txBody>
-        </p:sp>
-        <p:sp>
-          <p:nvSpPr>
-            <p:cNvPr id="15" name="TextBox 14">
-              <a:extLst>
-                <a:ext uri="{FF2B5EF4-FFF2-40B4-BE49-F238E27FC236}">
-                  <a16:creationId xmlns:a16="http://schemas.microsoft.com/office/drawing/2014/main" id="{00E7BE38-D2A2-FF84-949B-BC1CC26ACDE9}"/>
-                </a:ext>
-              </a:extLst>
-            </p:cNvPr>
-            <p:cNvSpPr txBox="1"/>
-            <p:nvPr/>
-          </p:nvSpPr>
-          <p:spPr>
-            <a:xfrm>
-              <a:off x="3146969" y="1608079"/>
-              <a:ext cx="2353721" cy="369332"/>
-            </a:xfrm>
-            <a:prstGeom prst="rect">
-              <a:avLst/>
-            </a:prstGeom>
-            <a:noFill/>
-          </p:spPr>
-          <p:txBody>
-            <a:bodyPr wrap="none" rtlCol="0">
-              <a:spAutoFit/>
-            </a:bodyPr>
-            <a:lstStyle/>
-            <a:p>
-              <a:r>
-                <a:rPr lang="en-US" dirty="0"/>
-                <a:t>Approximate D2 region</a:t>
-              </a:r>
-            </a:p>
-          </p:txBody>
-        </p:sp>
-      </p:grpSp>
-    </p:spTree>
-    <p:extLst>
-      <p:ext uri="{BB962C8B-B14F-4D97-AF65-F5344CB8AC3E}">
-        <p14:creationId xmlns:p14="http://schemas.microsoft.com/office/powerpoint/2010/main" val="889184620"/>
-      </p:ext>
-    </p:extLst>
-  </p:cSld>
-  <p:clrMapOvr>
-    <a:masterClrMapping/>
-  </p:clrMapOvr>
-</p:sld>
-</file>
-
-<file path=ppt/slides/slide9.xml><?xml version="1.0" encoding="utf-8"?>
-<p:sld xmlns:a="http://schemas.openxmlformats.org/drawingml/2006/main" xmlns:r="http://schemas.openxmlformats.org/officeDocument/2006/relationships" xmlns:p="http://schemas.openxmlformats.org/presentationml/2006/main">
-  <p:cSld>
-    <p:spTree>
-      <p:nvGrpSpPr>
-        <p:cNvPr id="1" name=""/>
-        <p:cNvGrpSpPr/>
-        <p:nvPr/>
-      </p:nvGrpSpPr>
-      <p:grpSpPr>
-        <a:xfrm>
-          <a:off x="0" y="0"/>
-          <a:ext cx="0" cy="0"/>
-          <a:chOff x="0" y="0"/>
-          <a:chExt cx="0" cy="0"/>
-        </a:xfrm>
-      </p:grpSpPr>
-      <p:sp>
-        <p:nvSpPr>
-          <p:cNvPr id="2" name="Title 1">
-            <a:extLst>
-              <a:ext uri="{FF2B5EF4-FFF2-40B4-BE49-F238E27FC236}">
-                <a16:creationId xmlns:a16="http://schemas.microsoft.com/office/drawing/2014/main" id="{0ECB7215-559A-C3D0-8516-BCDF0CBDA66A}"/>
-              </a:ext>
-            </a:extLst>
-          </p:cNvPr>
-          <p:cNvSpPr>
-            <a:spLocks noGrp="1"/>
-          </p:cNvSpPr>
-          <p:nvPr>
-            <p:ph type="title"/>
-          </p:nvPr>
-        </p:nvSpPr>
-        <p:spPr/>
-        <p:txBody>
-          <a:bodyPr/>
-          <a:lstStyle/>
-          <a:p>
-            <a:r>
-              <a:rPr lang="en-US" dirty="0" err="1"/>
-              <a:t>pNFH</a:t>
-            </a:r>
-            <a:r>
-              <a:rPr lang="en-US" dirty="0"/>
-              <a:t>(D2) Option 1</a:t>
-            </a:r>
-          </a:p>
-        </p:txBody>
-      </p:sp>
-      <p:sp>
-        <p:nvSpPr>
-          <p:cNvPr id="3" name="Slide Number Placeholder 2">
-            <a:extLst>
-              <a:ext uri="{FF2B5EF4-FFF2-40B4-BE49-F238E27FC236}">
-                <a16:creationId xmlns:a16="http://schemas.microsoft.com/office/drawing/2014/main" id="{9E388C0F-15A0-7138-FEBA-D6A9424161E3}"/>
-              </a:ext>
-            </a:extLst>
-          </p:cNvPr>
-          <p:cNvSpPr>
-            <a:spLocks noGrp="1"/>
-          </p:cNvSpPr>
-          <p:nvPr>
-            <p:ph type="sldNum" sz="quarter" idx="12"/>
-          </p:nvPr>
-        </p:nvSpPr>
-        <p:spPr/>
-        <p:txBody>
-          <a:bodyPr/>
-          <a:lstStyle/>
-          <a:p>
-            <a:fld id="{B40DB54C-0C58-4481-B5FF-5C3F14CFF9B3}" type="slidenum">
-              <a:rPr lang="en-US" smtClean="0"/>
-              <a:t>9</a:t>
-            </a:fld>
-            <a:endParaRPr lang="en-US"/>
-          </a:p>
-        </p:txBody>
-      </p:sp>
-      <p:sp>
-        <p:nvSpPr>
-          <p:cNvPr id="4" name="Content Placeholder 2">
-            <a:extLst>
-              <a:ext uri="{FF2B5EF4-FFF2-40B4-BE49-F238E27FC236}">
-                <a16:creationId xmlns:a16="http://schemas.microsoft.com/office/drawing/2014/main" id="{AC6A9A94-8932-B05B-C38B-DFBE459587B2}"/>
-              </a:ext>
-            </a:extLst>
-          </p:cNvPr>
-          <p:cNvSpPr txBox="1">
-            <a:spLocks/>
-          </p:cNvSpPr>
-          <p:nvPr/>
-        </p:nvSpPr>
-        <p:spPr>
-          <a:xfrm>
-            <a:off x="838200" y="1081157"/>
-            <a:ext cx="10515600" cy="5109249"/>
-          </a:xfrm>
-          <a:prstGeom prst="rect">
-            <a:avLst/>
-          </a:prstGeom>
-        </p:spPr>
-        <p:txBody>
-          <a:bodyPr/>
-          <a:lstStyle>
-            <a:lvl1pPr marL="228600" indent="-228600" algn="l" defTabSz="914400" rtl="0" eaLnBrk="1" latinLnBrk="0" hangingPunct="1">
-              <a:lnSpc>
-                <a:spcPct val="100000"/>
-              </a:lnSpc>
-              <a:spcBef>
-                <a:spcPts val="1000"/>
-              </a:spcBef>
-              <a:spcAft>
-                <a:spcPts val="1200"/>
-              </a:spcAft>
-              <a:buFont typeface="Arial" panose="020B0604020202020204" pitchFamily="34" charset="0"/>
-              <a:buChar char="•"/>
-              <a:defRPr sz="2400" kern="1200">
-                <a:solidFill>
-                  <a:schemeClr val="tx1"/>
-                </a:solidFill>
-                <a:latin typeface="Lucida Grande" pitchFamily="2" charset="0"/>
-                <a:ea typeface="Lucida Grande" pitchFamily="2" charset="0"/>
-                <a:cs typeface="Lucida Grande" pitchFamily="2" charset="0"/>
-              </a:defRPr>
-            </a:lvl1pPr>
-            <a:lvl2pPr marL="685800" indent="-228600" algn="l" defTabSz="914400" rtl="0" eaLnBrk="1" latinLnBrk="0" hangingPunct="1">
-              <a:lnSpc>
-                <a:spcPct val="100000"/>
-              </a:lnSpc>
-              <a:spcBef>
-                <a:spcPts val="500"/>
-              </a:spcBef>
-              <a:spcAft>
-                <a:spcPts val="1200"/>
-              </a:spcAft>
-              <a:buFont typeface="Arial" panose="020B0604020202020204" pitchFamily="34" charset="0"/>
-              <a:buChar char="•"/>
-              <a:defRPr sz="2000" kern="1200">
-                <a:solidFill>
-                  <a:schemeClr val="tx1"/>
-                </a:solidFill>
-                <a:latin typeface="Lucida Grande" pitchFamily="2" charset="0"/>
-                <a:ea typeface="Lucida Grande" pitchFamily="2" charset="0"/>
-                <a:cs typeface="Lucida Grande" pitchFamily="2" charset="0"/>
-              </a:defRPr>
-            </a:lvl2pPr>
-            <a:lvl3pPr marL="1143000" indent="-228600" algn="l" defTabSz="914400" rtl="0" eaLnBrk="1" latinLnBrk="0" hangingPunct="1">
-              <a:lnSpc>
-                <a:spcPct val="100000"/>
-              </a:lnSpc>
-              <a:spcBef>
-                <a:spcPts val="500"/>
-              </a:spcBef>
-              <a:spcAft>
-                <a:spcPts val="1200"/>
-              </a:spcAft>
-              <a:buFont typeface="Arial" panose="020B0604020202020204" pitchFamily="34" charset="0"/>
-              <a:buChar char="•"/>
-              <a:defRPr sz="1800" kern="1200">
-                <a:solidFill>
-                  <a:schemeClr val="tx1"/>
-                </a:solidFill>
-                <a:latin typeface="Lucida Grande" pitchFamily="2" charset="0"/>
-                <a:ea typeface="Lucida Grande" pitchFamily="2" charset="0"/>
-                <a:cs typeface="Lucida Grande" pitchFamily="2" charset="0"/>
-              </a:defRPr>
-            </a:lvl3pPr>
-            <a:lvl4pPr marL="1600200" indent="-228600" algn="l" defTabSz="914400" rtl="0" eaLnBrk="1" latinLnBrk="0" hangingPunct="1">
-              <a:lnSpc>
-                <a:spcPct val="100000"/>
-              </a:lnSpc>
-              <a:spcBef>
-                <a:spcPts val="500"/>
-              </a:spcBef>
-              <a:spcAft>
-                <a:spcPts val="1200"/>
-              </a:spcAft>
-              <a:buFont typeface="Arial" panose="020B0604020202020204" pitchFamily="34" charset="0"/>
-              <a:buChar char="•"/>
-              <a:defRPr sz="1600" kern="1200">
-                <a:solidFill>
-                  <a:schemeClr val="tx1"/>
-                </a:solidFill>
-                <a:latin typeface="Lucida Grande" pitchFamily="2" charset="0"/>
-                <a:ea typeface="Lucida Grande" pitchFamily="2" charset="0"/>
-                <a:cs typeface="Lucida Grande" pitchFamily="2" charset="0"/>
-              </a:defRPr>
-            </a:lvl4pPr>
-            <a:lvl5pPr marL="2057400" indent="-228600" algn="l" defTabSz="914400" rtl="0" eaLnBrk="1" latinLnBrk="0" hangingPunct="1">
-              <a:lnSpc>
-                <a:spcPct val="100000"/>
-              </a:lnSpc>
-              <a:spcBef>
-                <a:spcPts val="500"/>
-              </a:spcBef>
-              <a:spcAft>
-                <a:spcPts val="1200"/>
-              </a:spcAft>
-              <a:buFont typeface="Arial" panose="020B0604020202020204" pitchFamily="34" charset="0"/>
-              <a:buChar char="•"/>
-              <a:defRPr sz="1600" kern="1200">
-                <a:solidFill>
-                  <a:schemeClr val="tx1"/>
-                </a:solidFill>
-                <a:latin typeface="Lucida Grande" pitchFamily="2" charset="0"/>
-                <a:ea typeface="Lucida Grande" pitchFamily="2" charset="0"/>
-                <a:cs typeface="Lucida Grande" pitchFamily="2" charset="0"/>
-              </a:defRPr>
-            </a:lvl5pPr>
-            <a:lvl6pPr marL="2514600" indent="-228600" algn="l" defTabSz="914400" rtl="0" eaLnBrk="1" latinLnBrk="0" hangingPunct="1">
-              <a:lnSpc>
-                <a:spcPct val="90000"/>
-              </a:lnSpc>
-              <a:spcBef>
-                <a:spcPts val="500"/>
-              </a:spcBef>
-              <a:buFont typeface="Arial" panose="020B0604020202020204" pitchFamily="34" charset="0"/>
-              <a:buChar char="•"/>
-              <a:defRPr sz="1800" kern="1200">
-                <a:solidFill>
-                  <a:schemeClr val="tx1"/>
-                </a:solidFill>
-                <a:latin typeface="+mn-lt"/>
-                <a:ea typeface="+mn-ea"/>
-                <a:cs typeface="+mn-cs"/>
-              </a:defRPr>
-            </a:lvl6pPr>
-            <a:lvl7pPr marL="2971800" indent="-228600" algn="l" defTabSz="914400" rtl="0" eaLnBrk="1" latinLnBrk="0" hangingPunct="1">
-              <a:lnSpc>
-                <a:spcPct val="90000"/>
-              </a:lnSpc>
-              <a:spcBef>
-                <a:spcPts val="500"/>
-              </a:spcBef>
-              <a:buFont typeface="Arial" panose="020B0604020202020204" pitchFamily="34" charset="0"/>
-              <a:buChar char="•"/>
-              <a:defRPr sz="1800" kern="1200">
-                <a:solidFill>
-                  <a:schemeClr val="tx1"/>
-                </a:solidFill>
-                <a:latin typeface="+mn-lt"/>
-                <a:ea typeface="+mn-ea"/>
-                <a:cs typeface="+mn-cs"/>
-              </a:defRPr>
-            </a:lvl7pPr>
-            <a:lvl8pPr marL="3429000" indent="-228600" algn="l" defTabSz="914400" rtl="0" eaLnBrk="1" latinLnBrk="0" hangingPunct="1">
-              <a:lnSpc>
-                <a:spcPct val="90000"/>
-              </a:lnSpc>
-              <a:spcBef>
-                <a:spcPts val="500"/>
-              </a:spcBef>
-              <a:buFont typeface="Arial" panose="020B0604020202020204" pitchFamily="34" charset="0"/>
-              <a:buChar char="•"/>
-              <a:defRPr sz="1800" kern="1200">
-                <a:solidFill>
-                  <a:schemeClr val="tx1"/>
-                </a:solidFill>
-                <a:latin typeface="+mn-lt"/>
-                <a:ea typeface="+mn-ea"/>
-                <a:cs typeface="+mn-cs"/>
-              </a:defRPr>
-            </a:lvl8pPr>
-            <a:lvl9pPr marL="3886200" indent="-228600" algn="l" defTabSz="914400" rtl="0" eaLnBrk="1" latinLnBrk="0" hangingPunct="1">
-              <a:lnSpc>
-                <a:spcPct val="90000"/>
-              </a:lnSpc>
-              <a:spcBef>
-                <a:spcPts val="500"/>
-              </a:spcBef>
-              <a:buFont typeface="Arial" panose="020B0604020202020204" pitchFamily="34" charset="0"/>
-              <a:buChar char="•"/>
-              <a:defRPr sz="1800" kern="1200">
-                <a:solidFill>
-                  <a:schemeClr val="tx1"/>
-                </a:solidFill>
-                <a:latin typeface="+mn-lt"/>
-                <a:ea typeface="+mn-ea"/>
-                <a:cs typeface="+mn-cs"/>
-              </a:defRPr>
-            </a:lvl9pPr>
-          </a:lstStyle>
-          <a:p>
-            <a:r>
-              <a:rPr lang="en-US" dirty="0"/>
-              <a:t>2</a:t>
-            </a:r>
-            <a:r>
-              <a:rPr lang="en-US" baseline="30000" dirty="0"/>
-              <a:t>nd</a:t>
-            </a:r>
-            <a:r>
-              <a:rPr lang="en-US" dirty="0"/>
-              <a:t> block responsible for forming second layer (looks like flower conformation previously reported for </a:t>
-            </a:r>
-            <a:r>
-              <a:rPr lang="en-US" dirty="0" err="1"/>
-              <a:t>pNFH</a:t>
-            </a:r>
-            <a:r>
-              <a:rPr lang="en-US" dirty="0"/>
-              <a:t>)</a:t>
-            </a:r>
-          </a:p>
-        </p:txBody>
-      </p:sp>
-      <p:grpSp>
-        <p:nvGrpSpPr>
-          <p:cNvPr id="9" name="Group 8">
-            <a:extLst>
-              <a:ext uri="{FF2B5EF4-FFF2-40B4-BE49-F238E27FC236}">
-                <a16:creationId xmlns:a16="http://schemas.microsoft.com/office/drawing/2014/main" id="{6C1EA11B-1D91-D48D-725B-C522C8444350}"/>
-              </a:ext>
-            </a:extLst>
-          </p:cNvPr>
-          <p:cNvGrpSpPr/>
-          <p:nvPr/>
-        </p:nvGrpSpPr>
-        <p:grpSpPr>
-          <a:xfrm>
-            <a:off x="2358645" y="2036583"/>
-            <a:ext cx="3518280" cy="2768482"/>
-            <a:chOff x="2358645" y="2036583"/>
-            <a:chExt cx="3518280" cy="2768482"/>
-          </a:xfrm>
-        </p:grpSpPr>
-        <p:pic>
-          <p:nvPicPr>
-            <p:cNvPr id="7170" name="Picture 2">
-              <a:extLst>
-                <a:ext uri="{FF2B5EF4-FFF2-40B4-BE49-F238E27FC236}">
-                  <a16:creationId xmlns:a16="http://schemas.microsoft.com/office/drawing/2014/main" id="{72BDFBE8-D064-2CFA-AED7-04412C5B4DF4}"/>
-                </a:ext>
-              </a:extLst>
-            </p:cNvPr>
-            <p:cNvPicPr>
-              <a:picLocks noChangeAspect="1" noChangeArrowheads="1"/>
-            </p:cNvPicPr>
-            <p:nvPr/>
-          </p:nvPicPr>
-          <p:blipFill>
-            <a:blip r:embed="rId2">
-              <a:extLst>
-                <a:ext uri="{28A0092B-C50C-407E-A947-70E740481C1C}">
-                  <a14:useLocalDpi xmlns:a14="http://schemas.microsoft.com/office/drawing/2010/main" val="0"/>
-                </a:ext>
-              </a:extLst>
-            </a:blip>
-            <a:srcRect/>
-            <a:stretch>
-              <a:fillRect/>
-            </a:stretch>
-          </p:blipFill>
-          <p:spPr bwMode="auto">
-            <a:xfrm>
-              <a:off x="2358645" y="2036583"/>
-              <a:ext cx="3518280" cy="2768482"/>
-            </a:xfrm>
-            <a:prstGeom prst="rect">
-              <a:avLst/>
-            </a:prstGeom>
-            <a:noFill/>
-            <a:extLst>
-              <a:ext uri="{909E8E84-426E-40DD-AFC4-6F175D3DCCD1}">
-                <a14:hiddenFill xmlns:a14="http://schemas.microsoft.com/office/drawing/2010/main">
-                  <a:solidFill>
-                    <a:srgbClr val="FFFFFF"/>
-                  </a:solidFill>
-                </a14:hiddenFill>
-              </a:ext>
-            </a:extLst>
-          </p:spPr>
-        </p:pic>
-        <p:sp>
-          <p:nvSpPr>
-            <p:cNvPr id="8" name="TextBox 7">
-              <a:extLst>
-                <a:ext uri="{FF2B5EF4-FFF2-40B4-BE49-F238E27FC236}">
-                  <a16:creationId xmlns:a16="http://schemas.microsoft.com/office/drawing/2014/main" id="{CFB405C2-E6B2-BA52-DC74-3295B960BE62}"/>
-                </a:ext>
-              </a:extLst>
-            </p:cNvPr>
-            <p:cNvSpPr txBox="1"/>
-            <p:nvPr/>
-          </p:nvSpPr>
-          <p:spPr>
-            <a:xfrm>
-              <a:off x="3152775" y="2476500"/>
-              <a:ext cx="952500" cy="369332"/>
-            </a:xfrm>
-            <a:prstGeom prst="rect">
-              <a:avLst/>
-            </a:prstGeom>
-            <a:noFill/>
-          </p:spPr>
-          <p:txBody>
-            <a:bodyPr wrap="square" rtlCol="0">
-              <a:spAutoFit/>
-            </a:bodyPr>
-            <a:lstStyle/>
-            <a:p>
-              <a:r>
-                <a:rPr lang="en-US" dirty="0" err="1"/>
-                <a:t>pNFH</a:t>
-              </a:r>
-              <a:endParaRPr lang="en-US" dirty="0"/>
-            </a:p>
-          </p:txBody>
-        </p:sp>
-      </p:grpSp>
-      <p:grpSp>
-        <p:nvGrpSpPr>
-          <p:cNvPr id="11" name="Group 10">
-            <a:extLst>
-              <a:ext uri="{FF2B5EF4-FFF2-40B4-BE49-F238E27FC236}">
-                <a16:creationId xmlns:a16="http://schemas.microsoft.com/office/drawing/2014/main" id="{9BAAF3F6-6F4D-2523-9974-27C9924B3B96}"/>
-              </a:ext>
-            </a:extLst>
-          </p:cNvPr>
-          <p:cNvGrpSpPr/>
-          <p:nvPr/>
-        </p:nvGrpSpPr>
-        <p:grpSpPr>
-          <a:xfrm>
-            <a:off x="5876925" y="2036582"/>
-            <a:ext cx="3518280" cy="2768483"/>
-            <a:chOff x="5876925" y="2036582"/>
-            <a:chExt cx="3518280" cy="2768483"/>
-          </a:xfrm>
-        </p:grpSpPr>
-        <p:pic>
-          <p:nvPicPr>
-            <p:cNvPr id="7172" name="Picture 4">
-              <a:extLst>
-                <a:ext uri="{FF2B5EF4-FFF2-40B4-BE49-F238E27FC236}">
-                  <a16:creationId xmlns:a16="http://schemas.microsoft.com/office/drawing/2014/main" id="{199056DB-F653-466E-F3EB-C875C954A70B}"/>
-                </a:ext>
-              </a:extLst>
-            </p:cNvPr>
-            <p:cNvPicPr>
-              <a:picLocks noChangeAspect="1" noChangeArrowheads="1"/>
-            </p:cNvPicPr>
-            <p:nvPr/>
-          </p:nvPicPr>
-          <p:blipFill>
-            <a:blip r:embed="rId3">
-              <a:extLst>
-                <a:ext uri="{28A0092B-C50C-407E-A947-70E740481C1C}">
-                  <a14:useLocalDpi xmlns:a14="http://schemas.microsoft.com/office/drawing/2010/main" val="0"/>
-                </a:ext>
-              </a:extLst>
-            </a:blip>
-            <a:srcRect/>
-            <a:stretch>
-              <a:fillRect/>
-            </a:stretch>
-          </p:blipFill>
-          <p:spPr bwMode="auto">
-            <a:xfrm>
-              <a:off x="5876925" y="2036582"/>
-              <a:ext cx="3518280" cy="2768483"/>
-            </a:xfrm>
-            <a:prstGeom prst="rect">
-              <a:avLst/>
-            </a:prstGeom>
-            <a:noFill/>
-            <a:extLst>
-              <a:ext uri="{909E8E84-426E-40DD-AFC4-6F175D3DCCD1}">
-                <a14:hiddenFill xmlns:a14="http://schemas.microsoft.com/office/drawing/2010/main">
-                  <a:solidFill>
-                    <a:srgbClr val="FFFFFF"/>
-                  </a:solidFill>
-                </a14:hiddenFill>
-              </a:ext>
-            </a:extLst>
-          </p:spPr>
-        </p:pic>
-        <p:sp>
-          <p:nvSpPr>
-            <p:cNvPr id="10" name="TextBox 9">
-              <a:extLst>
-                <a:ext uri="{FF2B5EF4-FFF2-40B4-BE49-F238E27FC236}">
-                  <a16:creationId xmlns:a16="http://schemas.microsoft.com/office/drawing/2014/main" id="{3663E390-0B96-A913-9B33-708EC501E727}"/>
-                </a:ext>
-              </a:extLst>
-            </p:cNvPr>
-            <p:cNvSpPr txBox="1"/>
-            <p:nvPr/>
-          </p:nvSpPr>
-          <p:spPr>
-            <a:xfrm>
-              <a:off x="6619875" y="2457450"/>
-              <a:ext cx="1304925" cy="369332"/>
-            </a:xfrm>
-            <a:prstGeom prst="rect">
-              <a:avLst/>
-            </a:prstGeom>
-            <a:noFill/>
-          </p:spPr>
-          <p:txBody>
-            <a:bodyPr wrap="square" rtlCol="0">
-              <a:spAutoFit/>
-            </a:bodyPr>
-            <a:lstStyle/>
-            <a:p>
-              <a:r>
-                <a:rPr lang="en-US" dirty="0"/>
-                <a:t>pNFH_D2</a:t>
-              </a:r>
-            </a:p>
-          </p:txBody>
-        </p:sp>
-      </p:grpSp>
-      <p:grpSp>
-        <p:nvGrpSpPr>
-          <p:cNvPr id="18" name="Group 17">
-            <a:extLst>
-              <a:ext uri="{FF2B5EF4-FFF2-40B4-BE49-F238E27FC236}">
-                <a16:creationId xmlns:a16="http://schemas.microsoft.com/office/drawing/2014/main" id="{95265833-5E51-27FB-8B1C-A8B4C4A654DA}"/>
-              </a:ext>
-            </a:extLst>
-          </p:cNvPr>
-          <p:cNvGrpSpPr/>
-          <p:nvPr/>
-        </p:nvGrpSpPr>
-        <p:grpSpPr>
-          <a:xfrm>
-            <a:off x="2678300" y="5051814"/>
-            <a:ext cx="6835400" cy="1611667"/>
-            <a:chOff x="2678300" y="4971009"/>
-            <a:chExt cx="6835400" cy="1611667"/>
-          </a:xfrm>
-        </p:grpSpPr>
-        <p:grpSp>
-          <p:nvGrpSpPr>
-            <p:cNvPr id="5" name="Group 4">
-              <a:extLst>
-                <a:ext uri="{FF2B5EF4-FFF2-40B4-BE49-F238E27FC236}">
-                  <a16:creationId xmlns:a16="http://schemas.microsoft.com/office/drawing/2014/main" id="{D6BB36D1-5E92-45B4-243A-B6D3BB1EEC69}"/>
-                </a:ext>
-              </a:extLst>
-            </p:cNvPr>
-            <p:cNvGrpSpPr/>
-            <p:nvPr/>
-          </p:nvGrpSpPr>
-          <p:grpSpPr>
-            <a:xfrm>
-              <a:off x="3002788" y="4971009"/>
-              <a:ext cx="6510912" cy="1611667"/>
-              <a:chOff x="5155438" y="5061492"/>
-              <a:chExt cx="5110627" cy="1265050"/>
-            </a:xfrm>
-          </p:grpSpPr>
-          <p:pic>
-            <p:nvPicPr>
-              <p:cNvPr id="6" name="Picture 6">
-                <a:extLst>
-                  <a:ext uri="{FF2B5EF4-FFF2-40B4-BE49-F238E27FC236}">
-                    <a16:creationId xmlns:a16="http://schemas.microsoft.com/office/drawing/2014/main" id="{600810A8-6DB8-5D93-35DA-94404BF5C219}"/>
-                  </a:ext>
-                </a:extLst>
-              </p:cNvPr>
-              <p:cNvPicPr>
-                <a:picLocks noChangeAspect="1" noChangeArrowheads="1"/>
-              </p:cNvPicPr>
-              <p:nvPr/>
-            </p:nvPicPr>
-            <p:blipFill rotWithShape="1">
-              <a:blip r:embed="rId4">
-                <a:extLst>
-                  <a:ext uri="{28A0092B-C50C-407E-A947-70E740481C1C}">
-                    <a14:useLocalDpi xmlns:a14="http://schemas.microsoft.com/office/drawing/2010/main" val="0"/>
-                  </a:ext>
-                </a:extLst>
-              </a:blip>
-              <a:srcRect t="1" b="84583"/>
-              <a:stretch/>
-            </p:blipFill>
-            <p:spPr bwMode="auto">
-              <a:xfrm>
-                <a:off x="5155439" y="5061492"/>
-                <a:ext cx="5110626" cy="190366"/>
-              </a:xfrm>
-              <a:prstGeom prst="rect">
-                <a:avLst/>
-              </a:prstGeom>
-              <a:noFill/>
-              <a:extLst>
-                <a:ext uri="{909E8E84-426E-40DD-AFC4-6F175D3DCCD1}">
-                  <a14:hiddenFill xmlns:a14="http://schemas.microsoft.com/office/drawing/2010/main">
-                    <a:solidFill>
-                      <a:srgbClr val="FFFFFF"/>
-                    </a:solidFill>
-                  </a14:hiddenFill>
-                </a:ext>
-              </a:extLst>
-            </p:spPr>
-          </p:pic>
-          <p:pic>
-            <p:nvPicPr>
-              <p:cNvPr id="7" name="Picture 8">
-                <a:extLst>
-                  <a:ext uri="{FF2B5EF4-FFF2-40B4-BE49-F238E27FC236}">
-                    <a16:creationId xmlns:a16="http://schemas.microsoft.com/office/drawing/2014/main" id="{2EABB3F6-3B88-5AC2-6A54-BFDB69661144}"/>
-                  </a:ext>
-                </a:extLst>
-              </p:cNvPr>
-              <p:cNvPicPr>
-                <a:picLocks noChangeAspect="1" noChangeArrowheads="1"/>
-              </p:cNvPicPr>
-              <p:nvPr/>
-            </p:nvPicPr>
-            <p:blipFill rotWithShape="1">
-              <a:blip r:embed="rId5">
-                <a:extLst>
-                  <a:ext uri="{28A0092B-C50C-407E-A947-70E740481C1C}">
-                    <a14:useLocalDpi xmlns:a14="http://schemas.microsoft.com/office/drawing/2010/main" val="0"/>
-                  </a:ext>
-                </a:extLst>
-              </a:blip>
-              <a:srcRect t="17568"/>
-              <a:stretch/>
-            </p:blipFill>
-            <p:spPr bwMode="auto">
-              <a:xfrm>
-                <a:off x="5155438" y="5308599"/>
-                <a:ext cx="5110627" cy="1017943"/>
-              </a:xfrm>
-              <a:prstGeom prst="rect">
-                <a:avLst/>
-              </a:prstGeom>
-              <a:noFill/>
-              <a:extLst>
-                <a:ext uri="{909E8E84-426E-40DD-AFC4-6F175D3DCCD1}">
-                  <a14:hiddenFill xmlns:a14="http://schemas.microsoft.com/office/drawing/2010/main">
-                    <a:solidFill>
-                      <a:srgbClr val="FFFFFF"/>
-                    </a:solidFill>
-                  </a14:hiddenFill>
-                </a:ext>
-              </a:extLst>
-            </p:spPr>
-          </p:pic>
-        </p:grpSp>
-        <p:sp>
-          <p:nvSpPr>
-            <p:cNvPr id="16" name="Rectangle 15">
-              <a:extLst>
-                <a:ext uri="{FF2B5EF4-FFF2-40B4-BE49-F238E27FC236}">
-                  <a16:creationId xmlns:a16="http://schemas.microsoft.com/office/drawing/2014/main" id="{B959834C-C674-80AA-8E62-600B1775C292}"/>
-                </a:ext>
-              </a:extLst>
-            </p:cNvPr>
-            <p:cNvSpPr/>
-            <p:nvPr/>
-          </p:nvSpPr>
-          <p:spPr>
-            <a:xfrm>
-              <a:off x="3492304" y="4996658"/>
-              <a:ext cx="426026" cy="1118068"/>
-            </a:xfrm>
-            <a:prstGeom prst="rect">
-              <a:avLst/>
-            </a:prstGeom>
-            <a:noFill/>
-            <a:ln w="38100"/>
-          </p:spPr>
-          <p:style>
-            <a:lnRef idx="2">
-              <a:schemeClr val="accent1">
-                <a:shade val="15000"/>
-              </a:schemeClr>
-            </a:lnRef>
-            <a:fillRef idx="1">
-              <a:schemeClr val="accent1"/>
-            </a:fillRef>
-            <a:effectRef idx="0">
-              <a:schemeClr val="accent1"/>
-            </a:effectRef>
-            <a:fontRef idx="minor">
-              <a:schemeClr val="lt1"/>
-            </a:fontRef>
-          </p:style>
-          <p:txBody>
-            <a:bodyPr rtlCol="0" anchor="ctr"/>
-            <a:lstStyle/>
-            <a:p>
-              <a:pPr algn="ctr"/>
-              <a:endParaRPr lang="en-US" dirty="0"/>
-            </a:p>
-          </p:txBody>
-        </p:sp>
-        <p:sp>
-          <p:nvSpPr>
-            <p:cNvPr id="17" name="TextBox 16">
-              <a:extLst>
-                <a:ext uri="{FF2B5EF4-FFF2-40B4-BE49-F238E27FC236}">
-                  <a16:creationId xmlns:a16="http://schemas.microsoft.com/office/drawing/2014/main" id="{6C9BBD0E-72C4-97EF-5C0E-6C47C5F02788}"/>
-                </a:ext>
-              </a:extLst>
-            </p:cNvPr>
-            <p:cNvSpPr txBox="1"/>
-            <p:nvPr/>
-          </p:nvSpPr>
-          <p:spPr>
-            <a:xfrm>
-              <a:off x="2678300" y="6150244"/>
-              <a:ext cx="2353721" cy="369332"/>
-            </a:xfrm>
-            <a:prstGeom prst="rect">
-              <a:avLst/>
-            </a:prstGeom>
-            <a:noFill/>
-          </p:spPr>
-          <p:txBody>
-            <a:bodyPr wrap="none" rtlCol="0">
-              <a:spAutoFit/>
-            </a:bodyPr>
-            <a:lstStyle/>
-            <a:p>
-              <a:r>
-                <a:rPr lang="en-US" dirty="0"/>
-                <a:t>Approximate D2 region</a:t>
-              </a:r>
-            </a:p>
-          </p:txBody>
-        </p:sp>
-      </p:grpSp>
-    </p:spTree>
-    <p:extLst>
-      <p:ext uri="{BB962C8B-B14F-4D97-AF65-F5344CB8AC3E}">
-        <p14:creationId xmlns:p14="http://schemas.microsoft.com/office/powerpoint/2010/main" val="1229037523"/>
       </p:ext>
     </p:extLst>
   </p:cSld>

--- a/NF Collab Summary.pptx
+++ b/NF Collab Summary.pptx
@@ -7758,7 +7758,7 @@
         </p:blipFill>
         <p:spPr bwMode="auto">
           <a:xfrm>
-            <a:off x="9675451" y="1889315"/>
+            <a:off x="9675451" y="1917703"/>
             <a:ext cx="2366099" cy="1761232"/>
           </a:xfrm>
           <a:prstGeom prst="rect">
@@ -7823,55 +7823,100 @@
           </a:extLst>
         </p:spPr>
       </p:pic>
-      <p:sp>
-        <p:nvSpPr>
-          <p:cNvPr id="13" name="Rectangle 12">
-            <a:extLst>
-              <a:ext uri="{FF2B5EF4-FFF2-40B4-BE49-F238E27FC236}">
-                <a16:creationId xmlns:a16="http://schemas.microsoft.com/office/drawing/2014/main" id="{7F62F7DF-0F8C-9B75-A7B2-9C69DF98A078}"/>
-              </a:ext>
-            </a:extLst>
-          </p:cNvPr>
-          <p:cNvSpPr/>
+      <p:pic>
+        <p:nvPicPr>
+          <p:cNvPr id="2060" name="Picture 12">
+            <a:extLst>
+              <a:ext uri="{FF2B5EF4-FFF2-40B4-BE49-F238E27FC236}">
+                <a16:creationId xmlns:a16="http://schemas.microsoft.com/office/drawing/2014/main" id="{88359E32-3000-C828-4436-BD3A851E1224}"/>
+              </a:ext>
+            </a:extLst>
+          </p:cNvPr>
+          <p:cNvPicPr>
+            <a:picLocks noChangeAspect="1" noChangeArrowheads="1"/>
+          </p:cNvPicPr>
           <p:nvPr/>
-        </p:nvSpPr>
-        <p:spPr>
+        </p:nvPicPr>
+        <p:blipFill>
+          <a:blip r:embed="rId7">
+            <a:extLst>
+              <a:ext uri="{28A0092B-C50C-407E-A947-70E740481C1C}">
+                <a14:useLocalDpi xmlns:a14="http://schemas.microsoft.com/office/drawing/2010/main" val="0"/>
+              </a:ext>
+            </a:extLst>
+          </a:blip>
+          <a:srcRect/>
+          <a:stretch>
+            <a:fillRect/>
+          </a:stretch>
+        </p:blipFill>
+        <p:spPr bwMode="auto">
           <a:xfrm>
-            <a:off x="9589474" y="5660051"/>
-            <a:ext cx="1852251" cy="365125"/>
+            <a:off x="6998763" y="1917703"/>
+            <a:ext cx="2366099" cy="1761232"/>
           </a:xfrm>
           <a:prstGeom prst="rect">
             <a:avLst/>
           </a:prstGeom>
+          <a:noFill/>
+          <a:extLst>
+            <a:ext uri="{909E8E84-426E-40DD-AFC4-6F175D3DCCD1}">
+              <a14:hiddenFill xmlns:a14="http://schemas.microsoft.com/office/drawing/2010/main">
+                <a:solidFill>
+                  <a:srgbClr val="FFFFFF"/>
+                </a:solidFill>
+              </a14:hiddenFill>
+            </a:ext>
+          </a:extLst>
         </p:spPr>
-        <p:style>
-          <a:lnRef idx="2">
-            <a:schemeClr val="accent1">
-              <a:shade val="15000"/>
-            </a:schemeClr>
-          </a:lnRef>
-          <a:fillRef idx="1">
-            <a:schemeClr val="accent1"/>
-          </a:fillRef>
-          <a:effectRef idx="0">
-            <a:schemeClr val="accent1"/>
-          </a:effectRef>
-          <a:fontRef idx="minor">
-            <a:schemeClr val="lt1"/>
-          </a:fontRef>
-        </p:style>
-        <p:txBody>
-          <a:bodyPr rtlCol="0" anchor="ctr"/>
-          <a:lstStyle/>
-          <a:p>
-            <a:pPr algn="ctr"/>
-            <a:r>
-              <a:rPr lang="en-US" dirty="0"/>
-              <a:t>Could change</a:t>
-            </a:r>
-          </a:p>
-        </p:txBody>
-      </p:sp>
+      </p:pic>
+      <p:pic>
+        <p:nvPicPr>
+          <p:cNvPr id="2064" name="Picture 16">
+            <a:extLst>
+              <a:ext uri="{FF2B5EF4-FFF2-40B4-BE49-F238E27FC236}">
+                <a16:creationId xmlns:a16="http://schemas.microsoft.com/office/drawing/2014/main" id="{B744896A-CFDE-7C95-7E16-A39EE723FAD3}"/>
+              </a:ext>
+            </a:extLst>
+          </p:cNvPr>
+          <p:cNvPicPr>
+            <a:picLocks noChangeAspect="1" noChangeArrowheads="1"/>
+          </p:cNvPicPr>
+          <p:nvPr/>
+        </p:nvPicPr>
+        <p:blipFill>
+          <a:blip r:embed="rId8">
+            <a:extLst>
+              <a:ext uri="{28A0092B-C50C-407E-A947-70E740481C1C}">
+                <a14:useLocalDpi xmlns:a14="http://schemas.microsoft.com/office/drawing/2010/main" val="0"/>
+              </a:ext>
+            </a:extLst>
+          </a:blip>
+          <a:srcRect/>
+          <a:stretch>
+            <a:fillRect/>
+          </a:stretch>
+        </p:blipFill>
+        <p:spPr bwMode="auto">
+          <a:xfrm>
+            <a:off x="6982489" y="4044223"/>
+            <a:ext cx="2440817" cy="1819585"/>
+          </a:xfrm>
+          <a:prstGeom prst="rect">
+            <a:avLst/>
+          </a:prstGeom>
+          <a:noFill/>
+          <a:extLst>
+            <a:ext uri="{909E8E84-426E-40DD-AFC4-6F175D3DCCD1}">
+              <a14:hiddenFill xmlns:a14="http://schemas.microsoft.com/office/drawing/2010/main">
+                <a:solidFill>
+                  <a:srgbClr val="FFFFFF"/>
+                </a:solidFill>
+              </a14:hiddenFill>
+            </a:ext>
+          </a:extLst>
+        </p:spPr>
+      </p:pic>
     </p:spTree>
     <p:extLst>
       <p:ext uri="{BB962C8B-B14F-4D97-AF65-F5344CB8AC3E}">
@@ -7988,7 +8033,7 @@
         </p:blipFill>
         <p:spPr bwMode="auto">
           <a:xfrm>
-            <a:off x="2184398" y="1483943"/>
+            <a:off x="2836331" y="1483942"/>
             <a:ext cx="7493001" cy="2376686"/>
           </a:xfrm>
           <a:prstGeom prst="rect">
@@ -8035,7 +8080,7 @@
         </p:blipFill>
         <p:spPr bwMode="auto">
           <a:xfrm>
-            <a:off x="2184398" y="3957306"/>
+            <a:off x="2836331" y="3957305"/>
             <a:ext cx="7492996" cy="2376685"/>
           </a:xfrm>
           <a:prstGeom prst="rect">
@@ -8067,7 +8112,7 @@
         </p:nvSpPr>
         <p:spPr>
           <a:xfrm>
-            <a:off x="220134" y="2444290"/>
+            <a:off x="922867" y="2435823"/>
             <a:ext cx="1515533" cy="369332"/>
           </a:xfrm>
           <a:prstGeom prst="rect">
@@ -8102,7 +8147,7 @@
         </p:nvSpPr>
         <p:spPr>
           <a:xfrm>
-            <a:off x="431800" y="4776316"/>
+            <a:off x="1134533" y="4767849"/>
             <a:ext cx="1303867" cy="369332"/>
           </a:xfrm>
           <a:prstGeom prst="rect">

--- a/NF Collab Summary.pptx
+++ b/NF Collab Summary.pptx
@@ -5,10 +5,10 @@
     <p:sldMasterId id="2147483684" r:id="rId1"/>
   </p:sldMasterIdLst>
   <p:notesMasterIdLst>
-    <p:notesMasterId r:id="rId15"/>
+    <p:notesMasterId r:id="rId11"/>
   </p:notesMasterIdLst>
   <p:handoutMasterIdLst>
-    <p:handoutMasterId r:id="rId16"/>
+    <p:handoutMasterId r:id="rId12"/>
   </p:handoutMasterIdLst>
   <p:sldIdLst>
     <p:sldId id="256" r:id="rId2"/>
@@ -18,12 +18,8 @@
     <p:sldId id="267" r:id="rId6"/>
     <p:sldId id="268" r:id="rId7"/>
     <p:sldId id="257" r:id="rId8"/>
-    <p:sldId id="261" r:id="rId9"/>
-    <p:sldId id="262" r:id="rId10"/>
-    <p:sldId id="263" r:id="rId11"/>
-    <p:sldId id="265" r:id="rId12"/>
-    <p:sldId id="266" r:id="rId13"/>
-    <p:sldId id="264" r:id="rId14"/>
+    <p:sldId id="269" r:id="rId9"/>
+    <p:sldId id="271" r:id="rId10"/>
   </p:sldIdLst>
   <p:sldSz cx="12192000" cy="6858000"/>
   <p:notesSz cx="6858000" cy="9144000"/>
@@ -2720,2866 +2716,6 @@
 </p:sld>
 </file>
 
-<file path=ppt/slides/slide10.xml><?xml version="1.0" encoding="utf-8"?>
-<p:sld xmlns:a="http://schemas.openxmlformats.org/drawingml/2006/main" xmlns:r="http://schemas.openxmlformats.org/officeDocument/2006/relationships" xmlns:p="http://schemas.openxmlformats.org/presentationml/2006/main">
-  <p:cSld>
-    <p:spTree>
-      <p:nvGrpSpPr>
-        <p:cNvPr id="1" name=""/>
-        <p:cNvGrpSpPr/>
-        <p:nvPr/>
-      </p:nvGrpSpPr>
-      <p:grpSpPr>
-        <a:xfrm>
-          <a:off x="0" y="0"/>
-          <a:ext cx="0" cy="0"/>
-          <a:chOff x="0" y="0"/>
-          <a:chExt cx="0" cy="0"/>
-        </a:xfrm>
-      </p:grpSpPr>
-      <p:sp>
-        <p:nvSpPr>
-          <p:cNvPr id="2" name="Title 1">
-            <a:extLst>
-              <a:ext uri="{FF2B5EF4-FFF2-40B4-BE49-F238E27FC236}">
-                <a16:creationId xmlns:a16="http://schemas.microsoft.com/office/drawing/2014/main" id="{1F8246AC-7E72-A555-19BF-3EA7DDEDB59E}"/>
-              </a:ext>
-            </a:extLst>
-          </p:cNvPr>
-          <p:cNvSpPr>
-            <a:spLocks noGrp="1"/>
-          </p:cNvSpPr>
-          <p:nvPr>
-            <p:ph type="title"/>
-          </p:nvPr>
-        </p:nvSpPr>
-        <p:spPr/>
-        <p:txBody>
-          <a:bodyPr/>
-          <a:lstStyle/>
-          <a:p>
-            <a:r>
-              <a:rPr lang="en-US" dirty="0"/>
-              <a:t>NFH(D2)</a:t>
-            </a:r>
-          </a:p>
-        </p:txBody>
-      </p:sp>
-      <p:sp>
-        <p:nvSpPr>
-          <p:cNvPr id="3" name="Slide Number Placeholder 2">
-            <a:extLst>
-              <a:ext uri="{FF2B5EF4-FFF2-40B4-BE49-F238E27FC236}">
-                <a16:creationId xmlns:a16="http://schemas.microsoft.com/office/drawing/2014/main" id="{33F8F74B-90E6-2E17-9581-73EC6821BD76}"/>
-              </a:ext>
-            </a:extLst>
-          </p:cNvPr>
-          <p:cNvSpPr>
-            <a:spLocks noGrp="1"/>
-          </p:cNvSpPr>
-          <p:nvPr>
-            <p:ph type="sldNum" sz="quarter" idx="12"/>
-          </p:nvPr>
-        </p:nvSpPr>
-        <p:spPr/>
-        <p:txBody>
-          <a:bodyPr/>
-          <a:lstStyle/>
-          <a:p>
-            <a:fld id="{B40DB54C-0C58-4481-B5FF-5C3F14CFF9B3}" type="slidenum">
-              <a:rPr lang="en-US" smtClean="0"/>
-              <a:t>10</a:t>
-            </a:fld>
-            <a:endParaRPr lang="en-US"/>
-          </a:p>
-        </p:txBody>
-      </p:sp>
-      <p:grpSp>
-        <p:nvGrpSpPr>
-          <p:cNvPr id="13" name="Group 12">
-            <a:extLst>
-              <a:ext uri="{FF2B5EF4-FFF2-40B4-BE49-F238E27FC236}">
-                <a16:creationId xmlns:a16="http://schemas.microsoft.com/office/drawing/2014/main" id="{E45AB686-37F6-C18C-3E4D-C1964CCB31C8}"/>
-              </a:ext>
-            </a:extLst>
-          </p:cNvPr>
-          <p:cNvGrpSpPr/>
-          <p:nvPr/>
-        </p:nvGrpSpPr>
-        <p:grpSpPr>
-          <a:xfrm>
-            <a:off x="3282677" y="4411089"/>
-            <a:ext cx="5824993" cy="2446911"/>
-            <a:chOff x="1042532" y="2423046"/>
-            <a:chExt cx="5824993" cy="2446911"/>
-          </a:xfrm>
-        </p:grpSpPr>
-        <p:pic>
-          <p:nvPicPr>
-            <p:cNvPr id="4" name="Picture 12">
-              <a:extLst>
-                <a:ext uri="{FF2B5EF4-FFF2-40B4-BE49-F238E27FC236}">
-                  <a16:creationId xmlns:a16="http://schemas.microsoft.com/office/drawing/2014/main" id="{B09AC93E-C722-A661-AFB0-2E0007080751}"/>
-                </a:ext>
-              </a:extLst>
-            </p:cNvPr>
-            <p:cNvPicPr>
-              <a:picLocks noChangeAspect="1" noChangeArrowheads="1"/>
-            </p:cNvPicPr>
-            <p:nvPr/>
-          </p:nvPicPr>
-          <p:blipFill>
-            <a:blip r:embed="rId2">
-              <a:extLst>
-                <a:ext uri="{28A0092B-C50C-407E-A947-70E740481C1C}">
-                  <a14:useLocalDpi xmlns:a14="http://schemas.microsoft.com/office/drawing/2010/main" val="0"/>
-                </a:ext>
-              </a:extLst>
-            </a:blip>
-            <a:srcRect/>
-            <a:stretch>
-              <a:fillRect/>
-            </a:stretch>
-          </p:blipFill>
-          <p:spPr bwMode="auto">
-            <a:xfrm>
-              <a:off x="1042532" y="2423046"/>
-              <a:ext cx="5824993" cy="2446911"/>
-            </a:xfrm>
-            <a:prstGeom prst="rect">
-              <a:avLst/>
-            </a:prstGeom>
-            <a:noFill/>
-            <a:extLst>
-              <a:ext uri="{909E8E84-426E-40DD-AFC4-6F175D3DCCD1}">
-                <a14:hiddenFill xmlns:a14="http://schemas.microsoft.com/office/drawing/2010/main">
-                  <a:solidFill>
-                    <a:srgbClr val="FFFFFF"/>
-                  </a:solidFill>
-                </a14:hiddenFill>
-              </a:ext>
-            </a:extLst>
-          </p:spPr>
-        </p:pic>
-        <p:grpSp>
-          <p:nvGrpSpPr>
-            <p:cNvPr id="5" name="Group 4">
-              <a:extLst>
-                <a:ext uri="{FF2B5EF4-FFF2-40B4-BE49-F238E27FC236}">
-                  <a16:creationId xmlns:a16="http://schemas.microsoft.com/office/drawing/2014/main" id="{4C33686A-6CD6-8E6D-5F66-8595438A7BD5}"/>
-                </a:ext>
-              </a:extLst>
-            </p:cNvPr>
-            <p:cNvGrpSpPr/>
-            <p:nvPr/>
-          </p:nvGrpSpPr>
-          <p:grpSpPr>
-            <a:xfrm>
-              <a:off x="2074287" y="2861048"/>
-              <a:ext cx="3433325" cy="1154786"/>
-              <a:chOff x="6696635" y="1773370"/>
-              <a:chExt cx="3433325" cy="1154786"/>
-            </a:xfrm>
-          </p:grpSpPr>
-          <p:sp>
-            <p:nvSpPr>
-              <p:cNvPr id="6" name="TextBox 5">
-                <a:extLst>
-                  <a:ext uri="{FF2B5EF4-FFF2-40B4-BE49-F238E27FC236}">
-                    <a16:creationId xmlns:a16="http://schemas.microsoft.com/office/drawing/2014/main" id="{1C6E9365-1A18-7F3A-AE24-491F44C8241A}"/>
-                  </a:ext>
-                </a:extLst>
-              </p:cNvPr>
-              <p:cNvSpPr txBox="1"/>
-              <p:nvPr/>
-            </p:nvSpPr>
-            <p:spPr>
-              <a:xfrm>
-                <a:off x="7028329" y="1773370"/>
-                <a:ext cx="896470" cy="369332"/>
-              </a:xfrm>
-              <a:prstGeom prst="rect">
-                <a:avLst/>
-              </a:prstGeom>
-              <a:noFill/>
-            </p:spPr>
-            <p:txBody>
-              <a:bodyPr wrap="square" rtlCol="0">
-                <a:spAutoFit/>
-              </a:bodyPr>
-              <a:lstStyle/>
-              <a:p>
-                <a:r>
-                  <a:rPr lang="en-US" dirty="0"/>
-                  <a:t>NFH</a:t>
-                </a:r>
-              </a:p>
-            </p:txBody>
-          </p:sp>
-          <p:sp>
-            <p:nvSpPr>
-              <p:cNvPr id="7" name="TextBox 6">
-                <a:extLst>
-                  <a:ext uri="{FF2B5EF4-FFF2-40B4-BE49-F238E27FC236}">
-                    <a16:creationId xmlns:a16="http://schemas.microsoft.com/office/drawing/2014/main" id="{5A449321-071F-84EC-F649-E90031DD6D24}"/>
-                  </a:ext>
-                </a:extLst>
-              </p:cNvPr>
-              <p:cNvSpPr txBox="1"/>
-              <p:nvPr/>
-            </p:nvSpPr>
-            <p:spPr>
-              <a:xfrm>
-                <a:off x="7377672" y="2558824"/>
-                <a:ext cx="896470" cy="369332"/>
-              </a:xfrm>
-              <a:prstGeom prst="rect">
-                <a:avLst/>
-              </a:prstGeom>
-              <a:noFill/>
-            </p:spPr>
-            <p:txBody>
-              <a:bodyPr wrap="square" rtlCol="0">
-                <a:spAutoFit/>
-              </a:bodyPr>
-              <a:lstStyle/>
-              <a:p>
-                <a:r>
-                  <a:rPr lang="en-US" dirty="0"/>
-                  <a:t>NFHD2</a:t>
-                </a:r>
-              </a:p>
-            </p:txBody>
-          </p:sp>
-          <p:cxnSp>
-            <p:nvCxnSpPr>
-              <p:cNvPr id="8" name="Straight Arrow Connector 7">
-                <a:extLst>
-                  <a:ext uri="{FF2B5EF4-FFF2-40B4-BE49-F238E27FC236}">
-                    <a16:creationId xmlns:a16="http://schemas.microsoft.com/office/drawing/2014/main" id="{0DC0E9D1-4832-2071-2604-12B8E5E5698F}"/>
-                  </a:ext>
-                </a:extLst>
-              </p:cNvPr>
-              <p:cNvCxnSpPr>
-                <a:cxnSpLocks/>
-              </p:cNvCxnSpPr>
-              <p:nvPr/>
-            </p:nvCxnSpPr>
-            <p:spPr>
-              <a:xfrm flipH="1">
-                <a:off x="6696635" y="2743490"/>
-                <a:ext cx="691156" cy="0"/>
-              </a:xfrm>
-              <a:prstGeom prst="straightConnector1">
-                <a:avLst/>
-              </a:prstGeom>
-              <a:ln w="19050">
-                <a:solidFill>
-                  <a:schemeClr val="tx1"/>
-                </a:solidFill>
-                <a:tailEnd type="triangle"/>
-              </a:ln>
-            </p:spPr>
-            <p:style>
-              <a:lnRef idx="1">
-                <a:schemeClr val="accent1"/>
-              </a:lnRef>
-              <a:fillRef idx="0">
-                <a:schemeClr val="accent1"/>
-              </a:fillRef>
-              <a:effectRef idx="0">
-                <a:schemeClr val="accent1"/>
-              </a:effectRef>
-              <a:fontRef idx="minor">
-                <a:schemeClr val="tx1"/>
-              </a:fontRef>
-            </p:style>
-          </p:cxnSp>
-          <p:cxnSp>
-            <p:nvCxnSpPr>
-              <p:cNvPr id="9" name="Straight Arrow Connector 8">
-                <a:extLst>
-                  <a:ext uri="{FF2B5EF4-FFF2-40B4-BE49-F238E27FC236}">
-                    <a16:creationId xmlns:a16="http://schemas.microsoft.com/office/drawing/2014/main" id="{5F717E59-5F8B-D34A-2352-7B07CD87F9BA}"/>
-                  </a:ext>
-                </a:extLst>
-              </p:cNvPr>
-              <p:cNvCxnSpPr>
-                <a:cxnSpLocks/>
-                <a:stCxn id="6" idx="1"/>
-              </p:cNvCxnSpPr>
-              <p:nvPr/>
-            </p:nvCxnSpPr>
-            <p:spPr>
-              <a:xfrm flipH="1">
-                <a:off x="6759388" y="1958036"/>
-                <a:ext cx="268941" cy="0"/>
-              </a:xfrm>
-              <a:prstGeom prst="straightConnector1">
-                <a:avLst/>
-              </a:prstGeom>
-              <a:ln w="19050">
-                <a:solidFill>
-                  <a:schemeClr val="tx1"/>
-                </a:solidFill>
-                <a:tailEnd type="triangle"/>
-              </a:ln>
-            </p:spPr>
-            <p:style>
-              <a:lnRef idx="1">
-                <a:schemeClr val="accent1"/>
-              </a:lnRef>
-              <a:fillRef idx="0">
-                <a:schemeClr val="accent1"/>
-              </a:fillRef>
-              <a:effectRef idx="0">
-                <a:schemeClr val="accent1"/>
-              </a:effectRef>
-              <a:fontRef idx="minor">
-                <a:schemeClr val="tx1"/>
-              </a:fontRef>
-            </p:style>
-          </p:cxnSp>
-          <p:cxnSp>
-            <p:nvCxnSpPr>
-              <p:cNvPr id="10" name="Straight Arrow Connector 9">
-                <a:extLst>
-                  <a:ext uri="{FF2B5EF4-FFF2-40B4-BE49-F238E27FC236}">
-                    <a16:creationId xmlns:a16="http://schemas.microsoft.com/office/drawing/2014/main" id="{EF63435C-C8A6-D7BD-5A54-D598D0613A57}"/>
-                  </a:ext>
-                </a:extLst>
-              </p:cNvPr>
-              <p:cNvCxnSpPr>
-                <a:cxnSpLocks/>
-                <a:stCxn id="7" idx="3"/>
-              </p:cNvCxnSpPr>
-              <p:nvPr/>
-            </p:nvCxnSpPr>
-            <p:spPr>
-              <a:xfrm>
-                <a:off x="8274142" y="2743490"/>
-                <a:ext cx="1855818" cy="0"/>
-              </a:xfrm>
-              <a:prstGeom prst="straightConnector1">
-                <a:avLst/>
-              </a:prstGeom>
-              <a:ln w="19050">
-                <a:solidFill>
-                  <a:schemeClr val="tx1"/>
-                </a:solidFill>
-                <a:tailEnd type="triangle"/>
-              </a:ln>
-            </p:spPr>
-            <p:style>
-              <a:lnRef idx="1">
-                <a:schemeClr val="accent1"/>
-              </a:lnRef>
-              <a:fillRef idx="0">
-                <a:schemeClr val="accent1"/>
-              </a:fillRef>
-              <a:effectRef idx="0">
-                <a:schemeClr val="accent1"/>
-              </a:effectRef>
-              <a:fontRef idx="minor">
-                <a:schemeClr val="tx1"/>
-              </a:fontRef>
-            </p:style>
-          </p:cxnSp>
-          <p:cxnSp>
-            <p:nvCxnSpPr>
-              <p:cNvPr id="11" name="Straight Arrow Connector 10">
-                <a:extLst>
-                  <a:ext uri="{FF2B5EF4-FFF2-40B4-BE49-F238E27FC236}">
-                    <a16:creationId xmlns:a16="http://schemas.microsoft.com/office/drawing/2014/main" id="{1A542E35-063E-3EBB-6B51-9611CEE409B3}"/>
-                  </a:ext>
-                </a:extLst>
-              </p:cNvPr>
-              <p:cNvCxnSpPr>
-                <a:cxnSpLocks/>
-              </p:cNvCxnSpPr>
-              <p:nvPr/>
-            </p:nvCxnSpPr>
-            <p:spPr>
-              <a:xfrm>
-                <a:off x="7646296" y="1955149"/>
-                <a:ext cx="2214723" cy="15779"/>
-              </a:xfrm>
-              <a:prstGeom prst="straightConnector1">
-                <a:avLst/>
-              </a:prstGeom>
-              <a:ln w="19050">
-                <a:solidFill>
-                  <a:schemeClr val="tx1"/>
-                </a:solidFill>
-                <a:tailEnd type="triangle"/>
-              </a:ln>
-            </p:spPr>
-            <p:style>
-              <a:lnRef idx="1">
-                <a:schemeClr val="accent1"/>
-              </a:lnRef>
-              <a:fillRef idx="0">
-                <a:schemeClr val="accent1"/>
-              </a:fillRef>
-              <a:effectRef idx="0">
-                <a:schemeClr val="accent1"/>
-              </a:effectRef>
-              <a:fontRef idx="minor">
-                <a:schemeClr val="tx1"/>
-              </a:fontRef>
-            </p:style>
-          </p:cxnSp>
-        </p:grpSp>
-      </p:grpSp>
-      <p:sp>
-        <p:nvSpPr>
-          <p:cNvPr id="12" name="Content Placeholder 2">
-            <a:extLst>
-              <a:ext uri="{FF2B5EF4-FFF2-40B4-BE49-F238E27FC236}">
-                <a16:creationId xmlns:a16="http://schemas.microsoft.com/office/drawing/2014/main" id="{DC750A4E-D70C-997F-12CA-CBCA5D9E8946}"/>
-              </a:ext>
-            </a:extLst>
-          </p:cNvPr>
-          <p:cNvSpPr txBox="1">
-            <a:spLocks/>
-          </p:cNvSpPr>
-          <p:nvPr/>
-        </p:nvSpPr>
-        <p:spPr>
-          <a:xfrm>
-            <a:off x="838200" y="1081157"/>
-            <a:ext cx="10515600" cy="5109249"/>
-          </a:xfrm>
-          <a:prstGeom prst="rect">
-            <a:avLst/>
-          </a:prstGeom>
-        </p:spPr>
-        <p:txBody>
-          <a:bodyPr/>
-          <a:lstStyle>
-            <a:lvl1pPr marL="228600" indent="-228600" algn="l" defTabSz="914400" rtl="0" eaLnBrk="1" latinLnBrk="0" hangingPunct="1">
-              <a:lnSpc>
-                <a:spcPct val="100000"/>
-              </a:lnSpc>
-              <a:spcBef>
-                <a:spcPts val="1000"/>
-              </a:spcBef>
-              <a:spcAft>
-                <a:spcPts val="1200"/>
-              </a:spcAft>
-              <a:buFont typeface="Arial" panose="020B0604020202020204" pitchFamily="34" charset="0"/>
-              <a:buChar char="•"/>
-              <a:defRPr sz="2400" kern="1200">
-                <a:solidFill>
-                  <a:schemeClr val="tx1"/>
-                </a:solidFill>
-                <a:latin typeface="Lucida Grande" pitchFamily="2" charset="0"/>
-                <a:ea typeface="Lucida Grande" pitchFamily="2" charset="0"/>
-                <a:cs typeface="Lucida Grande" pitchFamily="2" charset="0"/>
-              </a:defRPr>
-            </a:lvl1pPr>
-            <a:lvl2pPr marL="685800" indent="-228600" algn="l" defTabSz="914400" rtl="0" eaLnBrk="1" latinLnBrk="0" hangingPunct="1">
-              <a:lnSpc>
-                <a:spcPct val="100000"/>
-              </a:lnSpc>
-              <a:spcBef>
-                <a:spcPts val="500"/>
-              </a:spcBef>
-              <a:spcAft>
-                <a:spcPts val="1200"/>
-              </a:spcAft>
-              <a:buFont typeface="Arial" panose="020B0604020202020204" pitchFamily="34" charset="0"/>
-              <a:buChar char="•"/>
-              <a:defRPr sz="2000" kern="1200">
-                <a:solidFill>
-                  <a:schemeClr val="tx1"/>
-                </a:solidFill>
-                <a:latin typeface="Lucida Grande" pitchFamily="2" charset="0"/>
-                <a:ea typeface="Lucida Grande" pitchFamily="2" charset="0"/>
-                <a:cs typeface="Lucida Grande" pitchFamily="2" charset="0"/>
-              </a:defRPr>
-            </a:lvl2pPr>
-            <a:lvl3pPr marL="1143000" indent="-228600" algn="l" defTabSz="914400" rtl="0" eaLnBrk="1" latinLnBrk="0" hangingPunct="1">
-              <a:lnSpc>
-                <a:spcPct val="100000"/>
-              </a:lnSpc>
-              <a:spcBef>
-                <a:spcPts val="500"/>
-              </a:spcBef>
-              <a:spcAft>
-                <a:spcPts val="1200"/>
-              </a:spcAft>
-              <a:buFont typeface="Arial" panose="020B0604020202020204" pitchFamily="34" charset="0"/>
-              <a:buChar char="•"/>
-              <a:defRPr sz="1800" kern="1200">
-                <a:solidFill>
-                  <a:schemeClr val="tx1"/>
-                </a:solidFill>
-                <a:latin typeface="Lucida Grande" pitchFamily="2" charset="0"/>
-                <a:ea typeface="Lucida Grande" pitchFamily="2" charset="0"/>
-                <a:cs typeface="Lucida Grande" pitchFamily="2" charset="0"/>
-              </a:defRPr>
-            </a:lvl3pPr>
-            <a:lvl4pPr marL="1600200" indent="-228600" algn="l" defTabSz="914400" rtl="0" eaLnBrk="1" latinLnBrk="0" hangingPunct="1">
-              <a:lnSpc>
-                <a:spcPct val="100000"/>
-              </a:lnSpc>
-              <a:spcBef>
-                <a:spcPts val="500"/>
-              </a:spcBef>
-              <a:spcAft>
-                <a:spcPts val="1200"/>
-              </a:spcAft>
-              <a:buFont typeface="Arial" panose="020B0604020202020204" pitchFamily="34" charset="0"/>
-              <a:buChar char="•"/>
-              <a:defRPr sz="1600" kern="1200">
-                <a:solidFill>
-                  <a:schemeClr val="tx1"/>
-                </a:solidFill>
-                <a:latin typeface="Lucida Grande" pitchFamily="2" charset="0"/>
-                <a:ea typeface="Lucida Grande" pitchFamily="2" charset="0"/>
-                <a:cs typeface="Lucida Grande" pitchFamily="2" charset="0"/>
-              </a:defRPr>
-            </a:lvl4pPr>
-            <a:lvl5pPr marL="2057400" indent="-228600" algn="l" defTabSz="914400" rtl="0" eaLnBrk="1" latinLnBrk="0" hangingPunct="1">
-              <a:lnSpc>
-                <a:spcPct val="100000"/>
-              </a:lnSpc>
-              <a:spcBef>
-                <a:spcPts val="500"/>
-              </a:spcBef>
-              <a:spcAft>
-                <a:spcPts val="1200"/>
-              </a:spcAft>
-              <a:buFont typeface="Arial" panose="020B0604020202020204" pitchFamily="34" charset="0"/>
-              <a:buChar char="•"/>
-              <a:defRPr sz="1600" kern="1200">
-                <a:solidFill>
-                  <a:schemeClr val="tx1"/>
-                </a:solidFill>
-                <a:latin typeface="Lucida Grande" pitchFamily="2" charset="0"/>
-                <a:ea typeface="Lucida Grande" pitchFamily="2" charset="0"/>
-                <a:cs typeface="Lucida Grande" pitchFamily="2" charset="0"/>
-              </a:defRPr>
-            </a:lvl5pPr>
-            <a:lvl6pPr marL="2514600" indent="-228600" algn="l" defTabSz="914400" rtl="0" eaLnBrk="1" latinLnBrk="0" hangingPunct="1">
-              <a:lnSpc>
-                <a:spcPct val="90000"/>
-              </a:lnSpc>
-              <a:spcBef>
-                <a:spcPts val="500"/>
-              </a:spcBef>
-              <a:buFont typeface="Arial" panose="020B0604020202020204" pitchFamily="34" charset="0"/>
-              <a:buChar char="•"/>
-              <a:defRPr sz="1800" kern="1200">
-                <a:solidFill>
-                  <a:schemeClr val="tx1"/>
-                </a:solidFill>
-                <a:latin typeface="+mn-lt"/>
-                <a:ea typeface="+mn-ea"/>
-                <a:cs typeface="+mn-cs"/>
-              </a:defRPr>
-            </a:lvl6pPr>
-            <a:lvl7pPr marL="2971800" indent="-228600" algn="l" defTabSz="914400" rtl="0" eaLnBrk="1" latinLnBrk="0" hangingPunct="1">
-              <a:lnSpc>
-                <a:spcPct val="90000"/>
-              </a:lnSpc>
-              <a:spcBef>
-                <a:spcPts val="500"/>
-              </a:spcBef>
-              <a:buFont typeface="Arial" panose="020B0604020202020204" pitchFamily="34" charset="0"/>
-              <a:buChar char="•"/>
-              <a:defRPr sz="1800" kern="1200">
-                <a:solidFill>
-                  <a:schemeClr val="tx1"/>
-                </a:solidFill>
-                <a:latin typeface="+mn-lt"/>
-                <a:ea typeface="+mn-ea"/>
-                <a:cs typeface="+mn-cs"/>
-              </a:defRPr>
-            </a:lvl7pPr>
-            <a:lvl8pPr marL="3429000" indent="-228600" algn="l" defTabSz="914400" rtl="0" eaLnBrk="1" latinLnBrk="0" hangingPunct="1">
-              <a:lnSpc>
-                <a:spcPct val="90000"/>
-              </a:lnSpc>
-              <a:spcBef>
-                <a:spcPts val="500"/>
-              </a:spcBef>
-              <a:buFont typeface="Arial" panose="020B0604020202020204" pitchFamily="34" charset="0"/>
-              <a:buChar char="•"/>
-              <a:defRPr sz="1800" kern="1200">
-                <a:solidFill>
-                  <a:schemeClr val="tx1"/>
-                </a:solidFill>
-                <a:latin typeface="+mn-lt"/>
-                <a:ea typeface="+mn-ea"/>
-                <a:cs typeface="+mn-cs"/>
-              </a:defRPr>
-            </a:lvl8pPr>
-            <a:lvl9pPr marL="3886200" indent="-228600" algn="l" defTabSz="914400" rtl="0" eaLnBrk="1" latinLnBrk="0" hangingPunct="1">
-              <a:lnSpc>
-                <a:spcPct val="90000"/>
-              </a:lnSpc>
-              <a:spcBef>
-                <a:spcPts val="500"/>
-              </a:spcBef>
-              <a:buFont typeface="Arial" panose="020B0604020202020204" pitchFamily="34" charset="0"/>
-              <a:buChar char="•"/>
-              <a:defRPr sz="1800" kern="1200">
-                <a:solidFill>
-                  <a:schemeClr val="tx1"/>
-                </a:solidFill>
-                <a:latin typeface="+mn-lt"/>
-                <a:ea typeface="+mn-ea"/>
-                <a:cs typeface="+mn-cs"/>
-              </a:defRPr>
-            </a:lvl9pPr>
-          </a:lstStyle>
-          <a:p>
-            <a:r>
-              <a:rPr lang="en-US" dirty="0"/>
-              <a:t>Height increase from loss of oppositely charged region </a:t>
-            </a:r>
-          </a:p>
-          <a:p>
-            <a:pPr lvl="1"/>
-            <a:r>
-              <a:rPr lang="en-US" dirty="0"/>
-              <a:t>Note: Large decrease in brush volume due to lower D2 grafting density (in addition to loss of monomers): 0.03010 </a:t>
-            </a:r>
-            <a:r>
-              <a:rPr lang="en-US" dirty="0">
-                <a:sym typeface="Wingdings" panose="05000000000000000000" pitchFamily="2" charset="2"/>
-              </a:rPr>
-              <a:t> 0.01854 c/nm2</a:t>
-            </a:r>
-            <a:endParaRPr lang="en-US" dirty="0"/>
-          </a:p>
-        </p:txBody>
-      </p:sp>
-      <p:grpSp>
-        <p:nvGrpSpPr>
-          <p:cNvPr id="16" name="Group 15">
-            <a:extLst>
-              <a:ext uri="{FF2B5EF4-FFF2-40B4-BE49-F238E27FC236}">
-                <a16:creationId xmlns:a16="http://schemas.microsoft.com/office/drawing/2014/main" id="{739A9C79-2B81-FCD5-B0DB-BECEB42E1E4A}"/>
-              </a:ext>
-            </a:extLst>
-          </p:cNvPr>
-          <p:cNvGrpSpPr/>
-          <p:nvPr/>
-        </p:nvGrpSpPr>
-        <p:grpSpPr>
-          <a:xfrm>
-            <a:off x="2909116" y="2515230"/>
-            <a:ext cx="6924675" cy="1817726"/>
-            <a:chOff x="2185785" y="1608079"/>
-            <a:chExt cx="6924675" cy="1817726"/>
-          </a:xfrm>
-        </p:grpSpPr>
-        <p:pic>
-          <p:nvPicPr>
-            <p:cNvPr id="3074" name="Picture 2">
-              <a:extLst>
-                <a:ext uri="{FF2B5EF4-FFF2-40B4-BE49-F238E27FC236}">
-                  <a16:creationId xmlns:a16="http://schemas.microsoft.com/office/drawing/2014/main" id="{95F16A2D-092A-C28E-7D11-EE7322441C92}"/>
-                </a:ext>
-              </a:extLst>
-            </p:cNvPr>
-            <p:cNvPicPr>
-              <a:picLocks noChangeAspect="1" noChangeArrowheads="1"/>
-            </p:cNvPicPr>
-            <p:nvPr/>
-          </p:nvPicPr>
-          <p:blipFill>
-            <a:blip r:embed="rId3">
-              <a:extLst>
-                <a:ext uri="{28A0092B-C50C-407E-A947-70E740481C1C}">
-                  <a14:useLocalDpi xmlns:a14="http://schemas.microsoft.com/office/drawing/2010/main" val="0"/>
-                </a:ext>
-              </a:extLst>
-            </a:blip>
-            <a:srcRect/>
-            <a:stretch>
-              <a:fillRect/>
-            </a:stretch>
-          </p:blipFill>
-          <p:spPr bwMode="auto">
-            <a:xfrm>
-              <a:off x="2185785" y="1752583"/>
-              <a:ext cx="6924675" cy="1673222"/>
-            </a:xfrm>
-            <a:prstGeom prst="rect">
-              <a:avLst/>
-            </a:prstGeom>
-            <a:noFill/>
-            <a:extLst>
-              <a:ext uri="{909E8E84-426E-40DD-AFC4-6F175D3DCCD1}">
-                <a14:hiddenFill xmlns:a14="http://schemas.microsoft.com/office/drawing/2010/main">
-                  <a:solidFill>
-                    <a:srgbClr val="FFFFFF"/>
-                  </a:solidFill>
-                </a14:hiddenFill>
-              </a:ext>
-            </a:extLst>
-          </p:spPr>
-        </p:pic>
-        <p:sp>
-          <p:nvSpPr>
-            <p:cNvPr id="14" name="Rectangle 13">
-              <a:extLst>
-                <a:ext uri="{FF2B5EF4-FFF2-40B4-BE49-F238E27FC236}">
-                  <a16:creationId xmlns:a16="http://schemas.microsoft.com/office/drawing/2014/main" id="{69FF3488-41A5-8B19-81CD-57F4EA24894F}"/>
-                </a:ext>
-              </a:extLst>
-            </p:cNvPr>
-            <p:cNvSpPr/>
-            <p:nvPr/>
-          </p:nvSpPr>
-          <p:spPr>
-            <a:xfrm>
-              <a:off x="2688649" y="1847850"/>
-              <a:ext cx="426026" cy="1118068"/>
-            </a:xfrm>
-            <a:prstGeom prst="rect">
-              <a:avLst/>
-            </a:prstGeom>
-            <a:noFill/>
-            <a:ln w="38100"/>
-          </p:spPr>
-          <p:style>
-            <a:lnRef idx="2">
-              <a:schemeClr val="accent1">
-                <a:shade val="15000"/>
-              </a:schemeClr>
-            </a:lnRef>
-            <a:fillRef idx="1">
-              <a:schemeClr val="accent1"/>
-            </a:fillRef>
-            <a:effectRef idx="0">
-              <a:schemeClr val="accent1"/>
-            </a:effectRef>
-            <a:fontRef idx="minor">
-              <a:schemeClr val="lt1"/>
-            </a:fontRef>
-          </p:style>
-          <p:txBody>
-            <a:bodyPr rtlCol="0" anchor="ctr"/>
-            <a:lstStyle/>
-            <a:p>
-              <a:pPr algn="ctr"/>
-              <a:endParaRPr lang="en-US" dirty="0"/>
-            </a:p>
-          </p:txBody>
-        </p:sp>
-        <p:sp>
-          <p:nvSpPr>
-            <p:cNvPr id="15" name="TextBox 14">
-              <a:extLst>
-                <a:ext uri="{FF2B5EF4-FFF2-40B4-BE49-F238E27FC236}">
-                  <a16:creationId xmlns:a16="http://schemas.microsoft.com/office/drawing/2014/main" id="{00E7BE38-D2A2-FF84-949B-BC1CC26ACDE9}"/>
-                </a:ext>
-              </a:extLst>
-            </p:cNvPr>
-            <p:cNvSpPr txBox="1"/>
-            <p:nvPr/>
-          </p:nvSpPr>
-          <p:spPr>
-            <a:xfrm>
-              <a:off x="3146969" y="1608079"/>
-              <a:ext cx="2353721" cy="369332"/>
-            </a:xfrm>
-            <a:prstGeom prst="rect">
-              <a:avLst/>
-            </a:prstGeom>
-            <a:noFill/>
-          </p:spPr>
-          <p:txBody>
-            <a:bodyPr wrap="none" rtlCol="0">
-              <a:spAutoFit/>
-            </a:bodyPr>
-            <a:lstStyle/>
-            <a:p>
-              <a:r>
-                <a:rPr lang="en-US" dirty="0"/>
-                <a:t>Approximate D2 region</a:t>
-              </a:r>
-            </a:p>
-          </p:txBody>
-        </p:sp>
-      </p:grpSp>
-    </p:spTree>
-    <p:extLst>
-      <p:ext uri="{BB962C8B-B14F-4D97-AF65-F5344CB8AC3E}">
-        <p14:creationId xmlns:p14="http://schemas.microsoft.com/office/powerpoint/2010/main" val="889184620"/>
-      </p:ext>
-    </p:extLst>
-  </p:cSld>
-  <p:clrMapOvr>
-    <a:masterClrMapping/>
-  </p:clrMapOvr>
-</p:sld>
-</file>
-
-<file path=ppt/slides/slide11.xml><?xml version="1.0" encoding="utf-8"?>
-<p:sld xmlns:a="http://schemas.openxmlformats.org/drawingml/2006/main" xmlns:r="http://schemas.openxmlformats.org/officeDocument/2006/relationships" xmlns:p="http://schemas.openxmlformats.org/presentationml/2006/main">
-  <p:cSld>
-    <p:spTree>
-      <p:nvGrpSpPr>
-        <p:cNvPr id="1" name=""/>
-        <p:cNvGrpSpPr/>
-        <p:nvPr/>
-      </p:nvGrpSpPr>
-      <p:grpSpPr>
-        <a:xfrm>
-          <a:off x="0" y="0"/>
-          <a:ext cx="0" cy="0"/>
-          <a:chOff x="0" y="0"/>
-          <a:chExt cx="0" cy="0"/>
-        </a:xfrm>
-      </p:grpSpPr>
-      <p:sp>
-        <p:nvSpPr>
-          <p:cNvPr id="2" name="Title 1">
-            <a:extLst>
-              <a:ext uri="{FF2B5EF4-FFF2-40B4-BE49-F238E27FC236}">
-                <a16:creationId xmlns:a16="http://schemas.microsoft.com/office/drawing/2014/main" id="{0ECB7215-559A-C3D0-8516-BCDF0CBDA66A}"/>
-              </a:ext>
-            </a:extLst>
-          </p:cNvPr>
-          <p:cNvSpPr>
-            <a:spLocks noGrp="1"/>
-          </p:cNvSpPr>
-          <p:nvPr>
-            <p:ph type="title"/>
-          </p:nvPr>
-        </p:nvSpPr>
-        <p:spPr/>
-        <p:txBody>
-          <a:bodyPr/>
-          <a:lstStyle/>
-          <a:p>
-            <a:r>
-              <a:rPr lang="en-US" dirty="0" err="1"/>
-              <a:t>pNFH</a:t>
-            </a:r>
-            <a:r>
-              <a:rPr lang="en-US" dirty="0"/>
-              <a:t>(D2) Option 1</a:t>
-            </a:r>
-          </a:p>
-        </p:txBody>
-      </p:sp>
-      <p:sp>
-        <p:nvSpPr>
-          <p:cNvPr id="3" name="Slide Number Placeholder 2">
-            <a:extLst>
-              <a:ext uri="{FF2B5EF4-FFF2-40B4-BE49-F238E27FC236}">
-                <a16:creationId xmlns:a16="http://schemas.microsoft.com/office/drawing/2014/main" id="{9E388C0F-15A0-7138-FEBA-D6A9424161E3}"/>
-              </a:ext>
-            </a:extLst>
-          </p:cNvPr>
-          <p:cNvSpPr>
-            <a:spLocks noGrp="1"/>
-          </p:cNvSpPr>
-          <p:nvPr>
-            <p:ph type="sldNum" sz="quarter" idx="12"/>
-          </p:nvPr>
-        </p:nvSpPr>
-        <p:spPr/>
-        <p:txBody>
-          <a:bodyPr/>
-          <a:lstStyle/>
-          <a:p>
-            <a:fld id="{B40DB54C-0C58-4481-B5FF-5C3F14CFF9B3}" type="slidenum">
-              <a:rPr lang="en-US" smtClean="0"/>
-              <a:t>11</a:t>
-            </a:fld>
-            <a:endParaRPr lang="en-US"/>
-          </a:p>
-        </p:txBody>
-      </p:sp>
-      <p:sp>
-        <p:nvSpPr>
-          <p:cNvPr id="4" name="Content Placeholder 2">
-            <a:extLst>
-              <a:ext uri="{FF2B5EF4-FFF2-40B4-BE49-F238E27FC236}">
-                <a16:creationId xmlns:a16="http://schemas.microsoft.com/office/drawing/2014/main" id="{AC6A9A94-8932-B05B-C38B-DFBE459587B2}"/>
-              </a:ext>
-            </a:extLst>
-          </p:cNvPr>
-          <p:cNvSpPr txBox="1">
-            <a:spLocks/>
-          </p:cNvSpPr>
-          <p:nvPr/>
-        </p:nvSpPr>
-        <p:spPr>
-          <a:xfrm>
-            <a:off x="838200" y="1081157"/>
-            <a:ext cx="10515600" cy="5109249"/>
-          </a:xfrm>
-          <a:prstGeom prst="rect">
-            <a:avLst/>
-          </a:prstGeom>
-        </p:spPr>
-        <p:txBody>
-          <a:bodyPr/>
-          <a:lstStyle>
-            <a:lvl1pPr marL="228600" indent="-228600" algn="l" defTabSz="914400" rtl="0" eaLnBrk="1" latinLnBrk="0" hangingPunct="1">
-              <a:lnSpc>
-                <a:spcPct val="100000"/>
-              </a:lnSpc>
-              <a:spcBef>
-                <a:spcPts val="1000"/>
-              </a:spcBef>
-              <a:spcAft>
-                <a:spcPts val="1200"/>
-              </a:spcAft>
-              <a:buFont typeface="Arial" panose="020B0604020202020204" pitchFamily="34" charset="0"/>
-              <a:buChar char="•"/>
-              <a:defRPr sz="2400" kern="1200">
-                <a:solidFill>
-                  <a:schemeClr val="tx1"/>
-                </a:solidFill>
-                <a:latin typeface="Lucida Grande" pitchFamily="2" charset="0"/>
-                <a:ea typeface="Lucida Grande" pitchFamily="2" charset="0"/>
-                <a:cs typeface="Lucida Grande" pitchFamily="2" charset="0"/>
-              </a:defRPr>
-            </a:lvl1pPr>
-            <a:lvl2pPr marL="685800" indent="-228600" algn="l" defTabSz="914400" rtl="0" eaLnBrk="1" latinLnBrk="0" hangingPunct="1">
-              <a:lnSpc>
-                <a:spcPct val="100000"/>
-              </a:lnSpc>
-              <a:spcBef>
-                <a:spcPts val="500"/>
-              </a:spcBef>
-              <a:spcAft>
-                <a:spcPts val="1200"/>
-              </a:spcAft>
-              <a:buFont typeface="Arial" panose="020B0604020202020204" pitchFamily="34" charset="0"/>
-              <a:buChar char="•"/>
-              <a:defRPr sz="2000" kern="1200">
-                <a:solidFill>
-                  <a:schemeClr val="tx1"/>
-                </a:solidFill>
-                <a:latin typeface="Lucida Grande" pitchFamily="2" charset="0"/>
-                <a:ea typeface="Lucida Grande" pitchFamily="2" charset="0"/>
-                <a:cs typeface="Lucida Grande" pitchFamily="2" charset="0"/>
-              </a:defRPr>
-            </a:lvl2pPr>
-            <a:lvl3pPr marL="1143000" indent="-228600" algn="l" defTabSz="914400" rtl="0" eaLnBrk="1" latinLnBrk="0" hangingPunct="1">
-              <a:lnSpc>
-                <a:spcPct val="100000"/>
-              </a:lnSpc>
-              <a:spcBef>
-                <a:spcPts val="500"/>
-              </a:spcBef>
-              <a:spcAft>
-                <a:spcPts val="1200"/>
-              </a:spcAft>
-              <a:buFont typeface="Arial" panose="020B0604020202020204" pitchFamily="34" charset="0"/>
-              <a:buChar char="•"/>
-              <a:defRPr sz="1800" kern="1200">
-                <a:solidFill>
-                  <a:schemeClr val="tx1"/>
-                </a:solidFill>
-                <a:latin typeface="Lucida Grande" pitchFamily="2" charset="0"/>
-                <a:ea typeface="Lucida Grande" pitchFamily="2" charset="0"/>
-                <a:cs typeface="Lucida Grande" pitchFamily="2" charset="0"/>
-              </a:defRPr>
-            </a:lvl3pPr>
-            <a:lvl4pPr marL="1600200" indent="-228600" algn="l" defTabSz="914400" rtl="0" eaLnBrk="1" latinLnBrk="0" hangingPunct="1">
-              <a:lnSpc>
-                <a:spcPct val="100000"/>
-              </a:lnSpc>
-              <a:spcBef>
-                <a:spcPts val="500"/>
-              </a:spcBef>
-              <a:spcAft>
-                <a:spcPts val="1200"/>
-              </a:spcAft>
-              <a:buFont typeface="Arial" panose="020B0604020202020204" pitchFamily="34" charset="0"/>
-              <a:buChar char="•"/>
-              <a:defRPr sz="1600" kern="1200">
-                <a:solidFill>
-                  <a:schemeClr val="tx1"/>
-                </a:solidFill>
-                <a:latin typeface="Lucida Grande" pitchFamily="2" charset="0"/>
-                <a:ea typeface="Lucida Grande" pitchFamily="2" charset="0"/>
-                <a:cs typeface="Lucida Grande" pitchFamily="2" charset="0"/>
-              </a:defRPr>
-            </a:lvl4pPr>
-            <a:lvl5pPr marL="2057400" indent="-228600" algn="l" defTabSz="914400" rtl="0" eaLnBrk="1" latinLnBrk="0" hangingPunct="1">
-              <a:lnSpc>
-                <a:spcPct val="100000"/>
-              </a:lnSpc>
-              <a:spcBef>
-                <a:spcPts val="500"/>
-              </a:spcBef>
-              <a:spcAft>
-                <a:spcPts val="1200"/>
-              </a:spcAft>
-              <a:buFont typeface="Arial" panose="020B0604020202020204" pitchFamily="34" charset="0"/>
-              <a:buChar char="•"/>
-              <a:defRPr sz="1600" kern="1200">
-                <a:solidFill>
-                  <a:schemeClr val="tx1"/>
-                </a:solidFill>
-                <a:latin typeface="Lucida Grande" pitchFamily="2" charset="0"/>
-                <a:ea typeface="Lucida Grande" pitchFamily="2" charset="0"/>
-                <a:cs typeface="Lucida Grande" pitchFamily="2" charset="0"/>
-              </a:defRPr>
-            </a:lvl5pPr>
-            <a:lvl6pPr marL="2514600" indent="-228600" algn="l" defTabSz="914400" rtl="0" eaLnBrk="1" latinLnBrk="0" hangingPunct="1">
-              <a:lnSpc>
-                <a:spcPct val="90000"/>
-              </a:lnSpc>
-              <a:spcBef>
-                <a:spcPts val="500"/>
-              </a:spcBef>
-              <a:buFont typeface="Arial" panose="020B0604020202020204" pitchFamily="34" charset="0"/>
-              <a:buChar char="•"/>
-              <a:defRPr sz="1800" kern="1200">
-                <a:solidFill>
-                  <a:schemeClr val="tx1"/>
-                </a:solidFill>
-                <a:latin typeface="+mn-lt"/>
-                <a:ea typeface="+mn-ea"/>
-                <a:cs typeface="+mn-cs"/>
-              </a:defRPr>
-            </a:lvl6pPr>
-            <a:lvl7pPr marL="2971800" indent="-228600" algn="l" defTabSz="914400" rtl="0" eaLnBrk="1" latinLnBrk="0" hangingPunct="1">
-              <a:lnSpc>
-                <a:spcPct val="90000"/>
-              </a:lnSpc>
-              <a:spcBef>
-                <a:spcPts val="500"/>
-              </a:spcBef>
-              <a:buFont typeface="Arial" panose="020B0604020202020204" pitchFamily="34" charset="0"/>
-              <a:buChar char="•"/>
-              <a:defRPr sz="1800" kern="1200">
-                <a:solidFill>
-                  <a:schemeClr val="tx1"/>
-                </a:solidFill>
-                <a:latin typeface="+mn-lt"/>
-                <a:ea typeface="+mn-ea"/>
-                <a:cs typeface="+mn-cs"/>
-              </a:defRPr>
-            </a:lvl7pPr>
-            <a:lvl8pPr marL="3429000" indent="-228600" algn="l" defTabSz="914400" rtl="0" eaLnBrk="1" latinLnBrk="0" hangingPunct="1">
-              <a:lnSpc>
-                <a:spcPct val="90000"/>
-              </a:lnSpc>
-              <a:spcBef>
-                <a:spcPts val="500"/>
-              </a:spcBef>
-              <a:buFont typeface="Arial" panose="020B0604020202020204" pitchFamily="34" charset="0"/>
-              <a:buChar char="•"/>
-              <a:defRPr sz="1800" kern="1200">
-                <a:solidFill>
-                  <a:schemeClr val="tx1"/>
-                </a:solidFill>
-                <a:latin typeface="+mn-lt"/>
-                <a:ea typeface="+mn-ea"/>
-                <a:cs typeface="+mn-cs"/>
-              </a:defRPr>
-            </a:lvl8pPr>
-            <a:lvl9pPr marL="3886200" indent="-228600" algn="l" defTabSz="914400" rtl="0" eaLnBrk="1" latinLnBrk="0" hangingPunct="1">
-              <a:lnSpc>
-                <a:spcPct val="90000"/>
-              </a:lnSpc>
-              <a:spcBef>
-                <a:spcPts val="500"/>
-              </a:spcBef>
-              <a:buFont typeface="Arial" panose="020B0604020202020204" pitchFamily="34" charset="0"/>
-              <a:buChar char="•"/>
-              <a:defRPr sz="1800" kern="1200">
-                <a:solidFill>
-                  <a:schemeClr val="tx1"/>
-                </a:solidFill>
-                <a:latin typeface="+mn-lt"/>
-                <a:ea typeface="+mn-ea"/>
-                <a:cs typeface="+mn-cs"/>
-              </a:defRPr>
-            </a:lvl9pPr>
-          </a:lstStyle>
-          <a:p>
-            <a:r>
-              <a:rPr lang="en-US" dirty="0"/>
-              <a:t>2</a:t>
-            </a:r>
-            <a:r>
-              <a:rPr lang="en-US" baseline="30000" dirty="0"/>
-              <a:t>nd</a:t>
-            </a:r>
-            <a:r>
-              <a:rPr lang="en-US" dirty="0"/>
-              <a:t> block responsible for forming second layer (looks like flower conformation previously reported for </a:t>
-            </a:r>
-            <a:r>
-              <a:rPr lang="en-US" dirty="0" err="1"/>
-              <a:t>pNFH</a:t>
-            </a:r>
-            <a:r>
-              <a:rPr lang="en-US" dirty="0"/>
-              <a:t>)</a:t>
-            </a:r>
-          </a:p>
-        </p:txBody>
-      </p:sp>
-      <p:grpSp>
-        <p:nvGrpSpPr>
-          <p:cNvPr id="9" name="Group 8">
-            <a:extLst>
-              <a:ext uri="{FF2B5EF4-FFF2-40B4-BE49-F238E27FC236}">
-                <a16:creationId xmlns:a16="http://schemas.microsoft.com/office/drawing/2014/main" id="{6C1EA11B-1D91-D48D-725B-C522C8444350}"/>
-              </a:ext>
-            </a:extLst>
-          </p:cNvPr>
-          <p:cNvGrpSpPr/>
-          <p:nvPr/>
-        </p:nvGrpSpPr>
-        <p:grpSpPr>
-          <a:xfrm>
-            <a:off x="2358645" y="2036583"/>
-            <a:ext cx="3518280" cy="2768482"/>
-            <a:chOff x="2358645" y="2036583"/>
-            <a:chExt cx="3518280" cy="2768482"/>
-          </a:xfrm>
-        </p:grpSpPr>
-        <p:pic>
-          <p:nvPicPr>
-            <p:cNvPr id="7170" name="Picture 2">
-              <a:extLst>
-                <a:ext uri="{FF2B5EF4-FFF2-40B4-BE49-F238E27FC236}">
-                  <a16:creationId xmlns:a16="http://schemas.microsoft.com/office/drawing/2014/main" id="{72BDFBE8-D064-2CFA-AED7-04412C5B4DF4}"/>
-                </a:ext>
-              </a:extLst>
-            </p:cNvPr>
-            <p:cNvPicPr>
-              <a:picLocks noChangeAspect="1" noChangeArrowheads="1"/>
-            </p:cNvPicPr>
-            <p:nvPr/>
-          </p:nvPicPr>
-          <p:blipFill>
-            <a:blip r:embed="rId2">
-              <a:extLst>
-                <a:ext uri="{28A0092B-C50C-407E-A947-70E740481C1C}">
-                  <a14:useLocalDpi xmlns:a14="http://schemas.microsoft.com/office/drawing/2010/main" val="0"/>
-                </a:ext>
-              </a:extLst>
-            </a:blip>
-            <a:srcRect/>
-            <a:stretch>
-              <a:fillRect/>
-            </a:stretch>
-          </p:blipFill>
-          <p:spPr bwMode="auto">
-            <a:xfrm>
-              <a:off x="2358645" y="2036583"/>
-              <a:ext cx="3518280" cy="2768482"/>
-            </a:xfrm>
-            <a:prstGeom prst="rect">
-              <a:avLst/>
-            </a:prstGeom>
-            <a:noFill/>
-            <a:extLst>
-              <a:ext uri="{909E8E84-426E-40DD-AFC4-6F175D3DCCD1}">
-                <a14:hiddenFill xmlns:a14="http://schemas.microsoft.com/office/drawing/2010/main">
-                  <a:solidFill>
-                    <a:srgbClr val="FFFFFF"/>
-                  </a:solidFill>
-                </a14:hiddenFill>
-              </a:ext>
-            </a:extLst>
-          </p:spPr>
-        </p:pic>
-        <p:sp>
-          <p:nvSpPr>
-            <p:cNvPr id="8" name="TextBox 7">
-              <a:extLst>
-                <a:ext uri="{FF2B5EF4-FFF2-40B4-BE49-F238E27FC236}">
-                  <a16:creationId xmlns:a16="http://schemas.microsoft.com/office/drawing/2014/main" id="{CFB405C2-E6B2-BA52-DC74-3295B960BE62}"/>
-                </a:ext>
-              </a:extLst>
-            </p:cNvPr>
-            <p:cNvSpPr txBox="1"/>
-            <p:nvPr/>
-          </p:nvSpPr>
-          <p:spPr>
-            <a:xfrm>
-              <a:off x="3152775" y="2476500"/>
-              <a:ext cx="952500" cy="369332"/>
-            </a:xfrm>
-            <a:prstGeom prst="rect">
-              <a:avLst/>
-            </a:prstGeom>
-            <a:noFill/>
-          </p:spPr>
-          <p:txBody>
-            <a:bodyPr wrap="square" rtlCol="0">
-              <a:spAutoFit/>
-            </a:bodyPr>
-            <a:lstStyle/>
-            <a:p>
-              <a:r>
-                <a:rPr lang="en-US" dirty="0" err="1"/>
-                <a:t>pNFH</a:t>
-              </a:r>
-              <a:endParaRPr lang="en-US" dirty="0"/>
-            </a:p>
-          </p:txBody>
-        </p:sp>
-      </p:grpSp>
-      <p:grpSp>
-        <p:nvGrpSpPr>
-          <p:cNvPr id="11" name="Group 10">
-            <a:extLst>
-              <a:ext uri="{FF2B5EF4-FFF2-40B4-BE49-F238E27FC236}">
-                <a16:creationId xmlns:a16="http://schemas.microsoft.com/office/drawing/2014/main" id="{9BAAF3F6-6F4D-2523-9974-27C9924B3B96}"/>
-              </a:ext>
-            </a:extLst>
-          </p:cNvPr>
-          <p:cNvGrpSpPr/>
-          <p:nvPr/>
-        </p:nvGrpSpPr>
-        <p:grpSpPr>
-          <a:xfrm>
-            <a:off x="5876925" y="2036582"/>
-            <a:ext cx="3518280" cy="2768483"/>
-            <a:chOff x="5876925" y="2036582"/>
-            <a:chExt cx="3518280" cy="2768483"/>
-          </a:xfrm>
-        </p:grpSpPr>
-        <p:pic>
-          <p:nvPicPr>
-            <p:cNvPr id="7172" name="Picture 4">
-              <a:extLst>
-                <a:ext uri="{FF2B5EF4-FFF2-40B4-BE49-F238E27FC236}">
-                  <a16:creationId xmlns:a16="http://schemas.microsoft.com/office/drawing/2014/main" id="{199056DB-F653-466E-F3EB-C875C954A70B}"/>
-                </a:ext>
-              </a:extLst>
-            </p:cNvPr>
-            <p:cNvPicPr>
-              <a:picLocks noChangeAspect="1" noChangeArrowheads="1"/>
-            </p:cNvPicPr>
-            <p:nvPr/>
-          </p:nvPicPr>
-          <p:blipFill>
-            <a:blip r:embed="rId3">
-              <a:extLst>
-                <a:ext uri="{28A0092B-C50C-407E-A947-70E740481C1C}">
-                  <a14:useLocalDpi xmlns:a14="http://schemas.microsoft.com/office/drawing/2010/main" val="0"/>
-                </a:ext>
-              </a:extLst>
-            </a:blip>
-            <a:srcRect/>
-            <a:stretch>
-              <a:fillRect/>
-            </a:stretch>
-          </p:blipFill>
-          <p:spPr bwMode="auto">
-            <a:xfrm>
-              <a:off x="5876925" y="2036582"/>
-              <a:ext cx="3518280" cy="2768483"/>
-            </a:xfrm>
-            <a:prstGeom prst="rect">
-              <a:avLst/>
-            </a:prstGeom>
-            <a:noFill/>
-            <a:extLst>
-              <a:ext uri="{909E8E84-426E-40DD-AFC4-6F175D3DCCD1}">
-                <a14:hiddenFill xmlns:a14="http://schemas.microsoft.com/office/drawing/2010/main">
-                  <a:solidFill>
-                    <a:srgbClr val="FFFFFF"/>
-                  </a:solidFill>
-                </a14:hiddenFill>
-              </a:ext>
-            </a:extLst>
-          </p:spPr>
-        </p:pic>
-        <p:sp>
-          <p:nvSpPr>
-            <p:cNvPr id="10" name="TextBox 9">
-              <a:extLst>
-                <a:ext uri="{FF2B5EF4-FFF2-40B4-BE49-F238E27FC236}">
-                  <a16:creationId xmlns:a16="http://schemas.microsoft.com/office/drawing/2014/main" id="{3663E390-0B96-A913-9B33-708EC501E727}"/>
-                </a:ext>
-              </a:extLst>
-            </p:cNvPr>
-            <p:cNvSpPr txBox="1"/>
-            <p:nvPr/>
-          </p:nvSpPr>
-          <p:spPr>
-            <a:xfrm>
-              <a:off x="6619875" y="2457450"/>
-              <a:ext cx="1304925" cy="369332"/>
-            </a:xfrm>
-            <a:prstGeom prst="rect">
-              <a:avLst/>
-            </a:prstGeom>
-            <a:noFill/>
-          </p:spPr>
-          <p:txBody>
-            <a:bodyPr wrap="square" rtlCol="0">
-              <a:spAutoFit/>
-            </a:bodyPr>
-            <a:lstStyle/>
-            <a:p>
-              <a:r>
-                <a:rPr lang="en-US" dirty="0"/>
-                <a:t>pNFH_D2</a:t>
-              </a:r>
-            </a:p>
-          </p:txBody>
-        </p:sp>
-      </p:grpSp>
-      <p:grpSp>
-        <p:nvGrpSpPr>
-          <p:cNvPr id="18" name="Group 17">
-            <a:extLst>
-              <a:ext uri="{FF2B5EF4-FFF2-40B4-BE49-F238E27FC236}">
-                <a16:creationId xmlns:a16="http://schemas.microsoft.com/office/drawing/2014/main" id="{95265833-5E51-27FB-8B1C-A8B4C4A654DA}"/>
-              </a:ext>
-            </a:extLst>
-          </p:cNvPr>
-          <p:cNvGrpSpPr/>
-          <p:nvPr/>
-        </p:nvGrpSpPr>
-        <p:grpSpPr>
-          <a:xfrm>
-            <a:off x="2678300" y="5051814"/>
-            <a:ext cx="6835400" cy="1611667"/>
-            <a:chOff x="2678300" y="4971009"/>
-            <a:chExt cx="6835400" cy="1611667"/>
-          </a:xfrm>
-        </p:grpSpPr>
-        <p:grpSp>
-          <p:nvGrpSpPr>
-            <p:cNvPr id="5" name="Group 4">
-              <a:extLst>
-                <a:ext uri="{FF2B5EF4-FFF2-40B4-BE49-F238E27FC236}">
-                  <a16:creationId xmlns:a16="http://schemas.microsoft.com/office/drawing/2014/main" id="{D6BB36D1-5E92-45B4-243A-B6D3BB1EEC69}"/>
-                </a:ext>
-              </a:extLst>
-            </p:cNvPr>
-            <p:cNvGrpSpPr/>
-            <p:nvPr/>
-          </p:nvGrpSpPr>
-          <p:grpSpPr>
-            <a:xfrm>
-              <a:off x="3002788" y="4971009"/>
-              <a:ext cx="6510912" cy="1611667"/>
-              <a:chOff x="5155438" y="5061492"/>
-              <a:chExt cx="5110627" cy="1265050"/>
-            </a:xfrm>
-          </p:grpSpPr>
-          <p:pic>
-            <p:nvPicPr>
-              <p:cNvPr id="6" name="Picture 6">
-                <a:extLst>
-                  <a:ext uri="{FF2B5EF4-FFF2-40B4-BE49-F238E27FC236}">
-                    <a16:creationId xmlns:a16="http://schemas.microsoft.com/office/drawing/2014/main" id="{600810A8-6DB8-5D93-35DA-94404BF5C219}"/>
-                  </a:ext>
-                </a:extLst>
-              </p:cNvPr>
-              <p:cNvPicPr>
-                <a:picLocks noChangeAspect="1" noChangeArrowheads="1"/>
-              </p:cNvPicPr>
-              <p:nvPr/>
-            </p:nvPicPr>
-            <p:blipFill rotWithShape="1">
-              <a:blip r:embed="rId4">
-                <a:extLst>
-                  <a:ext uri="{28A0092B-C50C-407E-A947-70E740481C1C}">
-                    <a14:useLocalDpi xmlns:a14="http://schemas.microsoft.com/office/drawing/2010/main" val="0"/>
-                  </a:ext>
-                </a:extLst>
-              </a:blip>
-              <a:srcRect t="1" b="84583"/>
-              <a:stretch/>
-            </p:blipFill>
-            <p:spPr bwMode="auto">
-              <a:xfrm>
-                <a:off x="5155439" y="5061492"/>
-                <a:ext cx="5110626" cy="190366"/>
-              </a:xfrm>
-              <a:prstGeom prst="rect">
-                <a:avLst/>
-              </a:prstGeom>
-              <a:noFill/>
-              <a:extLst>
-                <a:ext uri="{909E8E84-426E-40DD-AFC4-6F175D3DCCD1}">
-                  <a14:hiddenFill xmlns:a14="http://schemas.microsoft.com/office/drawing/2010/main">
-                    <a:solidFill>
-                      <a:srgbClr val="FFFFFF"/>
-                    </a:solidFill>
-                  </a14:hiddenFill>
-                </a:ext>
-              </a:extLst>
-            </p:spPr>
-          </p:pic>
-          <p:pic>
-            <p:nvPicPr>
-              <p:cNvPr id="7" name="Picture 8">
-                <a:extLst>
-                  <a:ext uri="{FF2B5EF4-FFF2-40B4-BE49-F238E27FC236}">
-                    <a16:creationId xmlns:a16="http://schemas.microsoft.com/office/drawing/2014/main" id="{2EABB3F6-3B88-5AC2-6A54-BFDB69661144}"/>
-                  </a:ext>
-                </a:extLst>
-              </p:cNvPr>
-              <p:cNvPicPr>
-                <a:picLocks noChangeAspect="1" noChangeArrowheads="1"/>
-              </p:cNvPicPr>
-              <p:nvPr/>
-            </p:nvPicPr>
-            <p:blipFill rotWithShape="1">
-              <a:blip r:embed="rId5">
-                <a:extLst>
-                  <a:ext uri="{28A0092B-C50C-407E-A947-70E740481C1C}">
-                    <a14:useLocalDpi xmlns:a14="http://schemas.microsoft.com/office/drawing/2010/main" val="0"/>
-                  </a:ext>
-                </a:extLst>
-              </a:blip>
-              <a:srcRect t="17568"/>
-              <a:stretch/>
-            </p:blipFill>
-            <p:spPr bwMode="auto">
-              <a:xfrm>
-                <a:off x="5155438" y="5308599"/>
-                <a:ext cx="5110627" cy="1017943"/>
-              </a:xfrm>
-              <a:prstGeom prst="rect">
-                <a:avLst/>
-              </a:prstGeom>
-              <a:noFill/>
-              <a:extLst>
-                <a:ext uri="{909E8E84-426E-40DD-AFC4-6F175D3DCCD1}">
-                  <a14:hiddenFill xmlns:a14="http://schemas.microsoft.com/office/drawing/2010/main">
-                    <a:solidFill>
-                      <a:srgbClr val="FFFFFF"/>
-                    </a:solidFill>
-                  </a14:hiddenFill>
-                </a:ext>
-              </a:extLst>
-            </p:spPr>
-          </p:pic>
-        </p:grpSp>
-        <p:sp>
-          <p:nvSpPr>
-            <p:cNvPr id="16" name="Rectangle 15">
-              <a:extLst>
-                <a:ext uri="{FF2B5EF4-FFF2-40B4-BE49-F238E27FC236}">
-                  <a16:creationId xmlns:a16="http://schemas.microsoft.com/office/drawing/2014/main" id="{B959834C-C674-80AA-8E62-600B1775C292}"/>
-                </a:ext>
-              </a:extLst>
-            </p:cNvPr>
-            <p:cNvSpPr/>
-            <p:nvPr/>
-          </p:nvSpPr>
-          <p:spPr>
-            <a:xfrm>
-              <a:off x="3492304" y="4996658"/>
-              <a:ext cx="426026" cy="1118068"/>
-            </a:xfrm>
-            <a:prstGeom prst="rect">
-              <a:avLst/>
-            </a:prstGeom>
-            <a:noFill/>
-            <a:ln w="38100"/>
-          </p:spPr>
-          <p:style>
-            <a:lnRef idx="2">
-              <a:schemeClr val="accent1">
-                <a:shade val="15000"/>
-              </a:schemeClr>
-            </a:lnRef>
-            <a:fillRef idx="1">
-              <a:schemeClr val="accent1"/>
-            </a:fillRef>
-            <a:effectRef idx="0">
-              <a:schemeClr val="accent1"/>
-            </a:effectRef>
-            <a:fontRef idx="minor">
-              <a:schemeClr val="lt1"/>
-            </a:fontRef>
-          </p:style>
-          <p:txBody>
-            <a:bodyPr rtlCol="0" anchor="ctr"/>
-            <a:lstStyle/>
-            <a:p>
-              <a:pPr algn="ctr"/>
-              <a:endParaRPr lang="en-US" dirty="0"/>
-            </a:p>
-          </p:txBody>
-        </p:sp>
-        <p:sp>
-          <p:nvSpPr>
-            <p:cNvPr id="17" name="TextBox 16">
-              <a:extLst>
-                <a:ext uri="{FF2B5EF4-FFF2-40B4-BE49-F238E27FC236}">
-                  <a16:creationId xmlns:a16="http://schemas.microsoft.com/office/drawing/2014/main" id="{6C9BBD0E-72C4-97EF-5C0E-6C47C5F02788}"/>
-                </a:ext>
-              </a:extLst>
-            </p:cNvPr>
-            <p:cNvSpPr txBox="1"/>
-            <p:nvPr/>
-          </p:nvSpPr>
-          <p:spPr>
-            <a:xfrm>
-              <a:off x="2678300" y="6150244"/>
-              <a:ext cx="2353721" cy="369332"/>
-            </a:xfrm>
-            <a:prstGeom prst="rect">
-              <a:avLst/>
-            </a:prstGeom>
-            <a:noFill/>
-          </p:spPr>
-          <p:txBody>
-            <a:bodyPr wrap="none" rtlCol="0">
-              <a:spAutoFit/>
-            </a:bodyPr>
-            <a:lstStyle/>
-            <a:p>
-              <a:r>
-                <a:rPr lang="en-US" dirty="0"/>
-                <a:t>Approximate D2 region</a:t>
-              </a:r>
-            </a:p>
-          </p:txBody>
-        </p:sp>
-      </p:grpSp>
-    </p:spTree>
-    <p:extLst>
-      <p:ext uri="{BB962C8B-B14F-4D97-AF65-F5344CB8AC3E}">
-        <p14:creationId xmlns:p14="http://schemas.microsoft.com/office/powerpoint/2010/main" val="1229037523"/>
-      </p:ext>
-    </p:extLst>
-  </p:cSld>
-  <p:clrMapOvr>
-    <a:masterClrMapping/>
-  </p:clrMapOvr>
-</p:sld>
-</file>
-
-<file path=ppt/slides/slide12.xml><?xml version="1.0" encoding="utf-8"?>
-<p:sld xmlns:a="http://schemas.openxmlformats.org/drawingml/2006/main" xmlns:r="http://schemas.openxmlformats.org/officeDocument/2006/relationships" xmlns:p="http://schemas.openxmlformats.org/presentationml/2006/main">
-  <p:cSld>
-    <p:spTree>
-      <p:nvGrpSpPr>
-        <p:cNvPr id="1" name=""/>
-        <p:cNvGrpSpPr/>
-        <p:nvPr/>
-      </p:nvGrpSpPr>
-      <p:grpSpPr>
-        <a:xfrm>
-          <a:off x="0" y="0"/>
-          <a:ext cx="0" cy="0"/>
-          <a:chOff x="0" y="0"/>
-          <a:chExt cx="0" cy="0"/>
-        </a:xfrm>
-      </p:grpSpPr>
-      <p:sp>
-        <p:nvSpPr>
-          <p:cNvPr id="2" name="Title 1">
-            <a:extLst>
-              <a:ext uri="{FF2B5EF4-FFF2-40B4-BE49-F238E27FC236}">
-                <a16:creationId xmlns:a16="http://schemas.microsoft.com/office/drawing/2014/main" id="{E4185B72-430C-9180-300F-4543AF980796}"/>
-              </a:ext>
-            </a:extLst>
-          </p:cNvPr>
-          <p:cNvSpPr>
-            <a:spLocks noGrp="1"/>
-          </p:cNvSpPr>
-          <p:nvPr>
-            <p:ph type="title"/>
-          </p:nvPr>
-        </p:nvSpPr>
-        <p:spPr>
-          <a:xfrm>
-            <a:off x="0" y="136525"/>
-            <a:ext cx="12287250" cy="800128"/>
-          </a:xfrm>
-        </p:spPr>
-        <p:txBody>
-          <a:bodyPr>
-            <a:normAutofit/>
-          </a:bodyPr>
-          <a:lstStyle/>
-          <a:p>
-            <a:r>
-              <a:rPr lang="en-US" dirty="0" err="1"/>
-              <a:t>pNFH</a:t>
-            </a:r>
-            <a:r>
-              <a:rPr lang="en-US" dirty="0"/>
-              <a:t>(D2) Option 2</a:t>
-            </a:r>
-          </a:p>
-        </p:txBody>
-      </p:sp>
-      <p:sp>
-        <p:nvSpPr>
-          <p:cNvPr id="3" name="Slide Number Placeholder 2">
-            <a:extLst>
-              <a:ext uri="{FF2B5EF4-FFF2-40B4-BE49-F238E27FC236}">
-                <a16:creationId xmlns:a16="http://schemas.microsoft.com/office/drawing/2014/main" id="{0098A3DB-DB2C-BEB7-388D-3EA08E613F01}"/>
-              </a:ext>
-            </a:extLst>
-          </p:cNvPr>
-          <p:cNvSpPr>
-            <a:spLocks noGrp="1"/>
-          </p:cNvSpPr>
-          <p:nvPr>
-            <p:ph type="sldNum" sz="quarter" idx="12"/>
-          </p:nvPr>
-        </p:nvSpPr>
-        <p:spPr/>
-        <p:txBody>
-          <a:bodyPr/>
-          <a:lstStyle/>
-          <a:p>
-            <a:fld id="{B40DB54C-0C58-4481-B5FF-5C3F14CFF9B3}" type="slidenum">
-              <a:rPr lang="en-US" smtClean="0"/>
-              <a:t>12</a:t>
-            </a:fld>
-            <a:endParaRPr lang="en-US"/>
-          </a:p>
-        </p:txBody>
-      </p:sp>
-      <p:grpSp>
-        <p:nvGrpSpPr>
-          <p:cNvPr id="7" name="Group 6">
-            <a:extLst>
-              <a:ext uri="{FF2B5EF4-FFF2-40B4-BE49-F238E27FC236}">
-                <a16:creationId xmlns:a16="http://schemas.microsoft.com/office/drawing/2014/main" id="{ACD684EB-C2CA-974A-F012-40D5C2A4B326}"/>
-              </a:ext>
-            </a:extLst>
-          </p:cNvPr>
-          <p:cNvGrpSpPr/>
-          <p:nvPr/>
-        </p:nvGrpSpPr>
-        <p:grpSpPr>
-          <a:xfrm>
-            <a:off x="2678300" y="5051814"/>
-            <a:ext cx="6835400" cy="1611667"/>
-            <a:chOff x="2678300" y="4971009"/>
-            <a:chExt cx="6835400" cy="1611667"/>
-          </a:xfrm>
-        </p:grpSpPr>
-        <p:grpSp>
-          <p:nvGrpSpPr>
-            <p:cNvPr id="8" name="Group 7">
-              <a:extLst>
-                <a:ext uri="{FF2B5EF4-FFF2-40B4-BE49-F238E27FC236}">
-                  <a16:creationId xmlns:a16="http://schemas.microsoft.com/office/drawing/2014/main" id="{655A1440-3F8B-5B3A-3A72-7852878A0BB0}"/>
-                </a:ext>
-              </a:extLst>
-            </p:cNvPr>
-            <p:cNvGrpSpPr/>
-            <p:nvPr/>
-          </p:nvGrpSpPr>
-          <p:grpSpPr>
-            <a:xfrm>
-              <a:off x="3002788" y="4971009"/>
-              <a:ext cx="6510912" cy="1611667"/>
-              <a:chOff x="5155438" y="5061492"/>
-              <a:chExt cx="5110627" cy="1265050"/>
-            </a:xfrm>
-          </p:grpSpPr>
-          <p:pic>
-            <p:nvPicPr>
-              <p:cNvPr id="11" name="Picture 6">
-                <a:extLst>
-                  <a:ext uri="{FF2B5EF4-FFF2-40B4-BE49-F238E27FC236}">
-                    <a16:creationId xmlns:a16="http://schemas.microsoft.com/office/drawing/2014/main" id="{80C7F361-F255-58DF-32CF-3C3D53D398F4}"/>
-                  </a:ext>
-                </a:extLst>
-              </p:cNvPr>
-              <p:cNvPicPr>
-                <a:picLocks noChangeAspect="1" noChangeArrowheads="1"/>
-              </p:cNvPicPr>
-              <p:nvPr/>
-            </p:nvPicPr>
-            <p:blipFill rotWithShape="1">
-              <a:blip r:embed="rId2">
-                <a:extLst>
-                  <a:ext uri="{28A0092B-C50C-407E-A947-70E740481C1C}">
-                    <a14:useLocalDpi xmlns:a14="http://schemas.microsoft.com/office/drawing/2010/main" val="0"/>
-                  </a:ext>
-                </a:extLst>
-              </a:blip>
-              <a:srcRect t="1" b="84583"/>
-              <a:stretch/>
-            </p:blipFill>
-            <p:spPr bwMode="auto">
-              <a:xfrm>
-                <a:off x="5155439" y="5061492"/>
-                <a:ext cx="5110626" cy="190366"/>
-              </a:xfrm>
-              <a:prstGeom prst="rect">
-                <a:avLst/>
-              </a:prstGeom>
-              <a:noFill/>
-              <a:extLst>
-                <a:ext uri="{909E8E84-426E-40DD-AFC4-6F175D3DCCD1}">
-                  <a14:hiddenFill xmlns:a14="http://schemas.microsoft.com/office/drawing/2010/main">
-                    <a:solidFill>
-                      <a:srgbClr val="FFFFFF"/>
-                    </a:solidFill>
-                  </a14:hiddenFill>
-                </a:ext>
-              </a:extLst>
-            </p:spPr>
-          </p:pic>
-          <p:pic>
-            <p:nvPicPr>
-              <p:cNvPr id="12" name="Picture 8">
-                <a:extLst>
-                  <a:ext uri="{FF2B5EF4-FFF2-40B4-BE49-F238E27FC236}">
-                    <a16:creationId xmlns:a16="http://schemas.microsoft.com/office/drawing/2014/main" id="{1326E169-08F5-CCA3-1E2D-8F9C44869350}"/>
-                  </a:ext>
-                </a:extLst>
-              </p:cNvPr>
-              <p:cNvPicPr>
-                <a:picLocks noChangeAspect="1" noChangeArrowheads="1"/>
-              </p:cNvPicPr>
-              <p:nvPr/>
-            </p:nvPicPr>
-            <p:blipFill rotWithShape="1">
-              <a:blip r:embed="rId3">
-                <a:extLst>
-                  <a:ext uri="{28A0092B-C50C-407E-A947-70E740481C1C}">
-                    <a14:useLocalDpi xmlns:a14="http://schemas.microsoft.com/office/drawing/2010/main" val="0"/>
-                  </a:ext>
-                </a:extLst>
-              </a:blip>
-              <a:srcRect t="17568"/>
-              <a:stretch/>
-            </p:blipFill>
-            <p:spPr bwMode="auto">
-              <a:xfrm>
-                <a:off x="5155438" y="5308599"/>
-                <a:ext cx="5110627" cy="1017943"/>
-              </a:xfrm>
-              <a:prstGeom prst="rect">
-                <a:avLst/>
-              </a:prstGeom>
-              <a:noFill/>
-              <a:extLst>
-                <a:ext uri="{909E8E84-426E-40DD-AFC4-6F175D3DCCD1}">
-                  <a14:hiddenFill xmlns:a14="http://schemas.microsoft.com/office/drawing/2010/main">
-                    <a:solidFill>
-                      <a:srgbClr val="FFFFFF"/>
-                    </a:solidFill>
-                  </a14:hiddenFill>
-                </a:ext>
-              </a:extLst>
-            </p:spPr>
-          </p:pic>
-        </p:grpSp>
-        <p:sp>
-          <p:nvSpPr>
-            <p:cNvPr id="9" name="Rectangle 8">
-              <a:extLst>
-                <a:ext uri="{FF2B5EF4-FFF2-40B4-BE49-F238E27FC236}">
-                  <a16:creationId xmlns:a16="http://schemas.microsoft.com/office/drawing/2014/main" id="{F8C87E94-2369-9EA8-4B2D-C02334463714}"/>
-                </a:ext>
-              </a:extLst>
-            </p:cNvPr>
-            <p:cNvSpPr/>
-            <p:nvPr/>
-          </p:nvSpPr>
-          <p:spPr>
-            <a:xfrm>
-              <a:off x="3492304" y="4996658"/>
-              <a:ext cx="426026" cy="1118068"/>
-            </a:xfrm>
-            <a:prstGeom prst="rect">
-              <a:avLst/>
-            </a:prstGeom>
-            <a:noFill/>
-            <a:ln w="38100"/>
-          </p:spPr>
-          <p:style>
-            <a:lnRef idx="2">
-              <a:schemeClr val="accent1">
-                <a:shade val="15000"/>
-              </a:schemeClr>
-            </a:lnRef>
-            <a:fillRef idx="1">
-              <a:schemeClr val="accent1"/>
-            </a:fillRef>
-            <a:effectRef idx="0">
-              <a:schemeClr val="accent1"/>
-            </a:effectRef>
-            <a:fontRef idx="minor">
-              <a:schemeClr val="lt1"/>
-            </a:fontRef>
-          </p:style>
-          <p:txBody>
-            <a:bodyPr rtlCol="0" anchor="ctr"/>
-            <a:lstStyle/>
-            <a:p>
-              <a:pPr algn="ctr"/>
-              <a:endParaRPr lang="en-US" dirty="0"/>
-            </a:p>
-          </p:txBody>
-        </p:sp>
-        <p:sp>
-          <p:nvSpPr>
-            <p:cNvPr id="10" name="TextBox 9">
-              <a:extLst>
-                <a:ext uri="{FF2B5EF4-FFF2-40B4-BE49-F238E27FC236}">
-                  <a16:creationId xmlns:a16="http://schemas.microsoft.com/office/drawing/2014/main" id="{A7306232-F113-0F63-7CD3-814A3972735C}"/>
-                </a:ext>
-              </a:extLst>
-            </p:cNvPr>
-            <p:cNvSpPr txBox="1"/>
-            <p:nvPr/>
-          </p:nvSpPr>
-          <p:spPr>
-            <a:xfrm>
-              <a:off x="2678300" y="6150244"/>
-              <a:ext cx="2353721" cy="369332"/>
-            </a:xfrm>
-            <a:prstGeom prst="rect">
-              <a:avLst/>
-            </a:prstGeom>
-            <a:noFill/>
-          </p:spPr>
-          <p:txBody>
-            <a:bodyPr wrap="none" rtlCol="0">
-              <a:spAutoFit/>
-            </a:bodyPr>
-            <a:lstStyle/>
-            <a:p>
-              <a:r>
-                <a:rPr lang="en-US" dirty="0"/>
-                <a:t>Approximate D2 region</a:t>
-              </a:r>
-            </a:p>
-          </p:txBody>
-        </p:sp>
-      </p:grpSp>
-      <p:pic>
-        <p:nvPicPr>
-          <p:cNvPr id="8194" name="Picture 2">
-            <a:extLst>
-              <a:ext uri="{FF2B5EF4-FFF2-40B4-BE49-F238E27FC236}">
-                <a16:creationId xmlns:a16="http://schemas.microsoft.com/office/drawing/2014/main" id="{4151E502-3AA0-96BF-8935-4EA72290D0DA}"/>
-              </a:ext>
-            </a:extLst>
-          </p:cNvPr>
-          <p:cNvPicPr>
-            <a:picLocks noChangeAspect="1" noChangeArrowheads="1"/>
-          </p:cNvPicPr>
-          <p:nvPr/>
-        </p:nvPicPr>
-        <p:blipFill>
-          <a:blip r:embed="rId4">
-            <a:extLst>
-              <a:ext uri="{28A0092B-C50C-407E-A947-70E740481C1C}">
-                <a14:useLocalDpi xmlns:a14="http://schemas.microsoft.com/office/drawing/2010/main" val="0"/>
-              </a:ext>
-            </a:extLst>
-          </a:blip>
-          <a:srcRect/>
-          <a:stretch>
-            <a:fillRect/>
-          </a:stretch>
-        </p:blipFill>
-        <p:spPr bwMode="auto">
-          <a:xfrm>
-            <a:off x="2555893" y="2167936"/>
-            <a:ext cx="3386392" cy="2664702"/>
-          </a:xfrm>
-          <a:prstGeom prst="rect">
-            <a:avLst/>
-          </a:prstGeom>
-          <a:noFill/>
-          <a:extLst>
-            <a:ext uri="{909E8E84-426E-40DD-AFC4-6F175D3DCCD1}">
-              <a14:hiddenFill xmlns:a14="http://schemas.microsoft.com/office/drawing/2010/main">
-                <a:solidFill>
-                  <a:srgbClr val="FFFFFF"/>
-                </a:solidFill>
-              </a14:hiddenFill>
-            </a:ext>
-          </a:extLst>
-        </p:spPr>
-      </p:pic>
-      <p:pic>
-        <p:nvPicPr>
-          <p:cNvPr id="8196" name="Picture 4">
-            <a:extLst>
-              <a:ext uri="{FF2B5EF4-FFF2-40B4-BE49-F238E27FC236}">
-                <a16:creationId xmlns:a16="http://schemas.microsoft.com/office/drawing/2014/main" id="{015124EA-BAF0-31A8-5EDE-8FA8FE585395}"/>
-              </a:ext>
-            </a:extLst>
-          </p:cNvPr>
-          <p:cNvPicPr>
-            <a:picLocks noChangeAspect="1" noChangeArrowheads="1"/>
-          </p:cNvPicPr>
-          <p:nvPr/>
-        </p:nvPicPr>
-        <p:blipFill>
-          <a:blip r:embed="rId5">
-            <a:extLst>
-              <a:ext uri="{28A0092B-C50C-407E-A947-70E740481C1C}">
-                <a14:useLocalDpi xmlns:a14="http://schemas.microsoft.com/office/drawing/2010/main" val="0"/>
-              </a:ext>
-            </a:extLst>
-          </a:blip>
-          <a:srcRect/>
-          <a:stretch>
-            <a:fillRect/>
-          </a:stretch>
-        </p:blipFill>
-        <p:spPr bwMode="auto">
-          <a:xfrm>
-            <a:off x="6127308" y="2167936"/>
-            <a:ext cx="3386392" cy="2664702"/>
-          </a:xfrm>
-          <a:prstGeom prst="rect">
-            <a:avLst/>
-          </a:prstGeom>
-          <a:noFill/>
-          <a:extLst>
-            <a:ext uri="{909E8E84-426E-40DD-AFC4-6F175D3DCCD1}">
-              <a14:hiddenFill xmlns:a14="http://schemas.microsoft.com/office/drawing/2010/main">
-                <a:solidFill>
-                  <a:srgbClr val="FFFFFF"/>
-                </a:solidFill>
-              </a14:hiddenFill>
-            </a:ext>
-          </a:extLst>
-        </p:spPr>
-      </p:pic>
-      <p:sp>
-        <p:nvSpPr>
-          <p:cNvPr id="14" name="Content Placeholder 2">
-            <a:extLst>
-              <a:ext uri="{FF2B5EF4-FFF2-40B4-BE49-F238E27FC236}">
-                <a16:creationId xmlns:a16="http://schemas.microsoft.com/office/drawing/2014/main" id="{DBB3D562-8000-AC0F-3827-9F359BFCB712}"/>
-              </a:ext>
-            </a:extLst>
-          </p:cNvPr>
-          <p:cNvSpPr txBox="1">
-            <a:spLocks/>
-          </p:cNvSpPr>
-          <p:nvPr/>
-        </p:nvSpPr>
-        <p:spPr>
-          <a:xfrm>
-            <a:off x="838200" y="1081157"/>
-            <a:ext cx="10515600" cy="5109249"/>
-          </a:xfrm>
-          <a:prstGeom prst="rect">
-            <a:avLst/>
-          </a:prstGeom>
-        </p:spPr>
-        <p:txBody>
-          <a:bodyPr/>
-          <a:lstStyle>
-            <a:lvl1pPr marL="228600" indent="-228600" algn="l" defTabSz="914400" rtl="0" eaLnBrk="1" latinLnBrk="0" hangingPunct="1">
-              <a:lnSpc>
-                <a:spcPct val="100000"/>
-              </a:lnSpc>
-              <a:spcBef>
-                <a:spcPts val="1000"/>
-              </a:spcBef>
-              <a:spcAft>
-                <a:spcPts val="1200"/>
-              </a:spcAft>
-              <a:buFont typeface="Arial" panose="020B0604020202020204" pitchFamily="34" charset="0"/>
-              <a:buChar char="•"/>
-              <a:defRPr sz="2400" kern="1200">
-                <a:solidFill>
-                  <a:schemeClr val="tx1"/>
-                </a:solidFill>
-                <a:latin typeface="Lucida Grande" pitchFamily="2" charset="0"/>
-                <a:ea typeface="Lucida Grande" pitchFamily="2" charset="0"/>
-                <a:cs typeface="Lucida Grande" pitchFamily="2" charset="0"/>
-              </a:defRPr>
-            </a:lvl1pPr>
-            <a:lvl2pPr marL="685800" indent="-228600" algn="l" defTabSz="914400" rtl="0" eaLnBrk="1" latinLnBrk="0" hangingPunct="1">
-              <a:lnSpc>
-                <a:spcPct val="100000"/>
-              </a:lnSpc>
-              <a:spcBef>
-                <a:spcPts val="500"/>
-              </a:spcBef>
-              <a:spcAft>
-                <a:spcPts val="1200"/>
-              </a:spcAft>
-              <a:buFont typeface="Arial" panose="020B0604020202020204" pitchFamily="34" charset="0"/>
-              <a:buChar char="•"/>
-              <a:defRPr sz="2000" kern="1200">
-                <a:solidFill>
-                  <a:schemeClr val="tx1"/>
-                </a:solidFill>
-                <a:latin typeface="Lucida Grande" pitchFamily="2" charset="0"/>
-                <a:ea typeface="Lucida Grande" pitchFamily="2" charset="0"/>
-                <a:cs typeface="Lucida Grande" pitchFamily="2" charset="0"/>
-              </a:defRPr>
-            </a:lvl2pPr>
-            <a:lvl3pPr marL="1143000" indent="-228600" algn="l" defTabSz="914400" rtl="0" eaLnBrk="1" latinLnBrk="0" hangingPunct="1">
-              <a:lnSpc>
-                <a:spcPct val="100000"/>
-              </a:lnSpc>
-              <a:spcBef>
-                <a:spcPts val="500"/>
-              </a:spcBef>
-              <a:spcAft>
-                <a:spcPts val="1200"/>
-              </a:spcAft>
-              <a:buFont typeface="Arial" panose="020B0604020202020204" pitchFamily="34" charset="0"/>
-              <a:buChar char="•"/>
-              <a:defRPr sz="1800" kern="1200">
-                <a:solidFill>
-                  <a:schemeClr val="tx1"/>
-                </a:solidFill>
-                <a:latin typeface="Lucida Grande" pitchFamily="2" charset="0"/>
-                <a:ea typeface="Lucida Grande" pitchFamily="2" charset="0"/>
-                <a:cs typeface="Lucida Grande" pitchFamily="2" charset="0"/>
-              </a:defRPr>
-            </a:lvl3pPr>
-            <a:lvl4pPr marL="1600200" indent="-228600" algn="l" defTabSz="914400" rtl="0" eaLnBrk="1" latinLnBrk="0" hangingPunct="1">
-              <a:lnSpc>
-                <a:spcPct val="100000"/>
-              </a:lnSpc>
-              <a:spcBef>
-                <a:spcPts val="500"/>
-              </a:spcBef>
-              <a:spcAft>
-                <a:spcPts val="1200"/>
-              </a:spcAft>
-              <a:buFont typeface="Arial" panose="020B0604020202020204" pitchFamily="34" charset="0"/>
-              <a:buChar char="•"/>
-              <a:defRPr sz="1600" kern="1200">
-                <a:solidFill>
-                  <a:schemeClr val="tx1"/>
-                </a:solidFill>
-                <a:latin typeface="Lucida Grande" pitchFamily="2" charset="0"/>
-                <a:ea typeface="Lucida Grande" pitchFamily="2" charset="0"/>
-                <a:cs typeface="Lucida Grande" pitchFamily="2" charset="0"/>
-              </a:defRPr>
-            </a:lvl4pPr>
-            <a:lvl5pPr marL="2057400" indent="-228600" algn="l" defTabSz="914400" rtl="0" eaLnBrk="1" latinLnBrk="0" hangingPunct="1">
-              <a:lnSpc>
-                <a:spcPct val="100000"/>
-              </a:lnSpc>
-              <a:spcBef>
-                <a:spcPts val="500"/>
-              </a:spcBef>
-              <a:spcAft>
-                <a:spcPts val="1200"/>
-              </a:spcAft>
-              <a:buFont typeface="Arial" panose="020B0604020202020204" pitchFamily="34" charset="0"/>
-              <a:buChar char="•"/>
-              <a:defRPr sz="1600" kern="1200">
-                <a:solidFill>
-                  <a:schemeClr val="tx1"/>
-                </a:solidFill>
-                <a:latin typeface="Lucida Grande" pitchFamily="2" charset="0"/>
-                <a:ea typeface="Lucida Grande" pitchFamily="2" charset="0"/>
-                <a:cs typeface="Lucida Grande" pitchFamily="2" charset="0"/>
-              </a:defRPr>
-            </a:lvl5pPr>
-            <a:lvl6pPr marL="2514600" indent="-228600" algn="l" defTabSz="914400" rtl="0" eaLnBrk="1" latinLnBrk="0" hangingPunct="1">
-              <a:lnSpc>
-                <a:spcPct val="90000"/>
-              </a:lnSpc>
-              <a:spcBef>
-                <a:spcPts val="500"/>
-              </a:spcBef>
-              <a:buFont typeface="Arial" panose="020B0604020202020204" pitchFamily="34" charset="0"/>
-              <a:buChar char="•"/>
-              <a:defRPr sz="1800" kern="1200">
-                <a:solidFill>
-                  <a:schemeClr val="tx1"/>
-                </a:solidFill>
-                <a:latin typeface="+mn-lt"/>
-                <a:ea typeface="+mn-ea"/>
-                <a:cs typeface="+mn-cs"/>
-              </a:defRPr>
-            </a:lvl6pPr>
-            <a:lvl7pPr marL="2971800" indent="-228600" algn="l" defTabSz="914400" rtl="0" eaLnBrk="1" latinLnBrk="0" hangingPunct="1">
-              <a:lnSpc>
-                <a:spcPct val="90000"/>
-              </a:lnSpc>
-              <a:spcBef>
-                <a:spcPts val="500"/>
-              </a:spcBef>
-              <a:buFont typeface="Arial" panose="020B0604020202020204" pitchFamily="34" charset="0"/>
-              <a:buChar char="•"/>
-              <a:defRPr sz="1800" kern="1200">
-                <a:solidFill>
-                  <a:schemeClr val="tx1"/>
-                </a:solidFill>
-                <a:latin typeface="+mn-lt"/>
-                <a:ea typeface="+mn-ea"/>
-                <a:cs typeface="+mn-cs"/>
-              </a:defRPr>
-            </a:lvl7pPr>
-            <a:lvl8pPr marL="3429000" indent="-228600" algn="l" defTabSz="914400" rtl="0" eaLnBrk="1" latinLnBrk="0" hangingPunct="1">
-              <a:lnSpc>
-                <a:spcPct val="90000"/>
-              </a:lnSpc>
-              <a:spcBef>
-                <a:spcPts val="500"/>
-              </a:spcBef>
-              <a:buFont typeface="Arial" panose="020B0604020202020204" pitchFamily="34" charset="0"/>
-              <a:buChar char="•"/>
-              <a:defRPr sz="1800" kern="1200">
-                <a:solidFill>
-                  <a:schemeClr val="tx1"/>
-                </a:solidFill>
-                <a:latin typeface="+mn-lt"/>
-                <a:ea typeface="+mn-ea"/>
-                <a:cs typeface="+mn-cs"/>
-              </a:defRPr>
-            </a:lvl8pPr>
-            <a:lvl9pPr marL="3886200" indent="-228600" algn="l" defTabSz="914400" rtl="0" eaLnBrk="1" latinLnBrk="0" hangingPunct="1">
-              <a:lnSpc>
-                <a:spcPct val="90000"/>
-              </a:lnSpc>
-              <a:spcBef>
-                <a:spcPts val="500"/>
-              </a:spcBef>
-              <a:buFont typeface="Arial" panose="020B0604020202020204" pitchFamily="34" charset="0"/>
-              <a:buChar char="•"/>
-              <a:defRPr sz="1800" kern="1200">
-                <a:solidFill>
-                  <a:schemeClr val="tx1"/>
-                </a:solidFill>
-                <a:latin typeface="+mn-lt"/>
-                <a:ea typeface="+mn-ea"/>
-                <a:cs typeface="+mn-cs"/>
-              </a:defRPr>
-            </a:lvl9pPr>
-          </a:lstStyle>
-          <a:p>
-            <a:r>
-              <a:rPr lang="en-US" dirty="0"/>
-              <a:t>Same conclusions as Option 1, but NFHD2 also forms second layer, just not as tall.</a:t>
-            </a:r>
-          </a:p>
-        </p:txBody>
-      </p:sp>
-    </p:spTree>
-    <p:extLst>
-      <p:ext uri="{BB962C8B-B14F-4D97-AF65-F5344CB8AC3E}">
-        <p14:creationId xmlns:p14="http://schemas.microsoft.com/office/powerpoint/2010/main" val="1937461763"/>
-      </p:ext>
-    </p:extLst>
-  </p:cSld>
-  <p:clrMapOvr>
-    <a:masterClrMapping/>
-  </p:clrMapOvr>
-</p:sld>
-</file>
-
-<file path=ppt/slides/slide13.xml><?xml version="1.0" encoding="utf-8"?>
-<p:sld xmlns:a="http://schemas.openxmlformats.org/drawingml/2006/main" xmlns:r="http://schemas.openxmlformats.org/officeDocument/2006/relationships" xmlns:p="http://schemas.openxmlformats.org/presentationml/2006/main">
-  <p:cSld>
-    <p:spTree>
-      <p:nvGrpSpPr>
-        <p:cNvPr id="1" name=""/>
-        <p:cNvGrpSpPr/>
-        <p:nvPr/>
-      </p:nvGrpSpPr>
-      <p:grpSpPr>
-        <a:xfrm>
-          <a:off x="0" y="0"/>
-          <a:ext cx="0" cy="0"/>
-          <a:chOff x="0" y="0"/>
-          <a:chExt cx="0" cy="0"/>
-        </a:xfrm>
-      </p:grpSpPr>
-      <p:sp>
-        <p:nvSpPr>
-          <p:cNvPr id="2" name="Title 1">
-            <a:extLst>
-              <a:ext uri="{FF2B5EF4-FFF2-40B4-BE49-F238E27FC236}">
-                <a16:creationId xmlns:a16="http://schemas.microsoft.com/office/drawing/2014/main" id="{97861170-0191-9B8E-B434-07BB3EB1DB34}"/>
-              </a:ext>
-            </a:extLst>
-          </p:cNvPr>
-          <p:cNvSpPr>
-            <a:spLocks noGrp="1"/>
-          </p:cNvSpPr>
-          <p:nvPr>
-            <p:ph type="title"/>
-          </p:nvPr>
-        </p:nvSpPr>
-        <p:spPr/>
-        <p:txBody>
-          <a:bodyPr/>
-          <a:lstStyle/>
-          <a:p>
-            <a:r>
-              <a:rPr lang="en-US" dirty="0" err="1"/>
-              <a:t>pNFH</a:t>
-            </a:r>
-            <a:r>
-              <a:rPr lang="en-US" dirty="0"/>
-              <a:t> Options: Why</a:t>
-            </a:r>
-          </a:p>
-        </p:txBody>
-      </p:sp>
-      <p:sp>
-        <p:nvSpPr>
-          <p:cNvPr id="3" name="Slide Number Placeholder 2">
-            <a:extLst>
-              <a:ext uri="{FF2B5EF4-FFF2-40B4-BE49-F238E27FC236}">
-                <a16:creationId xmlns:a16="http://schemas.microsoft.com/office/drawing/2014/main" id="{DF2F98F4-7B82-DE0D-2D14-7FCBB6CD2ECB}"/>
-              </a:ext>
-            </a:extLst>
-          </p:cNvPr>
-          <p:cNvSpPr>
-            <a:spLocks noGrp="1"/>
-          </p:cNvSpPr>
-          <p:nvPr>
-            <p:ph type="sldNum" sz="quarter" idx="12"/>
-          </p:nvPr>
-        </p:nvSpPr>
-        <p:spPr/>
-        <p:txBody>
-          <a:bodyPr/>
-          <a:lstStyle/>
-          <a:p>
-            <a:fld id="{B40DB54C-0C58-4481-B5FF-5C3F14CFF9B3}" type="slidenum">
-              <a:rPr lang="en-US" smtClean="0"/>
-              <a:t>13</a:t>
-            </a:fld>
-            <a:endParaRPr lang="en-US"/>
-          </a:p>
-        </p:txBody>
-      </p:sp>
-      <p:sp>
-        <p:nvSpPr>
-          <p:cNvPr id="4" name="Content Placeholder 2">
-            <a:extLst>
-              <a:ext uri="{FF2B5EF4-FFF2-40B4-BE49-F238E27FC236}">
-                <a16:creationId xmlns:a16="http://schemas.microsoft.com/office/drawing/2014/main" id="{92122E7C-1E25-25DB-07E5-DCE7D0F5A45E}"/>
-              </a:ext>
-            </a:extLst>
-          </p:cNvPr>
-          <p:cNvSpPr txBox="1">
-            <a:spLocks/>
-          </p:cNvSpPr>
-          <p:nvPr/>
-        </p:nvSpPr>
-        <p:spPr>
-          <a:xfrm>
-            <a:off x="838200" y="1081157"/>
-            <a:ext cx="10515600" cy="5109249"/>
-          </a:xfrm>
-          <a:prstGeom prst="rect">
-            <a:avLst/>
-          </a:prstGeom>
-        </p:spPr>
-        <p:txBody>
-          <a:bodyPr/>
-          <a:lstStyle>
-            <a:lvl1pPr marL="228600" indent="-228600" algn="l" defTabSz="914400" rtl="0" eaLnBrk="1" latinLnBrk="0" hangingPunct="1">
-              <a:lnSpc>
-                <a:spcPct val="100000"/>
-              </a:lnSpc>
-              <a:spcBef>
-                <a:spcPts val="1000"/>
-              </a:spcBef>
-              <a:spcAft>
-                <a:spcPts val="1200"/>
-              </a:spcAft>
-              <a:buFont typeface="Arial" panose="020B0604020202020204" pitchFamily="34" charset="0"/>
-              <a:buChar char="•"/>
-              <a:defRPr sz="2400" kern="1200">
-                <a:solidFill>
-                  <a:schemeClr val="tx1"/>
-                </a:solidFill>
-                <a:latin typeface="Lucida Grande" pitchFamily="2" charset="0"/>
-                <a:ea typeface="Lucida Grande" pitchFamily="2" charset="0"/>
-                <a:cs typeface="Lucida Grande" pitchFamily="2" charset="0"/>
-              </a:defRPr>
-            </a:lvl1pPr>
-            <a:lvl2pPr marL="685800" indent="-228600" algn="l" defTabSz="914400" rtl="0" eaLnBrk="1" latinLnBrk="0" hangingPunct="1">
-              <a:lnSpc>
-                <a:spcPct val="100000"/>
-              </a:lnSpc>
-              <a:spcBef>
-                <a:spcPts val="500"/>
-              </a:spcBef>
-              <a:spcAft>
-                <a:spcPts val="1200"/>
-              </a:spcAft>
-              <a:buFont typeface="Arial" panose="020B0604020202020204" pitchFamily="34" charset="0"/>
-              <a:buChar char="•"/>
-              <a:defRPr sz="2000" kern="1200">
-                <a:solidFill>
-                  <a:schemeClr val="tx1"/>
-                </a:solidFill>
-                <a:latin typeface="Lucida Grande" pitchFamily="2" charset="0"/>
-                <a:ea typeface="Lucida Grande" pitchFamily="2" charset="0"/>
-                <a:cs typeface="Lucida Grande" pitchFamily="2" charset="0"/>
-              </a:defRPr>
-            </a:lvl2pPr>
-            <a:lvl3pPr marL="1143000" indent="-228600" algn="l" defTabSz="914400" rtl="0" eaLnBrk="1" latinLnBrk="0" hangingPunct="1">
-              <a:lnSpc>
-                <a:spcPct val="100000"/>
-              </a:lnSpc>
-              <a:spcBef>
-                <a:spcPts val="500"/>
-              </a:spcBef>
-              <a:spcAft>
-                <a:spcPts val="1200"/>
-              </a:spcAft>
-              <a:buFont typeface="Arial" panose="020B0604020202020204" pitchFamily="34" charset="0"/>
-              <a:buChar char="•"/>
-              <a:defRPr sz="1800" kern="1200">
-                <a:solidFill>
-                  <a:schemeClr val="tx1"/>
-                </a:solidFill>
-                <a:latin typeface="Lucida Grande" pitchFamily="2" charset="0"/>
-                <a:ea typeface="Lucida Grande" pitchFamily="2" charset="0"/>
-                <a:cs typeface="Lucida Grande" pitchFamily="2" charset="0"/>
-              </a:defRPr>
-            </a:lvl3pPr>
-            <a:lvl4pPr marL="1600200" indent="-228600" algn="l" defTabSz="914400" rtl="0" eaLnBrk="1" latinLnBrk="0" hangingPunct="1">
-              <a:lnSpc>
-                <a:spcPct val="100000"/>
-              </a:lnSpc>
-              <a:spcBef>
-                <a:spcPts val="500"/>
-              </a:spcBef>
-              <a:spcAft>
-                <a:spcPts val="1200"/>
-              </a:spcAft>
-              <a:buFont typeface="Arial" panose="020B0604020202020204" pitchFamily="34" charset="0"/>
-              <a:buChar char="•"/>
-              <a:defRPr sz="1600" kern="1200">
-                <a:solidFill>
-                  <a:schemeClr val="tx1"/>
-                </a:solidFill>
-                <a:latin typeface="Lucida Grande" pitchFamily="2" charset="0"/>
-                <a:ea typeface="Lucida Grande" pitchFamily="2" charset="0"/>
-                <a:cs typeface="Lucida Grande" pitchFamily="2" charset="0"/>
-              </a:defRPr>
-            </a:lvl4pPr>
-            <a:lvl5pPr marL="2057400" indent="-228600" algn="l" defTabSz="914400" rtl="0" eaLnBrk="1" latinLnBrk="0" hangingPunct="1">
-              <a:lnSpc>
-                <a:spcPct val="100000"/>
-              </a:lnSpc>
-              <a:spcBef>
-                <a:spcPts val="500"/>
-              </a:spcBef>
-              <a:spcAft>
-                <a:spcPts val="1200"/>
-              </a:spcAft>
-              <a:buFont typeface="Arial" panose="020B0604020202020204" pitchFamily="34" charset="0"/>
-              <a:buChar char="•"/>
-              <a:defRPr sz="1600" kern="1200">
-                <a:solidFill>
-                  <a:schemeClr val="tx1"/>
-                </a:solidFill>
-                <a:latin typeface="Lucida Grande" pitchFamily="2" charset="0"/>
-                <a:ea typeface="Lucida Grande" pitchFamily="2" charset="0"/>
-                <a:cs typeface="Lucida Grande" pitchFamily="2" charset="0"/>
-              </a:defRPr>
-            </a:lvl5pPr>
-            <a:lvl6pPr marL="2514600" indent="-228600" algn="l" defTabSz="914400" rtl="0" eaLnBrk="1" latinLnBrk="0" hangingPunct="1">
-              <a:lnSpc>
-                <a:spcPct val="90000"/>
-              </a:lnSpc>
-              <a:spcBef>
-                <a:spcPts val="500"/>
-              </a:spcBef>
-              <a:buFont typeface="Arial" panose="020B0604020202020204" pitchFamily="34" charset="0"/>
-              <a:buChar char="•"/>
-              <a:defRPr sz="1800" kern="1200">
-                <a:solidFill>
-                  <a:schemeClr val="tx1"/>
-                </a:solidFill>
-                <a:latin typeface="+mn-lt"/>
-                <a:ea typeface="+mn-ea"/>
-                <a:cs typeface="+mn-cs"/>
-              </a:defRPr>
-            </a:lvl6pPr>
-            <a:lvl7pPr marL="2971800" indent="-228600" algn="l" defTabSz="914400" rtl="0" eaLnBrk="1" latinLnBrk="0" hangingPunct="1">
-              <a:lnSpc>
-                <a:spcPct val="90000"/>
-              </a:lnSpc>
-              <a:spcBef>
-                <a:spcPts val="500"/>
-              </a:spcBef>
-              <a:buFont typeface="Arial" panose="020B0604020202020204" pitchFamily="34" charset="0"/>
-              <a:buChar char="•"/>
-              <a:defRPr sz="1800" kern="1200">
-                <a:solidFill>
-                  <a:schemeClr val="tx1"/>
-                </a:solidFill>
-                <a:latin typeface="+mn-lt"/>
-                <a:ea typeface="+mn-ea"/>
-                <a:cs typeface="+mn-cs"/>
-              </a:defRPr>
-            </a:lvl7pPr>
-            <a:lvl8pPr marL="3429000" indent="-228600" algn="l" defTabSz="914400" rtl="0" eaLnBrk="1" latinLnBrk="0" hangingPunct="1">
-              <a:lnSpc>
-                <a:spcPct val="90000"/>
-              </a:lnSpc>
-              <a:spcBef>
-                <a:spcPts val="500"/>
-              </a:spcBef>
-              <a:buFont typeface="Arial" panose="020B0604020202020204" pitchFamily="34" charset="0"/>
-              <a:buChar char="•"/>
-              <a:defRPr sz="1800" kern="1200">
-                <a:solidFill>
-                  <a:schemeClr val="tx1"/>
-                </a:solidFill>
-                <a:latin typeface="+mn-lt"/>
-                <a:ea typeface="+mn-ea"/>
-                <a:cs typeface="+mn-cs"/>
-              </a:defRPr>
-            </a:lvl8pPr>
-            <a:lvl9pPr marL="3886200" indent="-228600" algn="l" defTabSz="914400" rtl="0" eaLnBrk="1" latinLnBrk="0" hangingPunct="1">
-              <a:lnSpc>
-                <a:spcPct val="90000"/>
-              </a:lnSpc>
-              <a:spcBef>
-                <a:spcPts val="500"/>
-              </a:spcBef>
-              <a:buFont typeface="Arial" panose="020B0604020202020204" pitchFamily="34" charset="0"/>
-              <a:buChar char="•"/>
-              <a:defRPr sz="1800" kern="1200">
-                <a:solidFill>
-                  <a:schemeClr val="tx1"/>
-                </a:solidFill>
-                <a:latin typeface="+mn-lt"/>
-                <a:ea typeface="+mn-ea"/>
-                <a:cs typeface="+mn-cs"/>
-              </a:defRPr>
-            </a:lvl9pPr>
-          </a:lstStyle>
-          <a:p>
-            <a:r>
-              <a:rPr lang="en-US" dirty="0"/>
-              <a:t>Option 2 changes F-H of Proline (increase) in </a:t>
-            </a:r>
-            <a:r>
-              <a:rPr lang="en-US" dirty="0" err="1"/>
-              <a:t>pNFH</a:t>
-            </a:r>
-            <a:r>
-              <a:rPr lang="en-US" dirty="0"/>
-              <a:t>(D2)</a:t>
-            </a:r>
-          </a:p>
-          <a:p>
-            <a:pPr lvl="1"/>
-            <a:r>
-              <a:rPr lang="en-US" dirty="0"/>
-              <a:t>Originally testing F-H of Proline because </a:t>
-            </a:r>
-            <a:r>
-              <a:rPr lang="en-US" dirty="0" err="1"/>
-              <a:t>Zhulina</a:t>
-            </a:r>
-            <a:r>
-              <a:rPr lang="en-US" dirty="0"/>
-              <a:t> made P hydrophobic and </a:t>
-            </a:r>
-            <a:r>
-              <a:rPr lang="en-US" dirty="0" err="1"/>
-              <a:t>expts</a:t>
-            </a:r>
-            <a:r>
-              <a:rPr lang="en-US" dirty="0"/>
-              <a:t> reported P hydrophilic</a:t>
-            </a:r>
-          </a:p>
-          <a:p>
-            <a:pPr lvl="1"/>
-            <a:r>
-              <a:rPr lang="en-US" dirty="0"/>
-              <a:t>However, changing F-H of Proline for NFH(D2) eliminates good fit with </a:t>
-            </a:r>
-            <a:r>
-              <a:rPr lang="en-US" dirty="0" err="1"/>
-              <a:t>exptl</a:t>
-            </a:r>
-            <a:r>
-              <a:rPr lang="en-US" dirty="0"/>
-              <a:t> values</a:t>
-            </a:r>
-          </a:p>
-          <a:p>
-            <a:r>
-              <a:rPr lang="en-US" dirty="0"/>
-              <a:t>Option 2 height response closest to </a:t>
-            </a:r>
-            <a:r>
-              <a:rPr lang="en-US" dirty="0" err="1"/>
-              <a:t>exptl</a:t>
-            </a:r>
-            <a:r>
-              <a:rPr lang="en-US" dirty="0"/>
-              <a:t> values in all testing</a:t>
-            </a:r>
-          </a:p>
-          <a:p>
-            <a:pPr lvl="1"/>
-            <a:r>
-              <a:rPr lang="en-US" dirty="0"/>
-              <a:t>Phosphorylation may change F-H of </a:t>
-            </a:r>
-            <a:r>
-              <a:rPr lang="en-US" dirty="0" err="1"/>
-              <a:t>KsP</a:t>
-            </a:r>
-            <a:r>
-              <a:rPr lang="en-US" dirty="0"/>
-              <a:t> units</a:t>
-            </a:r>
-          </a:p>
-          <a:p>
-            <a:pPr lvl="1"/>
-            <a:r>
-              <a:rPr lang="en-US" dirty="0"/>
-              <a:t>More rigorous method is to change F-H of phosphorylated s/t instead of P</a:t>
-            </a:r>
-          </a:p>
-        </p:txBody>
-      </p:sp>
-      <p:grpSp>
-        <p:nvGrpSpPr>
-          <p:cNvPr id="12" name="Group 11">
-            <a:extLst>
-              <a:ext uri="{FF2B5EF4-FFF2-40B4-BE49-F238E27FC236}">
-                <a16:creationId xmlns:a16="http://schemas.microsoft.com/office/drawing/2014/main" id="{3E1786C8-28A5-85A3-9FF2-F76AAC713634}"/>
-              </a:ext>
-            </a:extLst>
-          </p:cNvPr>
-          <p:cNvGrpSpPr/>
-          <p:nvPr/>
-        </p:nvGrpSpPr>
-        <p:grpSpPr>
-          <a:xfrm>
-            <a:off x="1701868" y="4769023"/>
-            <a:ext cx="7480233" cy="2088977"/>
-            <a:chOff x="929620" y="3126402"/>
-            <a:chExt cx="9490731" cy="2650441"/>
-          </a:xfrm>
-        </p:grpSpPr>
-        <p:grpSp>
-          <p:nvGrpSpPr>
-            <p:cNvPr id="9" name="Group 8">
-              <a:extLst>
-                <a:ext uri="{FF2B5EF4-FFF2-40B4-BE49-F238E27FC236}">
-                  <a16:creationId xmlns:a16="http://schemas.microsoft.com/office/drawing/2014/main" id="{038E499E-5C3F-CC45-A834-7DE6973B18DB}"/>
-                </a:ext>
-              </a:extLst>
-            </p:cNvPr>
-            <p:cNvGrpSpPr/>
-            <p:nvPr/>
-          </p:nvGrpSpPr>
-          <p:grpSpPr>
-            <a:xfrm>
-              <a:off x="1314451" y="3225661"/>
-              <a:ext cx="9105900" cy="2551182"/>
-              <a:chOff x="1181101" y="2890768"/>
-              <a:chExt cx="9105900" cy="2551182"/>
-            </a:xfrm>
-          </p:grpSpPr>
-          <p:pic>
-            <p:nvPicPr>
-              <p:cNvPr id="6146" name="Picture 2">
-                <a:extLst>
-                  <a:ext uri="{FF2B5EF4-FFF2-40B4-BE49-F238E27FC236}">
-                    <a16:creationId xmlns:a16="http://schemas.microsoft.com/office/drawing/2014/main" id="{B134C198-B1B8-0C08-1DB7-ED4CB07C26F5}"/>
-                  </a:ext>
-                </a:extLst>
-              </p:cNvPr>
-              <p:cNvPicPr>
-                <a:picLocks noChangeAspect="1" noChangeArrowheads="1"/>
-              </p:cNvPicPr>
-              <p:nvPr/>
-            </p:nvPicPr>
-            <p:blipFill rotWithShape="1">
-              <a:blip r:embed="rId2">
-                <a:extLst>
-                  <a:ext uri="{28A0092B-C50C-407E-A947-70E740481C1C}">
-                    <a14:useLocalDpi xmlns:a14="http://schemas.microsoft.com/office/drawing/2010/main" val="0"/>
-                  </a:ext>
-                </a:extLst>
-              </a:blip>
-              <a:srcRect b="84629"/>
-              <a:stretch/>
-            </p:blipFill>
-            <p:spPr bwMode="auto">
-              <a:xfrm>
-                <a:off x="1181101" y="2890768"/>
-                <a:ext cx="9105900" cy="338207"/>
-              </a:xfrm>
-              <a:prstGeom prst="rect">
-                <a:avLst/>
-              </a:prstGeom>
-              <a:noFill/>
-              <a:extLst>
-                <a:ext uri="{909E8E84-426E-40DD-AFC4-6F175D3DCCD1}">
-                  <a14:hiddenFill xmlns:a14="http://schemas.microsoft.com/office/drawing/2010/main">
-                    <a:solidFill>
-                      <a:srgbClr val="FFFFFF"/>
-                    </a:solidFill>
-                  </a14:hiddenFill>
-                </a:ext>
-              </a:extLst>
-            </p:spPr>
-          </p:pic>
-          <p:grpSp>
-            <p:nvGrpSpPr>
-              <p:cNvPr id="6" name="Group 5">
-                <a:extLst>
-                  <a:ext uri="{FF2B5EF4-FFF2-40B4-BE49-F238E27FC236}">
-                    <a16:creationId xmlns:a16="http://schemas.microsoft.com/office/drawing/2014/main" id="{EB5F9D72-4155-3200-CF6D-FE8973335D50}"/>
-                  </a:ext>
-                </a:extLst>
-              </p:cNvPr>
-              <p:cNvGrpSpPr/>
-              <p:nvPr/>
-            </p:nvGrpSpPr>
-            <p:grpSpPr>
-              <a:xfrm>
-                <a:off x="1181101" y="3228975"/>
-                <a:ext cx="8940113" cy="2212975"/>
-                <a:chOff x="5155438" y="5061492"/>
-                <a:chExt cx="5110627" cy="1265050"/>
-              </a:xfrm>
-            </p:grpSpPr>
-            <p:pic>
-              <p:nvPicPr>
-                <p:cNvPr id="7" name="Picture 6">
-                  <a:extLst>
-                    <a:ext uri="{FF2B5EF4-FFF2-40B4-BE49-F238E27FC236}">
-                      <a16:creationId xmlns:a16="http://schemas.microsoft.com/office/drawing/2014/main" id="{2473DE02-F7B8-7B44-0960-AB1DCECF2B04}"/>
-                    </a:ext>
-                  </a:extLst>
-                </p:cNvPr>
-                <p:cNvPicPr>
-                  <a:picLocks noChangeAspect="1" noChangeArrowheads="1"/>
-                </p:cNvPicPr>
-                <p:nvPr/>
-              </p:nvPicPr>
-              <p:blipFill rotWithShape="1">
-                <a:blip r:embed="rId3">
-                  <a:extLst>
-                    <a:ext uri="{28A0092B-C50C-407E-A947-70E740481C1C}">
-                      <a14:useLocalDpi xmlns:a14="http://schemas.microsoft.com/office/drawing/2010/main" val="0"/>
-                    </a:ext>
-                  </a:extLst>
-                </a:blip>
-                <a:srcRect t="1" b="84583"/>
-                <a:stretch/>
-              </p:blipFill>
-              <p:spPr bwMode="auto">
-                <a:xfrm>
-                  <a:off x="5155439" y="5061492"/>
-                  <a:ext cx="5110626" cy="190366"/>
-                </a:xfrm>
-                <a:prstGeom prst="rect">
-                  <a:avLst/>
-                </a:prstGeom>
-                <a:noFill/>
-                <a:extLst>
-                  <a:ext uri="{909E8E84-426E-40DD-AFC4-6F175D3DCCD1}">
-                    <a14:hiddenFill xmlns:a14="http://schemas.microsoft.com/office/drawing/2010/main">
-                      <a:solidFill>
-                        <a:srgbClr val="FFFFFF"/>
-                      </a:solidFill>
-                    </a14:hiddenFill>
-                  </a:ext>
-                </a:extLst>
-              </p:spPr>
-            </p:pic>
-            <p:pic>
-              <p:nvPicPr>
-                <p:cNvPr id="8" name="Picture 8">
-                  <a:extLst>
-                    <a:ext uri="{FF2B5EF4-FFF2-40B4-BE49-F238E27FC236}">
-                      <a16:creationId xmlns:a16="http://schemas.microsoft.com/office/drawing/2014/main" id="{2B490AEE-F8C5-89DC-60B4-BD1B1AEF1E0B}"/>
-                    </a:ext>
-                  </a:extLst>
-                </p:cNvPr>
-                <p:cNvPicPr>
-                  <a:picLocks noChangeAspect="1" noChangeArrowheads="1"/>
-                </p:cNvPicPr>
-                <p:nvPr/>
-              </p:nvPicPr>
-              <p:blipFill rotWithShape="1">
-                <a:blip r:embed="rId4">
-                  <a:extLst>
-                    <a:ext uri="{28A0092B-C50C-407E-A947-70E740481C1C}">
-                      <a14:useLocalDpi xmlns:a14="http://schemas.microsoft.com/office/drawing/2010/main" val="0"/>
-                    </a:ext>
-                  </a:extLst>
-                </a:blip>
-                <a:srcRect t="17568"/>
-                <a:stretch/>
-              </p:blipFill>
-              <p:spPr bwMode="auto">
-                <a:xfrm>
-                  <a:off x="5155438" y="5308599"/>
-                  <a:ext cx="5110627" cy="1017943"/>
-                </a:xfrm>
-                <a:prstGeom prst="rect">
-                  <a:avLst/>
-                </a:prstGeom>
-                <a:noFill/>
-                <a:extLst>
-                  <a:ext uri="{909E8E84-426E-40DD-AFC4-6F175D3DCCD1}">
-                    <a14:hiddenFill xmlns:a14="http://schemas.microsoft.com/office/drawing/2010/main">
-                      <a:solidFill>
-                        <a:srgbClr val="FFFFFF"/>
-                      </a:solidFill>
-                    </a14:hiddenFill>
-                  </a:ext>
-                </a:extLst>
-              </p:spPr>
-            </p:pic>
-          </p:grpSp>
-        </p:grpSp>
-        <p:sp>
-          <p:nvSpPr>
-            <p:cNvPr id="10" name="Rectangle 9">
-              <a:extLst>
-                <a:ext uri="{FF2B5EF4-FFF2-40B4-BE49-F238E27FC236}">
-                  <a16:creationId xmlns:a16="http://schemas.microsoft.com/office/drawing/2014/main" id="{F681E6B0-BC76-EC4B-78D8-74E1C0E31DF6}"/>
-                </a:ext>
-              </a:extLst>
-            </p:cNvPr>
-            <p:cNvSpPr/>
-            <p:nvPr/>
-          </p:nvSpPr>
-          <p:spPr>
-            <a:xfrm>
-              <a:off x="929620" y="3126402"/>
-              <a:ext cx="1264993" cy="432269"/>
-            </a:xfrm>
-            <a:prstGeom prst="rect">
-              <a:avLst/>
-            </a:prstGeom>
-            <a:solidFill>
-              <a:schemeClr val="bg1"/>
-            </a:solidFill>
-            <a:ln>
-              <a:noFill/>
-            </a:ln>
-          </p:spPr>
-          <p:style>
-            <a:lnRef idx="2">
-              <a:schemeClr val="accent1">
-                <a:shade val="15000"/>
-              </a:schemeClr>
-            </a:lnRef>
-            <a:fillRef idx="1">
-              <a:schemeClr val="accent1"/>
-            </a:fillRef>
-            <a:effectRef idx="0">
-              <a:schemeClr val="accent1"/>
-            </a:effectRef>
-            <a:fontRef idx="minor">
-              <a:schemeClr val="lt1"/>
-            </a:fontRef>
-          </p:style>
-          <p:txBody>
-            <a:bodyPr rtlCol="0" anchor="ctr"/>
-            <a:lstStyle/>
-            <a:p>
-              <a:r>
-                <a:rPr lang="en-US" dirty="0">
-                  <a:solidFill>
-                    <a:schemeClr val="tx1"/>
-                  </a:solidFill>
-                </a:rPr>
-                <a:t>Proline</a:t>
-              </a:r>
-            </a:p>
-          </p:txBody>
-        </p:sp>
-        <p:sp>
-          <p:nvSpPr>
-            <p:cNvPr id="11" name="Rectangle 10">
-              <a:extLst>
-                <a:ext uri="{FF2B5EF4-FFF2-40B4-BE49-F238E27FC236}">
-                  <a16:creationId xmlns:a16="http://schemas.microsoft.com/office/drawing/2014/main" id="{ACB61C0F-DF9E-E8E3-A183-52302F99F6C1}"/>
-                </a:ext>
-              </a:extLst>
-            </p:cNvPr>
-            <p:cNvSpPr/>
-            <p:nvPr/>
-          </p:nvSpPr>
-          <p:spPr>
-            <a:xfrm>
-              <a:off x="929621" y="3447384"/>
-              <a:ext cx="1583145" cy="543556"/>
-            </a:xfrm>
-            <a:prstGeom prst="rect">
-              <a:avLst/>
-            </a:prstGeom>
-            <a:solidFill>
-              <a:schemeClr val="bg1"/>
-            </a:solidFill>
-            <a:ln>
-              <a:noFill/>
-            </a:ln>
-          </p:spPr>
-          <p:style>
-            <a:lnRef idx="2">
-              <a:schemeClr val="accent1">
-                <a:shade val="15000"/>
-              </a:schemeClr>
-            </a:lnRef>
-            <a:fillRef idx="1">
-              <a:schemeClr val="accent1"/>
-            </a:fillRef>
-            <a:effectRef idx="0">
-              <a:schemeClr val="accent1"/>
-            </a:effectRef>
-            <a:fontRef idx="minor">
-              <a:schemeClr val="lt1"/>
-            </a:fontRef>
-          </p:style>
-          <p:txBody>
-            <a:bodyPr rtlCol="0" anchor="ctr"/>
-            <a:lstStyle/>
-            <a:p>
-              <a:r>
-                <a:rPr lang="en-US" dirty="0">
-                  <a:solidFill>
-                    <a:schemeClr val="tx1"/>
-                  </a:solidFill>
-                </a:rPr>
-                <a:t>Phos sites</a:t>
-              </a:r>
-            </a:p>
-          </p:txBody>
-        </p:sp>
-      </p:grpSp>
-    </p:spTree>
-    <p:extLst>
-      <p:ext uri="{BB962C8B-B14F-4D97-AF65-F5344CB8AC3E}">
-        <p14:creationId xmlns:p14="http://schemas.microsoft.com/office/powerpoint/2010/main" val="710196163"/>
-      </p:ext>
-    </p:extLst>
-  </p:cSld>
-  <p:clrMapOvr>
-    <a:masterClrMapping/>
-  </p:clrMapOvr>
-</p:sld>
-</file>
-
 <file path=ppt/slides/slide2.xml><?xml version="1.0" encoding="utf-8"?>
 <p:sld xmlns:a="http://schemas.openxmlformats.org/drawingml/2006/main" xmlns:r="http://schemas.openxmlformats.org/officeDocument/2006/relationships" xmlns:p="http://schemas.openxmlformats.org/presentationml/2006/main">
   <p:cSld>
@@ -6254,7 +3390,7 @@
           <a:p>
             <a:r>
               <a:rPr lang="en-US" dirty="0"/>
-              <a:t>System</a:t>
+              <a:t>Treatment of Sequences</a:t>
             </a:r>
           </a:p>
         </p:txBody>
@@ -6510,7 +3646,7 @@
           <a:p>
             <a:r>
               <a:rPr lang="en-US" dirty="0"/>
-              <a:t>Coarse-grained Sequences (1 of 2)</a:t>
+              <a:t>Coarse-grained Distributions (1 of 2)</a:t>
             </a:r>
           </a:p>
         </p:txBody>
@@ -7186,7 +4322,7 @@
           <a:p>
             <a:r>
               <a:rPr lang="en-US" dirty="0"/>
-              <a:t>Coarse-grained Sequences (2 of 2)</a:t>
+              <a:t>Coarse-grained Distributions (2 of 2)</a:t>
             </a:r>
           </a:p>
         </p:txBody>
@@ -8128,7 +5264,7 @@
           <a:p>
             <a:r>
               <a:rPr lang="en-US" dirty="0"/>
-              <a:t>Non-modified</a:t>
+              <a:t>Unmodified</a:t>
             </a:r>
           </a:p>
         </p:txBody>
@@ -8203,7 +5339,7 @@
           <p:cNvPr id="2" name="Title 1">
             <a:extLst>
               <a:ext uri="{FF2B5EF4-FFF2-40B4-BE49-F238E27FC236}">
-                <a16:creationId xmlns:a16="http://schemas.microsoft.com/office/drawing/2014/main" id="{23CDC1B1-E5BC-E498-0F62-109F6812D44E}"/>
+                <a16:creationId xmlns:a16="http://schemas.microsoft.com/office/drawing/2014/main" id="{26274AAF-FCBD-7E12-7D78-885BC44E1FA3}"/>
               </a:ext>
             </a:extLst>
           </p:cNvPr>
@@ -8214,14 +5350,21 @@
             <p:ph type="title"/>
           </p:nvPr>
         </p:nvSpPr>
-        <p:spPr/>
-        <p:txBody>
-          <a:bodyPr/>
+        <p:spPr>
+          <a:xfrm>
+            <a:off x="-1" y="136525"/>
+            <a:ext cx="12192001" cy="800128"/>
+          </a:xfrm>
+        </p:spPr>
+        <p:txBody>
+          <a:bodyPr>
+            <a:noAutofit/>
+          </a:bodyPr>
           <a:lstStyle/>
           <a:p>
             <a:r>
-              <a:rPr lang="en-US" dirty="0"/>
-              <a:t>NFL</a:t>
+              <a:rPr lang="en-US" sz="3600" dirty="0"/>
+              <a:t>Effect of Sequence on Morphology (Unmodified proteins)</a:t>
             </a:r>
           </a:p>
         </p:txBody>
@@ -8231,7 +5374,7 @@
           <p:cNvPr id="3" name="Slide Number Placeholder 2">
             <a:extLst>
               <a:ext uri="{FF2B5EF4-FFF2-40B4-BE49-F238E27FC236}">
-                <a16:creationId xmlns:a16="http://schemas.microsoft.com/office/drawing/2014/main" id="{BC52B724-F553-E9FB-1E36-6AE861F71B79}"/>
+                <a16:creationId xmlns:a16="http://schemas.microsoft.com/office/drawing/2014/main" id="{012E5D51-47AD-14C9-832D-E08BAADC2C09}"/>
               </a:ext>
             </a:extLst>
           </p:cNvPr>
@@ -8257,10 +5400,10 @@
       </p:sp>
       <p:pic>
         <p:nvPicPr>
-          <p:cNvPr id="8" name="Picture 4">
-            <a:extLst>
-              <a:ext uri="{FF2B5EF4-FFF2-40B4-BE49-F238E27FC236}">
-                <a16:creationId xmlns:a16="http://schemas.microsoft.com/office/drawing/2014/main" id="{607496E3-9CAB-26A8-FBFB-CFFB38AB2809}"/>
+          <p:cNvPr id="5122" name="Picture 2">
+            <a:extLst>
+              <a:ext uri="{FF2B5EF4-FFF2-40B4-BE49-F238E27FC236}">
+                <a16:creationId xmlns:a16="http://schemas.microsoft.com/office/drawing/2014/main" id="{5AF27854-0A61-66F9-AB49-CEAA03F4F8DA}"/>
               </a:ext>
             </a:extLst>
           </p:cNvPr>
@@ -8284,8 +5427,8 @@
         </p:blipFill>
         <p:spPr bwMode="auto">
           <a:xfrm>
-            <a:off x="568299" y="1708045"/>
-            <a:ext cx="4435068" cy="3206390"/>
+            <a:off x="1048281" y="1201208"/>
+            <a:ext cx="3396498" cy="5520267"/>
           </a:xfrm>
           <a:prstGeom prst="rect">
             <a:avLst/>
@@ -8302,705 +5445,10 @@
           </a:extLst>
         </p:spPr>
       </p:pic>
-      <p:sp>
-        <p:nvSpPr>
-          <p:cNvPr id="13" name="Content Placeholder 2">
-            <a:extLst>
-              <a:ext uri="{FF2B5EF4-FFF2-40B4-BE49-F238E27FC236}">
-                <a16:creationId xmlns:a16="http://schemas.microsoft.com/office/drawing/2014/main" id="{5299220D-6608-9E79-778B-F308954F095E}"/>
-              </a:ext>
-            </a:extLst>
-          </p:cNvPr>
-          <p:cNvSpPr txBox="1">
-            <a:spLocks/>
-          </p:cNvSpPr>
-          <p:nvPr/>
-        </p:nvSpPr>
-        <p:spPr>
-          <a:xfrm>
-            <a:off x="838200" y="1081157"/>
-            <a:ext cx="10515600" cy="5109249"/>
-          </a:xfrm>
-          <a:prstGeom prst="rect">
-            <a:avLst/>
-          </a:prstGeom>
-        </p:spPr>
-        <p:txBody>
-          <a:bodyPr/>
-          <a:lstStyle>
-            <a:lvl1pPr marL="228600" indent="-228600" algn="l" defTabSz="914400" rtl="0" eaLnBrk="1" latinLnBrk="0" hangingPunct="1">
-              <a:lnSpc>
-                <a:spcPct val="100000"/>
-              </a:lnSpc>
-              <a:spcBef>
-                <a:spcPts val="1000"/>
-              </a:spcBef>
-              <a:spcAft>
-                <a:spcPts val="1200"/>
-              </a:spcAft>
-              <a:buFont typeface="Arial" panose="020B0604020202020204" pitchFamily="34" charset="0"/>
-              <a:buChar char="•"/>
-              <a:defRPr sz="2400" kern="1200">
-                <a:solidFill>
-                  <a:schemeClr val="tx1"/>
-                </a:solidFill>
-                <a:latin typeface="Lucida Grande" pitchFamily="2" charset="0"/>
-                <a:ea typeface="Lucida Grande" pitchFamily="2" charset="0"/>
-                <a:cs typeface="Lucida Grande" pitchFamily="2" charset="0"/>
-              </a:defRPr>
-            </a:lvl1pPr>
-            <a:lvl2pPr marL="685800" indent="-228600" algn="l" defTabSz="914400" rtl="0" eaLnBrk="1" latinLnBrk="0" hangingPunct="1">
-              <a:lnSpc>
-                <a:spcPct val="100000"/>
-              </a:lnSpc>
-              <a:spcBef>
-                <a:spcPts val="500"/>
-              </a:spcBef>
-              <a:spcAft>
-                <a:spcPts val="1200"/>
-              </a:spcAft>
-              <a:buFont typeface="Arial" panose="020B0604020202020204" pitchFamily="34" charset="0"/>
-              <a:buChar char="•"/>
-              <a:defRPr sz="2000" kern="1200">
-                <a:solidFill>
-                  <a:schemeClr val="tx1"/>
-                </a:solidFill>
-                <a:latin typeface="Lucida Grande" pitchFamily="2" charset="0"/>
-                <a:ea typeface="Lucida Grande" pitchFamily="2" charset="0"/>
-                <a:cs typeface="Lucida Grande" pitchFamily="2" charset="0"/>
-              </a:defRPr>
-            </a:lvl2pPr>
-            <a:lvl3pPr marL="1143000" indent="-228600" algn="l" defTabSz="914400" rtl="0" eaLnBrk="1" latinLnBrk="0" hangingPunct="1">
-              <a:lnSpc>
-                <a:spcPct val="100000"/>
-              </a:lnSpc>
-              <a:spcBef>
-                <a:spcPts val="500"/>
-              </a:spcBef>
-              <a:spcAft>
-                <a:spcPts val="1200"/>
-              </a:spcAft>
-              <a:buFont typeface="Arial" panose="020B0604020202020204" pitchFamily="34" charset="0"/>
-              <a:buChar char="•"/>
-              <a:defRPr sz="1800" kern="1200">
-                <a:solidFill>
-                  <a:schemeClr val="tx1"/>
-                </a:solidFill>
-                <a:latin typeface="Lucida Grande" pitchFamily="2" charset="0"/>
-                <a:ea typeface="Lucida Grande" pitchFamily="2" charset="0"/>
-                <a:cs typeface="Lucida Grande" pitchFamily="2" charset="0"/>
-              </a:defRPr>
-            </a:lvl3pPr>
-            <a:lvl4pPr marL="1600200" indent="-228600" algn="l" defTabSz="914400" rtl="0" eaLnBrk="1" latinLnBrk="0" hangingPunct="1">
-              <a:lnSpc>
-                <a:spcPct val="100000"/>
-              </a:lnSpc>
-              <a:spcBef>
-                <a:spcPts val="500"/>
-              </a:spcBef>
-              <a:spcAft>
-                <a:spcPts val="1200"/>
-              </a:spcAft>
-              <a:buFont typeface="Arial" panose="020B0604020202020204" pitchFamily="34" charset="0"/>
-              <a:buChar char="•"/>
-              <a:defRPr sz="1600" kern="1200">
-                <a:solidFill>
-                  <a:schemeClr val="tx1"/>
-                </a:solidFill>
-                <a:latin typeface="Lucida Grande" pitchFamily="2" charset="0"/>
-                <a:ea typeface="Lucida Grande" pitchFamily="2" charset="0"/>
-                <a:cs typeface="Lucida Grande" pitchFamily="2" charset="0"/>
-              </a:defRPr>
-            </a:lvl4pPr>
-            <a:lvl5pPr marL="2057400" indent="-228600" algn="l" defTabSz="914400" rtl="0" eaLnBrk="1" latinLnBrk="0" hangingPunct="1">
-              <a:lnSpc>
-                <a:spcPct val="100000"/>
-              </a:lnSpc>
-              <a:spcBef>
-                <a:spcPts val="500"/>
-              </a:spcBef>
-              <a:spcAft>
-                <a:spcPts val="1200"/>
-              </a:spcAft>
-              <a:buFont typeface="Arial" panose="020B0604020202020204" pitchFamily="34" charset="0"/>
-              <a:buChar char="•"/>
-              <a:defRPr sz="1600" kern="1200">
-                <a:solidFill>
-                  <a:schemeClr val="tx1"/>
-                </a:solidFill>
-                <a:latin typeface="Lucida Grande" pitchFamily="2" charset="0"/>
-                <a:ea typeface="Lucida Grande" pitchFamily="2" charset="0"/>
-                <a:cs typeface="Lucida Grande" pitchFamily="2" charset="0"/>
-              </a:defRPr>
-            </a:lvl5pPr>
-            <a:lvl6pPr marL="2514600" indent="-228600" algn="l" defTabSz="914400" rtl="0" eaLnBrk="1" latinLnBrk="0" hangingPunct="1">
-              <a:lnSpc>
-                <a:spcPct val="90000"/>
-              </a:lnSpc>
-              <a:spcBef>
-                <a:spcPts val="500"/>
-              </a:spcBef>
-              <a:buFont typeface="Arial" panose="020B0604020202020204" pitchFamily="34" charset="0"/>
-              <a:buChar char="•"/>
-              <a:defRPr sz="1800" kern="1200">
-                <a:solidFill>
-                  <a:schemeClr val="tx1"/>
-                </a:solidFill>
-                <a:latin typeface="+mn-lt"/>
-                <a:ea typeface="+mn-ea"/>
-                <a:cs typeface="+mn-cs"/>
-              </a:defRPr>
-            </a:lvl6pPr>
-            <a:lvl7pPr marL="2971800" indent="-228600" algn="l" defTabSz="914400" rtl="0" eaLnBrk="1" latinLnBrk="0" hangingPunct="1">
-              <a:lnSpc>
-                <a:spcPct val="90000"/>
-              </a:lnSpc>
-              <a:spcBef>
-                <a:spcPts val="500"/>
-              </a:spcBef>
-              <a:buFont typeface="Arial" panose="020B0604020202020204" pitchFamily="34" charset="0"/>
-              <a:buChar char="•"/>
-              <a:defRPr sz="1800" kern="1200">
-                <a:solidFill>
-                  <a:schemeClr val="tx1"/>
-                </a:solidFill>
-                <a:latin typeface="+mn-lt"/>
-                <a:ea typeface="+mn-ea"/>
-                <a:cs typeface="+mn-cs"/>
-              </a:defRPr>
-            </a:lvl7pPr>
-            <a:lvl8pPr marL="3429000" indent="-228600" algn="l" defTabSz="914400" rtl="0" eaLnBrk="1" latinLnBrk="0" hangingPunct="1">
-              <a:lnSpc>
-                <a:spcPct val="90000"/>
-              </a:lnSpc>
-              <a:spcBef>
-                <a:spcPts val="500"/>
-              </a:spcBef>
-              <a:buFont typeface="Arial" panose="020B0604020202020204" pitchFamily="34" charset="0"/>
-              <a:buChar char="•"/>
-              <a:defRPr sz="1800" kern="1200">
-                <a:solidFill>
-                  <a:schemeClr val="tx1"/>
-                </a:solidFill>
-                <a:latin typeface="+mn-lt"/>
-                <a:ea typeface="+mn-ea"/>
-                <a:cs typeface="+mn-cs"/>
-              </a:defRPr>
-            </a:lvl8pPr>
-            <a:lvl9pPr marL="3886200" indent="-228600" algn="l" defTabSz="914400" rtl="0" eaLnBrk="1" latinLnBrk="0" hangingPunct="1">
-              <a:lnSpc>
-                <a:spcPct val="90000"/>
-              </a:lnSpc>
-              <a:spcBef>
-                <a:spcPts val="500"/>
-              </a:spcBef>
-              <a:buFont typeface="Arial" panose="020B0604020202020204" pitchFamily="34" charset="0"/>
-              <a:buChar char="•"/>
-              <a:defRPr sz="1800" kern="1200">
-                <a:solidFill>
-                  <a:schemeClr val="tx1"/>
-                </a:solidFill>
-                <a:latin typeface="+mn-lt"/>
-                <a:ea typeface="+mn-ea"/>
-                <a:cs typeface="+mn-cs"/>
-              </a:defRPr>
-            </a:lvl9pPr>
-          </a:lstStyle>
-          <a:p>
-            <a:r>
-              <a:rPr lang="en-US" dirty="0"/>
-              <a:t>Sparse brush with 3</a:t>
-            </a:r>
-            <a:r>
-              <a:rPr lang="en-US" baseline="30000" dirty="0"/>
-              <a:t>rd</a:t>
-            </a:r>
-            <a:r>
-              <a:rPr lang="en-US" dirty="0"/>
-              <a:t> block responsible for most of response to screening</a:t>
-            </a:r>
-          </a:p>
-        </p:txBody>
-      </p:sp>
-      <p:grpSp>
-        <p:nvGrpSpPr>
-          <p:cNvPr id="15" name="Group 14">
-            <a:extLst>
-              <a:ext uri="{FF2B5EF4-FFF2-40B4-BE49-F238E27FC236}">
-                <a16:creationId xmlns:a16="http://schemas.microsoft.com/office/drawing/2014/main" id="{509CB42B-EA80-2FAC-451F-61541114DFD6}"/>
-              </a:ext>
-            </a:extLst>
-          </p:cNvPr>
-          <p:cNvGrpSpPr/>
-          <p:nvPr/>
-        </p:nvGrpSpPr>
-        <p:grpSpPr>
-          <a:xfrm>
-            <a:off x="5757863" y="2001842"/>
-            <a:ext cx="2852737" cy="2205014"/>
-            <a:chOff x="5311198" y="1081157"/>
-            <a:chExt cx="2852737" cy="2205014"/>
-          </a:xfrm>
-        </p:grpSpPr>
-        <p:pic>
-          <p:nvPicPr>
-            <p:cNvPr id="5124" name="Picture 4">
-              <a:extLst>
-                <a:ext uri="{FF2B5EF4-FFF2-40B4-BE49-F238E27FC236}">
-                  <a16:creationId xmlns:a16="http://schemas.microsoft.com/office/drawing/2014/main" id="{53E5BB20-FF45-BC59-9DE9-58C45D45C1B1}"/>
-                </a:ext>
-              </a:extLst>
-            </p:cNvPr>
-            <p:cNvPicPr>
-              <a:picLocks noChangeAspect="1" noChangeArrowheads="1"/>
-            </p:cNvPicPr>
-            <p:nvPr/>
-          </p:nvPicPr>
-          <p:blipFill>
-            <a:blip r:embed="rId3">
-              <a:extLst>
-                <a:ext uri="{28A0092B-C50C-407E-A947-70E740481C1C}">
-                  <a14:useLocalDpi xmlns:a14="http://schemas.microsoft.com/office/drawing/2010/main" val="0"/>
-                </a:ext>
-              </a:extLst>
-            </a:blip>
-            <a:srcRect/>
-            <a:stretch>
-              <a:fillRect/>
-            </a:stretch>
-          </p:blipFill>
-          <p:spPr bwMode="auto">
-            <a:xfrm>
-              <a:off x="5311198" y="1081157"/>
-              <a:ext cx="2852737" cy="2205014"/>
-            </a:xfrm>
-            <a:prstGeom prst="rect">
-              <a:avLst/>
-            </a:prstGeom>
-            <a:noFill/>
-            <a:extLst>
-              <a:ext uri="{909E8E84-426E-40DD-AFC4-6F175D3DCCD1}">
-                <a14:hiddenFill xmlns:a14="http://schemas.microsoft.com/office/drawing/2010/main">
-                  <a:solidFill>
-                    <a:srgbClr val="FFFFFF"/>
-                  </a:solidFill>
-                </a14:hiddenFill>
-              </a:ext>
-            </a:extLst>
-          </p:spPr>
-        </p:pic>
-        <p:sp>
-          <p:nvSpPr>
-            <p:cNvPr id="14" name="TextBox 13">
-              <a:extLst>
-                <a:ext uri="{FF2B5EF4-FFF2-40B4-BE49-F238E27FC236}">
-                  <a16:creationId xmlns:a16="http://schemas.microsoft.com/office/drawing/2014/main" id="{7A935CDF-EAA6-54AB-1D5A-12FFAAA19BAD}"/>
-                </a:ext>
-              </a:extLst>
-            </p:cNvPr>
-            <p:cNvSpPr txBox="1"/>
-            <p:nvPr/>
-          </p:nvSpPr>
-          <p:spPr>
-            <a:xfrm>
-              <a:off x="6096000" y="1362075"/>
-              <a:ext cx="323850" cy="369332"/>
-            </a:xfrm>
-            <a:prstGeom prst="rect">
-              <a:avLst/>
-            </a:prstGeom>
-            <a:noFill/>
-          </p:spPr>
-          <p:txBody>
-            <a:bodyPr wrap="square" rtlCol="0">
-              <a:spAutoFit/>
-            </a:bodyPr>
-            <a:lstStyle/>
-            <a:p>
-              <a:r>
-                <a:rPr lang="en-US" dirty="0">
-                  <a:solidFill>
-                    <a:srgbClr val="C00000"/>
-                  </a:solidFill>
-                </a:rPr>
-                <a:t>1</a:t>
-              </a:r>
-            </a:p>
-          </p:txBody>
-        </p:sp>
-      </p:grpSp>
-      <p:grpSp>
-        <p:nvGrpSpPr>
-          <p:cNvPr id="17" name="Group 16">
-            <a:extLst>
-              <a:ext uri="{FF2B5EF4-FFF2-40B4-BE49-F238E27FC236}">
-                <a16:creationId xmlns:a16="http://schemas.microsoft.com/office/drawing/2014/main" id="{C4D55808-492E-5A65-BFB5-1145C67A7DE4}"/>
-              </a:ext>
-            </a:extLst>
-          </p:cNvPr>
-          <p:cNvGrpSpPr/>
-          <p:nvPr/>
-        </p:nvGrpSpPr>
-        <p:grpSpPr>
-          <a:xfrm>
-            <a:off x="8705850" y="2001842"/>
-            <a:ext cx="2852737" cy="2205014"/>
-            <a:chOff x="8163935" y="1081157"/>
-            <a:chExt cx="2852737" cy="2205014"/>
-          </a:xfrm>
-        </p:grpSpPr>
-        <p:pic>
-          <p:nvPicPr>
-            <p:cNvPr id="5126" name="Picture 6">
-              <a:extLst>
-                <a:ext uri="{FF2B5EF4-FFF2-40B4-BE49-F238E27FC236}">
-                  <a16:creationId xmlns:a16="http://schemas.microsoft.com/office/drawing/2014/main" id="{E51D5379-DE37-AF51-E2AE-0C2E33ACA63B}"/>
-                </a:ext>
-              </a:extLst>
-            </p:cNvPr>
-            <p:cNvPicPr>
-              <a:picLocks noChangeAspect="1" noChangeArrowheads="1"/>
-            </p:cNvPicPr>
-            <p:nvPr/>
-          </p:nvPicPr>
-          <p:blipFill>
-            <a:blip r:embed="rId4">
-              <a:extLst>
-                <a:ext uri="{28A0092B-C50C-407E-A947-70E740481C1C}">
-                  <a14:useLocalDpi xmlns:a14="http://schemas.microsoft.com/office/drawing/2010/main" val="0"/>
-                </a:ext>
-              </a:extLst>
-            </a:blip>
-            <a:srcRect/>
-            <a:stretch>
-              <a:fillRect/>
-            </a:stretch>
-          </p:blipFill>
-          <p:spPr bwMode="auto">
-            <a:xfrm>
-              <a:off x="8163935" y="1081157"/>
-              <a:ext cx="2852737" cy="2205014"/>
-            </a:xfrm>
-            <a:prstGeom prst="rect">
-              <a:avLst/>
-            </a:prstGeom>
-            <a:noFill/>
-            <a:extLst>
-              <a:ext uri="{909E8E84-426E-40DD-AFC4-6F175D3DCCD1}">
-                <a14:hiddenFill xmlns:a14="http://schemas.microsoft.com/office/drawing/2010/main">
-                  <a:solidFill>
-                    <a:srgbClr val="FFFFFF"/>
-                  </a:solidFill>
-                </a14:hiddenFill>
-              </a:ext>
-            </a:extLst>
-          </p:spPr>
-        </p:pic>
-        <p:sp>
-          <p:nvSpPr>
-            <p:cNvPr id="16" name="TextBox 15">
-              <a:extLst>
-                <a:ext uri="{FF2B5EF4-FFF2-40B4-BE49-F238E27FC236}">
-                  <a16:creationId xmlns:a16="http://schemas.microsoft.com/office/drawing/2014/main" id="{8D0016D2-3F7B-94FC-EFB6-FBA168131EEB}"/>
-                </a:ext>
-              </a:extLst>
-            </p:cNvPr>
-            <p:cNvSpPr txBox="1"/>
-            <p:nvPr/>
-          </p:nvSpPr>
-          <p:spPr>
-            <a:xfrm>
-              <a:off x="8948737" y="1362075"/>
-              <a:ext cx="323850" cy="369332"/>
-            </a:xfrm>
-            <a:prstGeom prst="rect">
-              <a:avLst/>
-            </a:prstGeom>
-            <a:noFill/>
-          </p:spPr>
-          <p:txBody>
-            <a:bodyPr wrap="square" rtlCol="0">
-              <a:spAutoFit/>
-            </a:bodyPr>
-            <a:lstStyle/>
-            <a:p>
-              <a:r>
-                <a:rPr lang="en-US" dirty="0">
-                  <a:solidFill>
-                    <a:srgbClr val="C00000"/>
-                  </a:solidFill>
-                </a:rPr>
-                <a:t>2</a:t>
-              </a:r>
-            </a:p>
-          </p:txBody>
-        </p:sp>
-      </p:grpSp>
-      <p:pic>
-        <p:nvPicPr>
-          <p:cNvPr id="5122" name="Picture 2">
-            <a:extLst>
-              <a:ext uri="{FF2B5EF4-FFF2-40B4-BE49-F238E27FC236}">
-                <a16:creationId xmlns:a16="http://schemas.microsoft.com/office/drawing/2014/main" id="{3FC7071B-FA94-D57A-AE9D-9C2022815ED4}"/>
-              </a:ext>
-            </a:extLst>
-          </p:cNvPr>
-          <p:cNvPicPr>
-            <a:picLocks noChangeAspect="1" noChangeArrowheads="1"/>
-          </p:cNvPicPr>
-          <p:nvPr/>
-        </p:nvPicPr>
-        <p:blipFill>
-          <a:blip r:embed="rId5">
-            <a:extLst>
-              <a:ext uri="{28A0092B-C50C-407E-A947-70E740481C1C}">
-                <a14:useLocalDpi xmlns:a14="http://schemas.microsoft.com/office/drawing/2010/main" val="0"/>
-              </a:ext>
-            </a:extLst>
-          </a:blip>
-          <a:srcRect/>
-          <a:stretch>
-            <a:fillRect/>
-          </a:stretch>
-        </p:blipFill>
-        <p:spPr bwMode="auto">
-          <a:xfrm>
-            <a:off x="1744689" y="4948495"/>
-            <a:ext cx="2563016" cy="1841524"/>
-          </a:xfrm>
-          <a:prstGeom prst="rect">
-            <a:avLst/>
-          </a:prstGeom>
-          <a:noFill/>
-          <a:extLst>
-            <a:ext uri="{909E8E84-426E-40DD-AFC4-6F175D3DCCD1}">
-              <a14:hiddenFill xmlns:a14="http://schemas.microsoft.com/office/drawing/2010/main">
-                <a:solidFill>
-                  <a:srgbClr val="FFFFFF"/>
-                </a:solidFill>
-              </a14:hiddenFill>
-            </a:ext>
-          </a:extLst>
-        </p:spPr>
-      </p:pic>
-      <p:grpSp>
-        <p:nvGrpSpPr>
-          <p:cNvPr id="19" name="Group 18">
-            <a:extLst>
-              <a:ext uri="{FF2B5EF4-FFF2-40B4-BE49-F238E27FC236}">
-                <a16:creationId xmlns:a16="http://schemas.microsoft.com/office/drawing/2014/main" id="{7820BD1C-ACA6-9361-ECCC-551F0EEC5588}"/>
-              </a:ext>
-            </a:extLst>
-          </p:cNvPr>
-          <p:cNvGrpSpPr/>
-          <p:nvPr/>
-        </p:nvGrpSpPr>
-        <p:grpSpPr>
-          <a:xfrm>
-            <a:off x="5724163" y="3811928"/>
-            <a:ext cx="2852738" cy="2205015"/>
-            <a:chOff x="5757862" y="3148418"/>
-            <a:chExt cx="2852738" cy="2205015"/>
-          </a:xfrm>
-        </p:grpSpPr>
-        <p:pic>
-          <p:nvPicPr>
-            <p:cNvPr id="5128" name="Picture 8">
-              <a:extLst>
-                <a:ext uri="{FF2B5EF4-FFF2-40B4-BE49-F238E27FC236}">
-                  <a16:creationId xmlns:a16="http://schemas.microsoft.com/office/drawing/2014/main" id="{5118B868-3A20-B230-EDA1-42416D9E29FC}"/>
-                </a:ext>
-              </a:extLst>
-            </p:cNvPr>
-            <p:cNvPicPr>
-              <a:picLocks noChangeAspect="1" noChangeArrowheads="1"/>
-            </p:cNvPicPr>
-            <p:nvPr/>
-          </p:nvPicPr>
-          <p:blipFill>
-            <a:blip r:embed="rId6">
-              <a:extLst>
-                <a:ext uri="{28A0092B-C50C-407E-A947-70E740481C1C}">
-                  <a14:useLocalDpi xmlns:a14="http://schemas.microsoft.com/office/drawing/2010/main" val="0"/>
-                </a:ext>
-              </a:extLst>
-            </a:blip>
-            <a:srcRect/>
-            <a:stretch>
-              <a:fillRect/>
-            </a:stretch>
-          </p:blipFill>
-          <p:spPr bwMode="auto">
-            <a:xfrm>
-              <a:off x="5757862" y="3148418"/>
-              <a:ext cx="2852738" cy="2205015"/>
-            </a:xfrm>
-            <a:prstGeom prst="rect">
-              <a:avLst/>
-            </a:prstGeom>
-            <a:noFill/>
-            <a:extLst>
-              <a:ext uri="{909E8E84-426E-40DD-AFC4-6F175D3DCCD1}">
-                <a14:hiddenFill xmlns:a14="http://schemas.microsoft.com/office/drawing/2010/main">
-                  <a:solidFill>
-                    <a:srgbClr val="FFFFFF"/>
-                  </a:solidFill>
-                </a14:hiddenFill>
-              </a:ext>
-            </a:extLst>
-          </p:spPr>
-        </p:pic>
-        <p:sp>
-          <p:nvSpPr>
-            <p:cNvPr id="18" name="TextBox 17">
-              <a:extLst>
-                <a:ext uri="{FF2B5EF4-FFF2-40B4-BE49-F238E27FC236}">
-                  <a16:creationId xmlns:a16="http://schemas.microsoft.com/office/drawing/2014/main" id="{892A83D8-7424-4A6E-EDC4-994F4B1B811A}"/>
-                </a:ext>
-              </a:extLst>
-            </p:cNvPr>
-            <p:cNvSpPr txBox="1"/>
-            <p:nvPr/>
-          </p:nvSpPr>
-          <p:spPr>
-            <a:xfrm>
-              <a:off x="6576364" y="3407834"/>
-              <a:ext cx="323850" cy="369332"/>
-            </a:xfrm>
-            <a:prstGeom prst="rect">
-              <a:avLst/>
-            </a:prstGeom>
-            <a:noFill/>
-          </p:spPr>
-          <p:txBody>
-            <a:bodyPr wrap="square" rtlCol="0">
-              <a:spAutoFit/>
-            </a:bodyPr>
-            <a:lstStyle/>
-            <a:p>
-              <a:r>
-                <a:rPr lang="en-US" dirty="0">
-                  <a:solidFill>
-                    <a:srgbClr val="C00000"/>
-                  </a:solidFill>
-                </a:rPr>
-                <a:t>3</a:t>
-              </a:r>
-            </a:p>
-          </p:txBody>
-        </p:sp>
-      </p:grpSp>
-      <p:grpSp>
-        <p:nvGrpSpPr>
-          <p:cNvPr id="21" name="Group 20">
-            <a:extLst>
-              <a:ext uri="{FF2B5EF4-FFF2-40B4-BE49-F238E27FC236}">
-                <a16:creationId xmlns:a16="http://schemas.microsoft.com/office/drawing/2014/main" id="{8278671C-B7B6-F06B-3A3A-AB354615BB06}"/>
-              </a:ext>
-            </a:extLst>
-          </p:cNvPr>
-          <p:cNvGrpSpPr/>
-          <p:nvPr/>
-        </p:nvGrpSpPr>
-        <p:grpSpPr>
-          <a:xfrm>
-            <a:off x="8705850" y="3811927"/>
-            <a:ext cx="2852739" cy="2205016"/>
-            <a:chOff x="8739549" y="3148417"/>
-            <a:chExt cx="2852739" cy="2205016"/>
-          </a:xfrm>
-        </p:grpSpPr>
-        <p:pic>
-          <p:nvPicPr>
-            <p:cNvPr id="5130" name="Picture 10">
-              <a:extLst>
-                <a:ext uri="{FF2B5EF4-FFF2-40B4-BE49-F238E27FC236}">
-                  <a16:creationId xmlns:a16="http://schemas.microsoft.com/office/drawing/2014/main" id="{D4B729F6-6BC8-2597-239C-C96DA36B403C}"/>
-                </a:ext>
-              </a:extLst>
-            </p:cNvPr>
-            <p:cNvPicPr>
-              <a:picLocks noChangeAspect="1" noChangeArrowheads="1"/>
-            </p:cNvPicPr>
-            <p:nvPr/>
-          </p:nvPicPr>
-          <p:blipFill>
-            <a:blip r:embed="rId7">
-              <a:extLst>
-                <a:ext uri="{28A0092B-C50C-407E-A947-70E740481C1C}">
-                  <a14:useLocalDpi xmlns:a14="http://schemas.microsoft.com/office/drawing/2010/main" val="0"/>
-                </a:ext>
-              </a:extLst>
-            </a:blip>
-            <a:srcRect/>
-            <a:stretch>
-              <a:fillRect/>
-            </a:stretch>
-          </p:blipFill>
-          <p:spPr bwMode="auto">
-            <a:xfrm>
-              <a:off x="8739549" y="3148417"/>
-              <a:ext cx="2852739" cy="2205016"/>
-            </a:xfrm>
-            <a:prstGeom prst="rect">
-              <a:avLst/>
-            </a:prstGeom>
-            <a:noFill/>
-            <a:extLst>
-              <a:ext uri="{909E8E84-426E-40DD-AFC4-6F175D3DCCD1}">
-                <a14:hiddenFill xmlns:a14="http://schemas.microsoft.com/office/drawing/2010/main">
-                  <a:solidFill>
-                    <a:srgbClr val="FFFFFF"/>
-                  </a:solidFill>
-                </a14:hiddenFill>
-              </a:ext>
-            </a:extLst>
-          </p:spPr>
-        </p:pic>
-        <p:sp>
-          <p:nvSpPr>
-            <p:cNvPr id="20" name="TextBox 19">
-              <a:extLst>
-                <a:ext uri="{FF2B5EF4-FFF2-40B4-BE49-F238E27FC236}">
-                  <a16:creationId xmlns:a16="http://schemas.microsoft.com/office/drawing/2014/main" id="{3A5A68FE-F7E8-BC4D-96E0-2A00686C3027}"/>
-                </a:ext>
-              </a:extLst>
-            </p:cNvPr>
-            <p:cNvSpPr txBox="1"/>
-            <p:nvPr/>
-          </p:nvSpPr>
-          <p:spPr>
-            <a:xfrm>
-              <a:off x="9524351" y="3416551"/>
-              <a:ext cx="323850" cy="369332"/>
-            </a:xfrm>
-            <a:prstGeom prst="rect">
-              <a:avLst/>
-            </a:prstGeom>
-            <a:noFill/>
-          </p:spPr>
-          <p:txBody>
-            <a:bodyPr wrap="square" rtlCol="0">
-              <a:spAutoFit/>
-            </a:bodyPr>
-            <a:lstStyle/>
-            <a:p>
-              <a:r>
-                <a:rPr lang="en-US" dirty="0">
-                  <a:solidFill>
-                    <a:srgbClr val="C00000"/>
-                  </a:solidFill>
-                </a:rPr>
-                <a:t>4</a:t>
-              </a:r>
-            </a:p>
-          </p:txBody>
-        </p:sp>
-      </p:grpSp>
     </p:spTree>
     <p:extLst>
       <p:ext uri="{BB962C8B-B14F-4D97-AF65-F5344CB8AC3E}">
-        <p14:creationId xmlns:p14="http://schemas.microsoft.com/office/powerpoint/2010/main" val="236437119"/>
+        <p14:creationId xmlns:p14="http://schemas.microsoft.com/office/powerpoint/2010/main" val="2525344438"/>
       </p:ext>
     </p:extLst>
   </p:cSld>
@@ -9032,7 +5480,7 @@
           <p:cNvPr id="2" name="Title 1">
             <a:extLst>
               <a:ext uri="{FF2B5EF4-FFF2-40B4-BE49-F238E27FC236}">
-                <a16:creationId xmlns:a16="http://schemas.microsoft.com/office/drawing/2014/main" id="{4B66B44A-D7F2-4931-D8A0-B05F7297657C}"/>
+                <a16:creationId xmlns:a16="http://schemas.microsoft.com/office/drawing/2014/main" id="{26274AAF-FCBD-7E12-7D78-885BC44E1FA3}"/>
               </a:ext>
             </a:extLst>
           </p:cNvPr>
@@ -9043,14 +5491,21 @@
             <p:ph type="title"/>
           </p:nvPr>
         </p:nvSpPr>
-        <p:spPr/>
-        <p:txBody>
-          <a:bodyPr/>
+        <p:spPr>
+          <a:xfrm>
+            <a:off x="-1" y="136525"/>
+            <a:ext cx="12192001" cy="800128"/>
+          </a:xfrm>
+        </p:spPr>
+        <p:txBody>
+          <a:bodyPr>
+            <a:noAutofit/>
+          </a:bodyPr>
           <a:lstStyle/>
           <a:p>
             <a:r>
-              <a:rPr lang="en-US" dirty="0"/>
-              <a:t>NFM</a:t>
+              <a:rPr lang="en-US" sz="3600" dirty="0"/>
+              <a:t>Effect of Sequence on Morphology (Modified proteins)</a:t>
             </a:r>
           </a:p>
         </p:txBody>
@@ -9060,7 +5515,7 @@
           <p:cNvPr id="3" name="Slide Number Placeholder 2">
             <a:extLst>
               <a:ext uri="{FF2B5EF4-FFF2-40B4-BE49-F238E27FC236}">
-                <a16:creationId xmlns:a16="http://schemas.microsoft.com/office/drawing/2014/main" id="{A52B2DB3-22ED-D27D-809C-CEE2D613B5BD}"/>
+                <a16:creationId xmlns:a16="http://schemas.microsoft.com/office/drawing/2014/main" id="{012E5D51-47AD-14C9-832D-E08BAADC2C09}"/>
               </a:ext>
             </a:extLst>
           </p:cNvPr>
@@ -9086,10 +5541,10 @@
       </p:sp>
       <p:pic>
         <p:nvPicPr>
-          <p:cNvPr id="5" name="Picture 2">
-            <a:extLst>
-              <a:ext uri="{FF2B5EF4-FFF2-40B4-BE49-F238E27FC236}">
-                <a16:creationId xmlns:a16="http://schemas.microsoft.com/office/drawing/2014/main" id="{EB462CC9-CDE1-3B78-13F6-1ED0154C5BE6}"/>
+          <p:cNvPr id="6148" name="Picture 4">
+            <a:extLst>
+              <a:ext uri="{FF2B5EF4-FFF2-40B4-BE49-F238E27FC236}">
+                <a16:creationId xmlns:a16="http://schemas.microsoft.com/office/drawing/2014/main" id="{14CF7DB3-06CF-576C-2815-92C87ADCE3FD}"/>
               </a:ext>
             </a:extLst>
           </p:cNvPr>
@@ -9113,8 +5568,8 @@
         </p:blipFill>
         <p:spPr bwMode="auto">
           <a:xfrm>
-            <a:off x="503793" y="2525458"/>
-            <a:ext cx="3618658" cy="2616156"/>
+            <a:off x="1019294" y="1190625"/>
+            <a:ext cx="3488788" cy="5530850"/>
           </a:xfrm>
           <a:prstGeom prst="rect">
             <a:avLst/>
@@ -9131,578 +5586,10 @@
           </a:extLst>
         </p:spPr>
       </p:pic>
-      <p:grpSp>
-        <p:nvGrpSpPr>
-          <p:cNvPr id="14" name="Group 13">
-            <a:extLst>
-              <a:ext uri="{FF2B5EF4-FFF2-40B4-BE49-F238E27FC236}">
-                <a16:creationId xmlns:a16="http://schemas.microsoft.com/office/drawing/2014/main" id="{EB6DE422-F25E-FB4B-DD3B-85E13D8DE93B}"/>
-              </a:ext>
-            </a:extLst>
-          </p:cNvPr>
-          <p:cNvGrpSpPr/>
-          <p:nvPr/>
-        </p:nvGrpSpPr>
-        <p:grpSpPr>
-          <a:xfrm>
-            <a:off x="4333518" y="2525458"/>
-            <a:ext cx="3384652" cy="2616156"/>
-            <a:chOff x="5369752" y="142807"/>
-            <a:chExt cx="3109914" cy="2403798"/>
-          </a:xfrm>
-        </p:grpSpPr>
-        <p:pic>
-          <p:nvPicPr>
-            <p:cNvPr id="15" name="Picture 8">
-              <a:extLst>
-                <a:ext uri="{FF2B5EF4-FFF2-40B4-BE49-F238E27FC236}">
-                  <a16:creationId xmlns:a16="http://schemas.microsoft.com/office/drawing/2014/main" id="{2D921732-F8ED-3F86-C573-84BA13342A5E}"/>
-                </a:ext>
-              </a:extLst>
-            </p:cNvPr>
-            <p:cNvPicPr>
-              <a:picLocks noChangeAspect="1" noChangeArrowheads="1"/>
-            </p:cNvPicPr>
-            <p:nvPr/>
-          </p:nvPicPr>
-          <p:blipFill>
-            <a:blip r:embed="rId3">
-              <a:extLst>
-                <a:ext uri="{28A0092B-C50C-407E-A947-70E740481C1C}">
-                  <a14:useLocalDpi xmlns:a14="http://schemas.microsoft.com/office/drawing/2010/main" val="0"/>
-                </a:ext>
-              </a:extLst>
-            </a:blip>
-            <a:srcRect/>
-            <a:stretch>
-              <a:fillRect/>
-            </a:stretch>
-          </p:blipFill>
-          <p:spPr bwMode="auto">
-            <a:xfrm>
-              <a:off x="5369752" y="142807"/>
-              <a:ext cx="3109914" cy="2403798"/>
-            </a:xfrm>
-            <a:prstGeom prst="rect">
-              <a:avLst/>
-            </a:prstGeom>
-            <a:noFill/>
-            <a:extLst>
-              <a:ext uri="{909E8E84-426E-40DD-AFC4-6F175D3DCCD1}">
-                <a14:hiddenFill xmlns:a14="http://schemas.microsoft.com/office/drawing/2010/main">
-                  <a:solidFill>
-                    <a:srgbClr val="FFFFFF"/>
-                  </a:solidFill>
-                </a14:hiddenFill>
-              </a:ext>
-            </a:extLst>
-          </p:spPr>
-        </p:pic>
-        <p:sp>
-          <p:nvSpPr>
-            <p:cNvPr id="16" name="TextBox 15">
-              <a:extLst>
-                <a:ext uri="{FF2B5EF4-FFF2-40B4-BE49-F238E27FC236}">
-                  <a16:creationId xmlns:a16="http://schemas.microsoft.com/office/drawing/2014/main" id="{13EAB834-7233-1363-D314-D5CC21955409}"/>
-                </a:ext>
-              </a:extLst>
-            </p:cNvPr>
-            <p:cNvSpPr txBox="1"/>
-            <p:nvPr/>
-          </p:nvSpPr>
-          <p:spPr>
-            <a:xfrm>
-              <a:off x="6417782" y="390593"/>
-              <a:ext cx="301686" cy="369332"/>
-            </a:xfrm>
-            <a:prstGeom prst="rect">
-              <a:avLst/>
-            </a:prstGeom>
-            <a:noFill/>
-          </p:spPr>
-          <p:txBody>
-            <a:bodyPr wrap="none" rtlCol="0">
-              <a:spAutoFit/>
-            </a:bodyPr>
-            <a:lstStyle/>
-            <a:p>
-              <a:r>
-                <a:rPr lang="en-US" dirty="0">
-                  <a:solidFill>
-                    <a:srgbClr val="C00000"/>
-                  </a:solidFill>
-                </a:rPr>
-                <a:t>3</a:t>
-              </a:r>
-            </a:p>
-          </p:txBody>
-        </p:sp>
-      </p:grpSp>
-      <p:grpSp>
-        <p:nvGrpSpPr>
-          <p:cNvPr id="17" name="Group 16">
-            <a:extLst>
-              <a:ext uri="{FF2B5EF4-FFF2-40B4-BE49-F238E27FC236}">
-                <a16:creationId xmlns:a16="http://schemas.microsoft.com/office/drawing/2014/main" id="{326865A0-BF77-206F-F667-E927C15D875A}"/>
-              </a:ext>
-            </a:extLst>
-          </p:cNvPr>
-          <p:cNvGrpSpPr/>
-          <p:nvPr/>
-        </p:nvGrpSpPr>
-        <p:grpSpPr>
-          <a:xfrm>
-            <a:off x="7969148" y="2525458"/>
-            <a:ext cx="3384652" cy="2616156"/>
-            <a:chOff x="3674846" y="4320986"/>
-            <a:chExt cx="2937510" cy="2270539"/>
-          </a:xfrm>
-        </p:grpSpPr>
-        <p:pic>
-          <p:nvPicPr>
-            <p:cNvPr id="18" name="Picture 14">
-              <a:extLst>
-                <a:ext uri="{FF2B5EF4-FFF2-40B4-BE49-F238E27FC236}">
-                  <a16:creationId xmlns:a16="http://schemas.microsoft.com/office/drawing/2014/main" id="{246952E5-18AC-C108-AF28-D56C2ED291FD}"/>
-                </a:ext>
-              </a:extLst>
-            </p:cNvPr>
-            <p:cNvPicPr>
-              <a:picLocks noChangeAspect="1" noChangeArrowheads="1"/>
-            </p:cNvPicPr>
-            <p:nvPr/>
-          </p:nvPicPr>
-          <p:blipFill>
-            <a:blip r:embed="rId4">
-              <a:extLst>
-                <a:ext uri="{28A0092B-C50C-407E-A947-70E740481C1C}">
-                  <a14:useLocalDpi xmlns:a14="http://schemas.microsoft.com/office/drawing/2010/main" val="0"/>
-                </a:ext>
-              </a:extLst>
-            </a:blip>
-            <a:srcRect/>
-            <a:stretch>
-              <a:fillRect/>
-            </a:stretch>
-          </p:blipFill>
-          <p:spPr bwMode="auto">
-            <a:xfrm>
-              <a:off x="3674846" y="4320986"/>
-              <a:ext cx="2937510" cy="2270539"/>
-            </a:xfrm>
-            <a:prstGeom prst="rect">
-              <a:avLst/>
-            </a:prstGeom>
-            <a:noFill/>
-            <a:extLst>
-              <a:ext uri="{909E8E84-426E-40DD-AFC4-6F175D3DCCD1}">
-                <a14:hiddenFill xmlns:a14="http://schemas.microsoft.com/office/drawing/2010/main">
-                  <a:solidFill>
-                    <a:srgbClr val="FFFFFF"/>
-                  </a:solidFill>
-                </a14:hiddenFill>
-              </a:ext>
-            </a:extLst>
-          </p:spPr>
-        </p:pic>
-        <p:sp>
-          <p:nvSpPr>
-            <p:cNvPr id="19" name="TextBox 18">
-              <a:extLst>
-                <a:ext uri="{FF2B5EF4-FFF2-40B4-BE49-F238E27FC236}">
-                  <a16:creationId xmlns:a16="http://schemas.microsoft.com/office/drawing/2014/main" id="{32C4B485-B6A5-9EBB-1632-5A4126F1E302}"/>
-                </a:ext>
-              </a:extLst>
-            </p:cNvPr>
-            <p:cNvSpPr txBox="1"/>
-            <p:nvPr/>
-          </p:nvSpPr>
-          <p:spPr>
-            <a:xfrm>
-              <a:off x="4794397" y="4469521"/>
-              <a:ext cx="301686" cy="369332"/>
-            </a:xfrm>
-            <a:prstGeom prst="rect">
-              <a:avLst/>
-            </a:prstGeom>
-            <a:noFill/>
-          </p:spPr>
-          <p:txBody>
-            <a:bodyPr wrap="none" rtlCol="0">
-              <a:spAutoFit/>
-            </a:bodyPr>
-            <a:lstStyle/>
-            <a:p>
-              <a:r>
-                <a:rPr lang="en-US" dirty="0">
-                  <a:solidFill>
-                    <a:srgbClr val="C00000"/>
-                  </a:solidFill>
-                </a:rPr>
-                <a:t>7</a:t>
-              </a:r>
-            </a:p>
-          </p:txBody>
-        </p:sp>
-      </p:grpSp>
-      <p:sp>
-        <p:nvSpPr>
-          <p:cNvPr id="28" name="Content Placeholder 2">
-            <a:extLst>
-              <a:ext uri="{FF2B5EF4-FFF2-40B4-BE49-F238E27FC236}">
-                <a16:creationId xmlns:a16="http://schemas.microsoft.com/office/drawing/2014/main" id="{1D5ED385-FDA4-7883-A6E7-C61E86BE1B5A}"/>
-              </a:ext>
-            </a:extLst>
-          </p:cNvPr>
-          <p:cNvSpPr txBox="1">
-            <a:spLocks/>
-          </p:cNvSpPr>
-          <p:nvPr/>
-        </p:nvSpPr>
-        <p:spPr>
-          <a:xfrm>
-            <a:off x="838200" y="1081157"/>
-            <a:ext cx="10515600" cy="5109249"/>
-          </a:xfrm>
-          <a:prstGeom prst="rect">
-            <a:avLst/>
-          </a:prstGeom>
-        </p:spPr>
-        <p:txBody>
-          <a:bodyPr/>
-          <a:lstStyle>
-            <a:lvl1pPr marL="228600" indent="-228600" algn="l" defTabSz="914400" rtl="0" eaLnBrk="1" latinLnBrk="0" hangingPunct="1">
-              <a:lnSpc>
-                <a:spcPct val="100000"/>
-              </a:lnSpc>
-              <a:spcBef>
-                <a:spcPts val="1000"/>
-              </a:spcBef>
-              <a:spcAft>
-                <a:spcPts val="1200"/>
-              </a:spcAft>
-              <a:buFont typeface="Arial" panose="020B0604020202020204" pitchFamily="34" charset="0"/>
-              <a:buChar char="•"/>
-              <a:defRPr sz="2400" kern="1200">
-                <a:solidFill>
-                  <a:schemeClr val="tx1"/>
-                </a:solidFill>
-                <a:latin typeface="Lucida Grande" pitchFamily="2" charset="0"/>
-                <a:ea typeface="Lucida Grande" pitchFamily="2" charset="0"/>
-                <a:cs typeface="Lucida Grande" pitchFamily="2" charset="0"/>
-              </a:defRPr>
-            </a:lvl1pPr>
-            <a:lvl2pPr marL="685800" indent="-228600" algn="l" defTabSz="914400" rtl="0" eaLnBrk="1" latinLnBrk="0" hangingPunct="1">
-              <a:lnSpc>
-                <a:spcPct val="100000"/>
-              </a:lnSpc>
-              <a:spcBef>
-                <a:spcPts val="500"/>
-              </a:spcBef>
-              <a:spcAft>
-                <a:spcPts val="1200"/>
-              </a:spcAft>
-              <a:buFont typeface="Arial" panose="020B0604020202020204" pitchFamily="34" charset="0"/>
-              <a:buChar char="•"/>
-              <a:defRPr sz="2000" kern="1200">
-                <a:solidFill>
-                  <a:schemeClr val="tx1"/>
-                </a:solidFill>
-                <a:latin typeface="Lucida Grande" pitchFamily="2" charset="0"/>
-                <a:ea typeface="Lucida Grande" pitchFamily="2" charset="0"/>
-                <a:cs typeface="Lucida Grande" pitchFamily="2" charset="0"/>
-              </a:defRPr>
-            </a:lvl2pPr>
-            <a:lvl3pPr marL="1143000" indent="-228600" algn="l" defTabSz="914400" rtl="0" eaLnBrk="1" latinLnBrk="0" hangingPunct="1">
-              <a:lnSpc>
-                <a:spcPct val="100000"/>
-              </a:lnSpc>
-              <a:spcBef>
-                <a:spcPts val="500"/>
-              </a:spcBef>
-              <a:spcAft>
-                <a:spcPts val="1200"/>
-              </a:spcAft>
-              <a:buFont typeface="Arial" panose="020B0604020202020204" pitchFamily="34" charset="0"/>
-              <a:buChar char="•"/>
-              <a:defRPr sz="1800" kern="1200">
-                <a:solidFill>
-                  <a:schemeClr val="tx1"/>
-                </a:solidFill>
-                <a:latin typeface="Lucida Grande" pitchFamily="2" charset="0"/>
-                <a:ea typeface="Lucida Grande" pitchFamily="2" charset="0"/>
-                <a:cs typeface="Lucida Grande" pitchFamily="2" charset="0"/>
-              </a:defRPr>
-            </a:lvl3pPr>
-            <a:lvl4pPr marL="1600200" indent="-228600" algn="l" defTabSz="914400" rtl="0" eaLnBrk="1" latinLnBrk="0" hangingPunct="1">
-              <a:lnSpc>
-                <a:spcPct val="100000"/>
-              </a:lnSpc>
-              <a:spcBef>
-                <a:spcPts val="500"/>
-              </a:spcBef>
-              <a:spcAft>
-                <a:spcPts val="1200"/>
-              </a:spcAft>
-              <a:buFont typeface="Arial" panose="020B0604020202020204" pitchFamily="34" charset="0"/>
-              <a:buChar char="•"/>
-              <a:defRPr sz="1600" kern="1200">
-                <a:solidFill>
-                  <a:schemeClr val="tx1"/>
-                </a:solidFill>
-                <a:latin typeface="Lucida Grande" pitchFamily="2" charset="0"/>
-                <a:ea typeface="Lucida Grande" pitchFamily="2" charset="0"/>
-                <a:cs typeface="Lucida Grande" pitchFamily="2" charset="0"/>
-              </a:defRPr>
-            </a:lvl4pPr>
-            <a:lvl5pPr marL="2057400" indent="-228600" algn="l" defTabSz="914400" rtl="0" eaLnBrk="1" latinLnBrk="0" hangingPunct="1">
-              <a:lnSpc>
-                <a:spcPct val="100000"/>
-              </a:lnSpc>
-              <a:spcBef>
-                <a:spcPts val="500"/>
-              </a:spcBef>
-              <a:spcAft>
-                <a:spcPts val="1200"/>
-              </a:spcAft>
-              <a:buFont typeface="Arial" panose="020B0604020202020204" pitchFamily="34" charset="0"/>
-              <a:buChar char="•"/>
-              <a:defRPr sz="1600" kern="1200">
-                <a:solidFill>
-                  <a:schemeClr val="tx1"/>
-                </a:solidFill>
-                <a:latin typeface="Lucida Grande" pitchFamily="2" charset="0"/>
-                <a:ea typeface="Lucida Grande" pitchFamily="2" charset="0"/>
-                <a:cs typeface="Lucida Grande" pitchFamily="2" charset="0"/>
-              </a:defRPr>
-            </a:lvl5pPr>
-            <a:lvl6pPr marL="2514600" indent="-228600" algn="l" defTabSz="914400" rtl="0" eaLnBrk="1" latinLnBrk="0" hangingPunct="1">
-              <a:lnSpc>
-                <a:spcPct val="90000"/>
-              </a:lnSpc>
-              <a:spcBef>
-                <a:spcPts val="500"/>
-              </a:spcBef>
-              <a:buFont typeface="Arial" panose="020B0604020202020204" pitchFamily="34" charset="0"/>
-              <a:buChar char="•"/>
-              <a:defRPr sz="1800" kern="1200">
-                <a:solidFill>
-                  <a:schemeClr val="tx1"/>
-                </a:solidFill>
-                <a:latin typeface="+mn-lt"/>
-                <a:ea typeface="+mn-ea"/>
-                <a:cs typeface="+mn-cs"/>
-              </a:defRPr>
-            </a:lvl6pPr>
-            <a:lvl7pPr marL="2971800" indent="-228600" algn="l" defTabSz="914400" rtl="0" eaLnBrk="1" latinLnBrk="0" hangingPunct="1">
-              <a:lnSpc>
-                <a:spcPct val="90000"/>
-              </a:lnSpc>
-              <a:spcBef>
-                <a:spcPts val="500"/>
-              </a:spcBef>
-              <a:buFont typeface="Arial" panose="020B0604020202020204" pitchFamily="34" charset="0"/>
-              <a:buChar char="•"/>
-              <a:defRPr sz="1800" kern="1200">
-                <a:solidFill>
-                  <a:schemeClr val="tx1"/>
-                </a:solidFill>
-                <a:latin typeface="+mn-lt"/>
-                <a:ea typeface="+mn-ea"/>
-                <a:cs typeface="+mn-cs"/>
-              </a:defRPr>
-            </a:lvl7pPr>
-            <a:lvl8pPr marL="3429000" indent="-228600" algn="l" defTabSz="914400" rtl="0" eaLnBrk="1" latinLnBrk="0" hangingPunct="1">
-              <a:lnSpc>
-                <a:spcPct val="90000"/>
-              </a:lnSpc>
-              <a:spcBef>
-                <a:spcPts val="500"/>
-              </a:spcBef>
-              <a:buFont typeface="Arial" panose="020B0604020202020204" pitchFamily="34" charset="0"/>
-              <a:buChar char="•"/>
-              <a:defRPr sz="1800" kern="1200">
-                <a:solidFill>
-                  <a:schemeClr val="tx1"/>
-                </a:solidFill>
-                <a:latin typeface="+mn-lt"/>
-                <a:ea typeface="+mn-ea"/>
-                <a:cs typeface="+mn-cs"/>
-              </a:defRPr>
-            </a:lvl8pPr>
-            <a:lvl9pPr marL="3886200" indent="-228600" algn="l" defTabSz="914400" rtl="0" eaLnBrk="1" latinLnBrk="0" hangingPunct="1">
-              <a:lnSpc>
-                <a:spcPct val="90000"/>
-              </a:lnSpc>
-              <a:spcBef>
-                <a:spcPts val="500"/>
-              </a:spcBef>
-              <a:buFont typeface="Arial" panose="020B0604020202020204" pitchFamily="34" charset="0"/>
-              <a:buChar char="•"/>
-              <a:defRPr sz="1800" kern="1200">
-                <a:solidFill>
-                  <a:schemeClr val="tx1"/>
-                </a:solidFill>
-                <a:latin typeface="+mn-lt"/>
-                <a:ea typeface="+mn-ea"/>
-                <a:cs typeface="+mn-cs"/>
-              </a:defRPr>
-            </a:lvl9pPr>
-          </a:lstStyle>
-          <a:p>
-            <a:r>
-              <a:rPr lang="en-US" dirty="0"/>
-              <a:t>Shoulder in density distribution due to bimodal charge distribution</a:t>
-            </a:r>
-          </a:p>
-          <a:p>
-            <a:pPr lvl="1"/>
-            <a:r>
-              <a:rPr lang="en-US" dirty="0"/>
-              <a:t>Fraction of chains in inner while rest in outer layer (fraction in inner layer decreases as screening decreases)</a:t>
-            </a:r>
-          </a:p>
-        </p:txBody>
-      </p:sp>
-      <p:pic>
-        <p:nvPicPr>
-          <p:cNvPr id="4098" name="Picture 2">
-            <a:extLst>
-              <a:ext uri="{FF2B5EF4-FFF2-40B4-BE49-F238E27FC236}">
-                <a16:creationId xmlns:a16="http://schemas.microsoft.com/office/drawing/2014/main" id="{A7EED208-D3D1-1820-4976-FE3848369CE1}"/>
-              </a:ext>
-            </a:extLst>
-          </p:cNvPr>
-          <p:cNvPicPr>
-            <a:picLocks noChangeAspect="1" noChangeArrowheads="1"/>
-          </p:cNvPicPr>
-          <p:nvPr/>
-        </p:nvPicPr>
-        <p:blipFill>
-          <a:blip r:embed="rId5">
-            <a:extLst>
-              <a:ext uri="{28A0092B-C50C-407E-A947-70E740481C1C}">
-                <a14:useLocalDpi xmlns:a14="http://schemas.microsoft.com/office/drawing/2010/main" val="0"/>
-              </a:ext>
-            </a:extLst>
-          </a:blip>
-          <a:srcRect/>
-          <a:stretch>
-            <a:fillRect/>
-          </a:stretch>
-        </p:blipFill>
-        <p:spPr bwMode="auto">
-          <a:xfrm>
-            <a:off x="3043768" y="5224586"/>
-            <a:ext cx="5964151" cy="1633414"/>
-          </a:xfrm>
-          <a:prstGeom prst="rect">
-            <a:avLst/>
-          </a:prstGeom>
-          <a:noFill/>
-          <a:extLst>
-            <a:ext uri="{909E8E84-426E-40DD-AFC4-6F175D3DCCD1}">
-              <a14:hiddenFill xmlns:a14="http://schemas.microsoft.com/office/drawing/2010/main">
-                <a:solidFill>
-                  <a:srgbClr val="FFFFFF"/>
-                </a:solidFill>
-              </a14:hiddenFill>
-            </a:ext>
-          </a:extLst>
-        </p:spPr>
-      </p:pic>
-      <p:cxnSp>
-        <p:nvCxnSpPr>
-          <p:cNvPr id="23" name="Straight Arrow Connector 22">
-            <a:extLst>
-              <a:ext uri="{FF2B5EF4-FFF2-40B4-BE49-F238E27FC236}">
-                <a16:creationId xmlns:a16="http://schemas.microsoft.com/office/drawing/2014/main" id="{2955DE1A-A487-C6E6-1478-67F8A823BADE}"/>
-              </a:ext>
-            </a:extLst>
-          </p:cNvPr>
-          <p:cNvCxnSpPr>
-            <a:cxnSpLocks/>
-          </p:cNvCxnSpPr>
-          <p:nvPr/>
-        </p:nvCxnSpPr>
-        <p:spPr>
-          <a:xfrm flipV="1">
-            <a:off x="4848225" y="4867257"/>
-            <a:ext cx="171450" cy="997048"/>
-          </a:xfrm>
-          <a:prstGeom prst="straightConnector1">
-            <a:avLst/>
-          </a:prstGeom>
-          <a:ln w="38100">
-            <a:solidFill>
-              <a:schemeClr val="tx1"/>
-            </a:solidFill>
-            <a:tailEnd type="triangle"/>
-          </a:ln>
-        </p:spPr>
-        <p:style>
-          <a:lnRef idx="1">
-            <a:schemeClr val="accent1"/>
-          </a:lnRef>
-          <a:fillRef idx="0">
-            <a:schemeClr val="accent1"/>
-          </a:fillRef>
-          <a:effectRef idx="0">
-            <a:schemeClr val="accent1"/>
-          </a:effectRef>
-          <a:fontRef idx="minor">
-            <a:schemeClr val="tx1"/>
-          </a:fontRef>
-        </p:style>
-      </p:cxnSp>
-      <p:cxnSp>
-        <p:nvCxnSpPr>
-          <p:cNvPr id="34" name="Straight Arrow Connector 33">
-            <a:extLst>
-              <a:ext uri="{FF2B5EF4-FFF2-40B4-BE49-F238E27FC236}">
-                <a16:creationId xmlns:a16="http://schemas.microsoft.com/office/drawing/2014/main" id="{40C0C881-84E6-096E-7193-50626015E4C8}"/>
-              </a:ext>
-            </a:extLst>
-          </p:cNvPr>
-          <p:cNvCxnSpPr>
-            <a:cxnSpLocks/>
-          </p:cNvCxnSpPr>
-          <p:nvPr/>
-        </p:nvCxnSpPr>
-        <p:spPr>
-          <a:xfrm flipV="1">
-            <a:off x="7451470" y="4867257"/>
-            <a:ext cx="907700" cy="908972"/>
-          </a:xfrm>
-          <a:prstGeom prst="straightConnector1">
-            <a:avLst/>
-          </a:prstGeom>
-          <a:ln w="38100">
-            <a:solidFill>
-              <a:schemeClr val="tx1"/>
-            </a:solidFill>
-            <a:tailEnd type="triangle"/>
-          </a:ln>
-        </p:spPr>
-        <p:style>
-          <a:lnRef idx="1">
-            <a:schemeClr val="accent1"/>
-          </a:lnRef>
-          <a:fillRef idx="0">
-            <a:schemeClr val="accent1"/>
-          </a:fillRef>
-          <a:effectRef idx="0">
-            <a:schemeClr val="accent1"/>
-          </a:effectRef>
-          <a:fontRef idx="minor">
-            <a:schemeClr val="tx1"/>
-          </a:fontRef>
-        </p:style>
-      </p:cxnSp>
     </p:spTree>
     <p:extLst>
       <p:ext uri="{BB962C8B-B14F-4D97-AF65-F5344CB8AC3E}">
-        <p14:creationId xmlns:p14="http://schemas.microsoft.com/office/powerpoint/2010/main" val="2742560492"/>
+        <p14:creationId xmlns:p14="http://schemas.microsoft.com/office/powerpoint/2010/main" val="3507652775"/>
       </p:ext>
     </p:extLst>
   </p:cSld>

--- a/NF Collab Summary.pptx
+++ b/NF Collab Summary.pptx
@@ -223,7 +223,7 @@
           <a:p>
             <a:fld id="{14580B53-B3FA-440E-B97E-7F7743C74805}" type="datetimeFigureOut">
               <a:rPr lang="en-US" smtClean="0"/>
-              <a:t>4/5/2024</a:t>
+              <a:t>4/8/2024</a:t>
             </a:fld>
             <a:endParaRPr lang="en-US"/>
           </a:p>
@@ -400,7 +400,7 @@
           <a:p>
             <a:fld id="{DFF06B30-C56E-4ACA-940F-52D7F8EC3A48}" type="datetimeFigureOut">
               <a:rPr lang="en-US" smtClean="0"/>
-              <a:t>4/5/2024</a:t>
+              <a:t>4/8/2024</a:t>
             </a:fld>
             <a:endParaRPr lang="en-US"/>
           </a:p>
@@ -1157,7 +1157,7 @@
           <a:p>
             <a:fld id="{6D309A34-CB22-414B-B337-22A54F31417C}" type="datetime1">
               <a:rPr lang="en-US" smtClean="0"/>
-              <a:t>4/5/2024</a:t>
+              <a:t>4/8/2024</a:t>
             </a:fld>
             <a:endParaRPr lang="en-US"/>
           </a:p>
@@ -1304,7 +1304,7 @@
           <a:p>
             <a:fld id="{2875BB1A-84CA-4261-AA50-DA2DDF53AC57}" type="datetime1">
               <a:rPr lang="en-US" smtClean="0"/>
-              <a:t>4/5/2024</a:t>
+              <a:t>4/8/2024</a:t>
             </a:fld>
             <a:endParaRPr lang="en-US"/>
           </a:p>
@@ -1628,7 +1628,7 @@
           <a:p>
             <a:fld id="{01337600-D417-47B7-AA41-087585197EDC}" type="datetime1">
               <a:rPr lang="en-US" smtClean="0"/>
-              <a:t>4/5/2024</a:t>
+              <a:t>4/8/2024</a:t>
             </a:fld>
             <a:endParaRPr lang="en-US"/>
           </a:p>
@@ -1912,7 +1912,7 @@
           <a:p>
             <a:fld id="{D07EAAE8-4F5E-4E22-B18A-33ECA1052179}" type="datetime1">
               <a:rPr lang="en-US" smtClean="0"/>
-              <a:t>4/5/2024</a:t>
+              <a:t>4/8/2024</a:t>
             </a:fld>
             <a:endParaRPr lang="en-US"/>
           </a:p>
@@ -2191,7 +2191,7 @@
           <a:p>
             <a:fld id="{CE037CEF-216D-4711-8A5B-8A9A7F84D340}" type="datetime1">
               <a:rPr lang="en-US" smtClean="0"/>
-              <a:t>4/5/2024</a:t>
+              <a:t>4/8/2024</a:t>
             </a:fld>
             <a:endParaRPr lang="en-US"/>
           </a:p>
@@ -4052,8 +4052,8 @@
           </a:p>
         </p:txBody>
       </p:sp>
-      <mc:AlternateContent xmlns:mc="http://schemas.openxmlformats.org/markup-compatibility/2006">
-        <mc:Choice xmlns:a14="http://schemas.microsoft.com/office/drawing/2010/main" Requires="a14">
+      <mc:AlternateContent xmlns:mc="http://schemas.openxmlformats.org/markup-compatibility/2006" xmlns:a14="http://schemas.microsoft.com/office/drawing/2010/main">
+        <mc:Choice Requires="a14">
           <p:sp>
             <p:nvSpPr>
               <p:cNvPr id="14" name="TextBox 13">
@@ -4130,7 +4130,7 @@
             </p:txBody>
           </p:sp>
         </mc:Choice>
-        <mc:Fallback>
+        <mc:Fallback xmlns="">
           <p:sp>
             <p:nvSpPr>
               <p:cNvPr id="14" name="TextBox 13">
@@ -4576,8 +4576,8 @@
           </a:p>
         </p:txBody>
       </p:sp>
-      <mc:AlternateContent xmlns:mc="http://schemas.openxmlformats.org/markup-compatibility/2006">
-        <mc:Choice xmlns:a14="http://schemas.microsoft.com/office/drawing/2010/main" Requires="a14">
+      <mc:AlternateContent xmlns:mc="http://schemas.openxmlformats.org/markup-compatibility/2006" xmlns:a14="http://schemas.microsoft.com/office/drawing/2010/main">
+        <mc:Choice Requires="a14">
           <p:sp>
             <p:nvSpPr>
               <p:cNvPr id="10" name="TextBox 9">
@@ -4654,7 +4654,7 @@
             </p:txBody>
           </p:sp>
         </mc:Choice>
-        <mc:Fallback>
+        <mc:Fallback xmlns="">
           <p:sp>
             <p:nvSpPr>
               <p:cNvPr id="10" name="TextBox 9">
@@ -5187,53 +5187,6 @@
           </a:extLst>
         </p:spPr>
       </p:pic>
-      <p:pic>
-        <p:nvPicPr>
-          <p:cNvPr id="4110" name="Picture 14">
-            <a:extLst>
-              <a:ext uri="{FF2B5EF4-FFF2-40B4-BE49-F238E27FC236}">
-                <a16:creationId xmlns:a16="http://schemas.microsoft.com/office/drawing/2014/main" id="{8F8F6982-B250-0F22-8B82-94C4D5A698DA}"/>
-              </a:ext>
-            </a:extLst>
-          </p:cNvPr>
-          <p:cNvPicPr>
-            <a:picLocks noChangeAspect="1" noChangeArrowheads="1"/>
-          </p:cNvPicPr>
-          <p:nvPr/>
-        </p:nvPicPr>
-        <p:blipFill>
-          <a:blip r:embed="rId3">
-            <a:extLst>
-              <a:ext uri="{28A0092B-C50C-407E-A947-70E740481C1C}">
-                <a14:useLocalDpi xmlns:a14="http://schemas.microsoft.com/office/drawing/2010/main" val="0"/>
-              </a:ext>
-            </a:extLst>
-          </a:blip>
-          <a:srcRect/>
-          <a:stretch>
-            <a:fillRect/>
-          </a:stretch>
-        </p:blipFill>
-        <p:spPr bwMode="auto">
-          <a:xfrm>
-            <a:off x="2836331" y="3957305"/>
-            <a:ext cx="7492996" cy="2376685"/>
-          </a:xfrm>
-          <a:prstGeom prst="rect">
-            <a:avLst/>
-          </a:prstGeom>
-          <a:noFill/>
-          <a:extLst>
-            <a:ext uri="{909E8E84-426E-40DD-AFC4-6F175D3DCCD1}">
-              <a14:hiddenFill xmlns:a14="http://schemas.microsoft.com/office/drawing/2010/main">
-                <a:solidFill>
-                  <a:srgbClr val="FFFFFF"/>
-                </a:solidFill>
-              </a14:hiddenFill>
-            </a:ext>
-          </a:extLst>
-        </p:spPr>
-      </p:pic>
       <p:sp>
         <p:nvSpPr>
           <p:cNvPr id="6" name="TextBox 5">
@@ -5304,6 +5257,269 @@
           </a:p>
         </p:txBody>
       </p:sp>
+      <mc:AlternateContent xmlns:mc="http://schemas.openxmlformats.org/markup-compatibility/2006">
+        <mc:Choice xmlns:a14="http://schemas.microsoft.com/office/drawing/2010/main" Requires="a14">
+          <p:sp>
+            <p:nvSpPr>
+              <p:cNvPr id="4" name="TextBox 3">
+                <a:extLst>
+                  <a:ext uri="{FF2B5EF4-FFF2-40B4-BE49-F238E27FC236}">
+                    <a16:creationId xmlns:a16="http://schemas.microsoft.com/office/drawing/2014/main" id="{DF83AED6-89A0-6890-FF35-2B629407C687}"/>
+                  </a:ext>
+                </a:extLst>
+              </p:cNvPr>
+              <p:cNvSpPr txBox="1"/>
+              <p:nvPr/>
+            </p:nvSpPr>
+            <p:spPr>
+              <a:xfrm>
+                <a:off x="431800" y="6455114"/>
+                <a:ext cx="9296400" cy="291298"/>
+              </a:xfrm>
+              <a:prstGeom prst="rect">
+                <a:avLst/>
+              </a:prstGeom>
+              <a:noFill/>
+            </p:spPr>
+            <p:txBody>
+              <a:bodyPr wrap="square" rtlCol="0">
+                <a:spAutoFit/>
+              </a:bodyPr>
+              <a:lstStyle/>
+              <a:p>
+                <a:r>
+                  <a:rPr lang="en-US" sz="1200" dirty="0"/>
+                  <a:t>Chosen for best agreement with experimentally measured heights: </a:t>
+                </a:r>
+                <a14:m>
+                  <m:oMath xmlns:m="http://schemas.openxmlformats.org/officeDocument/2006/math">
+                    <m:r>
+                      <a:rPr lang="en-US" sz="1200" b="0" i="1" smtClean="0">
+                        <a:latin typeface="Cambria Math" panose="02040503050406030204" pitchFamily="18" charset="0"/>
+                      </a:rPr>
+                      <m:t>𝑏</m:t>
+                    </m:r>
+                    <m:r>
+                      <a:rPr lang="en-US" sz="1200" b="0" i="1" smtClean="0">
+                        <a:latin typeface="Cambria Math" panose="02040503050406030204" pitchFamily="18" charset="0"/>
+                      </a:rPr>
+                      <m:t>=0.60 </m:t>
+                    </m:r>
+                    <m:r>
+                      <a:rPr lang="en-US" sz="1200" b="0" i="1" smtClean="0">
+                        <a:latin typeface="Cambria Math" panose="02040503050406030204" pitchFamily="18" charset="0"/>
+                      </a:rPr>
+                      <m:t>𝑛𝑚</m:t>
+                    </m:r>
+                    <m:r>
+                      <a:rPr lang="en-US" sz="1200" b="0" i="1" smtClean="0">
+                        <a:latin typeface="Cambria Math" panose="02040503050406030204" pitchFamily="18" charset="0"/>
+                      </a:rPr>
+                      <m:t>, </m:t>
+                    </m:r>
+                    <m:r>
+                      <a:rPr lang="en-US" sz="1200" b="0" i="1" smtClean="0">
+                        <a:latin typeface="Cambria Math" panose="02040503050406030204" pitchFamily="18" charset="0"/>
+                      </a:rPr>
+                      <m:t>𝜈</m:t>
+                    </m:r>
+                    <m:r>
+                      <a:rPr lang="en-US" sz="1200" b="0" i="1" smtClean="0">
+                        <a:latin typeface="Cambria Math" panose="02040503050406030204" pitchFamily="18" charset="0"/>
+                      </a:rPr>
+                      <m:t>=0.05 </m:t>
+                    </m:r>
+                    <m:r>
+                      <a:rPr lang="en-US" sz="1200" b="0" i="1" smtClean="0">
+                        <a:latin typeface="Cambria Math" panose="02040503050406030204" pitchFamily="18" charset="0"/>
+                      </a:rPr>
+                      <m:t>𝑛</m:t>
+                    </m:r>
+                    <m:sSup>
+                      <m:sSupPr>
+                        <m:ctrlPr>
+                          <a:rPr lang="en-US" sz="1200" b="0" i="1" smtClean="0">
+                            <a:latin typeface="Cambria Math" panose="02040503050406030204" pitchFamily="18" charset="0"/>
+                          </a:rPr>
+                        </m:ctrlPr>
+                      </m:sSupPr>
+                      <m:e>
+                        <m:r>
+                          <a:rPr lang="en-US" sz="1200" b="0" i="1" smtClean="0">
+                            <a:latin typeface="Cambria Math" panose="02040503050406030204" pitchFamily="18" charset="0"/>
+                          </a:rPr>
+                          <m:t>𝑚</m:t>
+                        </m:r>
+                      </m:e>
+                      <m:sup>
+                        <m:r>
+                          <a:rPr lang="en-US" sz="1200" b="0" i="1" smtClean="0">
+                            <a:latin typeface="Cambria Math" panose="02040503050406030204" pitchFamily="18" charset="0"/>
+                          </a:rPr>
+                          <m:t>3</m:t>
+                        </m:r>
+                      </m:sup>
+                    </m:sSup>
+                  </m:oMath>
+                </a14:m>
+                <a:r>
+                  <a:rPr lang="en-US" sz="1200" dirty="0"/>
+                  <a:t>. phospho H, </a:t>
+                </a:r>
+                <a14:m>
+                  <m:oMath xmlns:m="http://schemas.openxmlformats.org/officeDocument/2006/math">
+                    <m:r>
+                      <a:rPr lang="en-US" sz="1200" i="1" dirty="0">
+                        <a:latin typeface="Cambria Math" panose="02040503050406030204" pitchFamily="18" charset="0"/>
+                      </a:rPr>
+                      <m:t>𝜈</m:t>
+                    </m:r>
+                    <m:r>
+                      <a:rPr lang="en-US" sz="1200" dirty="0">
+                        <a:latin typeface="Cambria Math" panose="02040503050406030204" pitchFamily="18" charset="0"/>
+                      </a:rPr>
+                      <m:t>=</m:t>
+                    </m:r>
+                    <m:r>
+                      <a:rPr lang="en-US" sz="1200" i="1" dirty="0">
+                        <a:latin typeface="Cambria Math" panose="02040503050406030204" pitchFamily="18" charset="0"/>
+                      </a:rPr>
+                      <m:t>0.15 </m:t>
+                    </m:r>
+                    <m:r>
+                      <a:rPr lang="en-US" sz="1200" i="1" dirty="0">
+                        <a:latin typeface="Cambria Math" panose="02040503050406030204" pitchFamily="18" charset="0"/>
+                      </a:rPr>
+                      <m:t>𝑛</m:t>
+                    </m:r>
+                    <m:sSup>
+                      <m:sSupPr>
+                        <m:ctrlPr>
+                          <a:rPr lang="en-US" sz="1200" i="1" dirty="0">
+                            <a:latin typeface="Cambria Math" panose="02040503050406030204" pitchFamily="18" charset="0"/>
+                          </a:rPr>
+                        </m:ctrlPr>
+                      </m:sSupPr>
+                      <m:e>
+                        <m:r>
+                          <a:rPr lang="en-US" sz="1200" i="1" dirty="0">
+                            <a:latin typeface="Cambria Math" panose="02040503050406030204" pitchFamily="18" charset="0"/>
+                          </a:rPr>
+                          <m:t>𝑚</m:t>
+                        </m:r>
+                      </m:e>
+                      <m:sup>
+                        <m:r>
+                          <a:rPr lang="en-US" sz="1200" i="1" dirty="0">
+                            <a:latin typeface="Cambria Math" panose="02040503050406030204" pitchFamily="18" charset="0"/>
+                          </a:rPr>
+                          <m:t>3</m:t>
+                        </m:r>
+                      </m:sup>
+                    </m:sSup>
+                  </m:oMath>
+                </a14:m>
+                <a:r>
+                  <a:rPr lang="en-US" sz="1200" dirty="0"/>
+                  <a:t>. Thresh </a:t>
+                </a:r>
+                <a14:m>
+                  <m:oMath xmlns:m="http://schemas.openxmlformats.org/officeDocument/2006/math">
+                    <m:sSub>
+                      <m:sSubPr>
+                        <m:ctrlPr>
+                          <a:rPr lang="en-US" sz="1200" b="0" i="1" smtClean="0">
+                            <a:latin typeface="Cambria Math" panose="02040503050406030204" pitchFamily="18" charset="0"/>
+                          </a:rPr>
+                        </m:ctrlPr>
+                      </m:sSubPr>
+                      <m:e>
+                        <m:r>
+                          <a:rPr lang="en-US" sz="1200" b="0" i="1" smtClean="0">
+                            <a:latin typeface="Cambria Math" panose="02040503050406030204" pitchFamily="18" charset="0"/>
+                          </a:rPr>
+                          <m:t>𝜙</m:t>
+                        </m:r>
+                      </m:e>
+                      <m:sub>
+                        <m:r>
+                          <a:rPr lang="en-US" sz="1200" b="0" i="1" smtClean="0">
+                            <a:latin typeface="Cambria Math" panose="02040503050406030204" pitchFamily="18" charset="0"/>
+                          </a:rPr>
+                          <m:t>𝑝</m:t>
+                        </m:r>
+                      </m:sub>
+                    </m:sSub>
+                    <m:r>
+                      <a:rPr lang="en-US" sz="1200" b="0" i="1" smtClean="0">
+                        <a:latin typeface="Cambria Math" panose="02040503050406030204" pitchFamily="18" charset="0"/>
+                      </a:rPr>
+                      <m:t>=1</m:t>
+                    </m:r>
+                    <m:r>
+                      <a:rPr lang="en-US" sz="1200" b="0" i="1" smtClean="0">
+                        <a:latin typeface="Cambria Math" panose="02040503050406030204" pitchFamily="18" charset="0"/>
+                      </a:rPr>
+                      <m:t>𝐸</m:t>
+                    </m:r>
+                    <m:r>
+                      <a:rPr lang="en-US" sz="1200" b="0" i="1" smtClean="0">
+                        <a:latin typeface="Cambria Math" panose="02040503050406030204" pitchFamily="18" charset="0"/>
+                      </a:rPr>
+                      <m:t>−04</m:t>
+                    </m:r>
+                  </m:oMath>
+                </a14:m>
+                <a:endParaRPr lang="en-US" sz="1200" dirty="0"/>
+              </a:p>
+            </p:txBody>
+          </p:sp>
+        </mc:Choice>
+        <mc:Fallback>
+          <p:sp>
+            <p:nvSpPr>
+              <p:cNvPr id="4" name="TextBox 3">
+                <a:extLst>
+                  <a:ext uri="{FF2B5EF4-FFF2-40B4-BE49-F238E27FC236}">
+                    <a16:creationId xmlns:a16="http://schemas.microsoft.com/office/drawing/2014/main" id="{DF83AED6-89A0-6890-FF35-2B629407C687}"/>
+                  </a:ext>
+                </a:extLst>
+              </p:cNvPr>
+              <p:cNvSpPr txBox="1">
+                <a:spLocks noRot="1" noChangeAspect="1" noMove="1" noResize="1" noEditPoints="1" noAdjustHandles="1" noChangeArrowheads="1" noChangeShapeType="1" noTextEdit="1"/>
+              </p:cNvSpPr>
+              <p:nvPr/>
+            </p:nvSpPr>
+            <p:spPr>
+              <a:xfrm>
+                <a:off x="431800" y="6455114"/>
+                <a:ext cx="9296400" cy="291298"/>
+              </a:xfrm>
+              <a:prstGeom prst="rect">
+                <a:avLst/>
+              </a:prstGeom>
+              <a:blipFill>
+                <a:blip r:embed="rId3"/>
+                <a:stretch>
+                  <a:fillRect l="-66" b="-12500"/>
+                </a:stretch>
+              </a:blipFill>
+            </p:spPr>
+            <p:txBody>
+              <a:bodyPr/>
+              <a:lstStyle/>
+              <a:p>
+                <a:r>
+                  <a:rPr lang="en-US">
+                    <a:noFill/>
+                  </a:rPr>
+                  <a:t> </a:t>
+                </a:r>
+              </a:p>
+            </p:txBody>
+          </p:sp>
+        </mc:Fallback>
+      </mc:AlternateContent>
     </p:spTree>
     <p:extLst>
       <p:ext uri="{BB962C8B-B14F-4D97-AF65-F5344CB8AC3E}">
@@ -5427,8 +5643,196 @@
         </p:blipFill>
         <p:spPr bwMode="auto">
           <a:xfrm>
-            <a:off x="1048281" y="1201208"/>
-            <a:ext cx="3396498" cy="5520267"/>
+            <a:off x="524932" y="1193799"/>
+            <a:ext cx="3176403" cy="5162551"/>
+          </a:xfrm>
+          <a:prstGeom prst="rect">
+            <a:avLst/>
+          </a:prstGeom>
+          <a:noFill/>
+          <a:extLst>
+            <a:ext uri="{909E8E84-426E-40DD-AFC4-6F175D3DCCD1}">
+              <a14:hiddenFill xmlns:a14="http://schemas.microsoft.com/office/drawing/2010/main">
+                <a:solidFill>
+                  <a:srgbClr val="FFFFFF"/>
+                </a:solidFill>
+              </a14:hiddenFill>
+            </a:ext>
+          </a:extLst>
+        </p:spPr>
+      </p:pic>
+      <p:pic>
+        <p:nvPicPr>
+          <p:cNvPr id="3076" name="Picture 4">
+            <a:extLst>
+              <a:ext uri="{FF2B5EF4-FFF2-40B4-BE49-F238E27FC236}">
+                <a16:creationId xmlns:a16="http://schemas.microsoft.com/office/drawing/2014/main" id="{934D5013-F5D1-501F-3340-FF5D48BCA5D8}"/>
+              </a:ext>
+            </a:extLst>
+          </p:cNvPr>
+          <p:cNvPicPr>
+            <a:picLocks noChangeAspect="1" noChangeArrowheads="1"/>
+          </p:cNvPicPr>
+          <p:nvPr/>
+        </p:nvPicPr>
+        <p:blipFill>
+          <a:blip r:embed="rId3">
+            <a:extLst>
+              <a:ext uri="{28A0092B-C50C-407E-A947-70E740481C1C}">
+                <a14:useLocalDpi xmlns:a14="http://schemas.microsoft.com/office/drawing/2010/main" val="0"/>
+              </a:ext>
+            </a:extLst>
+          </a:blip>
+          <a:srcRect/>
+          <a:stretch>
+            <a:fillRect/>
+          </a:stretch>
+        </p:blipFill>
+        <p:spPr bwMode="auto">
+          <a:xfrm>
+            <a:off x="4092361" y="3332113"/>
+            <a:ext cx="2535447" cy="781177"/>
+          </a:xfrm>
+          <a:prstGeom prst="rect">
+            <a:avLst/>
+          </a:prstGeom>
+          <a:noFill/>
+          <a:extLst>
+            <a:ext uri="{909E8E84-426E-40DD-AFC4-6F175D3DCCD1}">
+              <a14:hiddenFill xmlns:a14="http://schemas.microsoft.com/office/drawing/2010/main">
+                <a:solidFill>
+                  <a:srgbClr val="FFFFFF"/>
+                </a:solidFill>
+              </a14:hiddenFill>
+            </a:ext>
+          </a:extLst>
+        </p:spPr>
+      </p:pic>
+      <p:pic>
+        <p:nvPicPr>
+          <p:cNvPr id="3078" name="Picture 6">
+            <a:extLst>
+              <a:ext uri="{FF2B5EF4-FFF2-40B4-BE49-F238E27FC236}">
+                <a16:creationId xmlns:a16="http://schemas.microsoft.com/office/drawing/2014/main" id="{E1E15017-8469-3FD0-D97F-AF796685675D}"/>
+              </a:ext>
+            </a:extLst>
+          </p:cNvPr>
+          <p:cNvPicPr>
+            <a:picLocks noChangeAspect="1" noChangeArrowheads="1"/>
+          </p:cNvPicPr>
+          <p:nvPr/>
+        </p:nvPicPr>
+        <p:blipFill>
+          <a:blip r:embed="rId4">
+            <a:extLst>
+              <a:ext uri="{28A0092B-C50C-407E-A947-70E740481C1C}">
+                <a14:useLocalDpi xmlns:a14="http://schemas.microsoft.com/office/drawing/2010/main" val="0"/>
+              </a:ext>
+            </a:extLst>
+          </a:blip>
+          <a:srcRect/>
+          <a:stretch>
+            <a:fillRect/>
+          </a:stretch>
+        </p:blipFill>
+        <p:spPr bwMode="auto">
+          <a:xfrm>
+            <a:off x="4092361" y="1739371"/>
+            <a:ext cx="999596" cy="766269"/>
+          </a:xfrm>
+          <a:prstGeom prst="rect">
+            <a:avLst/>
+          </a:prstGeom>
+          <a:noFill/>
+          <a:extLst>
+            <a:ext uri="{909E8E84-426E-40DD-AFC4-6F175D3DCCD1}">
+              <a14:hiddenFill xmlns:a14="http://schemas.microsoft.com/office/drawing/2010/main">
+                <a:solidFill>
+                  <a:srgbClr val="FFFFFF"/>
+                </a:solidFill>
+              </a14:hiddenFill>
+            </a:ext>
+          </a:extLst>
+        </p:spPr>
+      </p:pic>
+      <p:pic>
+        <p:nvPicPr>
+          <p:cNvPr id="3080" name="Picture 8">
+            <a:extLst>
+              <a:ext uri="{FF2B5EF4-FFF2-40B4-BE49-F238E27FC236}">
+                <a16:creationId xmlns:a16="http://schemas.microsoft.com/office/drawing/2014/main" id="{2ACC492C-3835-AA2E-89E0-7A11DC2D583B}"/>
+              </a:ext>
+            </a:extLst>
+          </p:cNvPr>
+          <p:cNvPicPr>
+            <a:picLocks noChangeAspect="1" noChangeArrowheads="1"/>
+          </p:cNvPicPr>
+          <p:nvPr/>
+        </p:nvPicPr>
+        <p:blipFill>
+          <a:blip r:embed="rId5">
+            <a:extLst>
+              <a:ext uri="{28A0092B-C50C-407E-A947-70E740481C1C}">
+                <a14:useLocalDpi xmlns:a14="http://schemas.microsoft.com/office/drawing/2010/main" val="0"/>
+              </a:ext>
+            </a:extLst>
+          </a:blip>
+          <a:srcRect/>
+          <a:stretch>
+            <a:fillRect/>
+          </a:stretch>
+        </p:blipFill>
+        <p:spPr bwMode="auto">
+          <a:xfrm>
+            <a:off x="4092361" y="4711163"/>
+            <a:ext cx="2890836" cy="762650"/>
+          </a:xfrm>
+          <a:prstGeom prst="rect">
+            <a:avLst/>
+          </a:prstGeom>
+          <a:noFill/>
+          <a:extLst>
+            <a:ext uri="{909E8E84-426E-40DD-AFC4-6F175D3DCCD1}">
+              <a14:hiddenFill xmlns:a14="http://schemas.microsoft.com/office/drawing/2010/main">
+                <a:solidFill>
+                  <a:srgbClr val="FFFFFF"/>
+                </a:solidFill>
+              </a14:hiddenFill>
+            </a:ext>
+          </a:extLst>
+        </p:spPr>
+      </p:pic>
+      <p:pic>
+        <p:nvPicPr>
+          <p:cNvPr id="3082" name="Picture 10">
+            <a:extLst>
+              <a:ext uri="{FF2B5EF4-FFF2-40B4-BE49-F238E27FC236}">
+                <a16:creationId xmlns:a16="http://schemas.microsoft.com/office/drawing/2014/main" id="{49E792D6-B04F-1A3F-DAB9-DE64D9029F17}"/>
+              </a:ext>
+            </a:extLst>
+          </p:cNvPr>
+          <p:cNvPicPr>
+            <a:picLocks noChangeAspect="1" noChangeArrowheads="1"/>
+          </p:cNvPicPr>
+          <p:nvPr/>
+        </p:nvPicPr>
+        <p:blipFill>
+          <a:blip r:embed="rId6">
+            <a:extLst>
+              <a:ext uri="{28A0092B-C50C-407E-A947-70E740481C1C}">
+                <a14:useLocalDpi xmlns:a14="http://schemas.microsoft.com/office/drawing/2010/main" val="0"/>
+              </a:ext>
+            </a:extLst>
+          </a:blip>
+          <a:srcRect/>
+          <a:stretch>
+            <a:fillRect/>
+          </a:stretch>
+        </p:blipFill>
+        <p:spPr bwMode="auto">
+          <a:xfrm>
+            <a:off x="4092361" y="5300569"/>
+            <a:ext cx="2890836" cy="762650"/>
           </a:xfrm>
           <a:prstGeom prst="rect">
             <a:avLst/>
@@ -5541,10 +5945,10 @@
       </p:sp>
       <p:pic>
         <p:nvPicPr>
-          <p:cNvPr id="6148" name="Picture 4">
-            <a:extLst>
-              <a:ext uri="{FF2B5EF4-FFF2-40B4-BE49-F238E27FC236}">
-                <a16:creationId xmlns:a16="http://schemas.microsoft.com/office/drawing/2014/main" id="{14CF7DB3-06CF-576C-2815-92C87ADCE3FD}"/>
+          <p:cNvPr id="2052" name="Picture 4">
+            <a:extLst>
+              <a:ext uri="{FF2B5EF4-FFF2-40B4-BE49-F238E27FC236}">
+                <a16:creationId xmlns:a16="http://schemas.microsoft.com/office/drawing/2014/main" id="{C3759BE8-A592-5104-08D6-5B1F264EFE19}"/>
               </a:ext>
             </a:extLst>
           </p:cNvPr>
@@ -5568,8 +5972,8 @@
         </p:blipFill>
         <p:spPr bwMode="auto">
           <a:xfrm>
-            <a:off x="1019294" y="1190625"/>
-            <a:ext cx="3488788" cy="5530850"/>
+            <a:off x="532342" y="1210731"/>
+            <a:ext cx="3254128" cy="5145619"/>
           </a:xfrm>
           <a:prstGeom prst="rect">
             <a:avLst/>
@@ -5586,6 +5990,41 @@
           </a:extLst>
         </p:spPr>
       </p:pic>
+      <p:sp>
+        <p:nvSpPr>
+          <p:cNvPr id="4" name="TextBox 3">
+            <a:extLst>
+              <a:ext uri="{FF2B5EF4-FFF2-40B4-BE49-F238E27FC236}">
+                <a16:creationId xmlns:a16="http://schemas.microsoft.com/office/drawing/2014/main" id="{67F5B5A2-4BDA-3885-7E9E-79C4E648DFFB}"/>
+              </a:ext>
+            </a:extLst>
+          </p:cNvPr>
+          <p:cNvSpPr txBox="1"/>
+          <p:nvPr/>
+        </p:nvSpPr>
+        <p:spPr>
+          <a:xfrm>
+            <a:off x="431800" y="6455114"/>
+            <a:ext cx="9296400" cy="276999"/>
+          </a:xfrm>
+          <a:prstGeom prst="rect">
+            <a:avLst/>
+          </a:prstGeom>
+          <a:noFill/>
+        </p:spPr>
+        <p:txBody>
+          <a:bodyPr wrap="square" rtlCol="0">
+            <a:spAutoFit/>
+          </a:bodyPr>
+          <a:lstStyle/>
+          <a:p>
+            <a:r>
+              <a:rPr lang="en-US" sz="1200" dirty="0"/>
+              <a:t>Densities normalized to compare different proteins on same plot</a:t>
+            </a:r>
+          </a:p>
+        </p:txBody>
+      </p:sp>
     </p:spTree>
     <p:extLst>
       <p:ext uri="{BB962C8B-B14F-4D97-AF65-F5344CB8AC3E}">

--- a/NF Collab Summary.pptx
+++ b/NF Collab Summary.pptx
@@ -5663,10 +5663,10 @@
       </p:pic>
       <p:pic>
         <p:nvPicPr>
-          <p:cNvPr id="3076" name="Picture 4">
-            <a:extLst>
-              <a:ext uri="{FF2B5EF4-FFF2-40B4-BE49-F238E27FC236}">
-                <a16:creationId xmlns:a16="http://schemas.microsoft.com/office/drawing/2014/main" id="{934D5013-F5D1-501F-3340-FF5D48BCA5D8}"/>
+          <p:cNvPr id="3078" name="Picture 6">
+            <a:extLst>
+              <a:ext uri="{FF2B5EF4-FFF2-40B4-BE49-F238E27FC236}">
+                <a16:creationId xmlns:a16="http://schemas.microsoft.com/office/drawing/2014/main" id="{E1E15017-8469-3FD0-D97F-AF796685675D}"/>
               </a:ext>
             </a:extLst>
           </p:cNvPr>
@@ -5677,53 +5677,6 @@
         </p:nvPicPr>
         <p:blipFill>
           <a:blip r:embed="rId3">
-            <a:extLst>
-              <a:ext uri="{28A0092B-C50C-407E-A947-70E740481C1C}">
-                <a14:useLocalDpi xmlns:a14="http://schemas.microsoft.com/office/drawing/2010/main" val="0"/>
-              </a:ext>
-            </a:extLst>
-          </a:blip>
-          <a:srcRect/>
-          <a:stretch>
-            <a:fillRect/>
-          </a:stretch>
-        </p:blipFill>
-        <p:spPr bwMode="auto">
-          <a:xfrm>
-            <a:off x="4092361" y="3332113"/>
-            <a:ext cx="2535447" cy="781177"/>
-          </a:xfrm>
-          <a:prstGeom prst="rect">
-            <a:avLst/>
-          </a:prstGeom>
-          <a:noFill/>
-          <a:extLst>
-            <a:ext uri="{909E8E84-426E-40DD-AFC4-6F175D3DCCD1}">
-              <a14:hiddenFill xmlns:a14="http://schemas.microsoft.com/office/drawing/2010/main">
-                <a:solidFill>
-                  <a:srgbClr val="FFFFFF"/>
-                </a:solidFill>
-              </a14:hiddenFill>
-            </a:ext>
-          </a:extLst>
-        </p:spPr>
-      </p:pic>
-      <p:pic>
-        <p:nvPicPr>
-          <p:cNvPr id="3078" name="Picture 6">
-            <a:extLst>
-              <a:ext uri="{FF2B5EF4-FFF2-40B4-BE49-F238E27FC236}">
-                <a16:creationId xmlns:a16="http://schemas.microsoft.com/office/drawing/2014/main" id="{E1E15017-8469-3FD0-D97F-AF796685675D}"/>
-              </a:ext>
-            </a:extLst>
-          </p:cNvPr>
-          <p:cNvPicPr>
-            <a:picLocks noChangeAspect="1" noChangeArrowheads="1"/>
-          </p:cNvPicPr>
-          <p:nvPr/>
-        </p:nvPicPr>
-        <p:blipFill>
-          <a:blip r:embed="rId4">
             <a:extLst>
               <a:ext uri="{28A0092B-C50C-407E-A947-70E740481C1C}">
                 <a14:useLocalDpi xmlns:a14="http://schemas.microsoft.com/office/drawing/2010/main" val="0"/>
@@ -5770,7 +5723,7 @@
           <p:nvPr/>
         </p:nvPicPr>
         <p:blipFill>
-          <a:blip r:embed="rId5">
+          <a:blip r:embed="rId4">
             <a:extLst>
               <a:ext uri="{28A0092B-C50C-407E-A947-70E740481C1C}">
                 <a14:useLocalDpi xmlns:a14="http://schemas.microsoft.com/office/drawing/2010/main" val="0"/>
@@ -5817,7 +5770,7 @@
           <p:nvPr/>
         </p:nvPicPr>
         <p:blipFill>
-          <a:blip r:embed="rId6">
+          <a:blip r:embed="rId5">
             <a:extLst>
               <a:ext uri="{28A0092B-C50C-407E-A947-70E740481C1C}">
                 <a14:useLocalDpi xmlns:a14="http://schemas.microsoft.com/office/drawing/2010/main" val="0"/>
@@ -5833,6 +5786,53 @@
           <a:xfrm>
             <a:off x="4092361" y="5300569"/>
             <a:ext cx="2890836" cy="762650"/>
+          </a:xfrm>
+          <a:prstGeom prst="rect">
+            <a:avLst/>
+          </a:prstGeom>
+          <a:noFill/>
+          <a:extLst>
+            <a:ext uri="{909E8E84-426E-40DD-AFC4-6F175D3DCCD1}">
+              <a14:hiddenFill xmlns:a14="http://schemas.microsoft.com/office/drawing/2010/main">
+                <a:solidFill>
+                  <a:srgbClr val="FFFFFF"/>
+                </a:solidFill>
+              </a14:hiddenFill>
+            </a:ext>
+          </a:extLst>
+        </p:spPr>
+      </p:pic>
+      <p:pic>
+        <p:nvPicPr>
+          <p:cNvPr id="3084" name="Picture 12">
+            <a:extLst>
+              <a:ext uri="{FF2B5EF4-FFF2-40B4-BE49-F238E27FC236}">
+                <a16:creationId xmlns:a16="http://schemas.microsoft.com/office/drawing/2014/main" id="{D00E73D2-C3FF-3391-F520-0DA59201CE1F}"/>
+              </a:ext>
+            </a:extLst>
+          </p:cNvPr>
+          <p:cNvPicPr>
+            <a:picLocks noChangeAspect="1" noChangeArrowheads="1"/>
+          </p:cNvPicPr>
+          <p:nvPr/>
+        </p:nvPicPr>
+        <p:blipFill>
+          <a:blip r:embed="rId6">
+            <a:extLst>
+              <a:ext uri="{28A0092B-C50C-407E-A947-70E740481C1C}">
+                <a14:useLocalDpi xmlns:a14="http://schemas.microsoft.com/office/drawing/2010/main" val="0"/>
+              </a:ext>
+            </a:extLst>
+          </a:blip>
+          <a:srcRect/>
+          <a:stretch>
+            <a:fillRect/>
+          </a:stretch>
+        </p:blipFill>
+        <p:spPr bwMode="auto">
+          <a:xfrm>
+            <a:off x="4092361" y="3308358"/>
+            <a:ext cx="2806171" cy="864588"/>
           </a:xfrm>
           <a:prstGeom prst="rect">
             <a:avLst/>

--- a/NF Collab Summary.pptx
+++ b/NF Collab Summary.pptx
@@ -5610,7 +5610,7 @@
               <a:rPr lang="en-US" smtClean="0"/>
               <a:t>8</a:t>
             </a:fld>
-            <a:endParaRPr lang="en-US"/>
+            <a:endParaRPr lang="en-US" dirty="0"/>
           </a:p>
         </p:txBody>
       </p:sp>
@@ -5831,8 +5831,8 @@
         </p:blipFill>
         <p:spPr bwMode="auto">
           <a:xfrm>
-            <a:off x="4092361" y="3308358"/>
-            <a:ext cx="2806171" cy="864588"/>
+            <a:off x="4092362" y="3308358"/>
+            <a:ext cx="2475316" cy="762651"/>
           </a:xfrm>
           <a:prstGeom prst="rect">
             <a:avLst/>
@@ -5849,6 +5849,178 @@
           </a:extLst>
         </p:spPr>
       </p:pic>
+      <p:sp>
+        <p:nvSpPr>
+          <p:cNvPr id="4" name="TextBox 3">
+            <a:extLst>
+              <a:ext uri="{FF2B5EF4-FFF2-40B4-BE49-F238E27FC236}">
+                <a16:creationId xmlns:a16="http://schemas.microsoft.com/office/drawing/2014/main" id="{6CFA6227-EEBA-1B6C-FC3C-579395770F24}"/>
+              </a:ext>
+            </a:extLst>
+          </p:cNvPr>
+          <p:cNvSpPr txBox="1"/>
+          <p:nvPr/>
+        </p:nvSpPr>
+        <p:spPr>
+          <a:xfrm>
+            <a:off x="7569199" y="3308358"/>
+            <a:ext cx="4546602" cy="523220"/>
+          </a:xfrm>
+          <a:prstGeom prst="rect">
+            <a:avLst/>
+          </a:prstGeom>
+          <a:noFill/>
+        </p:spPr>
+        <p:txBody>
+          <a:bodyPr wrap="square" rtlCol="0">
+            <a:spAutoFit/>
+          </a:bodyPr>
+          <a:lstStyle/>
+          <a:p>
+            <a:pPr marL="285750" indent="-285750">
+              <a:buFont typeface="Arial" panose="020B0604020202020204" pitchFamily="34" charset="0"/>
+              <a:buChar char="•"/>
+            </a:pPr>
+            <a:r>
+              <a:rPr lang="en-US" sz="1400" dirty="0"/>
+              <a:t>Bimodal (peaks at Block 3 &amp; 7) charge distribution creates shoulder</a:t>
+            </a:r>
+          </a:p>
+        </p:txBody>
+      </p:sp>
+      <p:sp>
+        <p:nvSpPr>
+          <p:cNvPr id="5" name="TextBox 4">
+            <a:extLst>
+              <a:ext uri="{FF2B5EF4-FFF2-40B4-BE49-F238E27FC236}">
+                <a16:creationId xmlns:a16="http://schemas.microsoft.com/office/drawing/2014/main" id="{493BF1C9-9EAB-2DF5-1CED-72F0D2642624}"/>
+              </a:ext>
+            </a:extLst>
+          </p:cNvPr>
+          <p:cNvSpPr txBox="1"/>
+          <p:nvPr/>
+        </p:nvSpPr>
+        <p:spPr>
+          <a:xfrm>
+            <a:off x="7569199" y="1860895"/>
+            <a:ext cx="4546602" cy="307777"/>
+          </a:xfrm>
+          <a:prstGeom prst="rect">
+            <a:avLst/>
+          </a:prstGeom>
+          <a:noFill/>
+        </p:spPr>
+        <p:txBody>
+          <a:bodyPr wrap="square" rtlCol="0">
+            <a:spAutoFit/>
+          </a:bodyPr>
+          <a:lstStyle/>
+          <a:p>
+            <a:pPr marL="285750" indent="-285750">
+              <a:buFont typeface="Arial" panose="020B0604020202020204" pitchFamily="34" charset="0"/>
+              <a:buChar char="•"/>
+            </a:pPr>
+            <a:r>
+              <a:rPr lang="en-US" sz="1400" dirty="0"/>
+              <a:t>Progressively increasing charge distribution extends tail</a:t>
+            </a:r>
+          </a:p>
+        </p:txBody>
+      </p:sp>
+      <p:sp>
+        <p:nvSpPr>
+          <p:cNvPr id="6" name="TextBox 5">
+            <a:extLst>
+              <a:ext uri="{FF2B5EF4-FFF2-40B4-BE49-F238E27FC236}">
+                <a16:creationId xmlns:a16="http://schemas.microsoft.com/office/drawing/2014/main" id="{1ACD41F8-2358-7661-3C75-989B16EB036E}"/>
+              </a:ext>
+            </a:extLst>
+          </p:cNvPr>
+          <p:cNvSpPr txBox="1"/>
+          <p:nvPr/>
+        </p:nvSpPr>
+        <p:spPr>
+          <a:xfrm>
+            <a:off x="7569199" y="4934856"/>
+            <a:ext cx="4546602" cy="307777"/>
+          </a:xfrm>
+          <a:prstGeom prst="rect">
+            <a:avLst/>
+          </a:prstGeom>
+          <a:noFill/>
+        </p:spPr>
+        <p:txBody>
+          <a:bodyPr wrap="square" rtlCol="0">
+            <a:spAutoFit/>
+          </a:bodyPr>
+          <a:lstStyle/>
+          <a:p>
+            <a:pPr marL="285750" indent="-285750">
+              <a:buFont typeface="Arial" panose="020B0604020202020204" pitchFamily="34" charset="0"/>
+              <a:buChar char="•"/>
+            </a:pPr>
+            <a:r>
+              <a:rPr lang="en-US" sz="1400" dirty="0"/>
+              <a:t>Non-</a:t>
+            </a:r>
+            <a:r>
+              <a:rPr lang="en-US" sz="1400" dirty="0" err="1"/>
+              <a:t>phospho</a:t>
+            </a:r>
+            <a:r>
+              <a:rPr lang="en-US" sz="1400" dirty="0"/>
+              <a:t> nearly net-neutral charge</a:t>
+            </a:r>
+          </a:p>
+        </p:txBody>
+      </p:sp>
+      <p:sp>
+        <p:nvSpPr>
+          <p:cNvPr id="7" name="TextBox 6">
+            <a:extLst>
+              <a:ext uri="{FF2B5EF4-FFF2-40B4-BE49-F238E27FC236}">
+                <a16:creationId xmlns:a16="http://schemas.microsoft.com/office/drawing/2014/main" id="{26D9DD4C-7314-17D9-B27A-85354898E853}"/>
+              </a:ext>
+            </a:extLst>
+          </p:cNvPr>
+          <p:cNvSpPr txBox="1"/>
+          <p:nvPr/>
+        </p:nvSpPr>
+        <p:spPr>
+          <a:xfrm>
+            <a:off x="7569199" y="5319924"/>
+            <a:ext cx="4546602" cy="523220"/>
+          </a:xfrm>
+          <a:prstGeom prst="rect">
+            <a:avLst/>
+          </a:prstGeom>
+          <a:noFill/>
+        </p:spPr>
+        <p:txBody>
+          <a:bodyPr wrap="square" rtlCol="0">
+            <a:spAutoFit/>
+          </a:bodyPr>
+          <a:lstStyle/>
+          <a:p>
+            <a:pPr marL="285750" indent="-285750">
+              <a:buFont typeface="Arial" panose="020B0604020202020204" pitchFamily="34" charset="0"/>
+              <a:buChar char="•"/>
+            </a:pPr>
+            <a:r>
+              <a:rPr lang="en-US" sz="1400" dirty="0"/>
+              <a:t>Block 2 repels </a:t>
+            </a:r>
+            <a:r>
+              <a:rPr lang="en-US" sz="1400" dirty="0" err="1"/>
+              <a:t>phospho</a:t>
+            </a:r>
+            <a:r>
+              <a:rPr lang="en-US" sz="1400" dirty="0"/>
+              <a:t>. Block 3 (KSP units), preventing total collapse of outer layer</a:t>
+            </a:r>
+          </a:p>
+        </p:txBody>
+      </p:sp>
     </p:spTree>
     <p:extLst>
       <p:ext uri="{BB962C8B-B14F-4D97-AF65-F5344CB8AC3E}">

--- a/NF Collab Summary.pptx
+++ b/NF Collab Summary.pptx
@@ -5520,6 +5520,53 @@
           </p:sp>
         </mc:Fallback>
       </mc:AlternateContent>
+      <p:pic>
+        <p:nvPicPr>
+          <p:cNvPr id="1028" name="Picture 4">
+            <a:extLst>
+              <a:ext uri="{FF2B5EF4-FFF2-40B4-BE49-F238E27FC236}">
+                <a16:creationId xmlns:a16="http://schemas.microsoft.com/office/drawing/2014/main" id="{996CC1BB-88A6-AD55-1A4F-9640141480F0}"/>
+              </a:ext>
+            </a:extLst>
+          </p:cNvPr>
+          <p:cNvPicPr>
+            <a:picLocks noChangeAspect="1" noChangeArrowheads="1"/>
+          </p:cNvPicPr>
+          <p:nvPr/>
+        </p:nvPicPr>
+        <p:blipFill>
+          <a:blip r:embed="rId4">
+            <a:extLst>
+              <a:ext uri="{28A0092B-C50C-407E-A947-70E740481C1C}">
+                <a14:useLocalDpi xmlns:a14="http://schemas.microsoft.com/office/drawing/2010/main" val="0"/>
+              </a:ext>
+            </a:extLst>
+          </a:blip>
+          <a:srcRect/>
+          <a:stretch>
+            <a:fillRect/>
+          </a:stretch>
+        </p:blipFill>
+        <p:spPr bwMode="auto">
+          <a:xfrm>
+            <a:off x="2836330" y="3671689"/>
+            <a:ext cx="7493001" cy="2376686"/>
+          </a:xfrm>
+          <a:prstGeom prst="rect">
+            <a:avLst/>
+          </a:prstGeom>
+          <a:noFill/>
+          <a:extLst>
+            <a:ext uri="{909E8E84-426E-40DD-AFC4-6F175D3DCCD1}">
+              <a14:hiddenFill xmlns:a14="http://schemas.microsoft.com/office/drawing/2010/main">
+                <a:solidFill>
+                  <a:srgbClr val="FFFFFF"/>
+                </a:solidFill>
+              </a14:hiddenFill>
+            </a:ext>
+          </a:extLst>
+        </p:spPr>
+      </p:pic>
     </p:spTree>
     <p:extLst>
       <p:ext uri="{BB962C8B-B14F-4D97-AF65-F5344CB8AC3E}">

--- a/NF Collab Summary.pptx
+++ b/NF Collab Summary.pptx
@@ -5690,7 +5690,7 @@
         </p:blipFill>
         <p:spPr bwMode="auto">
           <a:xfrm>
-            <a:off x="524932" y="1193799"/>
+            <a:off x="355598" y="1193799"/>
             <a:ext cx="3176403" cy="5162551"/>
           </a:xfrm>
           <a:prstGeom prst="rect">
@@ -5708,194 +5708,6 @@
           </a:extLst>
         </p:spPr>
       </p:pic>
-      <p:pic>
-        <p:nvPicPr>
-          <p:cNvPr id="3078" name="Picture 6">
-            <a:extLst>
-              <a:ext uri="{FF2B5EF4-FFF2-40B4-BE49-F238E27FC236}">
-                <a16:creationId xmlns:a16="http://schemas.microsoft.com/office/drawing/2014/main" id="{E1E15017-8469-3FD0-D97F-AF796685675D}"/>
-              </a:ext>
-            </a:extLst>
-          </p:cNvPr>
-          <p:cNvPicPr>
-            <a:picLocks noChangeAspect="1" noChangeArrowheads="1"/>
-          </p:cNvPicPr>
-          <p:nvPr/>
-        </p:nvPicPr>
-        <p:blipFill>
-          <a:blip r:embed="rId3">
-            <a:extLst>
-              <a:ext uri="{28A0092B-C50C-407E-A947-70E740481C1C}">
-                <a14:useLocalDpi xmlns:a14="http://schemas.microsoft.com/office/drawing/2010/main" val="0"/>
-              </a:ext>
-            </a:extLst>
-          </a:blip>
-          <a:srcRect/>
-          <a:stretch>
-            <a:fillRect/>
-          </a:stretch>
-        </p:blipFill>
-        <p:spPr bwMode="auto">
-          <a:xfrm>
-            <a:off x="4092361" y="1739371"/>
-            <a:ext cx="999596" cy="766269"/>
-          </a:xfrm>
-          <a:prstGeom prst="rect">
-            <a:avLst/>
-          </a:prstGeom>
-          <a:noFill/>
-          <a:extLst>
-            <a:ext uri="{909E8E84-426E-40DD-AFC4-6F175D3DCCD1}">
-              <a14:hiddenFill xmlns:a14="http://schemas.microsoft.com/office/drawing/2010/main">
-                <a:solidFill>
-                  <a:srgbClr val="FFFFFF"/>
-                </a:solidFill>
-              </a14:hiddenFill>
-            </a:ext>
-          </a:extLst>
-        </p:spPr>
-      </p:pic>
-      <p:pic>
-        <p:nvPicPr>
-          <p:cNvPr id="3080" name="Picture 8">
-            <a:extLst>
-              <a:ext uri="{FF2B5EF4-FFF2-40B4-BE49-F238E27FC236}">
-                <a16:creationId xmlns:a16="http://schemas.microsoft.com/office/drawing/2014/main" id="{2ACC492C-3835-AA2E-89E0-7A11DC2D583B}"/>
-              </a:ext>
-            </a:extLst>
-          </p:cNvPr>
-          <p:cNvPicPr>
-            <a:picLocks noChangeAspect="1" noChangeArrowheads="1"/>
-          </p:cNvPicPr>
-          <p:nvPr/>
-        </p:nvPicPr>
-        <p:blipFill>
-          <a:blip r:embed="rId4">
-            <a:extLst>
-              <a:ext uri="{28A0092B-C50C-407E-A947-70E740481C1C}">
-                <a14:useLocalDpi xmlns:a14="http://schemas.microsoft.com/office/drawing/2010/main" val="0"/>
-              </a:ext>
-            </a:extLst>
-          </a:blip>
-          <a:srcRect/>
-          <a:stretch>
-            <a:fillRect/>
-          </a:stretch>
-        </p:blipFill>
-        <p:spPr bwMode="auto">
-          <a:xfrm>
-            <a:off x="4092361" y="4711163"/>
-            <a:ext cx="2890836" cy="762650"/>
-          </a:xfrm>
-          <a:prstGeom prst="rect">
-            <a:avLst/>
-          </a:prstGeom>
-          <a:noFill/>
-          <a:extLst>
-            <a:ext uri="{909E8E84-426E-40DD-AFC4-6F175D3DCCD1}">
-              <a14:hiddenFill xmlns:a14="http://schemas.microsoft.com/office/drawing/2010/main">
-                <a:solidFill>
-                  <a:srgbClr val="FFFFFF"/>
-                </a:solidFill>
-              </a14:hiddenFill>
-            </a:ext>
-          </a:extLst>
-        </p:spPr>
-      </p:pic>
-      <p:pic>
-        <p:nvPicPr>
-          <p:cNvPr id="3082" name="Picture 10">
-            <a:extLst>
-              <a:ext uri="{FF2B5EF4-FFF2-40B4-BE49-F238E27FC236}">
-                <a16:creationId xmlns:a16="http://schemas.microsoft.com/office/drawing/2014/main" id="{49E792D6-B04F-1A3F-DAB9-DE64D9029F17}"/>
-              </a:ext>
-            </a:extLst>
-          </p:cNvPr>
-          <p:cNvPicPr>
-            <a:picLocks noChangeAspect="1" noChangeArrowheads="1"/>
-          </p:cNvPicPr>
-          <p:nvPr/>
-        </p:nvPicPr>
-        <p:blipFill>
-          <a:blip r:embed="rId5">
-            <a:extLst>
-              <a:ext uri="{28A0092B-C50C-407E-A947-70E740481C1C}">
-                <a14:useLocalDpi xmlns:a14="http://schemas.microsoft.com/office/drawing/2010/main" val="0"/>
-              </a:ext>
-            </a:extLst>
-          </a:blip>
-          <a:srcRect/>
-          <a:stretch>
-            <a:fillRect/>
-          </a:stretch>
-        </p:blipFill>
-        <p:spPr bwMode="auto">
-          <a:xfrm>
-            <a:off x="4092361" y="5300569"/>
-            <a:ext cx="2890836" cy="762650"/>
-          </a:xfrm>
-          <a:prstGeom prst="rect">
-            <a:avLst/>
-          </a:prstGeom>
-          <a:noFill/>
-          <a:extLst>
-            <a:ext uri="{909E8E84-426E-40DD-AFC4-6F175D3DCCD1}">
-              <a14:hiddenFill xmlns:a14="http://schemas.microsoft.com/office/drawing/2010/main">
-                <a:solidFill>
-                  <a:srgbClr val="FFFFFF"/>
-                </a:solidFill>
-              </a14:hiddenFill>
-            </a:ext>
-          </a:extLst>
-        </p:spPr>
-      </p:pic>
-      <p:pic>
-        <p:nvPicPr>
-          <p:cNvPr id="3084" name="Picture 12">
-            <a:extLst>
-              <a:ext uri="{FF2B5EF4-FFF2-40B4-BE49-F238E27FC236}">
-                <a16:creationId xmlns:a16="http://schemas.microsoft.com/office/drawing/2014/main" id="{D00E73D2-C3FF-3391-F520-0DA59201CE1F}"/>
-              </a:ext>
-            </a:extLst>
-          </p:cNvPr>
-          <p:cNvPicPr>
-            <a:picLocks noChangeAspect="1" noChangeArrowheads="1"/>
-          </p:cNvPicPr>
-          <p:nvPr/>
-        </p:nvPicPr>
-        <p:blipFill>
-          <a:blip r:embed="rId6">
-            <a:extLst>
-              <a:ext uri="{28A0092B-C50C-407E-A947-70E740481C1C}">
-                <a14:useLocalDpi xmlns:a14="http://schemas.microsoft.com/office/drawing/2010/main" val="0"/>
-              </a:ext>
-            </a:extLst>
-          </a:blip>
-          <a:srcRect/>
-          <a:stretch>
-            <a:fillRect/>
-          </a:stretch>
-        </p:blipFill>
-        <p:spPr bwMode="auto">
-          <a:xfrm>
-            <a:off x="4092362" y="3308358"/>
-            <a:ext cx="2475316" cy="762651"/>
-          </a:xfrm>
-          <a:prstGeom prst="rect">
-            <a:avLst/>
-          </a:prstGeom>
-          <a:noFill/>
-          <a:extLst>
-            <a:ext uri="{909E8E84-426E-40DD-AFC4-6F175D3DCCD1}">
-              <a14:hiddenFill xmlns:a14="http://schemas.microsoft.com/office/drawing/2010/main">
-                <a:solidFill>
-                  <a:srgbClr val="FFFFFF"/>
-                </a:solidFill>
-              </a14:hiddenFill>
-            </a:ext>
-          </a:extLst>
-        </p:spPr>
-      </p:pic>
       <p:sp>
         <p:nvSpPr>
           <p:cNvPr id="4" name="TextBox 3">
@@ -6068,6 +5880,419 @@
           </a:p>
         </p:txBody>
       </p:sp>
+      <p:grpSp>
+        <p:nvGrpSpPr>
+          <p:cNvPr id="15" name="Group 14">
+            <a:extLst>
+              <a:ext uri="{FF2B5EF4-FFF2-40B4-BE49-F238E27FC236}">
+                <a16:creationId xmlns:a16="http://schemas.microsoft.com/office/drawing/2014/main" id="{A6463418-05BD-AC0E-086A-A961055ECEDE}"/>
+              </a:ext>
+            </a:extLst>
+          </p:cNvPr>
+          <p:cNvGrpSpPr/>
+          <p:nvPr/>
+        </p:nvGrpSpPr>
+        <p:grpSpPr>
+          <a:xfrm>
+            <a:off x="3799188" y="1553103"/>
+            <a:ext cx="1539817" cy="766269"/>
+            <a:chOff x="3552140" y="1739371"/>
+            <a:chExt cx="1539817" cy="766269"/>
+          </a:xfrm>
+        </p:grpSpPr>
+        <p:pic>
+          <p:nvPicPr>
+            <p:cNvPr id="3078" name="Picture 6">
+              <a:extLst>
+                <a:ext uri="{FF2B5EF4-FFF2-40B4-BE49-F238E27FC236}">
+                  <a16:creationId xmlns:a16="http://schemas.microsoft.com/office/drawing/2014/main" id="{E1E15017-8469-3FD0-D97F-AF796685675D}"/>
+                </a:ext>
+              </a:extLst>
+            </p:cNvPr>
+            <p:cNvPicPr>
+              <a:picLocks noChangeAspect="1" noChangeArrowheads="1"/>
+            </p:cNvPicPr>
+            <p:nvPr/>
+          </p:nvPicPr>
+          <p:blipFill>
+            <a:blip r:embed="rId3">
+              <a:extLst>
+                <a:ext uri="{28A0092B-C50C-407E-A947-70E740481C1C}">
+                  <a14:useLocalDpi xmlns:a14="http://schemas.microsoft.com/office/drawing/2010/main" val="0"/>
+                </a:ext>
+              </a:extLst>
+            </a:blip>
+            <a:srcRect/>
+            <a:stretch>
+              <a:fillRect/>
+            </a:stretch>
+          </p:blipFill>
+          <p:spPr bwMode="auto">
+            <a:xfrm>
+              <a:off x="4092361" y="1739371"/>
+              <a:ext cx="999596" cy="766269"/>
+            </a:xfrm>
+            <a:prstGeom prst="rect">
+              <a:avLst/>
+            </a:prstGeom>
+            <a:noFill/>
+            <a:extLst>
+              <a:ext uri="{909E8E84-426E-40DD-AFC4-6F175D3DCCD1}">
+                <a14:hiddenFill xmlns:a14="http://schemas.microsoft.com/office/drawing/2010/main">
+                  <a:solidFill>
+                    <a:srgbClr val="FFFFFF"/>
+                  </a:solidFill>
+                </a14:hiddenFill>
+              </a:ext>
+            </a:extLst>
+          </p:spPr>
+        </p:pic>
+        <p:sp>
+          <p:nvSpPr>
+            <p:cNvPr id="8" name="TextBox 7">
+              <a:extLst>
+                <a:ext uri="{FF2B5EF4-FFF2-40B4-BE49-F238E27FC236}">
+                  <a16:creationId xmlns:a16="http://schemas.microsoft.com/office/drawing/2014/main" id="{8AB98146-6757-C40E-8290-A0E177FE4E24}"/>
+                </a:ext>
+              </a:extLst>
+            </p:cNvPr>
+            <p:cNvSpPr txBox="1"/>
+            <p:nvPr/>
+          </p:nvSpPr>
+          <p:spPr>
+            <a:xfrm>
+              <a:off x="3552140" y="1854030"/>
+              <a:ext cx="542937" cy="338554"/>
+            </a:xfrm>
+            <a:prstGeom prst="rect">
+              <a:avLst/>
+            </a:prstGeom>
+            <a:noFill/>
+          </p:spPr>
+          <p:txBody>
+            <a:bodyPr wrap="square" rtlCol="0">
+              <a:spAutoFit/>
+            </a:bodyPr>
+            <a:lstStyle/>
+            <a:p>
+              <a:r>
+                <a:rPr lang="en-US" sz="1600" dirty="0"/>
+                <a:t>NFL</a:t>
+              </a:r>
+            </a:p>
+          </p:txBody>
+        </p:sp>
+      </p:grpSp>
+      <p:grpSp>
+        <p:nvGrpSpPr>
+          <p:cNvPr id="14" name="Group 13">
+            <a:extLst>
+              <a:ext uri="{FF2B5EF4-FFF2-40B4-BE49-F238E27FC236}">
+                <a16:creationId xmlns:a16="http://schemas.microsoft.com/office/drawing/2014/main" id="{0D758797-EAA6-4B2E-A24F-57D126489233}"/>
+              </a:ext>
+            </a:extLst>
+          </p:cNvPr>
+          <p:cNvGrpSpPr/>
+          <p:nvPr/>
+        </p:nvGrpSpPr>
+        <p:grpSpPr>
+          <a:xfrm>
+            <a:off x="3799188" y="3223690"/>
+            <a:ext cx="3015538" cy="762651"/>
+            <a:chOff x="3552140" y="3308358"/>
+            <a:chExt cx="3015538" cy="762651"/>
+          </a:xfrm>
+        </p:grpSpPr>
+        <p:pic>
+          <p:nvPicPr>
+            <p:cNvPr id="3084" name="Picture 12">
+              <a:extLst>
+                <a:ext uri="{FF2B5EF4-FFF2-40B4-BE49-F238E27FC236}">
+                  <a16:creationId xmlns:a16="http://schemas.microsoft.com/office/drawing/2014/main" id="{D00E73D2-C3FF-3391-F520-0DA59201CE1F}"/>
+                </a:ext>
+              </a:extLst>
+            </p:cNvPr>
+            <p:cNvPicPr>
+              <a:picLocks noChangeAspect="1" noChangeArrowheads="1"/>
+            </p:cNvPicPr>
+            <p:nvPr/>
+          </p:nvPicPr>
+          <p:blipFill>
+            <a:blip r:embed="rId4">
+              <a:extLst>
+                <a:ext uri="{28A0092B-C50C-407E-A947-70E740481C1C}">
+                  <a14:useLocalDpi xmlns:a14="http://schemas.microsoft.com/office/drawing/2010/main" val="0"/>
+                </a:ext>
+              </a:extLst>
+            </a:blip>
+            <a:srcRect/>
+            <a:stretch>
+              <a:fillRect/>
+            </a:stretch>
+          </p:blipFill>
+          <p:spPr bwMode="auto">
+            <a:xfrm>
+              <a:off x="4092362" y="3308358"/>
+              <a:ext cx="2475316" cy="762651"/>
+            </a:xfrm>
+            <a:prstGeom prst="rect">
+              <a:avLst/>
+            </a:prstGeom>
+            <a:noFill/>
+            <a:extLst>
+              <a:ext uri="{909E8E84-426E-40DD-AFC4-6F175D3DCCD1}">
+                <a14:hiddenFill xmlns:a14="http://schemas.microsoft.com/office/drawing/2010/main">
+                  <a:solidFill>
+                    <a:srgbClr val="FFFFFF"/>
+                  </a:solidFill>
+                </a14:hiddenFill>
+              </a:ext>
+            </a:extLst>
+          </p:spPr>
+        </p:pic>
+        <p:sp>
+          <p:nvSpPr>
+            <p:cNvPr id="9" name="TextBox 8">
+              <a:extLst>
+                <a:ext uri="{FF2B5EF4-FFF2-40B4-BE49-F238E27FC236}">
+                  <a16:creationId xmlns:a16="http://schemas.microsoft.com/office/drawing/2014/main" id="{5355DAA1-EACE-D67F-151F-385F31C5E1D0}"/>
+                </a:ext>
+              </a:extLst>
+            </p:cNvPr>
+            <p:cNvSpPr txBox="1"/>
+            <p:nvPr/>
+          </p:nvSpPr>
+          <p:spPr>
+            <a:xfrm>
+              <a:off x="3552140" y="3384559"/>
+              <a:ext cx="587020" cy="338554"/>
+            </a:xfrm>
+            <a:prstGeom prst="rect">
+              <a:avLst/>
+            </a:prstGeom>
+            <a:noFill/>
+          </p:spPr>
+          <p:txBody>
+            <a:bodyPr wrap="square" rtlCol="0">
+              <a:spAutoFit/>
+            </a:bodyPr>
+            <a:lstStyle/>
+            <a:p>
+              <a:r>
+                <a:rPr lang="en-US" sz="1600" dirty="0"/>
+                <a:t>NFM</a:t>
+              </a:r>
+            </a:p>
+          </p:txBody>
+        </p:sp>
+      </p:grpSp>
+      <p:grpSp>
+        <p:nvGrpSpPr>
+          <p:cNvPr id="13" name="Group 12">
+            <a:extLst>
+              <a:ext uri="{FF2B5EF4-FFF2-40B4-BE49-F238E27FC236}">
+                <a16:creationId xmlns:a16="http://schemas.microsoft.com/office/drawing/2014/main" id="{FB2A3AEF-6063-9DC6-3A39-04FB9A7D225C}"/>
+              </a:ext>
+            </a:extLst>
+          </p:cNvPr>
+          <p:cNvGrpSpPr/>
+          <p:nvPr/>
+        </p:nvGrpSpPr>
+        <p:grpSpPr>
+          <a:xfrm>
+            <a:off x="3841179" y="4524895"/>
+            <a:ext cx="3389066" cy="762650"/>
+            <a:chOff x="3594131" y="4711163"/>
+            <a:chExt cx="3389066" cy="762650"/>
+          </a:xfrm>
+        </p:grpSpPr>
+        <p:pic>
+          <p:nvPicPr>
+            <p:cNvPr id="3080" name="Picture 8">
+              <a:extLst>
+                <a:ext uri="{FF2B5EF4-FFF2-40B4-BE49-F238E27FC236}">
+                  <a16:creationId xmlns:a16="http://schemas.microsoft.com/office/drawing/2014/main" id="{2ACC492C-3835-AA2E-89E0-7A11DC2D583B}"/>
+                </a:ext>
+              </a:extLst>
+            </p:cNvPr>
+            <p:cNvPicPr>
+              <a:picLocks noChangeAspect="1" noChangeArrowheads="1"/>
+            </p:cNvPicPr>
+            <p:nvPr/>
+          </p:nvPicPr>
+          <p:blipFill>
+            <a:blip r:embed="rId5">
+              <a:extLst>
+                <a:ext uri="{28A0092B-C50C-407E-A947-70E740481C1C}">
+                  <a14:useLocalDpi xmlns:a14="http://schemas.microsoft.com/office/drawing/2010/main" val="0"/>
+                </a:ext>
+              </a:extLst>
+            </a:blip>
+            <a:srcRect/>
+            <a:stretch>
+              <a:fillRect/>
+            </a:stretch>
+          </p:blipFill>
+          <p:spPr bwMode="auto">
+            <a:xfrm>
+              <a:off x="4092361" y="4711163"/>
+              <a:ext cx="2890836" cy="762650"/>
+            </a:xfrm>
+            <a:prstGeom prst="rect">
+              <a:avLst/>
+            </a:prstGeom>
+            <a:noFill/>
+            <a:extLst>
+              <a:ext uri="{909E8E84-426E-40DD-AFC4-6F175D3DCCD1}">
+                <a14:hiddenFill xmlns:a14="http://schemas.microsoft.com/office/drawing/2010/main">
+                  <a:solidFill>
+                    <a:srgbClr val="FFFFFF"/>
+                  </a:solidFill>
+                </a14:hiddenFill>
+              </a:ext>
+            </a:extLst>
+          </p:spPr>
+        </p:pic>
+        <p:sp>
+          <p:nvSpPr>
+            <p:cNvPr id="10" name="TextBox 9">
+              <a:extLst>
+                <a:ext uri="{FF2B5EF4-FFF2-40B4-BE49-F238E27FC236}">
+                  <a16:creationId xmlns:a16="http://schemas.microsoft.com/office/drawing/2014/main" id="{5780D3C7-4AE7-0ABC-0485-A7C5C4C92796}"/>
+                </a:ext>
+              </a:extLst>
+            </p:cNvPr>
+            <p:cNvSpPr txBox="1"/>
+            <p:nvPr/>
+          </p:nvSpPr>
+          <p:spPr>
+            <a:xfrm>
+              <a:off x="3594131" y="4800790"/>
+              <a:ext cx="686469" cy="338554"/>
+            </a:xfrm>
+            <a:prstGeom prst="rect">
+              <a:avLst/>
+            </a:prstGeom>
+            <a:noFill/>
+          </p:spPr>
+          <p:txBody>
+            <a:bodyPr wrap="square" rtlCol="0">
+              <a:spAutoFit/>
+            </a:bodyPr>
+            <a:lstStyle/>
+            <a:p>
+              <a:r>
+                <a:rPr lang="en-US" sz="1600" dirty="0"/>
+                <a:t>NFH</a:t>
+              </a:r>
+            </a:p>
+          </p:txBody>
+        </p:sp>
+      </p:grpSp>
+      <p:grpSp>
+        <p:nvGrpSpPr>
+          <p:cNvPr id="12" name="Group 11">
+            <a:extLst>
+              <a:ext uri="{FF2B5EF4-FFF2-40B4-BE49-F238E27FC236}">
+                <a16:creationId xmlns:a16="http://schemas.microsoft.com/office/drawing/2014/main" id="{76BC238F-5FF2-36B4-4B20-6EA6345B917B}"/>
+              </a:ext>
+            </a:extLst>
+          </p:cNvPr>
+          <p:cNvGrpSpPr/>
+          <p:nvPr/>
+        </p:nvGrpSpPr>
+        <p:grpSpPr>
+          <a:xfrm>
+            <a:off x="3727421" y="5407432"/>
+            <a:ext cx="3502824" cy="762650"/>
+            <a:chOff x="3480373" y="5593700"/>
+            <a:chExt cx="3502824" cy="762650"/>
+          </a:xfrm>
+        </p:grpSpPr>
+        <p:pic>
+          <p:nvPicPr>
+            <p:cNvPr id="3082" name="Picture 10">
+              <a:extLst>
+                <a:ext uri="{FF2B5EF4-FFF2-40B4-BE49-F238E27FC236}">
+                  <a16:creationId xmlns:a16="http://schemas.microsoft.com/office/drawing/2014/main" id="{49E792D6-B04F-1A3F-DAB9-DE64D9029F17}"/>
+                </a:ext>
+              </a:extLst>
+            </p:cNvPr>
+            <p:cNvPicPr>
+              <a:picLocks noChangeAspect="1" noChangeArrowheads="1"/>
+            </p:cNvPicPr>
+            <p:nvPr/>
+          </p:nvPicPr>
+          <p:blipFill>
+            <a:blip r:embed="rId6">
+              <a:extLst>
+                <a:ext uri="{28A0092B-C50C-407E-A947-70E740481C1C}">
+                  <a14:useLocalDpi xmlns:a14="http://schemas.microsoft.com/office/drawing/2010/main" val="0"/>
+                </a:ext>
+              </a:extLst>
+            </a:blip>
+            <a:srcRect/>
+            <a:stretch>
+              <a:fillRect/>
+            </a:stretch>
+          </p:blipFill>
+          <p:spPr bwMode="auto">
+            <a:xfrm>
+              <a:off x="4092361" y="5593700"/>
+              <a:ext cx="2890836" cy="762650"/>
+            </a:xfrm>
+            <a:prstGeom prst="rect">
+              <a:avLst/>
+            </a:prstGeom>
+            <a:noFill/>
+            <a:extLst>
+              <a:ext uri="{909E8E84-426E-40DD-AFC4-6F175D3DCCD1}">
+                <a14:hiddenFill xmlns:a14="http://schemas.microsoft.com/office/drawing/2010/main">
+                  <a:solidFill>
+                    <a:srgbClr val="FFFFFF"/>
+                  </a:solidFill>
+                </a14:hiddenFill>
+              </a:ext>
+            </a:extLst>
+          </p:spPr>
+        </p:pic>
+        <p:sp>
+          <p:nvSpPr>
+            <p:cNvPr id="11" name="TextBox 10">
+              <a:extLst>
+                <a:ext uri="{FF2B5EF4-FFF2-40B4-BE49-F238E27FC236}">
+                  <a16:creationId xmlns:a16="http://schemas.microsoft.com/office/drawing/2014/main" id="{96C2C5C4-9568-87CF-244A-10801D1BE51E}"/>
+                </a:ext>
+              </a:extLst>
+            </p:cNvPr>
+            <p:cNvSpPr txBox="1"/>
+            <p:nvPr/>
+          </p:nvSpPr>
+          <p:spPr>
+            <a:xfrm>
+              <a:off x="3480373" y="5672725"/>
+              <a:ext cx="686469" cy="338554"/>
+            </a:xfrm>
+            <a:prstGeom prst="rect">
+              <a:avLst/>
+            </a:prstGeom>
+            <a:noFill/>
+          </p:spPr>
+          <p:txBody>
+            <a:bodyPr wrap="square" rtlCol="0">
+              <a:spAutoFit/>
+            </a:bodyPr>
+            <a:lstStyle/>
+            <a:p>
+              <a:r>
+                <a:rPr lang="en-US" sz="1600" dirty="0" err="1"/>
+                <a:t>pNFH</a:t>
+              </a:r>
+              <a:endParaRPr lang="en-US" sz="1600" dirty="0"/>
+            </a:p>
+          </p:txBody>
+        </p:sp>
+      </p:grpSp>
     </p:spTree>
     <p:extLst>
       <p:ext uri="{BB962C8B-B14F-4D97-AF65-F5344CB8AC3E}">
@@ -6191,7 +6416,7 @@
         </p:blipFill>
         <p:spPr bwMode="auto">
           <a:xfrm>
-            <a:off x="532342" y="1210731"/>
+            <a:off x="371475" y="1210731"/>
             <a:ext cx="3254128" cy="5145619"/>
           </a:xfrm>
           <a:prstGeom prst="rect">
@@ -6240,6 +6465,796 @@
             <a:r>
               <a:rPr lang="en-US" sz="1200" dirty="0"/>
               <a:t>Densities normalized to compare different proteins on same plot</a:t>
+            </a:r>
+          </a:p>
+        </p:txBody>
+      </p:sp>
+      <p:grpSp>
+        <p:nvGrpSpPr>
+          <p:cNvPr id="9" name="Group 8">
+            <a:extLst>
+              <a:ext uri="{FF2B5EF4-FFF2-40B4-BE49-F238E27FC236}">
+                <a16:creationId xmlns:a16="http://schemas.microsoft.com/office/drawing/2014/main" id="{C291F731-4990-5C24-4918-A1763C25E5D0}"/>
+              </a:ext>
+            </a:extLst>
+          </p:cNvPr>
+          <p:cNvGrpSpPr/>
+          <p:nvPr/>
+        </p:nvGrpSpPr>
+        <p:grpSpPr>
+          <a:xfrm>
+            <a:off x="4063330" y="1295570"/>
+            <a:ext cx="2982435" cy="1600209"/>
+            <a:chOff x="4139530" y="1295570"/>
+            <a:chExt cx="2982435" cy="1600209"/>
+          </a:xfrm>
+        </p:grpSpPr>
+        <p:grpSp>
+          <p:nvGrpSpPr>
+            <p:cNvPr id="5" name="Group 4">
+              <a:extLst>
+                <a:ext uri="{FF2B5EF4-FFF2-40B4-BE49-F238E27FC236}">
+                  <a16:creationId xmlns:a16="http://schemas.microsoft.com/office/drawing/2014/main" id="{0CA0BB22-A1B5-33CC-70F0-F521CA6E44E7}"/>
+                </a:ext>
+              </a:extLst>
+            </p:cNvPr>
+            <p:cNvGrpSpPr/>
+            <p:nvPr/>
+          </p:nvGrpSpPr>
+          <p:grpSpPr>
+            <a:xfrm>
+              <a:off x="4758671" y="1295570"/>
+              <a:ext cx="2363294" cy="1600209"/>
+              <a:chOff x="4496204" y="1210731"/>
+              <a:chExt cx="2363294" cy="1600209"/>
+            </a:xfrm>
+          </p:grpSpPr>
+          <p:pic>
+            <p:nvPicPr>
+              <p:cNvPr id="2054" name="Picture 6">
+                <a:extLst>
+                  <a:ext uri="{FF2B5EF4-FFF2-40B4-BE49-F238E27FC236}">
+                    <a16:creationId xmlns:a16="http://schemas.microsoft.com/office/drawing/2014/main" id="{91DE0CEA-9BD5-5512-D008-75BFAAB513B6}"/>
+                  </a:ext>
+                </a:extLst>
+              </p:cNvPr>
+              <p:cNvPicPr>
+                <a:picLocks noChangeAspect="1" noChangeArrowheads="1"/>
+              </p:cNvPicPr>
+              <p:nvPr/>
+            </p:nvPicPr>
+            <p:blipFill>
+              <a:blip r:embed="rId3">
+                <a:extLst>
+                  <a:ext uri="{28A0092B-C50C-407E-A947-70E740481C1C}">
+                    <a14:useLocalDpi xmlns:a14="http://schemas.microsoft.com/office/drawing/2010/main" val="0"/>
+                  </a:ext>
+                </a:extLst>
+              </a:blip>
+              <a:srcRect/>
+              <a:stretch>
+                <a:fillRect/>
+              </a:stretch>
+            </p:blipFill>
+            <p:spPr bwMode="auto">
+              <a:xfrm>
+                <a:off x="4496205" y="1210731"/>
+                <a:ext cx="2363293" cy="728136"/>
+              </a:xfrm>
+              <a:prstGeom prst="rect">
+                <a:avLst/>
+              </a:prstGeom>
+              <a:noFill/>
+              <a:extLst>
+                <a:ext uri="{909E8E84-426E-40DD-AFC4-6F175D3DCCD1}">
+                  <a14:hiddenFill xmlns:a14="http://schemas.microsoft.com/office/drawing/2010/main">
+                    <a:solidFill>
+                      <a:srgbClr val="FFFFFF"/>
+                    </a:solidFill>
+                  </a14:hiddenFill>
+                </a:ext>
+              </a:extLst>
+            </p:spPr>
+          </p:pic>
+          <p:pic>
+            <p:nvPicPr>
+              <p:cNvPr id="2060" name="Picture 12">
+                <a:extLst>
+                  <a:ext uri="{FF2B5EF4-FFF2-40B4-BE49-F238E27FC236}">
+                    <a16:creationId xmlns:a16="http://schemas.microsoft.com/office/drawing/2014/main" id="{34818795-B5B6-B322-F5FF-33C8256A227E}"/>
+                  </a:ext>
+                </a:extLst>
+              </p:cNvPr>
+              <p:cNvPicPr>
+                <a:picLocks noChangeAspect="1" noChangeArrowheads="1"/>
+              </p:cNvPicPr>
+              <p:nvPr/>
+            </p:nvPicPr>
+            <p:blipFill>
+              <a:blip r:embed="rId4">
+                <a:extLst>
+                  <a:ext uri="{28A0092B-C50C-407E-A947-70E740481C1C}">
+                    <a14:useLocalDpi xmlns:a14="http://schemas.microsoft.com/office/drawing/2010/main" val="0"/>
+                  </a:ext>
+                </a:extLst>
+              </a:blip>
+              <a:srcRect/>
+              <a:stretch>
+                <a:fillRect/>
+              </a:stretch>
+            </p:blipFill>
+            <p:spPr bwMode="auto">
+              <a:xfrm>
+                <a:off x="4496205" y="1642534"/>
+                <a:ext cx="2363293" cy="728136"/>
+              </a:xfrm>
+              <a:prstGeom prst="rect">
+                <a:avLst/>
+              </a:prstGeom>
+              <a:noFill/>
+              <a:extLst>
+                <a:ext uri="{909E8E84-426E-40DD-AFC4-6F175D3DCCD1}">
+                  <a14:hiddenFill xmlns:a14="http://schemas.microsoft.com/office/drawing/2010/main">
+                    <a:solidFill>
+                      <a:srgbClr val="FFFFFF"/>
+                    </a:solidFill>
+                  </a14:hiddenFill>
+                </a:ext>
+              </a:extLst>
+            </p:spPr>
+          </p:pic>
+          <p:pic>
+            <p:nvPicPr>
+              <p:cNvPr id="2062" name="Picture 14">
+                <a:extLst>
+                  <a:ext uri="{FF2B5EF4-FFF2-40B4-BE49-F238E27FC236}">
+                    <a16:creationId xmlns:a16="http://schemas.microsoft.com/office/drawing/2014/main" id="{4F45EDC9-67B0-87CA-4DD7-B8D9C9C28961}"/>
+                  </a:ext>
+                </a:extLst>
+              </p:cNvPr>
+              <p:cNvPicPr>
+                <a:picLocks noChangeAspect="1" noChangeArrowheads="1"/>
+              </p:cNvPicPr>
+              <p:nvPr/>
+            </p:nvPicPr>
+            <p:blipFill>
+              <a:blip r:embed="rId5">
+                <a:extLst>
+                  <a:ext uri="{28A0092B-C50C-407E-A947-70E740481C1C}">
+                    <a14:useLocalDpi xmlns:a14="http://schemas.microsoft.com/office/drawing/2010/main" val="0"/>
+                  </a:ext>
+                </a:extLst>
+              </a:blip>
+              <a:srcRect/>
+              <a:stretch>
+                <a:fillRect/>
+              </a:stretch>
+            </p:blipFill>
+            <p:spPr bwMode="auto">
+              <a:xfrm>
+                <a:off x="4496204" y="2082804"/>
+                <a:ext cx="2363293" cy="728136"/>
+              </a:xfrm>
+              <a:prstGeom prst="rect">
+                <a:avLst/>
+              </a:prstGeom>
+              <a:noFill/>
+              <a:extLst>
+                <a:ext uri="{909E8E84-426E-40DD-AFC4-6F175D3DCCD1}">
+                  <a14:hiddenFill xmlns:a14="http://schemas.microsoft.com/office/drawing/2010/main">
+                    <a:solidFill>
+                      <a:srgbClr val="FFFFFF"/>
+                    </a:solidFill>
+                  </a14:hiddenFill>
+                </a:ext>
+              </a:extLst>
+            </p:spPr>
+          </p:pic>
+        </p:grpSp>
+        <p:sp>
+          <p:nvSpPr>
+            <p:cNvPr id="6" name="TextBox 5">
+              <a:extLst>
+                <a:ext uri="{FF2B5EF4-FFF2-40B4-BE49-F238E27FC236}">
+                  <a16:creationId xmlns:a16="http://schemas.microsoft.com/office/drawing/2014/main" id="{0C52AFC2-5738-6E91-9470-AE1CA4847F16}"/>
+                </a:ext>
+              </a:extLst>
+            </p:cNvPr>
+            <p:cNvSpPr txBox="1"/>
+            <p:nvPr/>
+          </p:nvSpPr>
+          <p:spPr>
+            <a:xfrm>
+              <a:off x="4139530" y="1388819"/>
+              <a:ext cx="619141" cy="338554"/>
+            </a:xfrm>
+            <a:prstGeom prst="rect">
+              <a:avLst/>
+            </a:prstGeom>
+            <a:noFill/>
+          </p:spPr>
+          <p:txBody>
+            <a:bodyPr wrap="square" rtlCol="0">
+              <a:spAutoFit/>
+            </a:bodyPr>
+            <a:lstStyle/>
+            <a:p>
+              <a:pPr algn="ctr"/>
+              <a:r>
+                <a:rPr lang="en-US" sz="1600" dirty="0"/>
+                <a:t>NFM</a:t>
+              </a:r>
+            </a:p>
+          </p:txBody>
+        </p:sp>
+        <p:sp>
+          <p:nvSpPr>
+            <p:cNvPr id="7" name="TextBox 6">
+              <a:extLst>
+                <a:ext uri="{FF2B5EF4-FFF2-40B4-BE49-F238E27FC236}">
+                  <a16:creationId xmlns:a16="http://schemas.microsoft.com/office/drawing/2014/main" id="{1DBEEFB9-6F79-10AA-0505-B386A70921ED}"/>
+                </a:ext>
+              </a:extLst>
+            </p:cNvPr>
+            <p:cNvSpPr txBox="1"/>
+            <p:nvPr/>
+          </p:nvSpPr>
+          <p:spPr>
+            <a:xfrm>
+              <a:off x="4139530" y="1829089"/>
+              <a:ext cx="619141" cy="338554"/>
+            </a:xfrm>
+            <a:prstGeom prst="rect">
+              <a:avLst/>
+            </a:prstGeom>
+            <a:noFill/>
+          </p:spPr>
+          <p:txBody>
+            <a:bodyPr wrap="square" rtlCol="0">
+              <a:spAutoFit/>
+            </a:bodyPr>
+            <a:lstStyle/>
+            <a:p>
+              <a:pPr algn="ctr"/>
+              <a:r>
+                <a:rPr lang="en-US" sz="1600" dirty="0"/>
+                <a:t>S1</a:t>
+              </a:r>
+            </a:p>
+          </p:txBody>
+        </p:sp>
+        <p:sp>
+          <p:nvSpPr>
+            <p:cNvPr id="8" name="TextBox 7">
+              <a:extLst>
+                <a:ext uri="{FF2B5EF4-FFF2-40B4-BE49-F238E27FC236}">
+                  <a16:creationId xmlns:a16="http://schemas.microsoft.com/office/drawing/2014/main" id="{45F51971-D725-24BC-C7BD-6F7EA869D03F}"/>
+                </a:ext>
+              </a:extLst>
+            </p:cNvPr>
+            <p:cNvSpPr txBox="1"/>
+            <p:nvPr/>
+          </p:nvSpPr>
+          <p:spPr>
+            <a:xfrm>
+              <a:off x="4139934" y="2269528"/>
+              <a:ext cx="619141" cy="338554"/>
+            </a:xfrm>
+            <a:prstGeom prst="rect">
+              <a:avLst/>
+            </a:prstGeom>
+            <a:noFill/>
+          </p:spPr>
+          <p:txBody>
+            <a:bodyPr wrap="square" rtlCol="0">
+              <a:spAutoFit/>
+            </a:bodyPr>
+            <a:lstStyle/>
+            <a:p>
+              <a:pPr algn="ctr"/>
+              <a:r>
+                <a:rPr lang="en-US" sz="1600" dirty="0"/>
+                <a:t>S2</a:t>
+              </a:r>
+            </a:p>
+          </p:txBody>
+        </p:sp>
+      </p:grpSp>
+      <p:sp>
+        <p:nvSpPr>
+          <p:cNvPr id="10" name="TextBox 9">
+            <a:extLst>
+              <a:ext uri="{FF2B5EF4-FFF2-40B4-BE49-F238E27FC236}">
+                <a16:creationId xmlns:a16="http://schemas.microsoft.com/office/drawing/2014/main" id="{C77EA918-2950-481F-95E0-88D19AE81BA1}"/>
+              </a:ext>
+            </a:extLst>
+          </p:cNvPr>
+          <p:cNvSpPr txBox="1"/>
+          <p:nvPr/>
+        </p:nvSpPr>
+        <p:spPr>
+          <a:xfrm>
+            <a:off x="7645398" y="1771927"/>
+            <a:ext cx="4546602" cy="523220"/>
+          </a:xfrm>
+          <a:prstGeom prst="rect">
+            <a:avLst/>
+          </a:prstGeom>
+          <a:noFill/>
+        </p:spPr>
+        <p:txBody>
+          <a:bodyPr wrap="square" rtlCol="0">
+            <a:spAutoFit/>
+          </a:bodyPr>
+          <a:lstStyle/>
+          <a:p>
+            <a:pPr marL="285750" indent="-285750">
+              <a:buFont typeface="Arial" panose="020B0604020202020204" pitchFamily="34" charset="0"/>
+              <a:buChar char="•"/>
+            </a:pPr>
+            <a:r>
+              <a:rPr lang="en-US" sz="1400" dirty="0"/>
+              <a:t>Shuffled charge distributions lead to brushes with less prominent shoulders</a:t>
+            </a:r>
+          </a:p>
+        </p:txBody>
+      </p:sp>
+      <p:grpSp>
+        <p:nvGrpSpPr>
+          <p:cNvPr id="13" name="Group 12">
+            <a:extLst>
+              <a:ext uri="{FF2B5EF4-FFF2-40B4-BE49-F238E27FC236}">
+                <a16:creationId xmlns:a16="http://schemas.microsoft.com/office/drawing/2014/main" id="{AA2E8AEB-2B32-C42B-3B67-9EF93A40C706}"/>
+              </a:ext>
+            </a:extLst>
+          </p:cNvPr>
+          <p:cNvGrpSpPr/>
+          <p:nvPr/>
+        </p:nvGrpSpPr>
+        <p:grpSpPr>
+          <a:xfrm>
+            <a:off x="3796014" y="3089808"/>
+            <a:ext cx="3743778" cy="1274734"/>
+            <a:chOff x="3801518" y="3129700"/>
+            <a:chExt cx="3743778" cy="1274734"/>
+          </a:xfrm>
+        </p:grpSpPr>
+        <p:pic>
+          <p:nvPicPr>
+            <p:cNvPr id="2066" name="Picture 18">
+              <a:extLst>
+                <a:ext uri="{FF2B5EF4-FFF2-40B4-BE49-F238E27FC236}">
+                  <a16:creationId xmlns:a16="http://schemas.microsoft.com/office/drawing/2014/main" id="{C99DE754-F603-1CEF-34C4-7BB404099DA9}"/>
+                </a:ext>
+              </a:extLst>
+            </p:cNvPr>
+            <p:cNvPicPr>
+              <a:picLocks noChangeAspect="1" noChangeArrowheads="1"/>
+            </p:cNvPicPr>
+            <p:nvPr/>
+          </p:nvPicPr>
+          <p:blipFill>
+            <a:blip r:embed="rId6">
+              <a:extLst>
+                <a:ext uri="{28A0092B-C50C-407E-A947-70E740481C1C}">
+                  <a14:useLocalDpi xmlns:a14="http://schemas.microsoft.com/office/drawing/2010/main" val="0"/>
+                </a:ext>
+              </a:extLst>
+            </a:blip>
+            <a:srcRect/>
+            <a:stretch>
+              <a:fillRect/>
+            </a:stretch>
+          </p:blipFill>
+          <p:spPr bwMode="auto">
+            <a:xfrm>
+              <a:off x="4652636" y="3129700"/>
+              <a:ext cx="2886728" cy="805323"/>
+            </a:xfrm>
+            <a:prstGeom prst="rect">
+              <a:avLst/>
+            </a:prstGeom>
+            <a:noFill/>
+            <a:extLst>
+              <a:ext uri="{909E8E84-426E-40DD-AFC4-6F175D3DCCD1}">
+                <a14:hiddenFill xmlns:a14="http://schemas.microsoft.com/office/drawing/2010/main">
+                  <a:solidFill>
+                    <a:srgbClr val="FFFFFF"/>
+                  </a:solidFill>
+                </a14:hiddenFill>
+              </a:ext>
+            </a:extLst>
+          </p:spPr>
+        </p:pic>
+        <p:sp>
+          <p:nvSpPr>
+            <p:cNvPr id="11" name="TextBox 10">
+              <a:extLst>
+                <a:ext uri="{FF2B5EF4-FFF2-40B4-BE49-F238E27FC236}">
+                  <a16:creationId xmlns:a16="http://schemas.microsoft.com/office/drawing/2014/main" id="{2B72AC4D-1E11-989B-8CC2-A04E8847C5D7}"/>
+                </a:ext>
+              </a:extLst>
+            </p:cNvPr>
+            <p:cNvSpPr txBox="1"/>
+            <p:nvPr/>
+          </p:nvSpPr>
+          <p:spPr>
+            <a:xfrm>
+              <a:off x="3852334" y="3262633"/>
+              <a:ext cx="830138" cy="338554"/>
+            </a:xfrm>
+            <a:prstGeom prst="rect">
+              <a:avLst/>
+            </a:prstGeom>
+            <a:noFill/>
+          </p:spPr>
+          <p:txBody>
+            <a:bodyPr wrap="square" rtlCol="0">
+              <a:spAutoFit/>
+            </a:bodyPr>
+            <a:lstStyle/>
+            <a:p>
+              <a:pPr algn="ctr"/>
+              <a:r>
+                <a:rPr lang="en-US" sz="1600" dirty="0"/>
+                <a:t>NFHD2</a:t>
+              </a:r>
+            </a:p>
+          </p:txBody>
+        </p:sp>
+        <p:pic>
+          <p:nvPicPr>
+            <p:cNvPr id="2068" name="Picture 20">
+              <a:extLst>
+                <a:ext uri="{FF2B5EF4-FFF2-40B4-BE49-F238E27FC236}">
+                  <a16:creationId xmlns:a16="http://schemas.microsoft.com/office/drawing/2014/main" id="{295C7DFD-CFE8-946E-4856-3C0AECDB3C7E}"/>
+                </a:ext>
+              </a:extLst>
+            </p:cNvPr>
+            <p:cNvPicPr>
+              <a:picLocks noChangeAspect="1" noChangeArrowheads="1"/>
+            </p:cNvPicPr>
+            <p:nvPr/>
+          </p:nvPicPr>
+          <p:blipFill>
+            <a:blip r:embed="rId7">
+              <a:extLst>
+                <a:ext uri="{28A0092B-C50C-407E-A947-70E740481C1C}">
+                  <a14:useLocalDpi xmlns:a14="http://schemas.microsoft.com/office/drawing/2010/main" val="0"/>
+                </a:ext>
+              </a:extLst>
+            </a:blip>
+            <a:srcRect/>
+            <a:stretch>
+              <a:fillRect/>
+            </a:stretch>
+          </p:blipFill>
+          <p:spPr bwMode="auto">
+            <a:xfrm>
+              <a:off x="4658568" y="3599111"/>
+              <a:ext cx="2886728" cy="805323"/>
+            </a:xfrm>
+            <a:prstGeom prst="rect">
+              <a:avLst/>
+            </a:prstGeom>
+            <a:noFill/>
+            <a:extLst>
+              <a:ext uri="{909E8E84-426E-40DD-AFC4-6F175D3DCCD1}">
+                <a14:hiddenFill xmlns:a14="http://schemas.microsoft.com/office/drawing/2010/main">
+                  <a:solidFill>
+                    <a:srgbClr val="FFFFFF"/>
+                  </a:solidFill>
+                </a14:hiddenFill>
+              </a:ext>
+            </a:extLst>
+          </p:spPr>
+        </p:pic>
+        <p:sp>
+          <p:nvSpPr>
+            <p:cNvPr id="12" name="TextBox 11">
+              <a:extLst>
+                <a:ext uri="{FF2B5EF4-FFF2-40B4-BE49-F238E27FC236}">
+                  <a16:creationId xmlns:a16="http://schemas.microsoft.com/office/drawing/2014/main" id="{CAA96B82-E118-61A3-3677-A629CF598C9E}"/>
+                </a:ext>
+              </a:extLst>
+            </p:cNvPr>
+            <p:cNvSpPr txBox="1"/>
+            <p:nvPr/>
+          </p:nvSpPr>
+          <p:spPr>
+            <a:xfrm>
+              <a:off x="3801518" y="3763387"/>
+              <a:ext cx="880954" cy="338554"/>
+            </a:xfrm>
+            <a:prstGeom prst="rect">
+              <a:avLst/>
+            </a:prstGeom>
+            <a:noFill/>
+          </p:spPr>
+          <p:txBody>
+            <a:bodyPr wrap="square" rtlCol="0">
+              <a:spAutoFit/>
+            </a:bodyPr>
+            <a:lstStyle/>
+            <a:p>
+              <a:pPr algn="ctr"/>
+              <a:r>
+                <a:rPr lang="en-US" sz="1600" dirty="0"/>
+                <a:t>pNFHD2</a:t>
+              </a:r>
+            </a:p>
+          </p:txBody>
+        </p:sp>
+      </p:grpSp>
+      <p:sp>
+        <p:nvSpPr>
+          <p:cNvPr id="14" name="TextBox 13">
+            <a:extLst>
+              <a:ext uri="{FF2B5EF4-FFF2-40B4-BE49-F238E27FC236}">
+                <a16:creationId xmlns:a16="http://schemas.microsoft.com/office/drawing/2014/main" id="{FD0564AB-DFCC-A5ED-26EE-E97F4E2949B6}"/>
+              </a:ext>
+            </a:extLst>
+          </p:cNvPr>
+          <p:cNvSpPr txBox="1"/>
+          <p:nvPr/>
+        </p:nvSpPr>
+        <p:spPr>
+          <a:xfrm>
+            <a:off x="7645398" y="3392018"/>
+            <a:ext cx="4546602" cy="523220"/>
+          </a:xfrm>
+          <a:prstGeom prst="rect">
+            <a:avLst/>
+          </a:prstGeom>
+          <a:noFill/>
+        </p:spPr>
+        <p:txBody>
+          <a:bodyPr wrap="square" rtlCol="0">
+            <a:spAutoFit/>
+          </a:bodyPr>
+          <a:lstStyle/>
+          <a:p>
+            <a:pPr marL="285750" indent="-285750">
+              <a:buFont typeface="Arial" panose="020B0604020202020204" pitchFamily="34" charset="0"/>
+              <a:buChar char="•"/>
+            </a:pPr>
+            <a:r>
+              <a:rPr lang="en-US" sz="1400" dirty="0"/>
+              <a:t>Deletion of Block 2 prevents shoulder in </a:t>
+            </a:r>
+            <a:r>
+              <a:rPr lang="en-US" sz="1400" dirty="0" err="1"/>
+              <a:t>pNFH</a:t>
+            </a:r>
+            <a:r>
+              <a:rPr lang="en-US" sz="1400" dirty="0"/>
+              <a:t> density at all ionic strengths (see prev. slide)</a:t>
+            </a:r>
+          </a:p>
+        </p:txBody>
+      </p:sp>
+      <p:grpSp>
+        <p:nvGrpSpPr>
+          <p:cNvPr id="17" name="Group 16">
+            <a:extLst>
+              <a:ext uri="{FF2B5EF4-FFF2-40B4-BE49-F238E27FC236}">
+                <a16:creationId xmlns:a16="http://schemas.microsoft.com/office/drawing/2014/main" id="{AFBEA0D0-2EFC-CD7E-7466-692943AE7942}"/>
+              </a:ext>
+            </a:extLst>
+          </p:cNvPr>
+          <p:cNvGrpSpPr/>
+          <p:nvPr/>
+        </p:nvGrpSpPr>
+        <p:grpSpPr>
+          <a:xfrm>
+            <a:off x="3846830" y="4682865"/>
+            <a:ext cx="3461014" cy="1249692"/>
+            <a:chOff x="3846830" y="4682865"/>
+            <a:chExt cx="3461014" cy="1249692"/>
+          </a:xfrm>
+        </p:grpSpPr>
+        <p:pic>
+          <p:nvPicPr>
+            <p:cNvPr id="2072" name="Picture 24">
+              <a:extLst>
+                <a:ext uri="{FF2B5EF4-FFF2-40B4-BE49-F238E27FC236}">
+                  <a16:creationId xmlns:a16="http://schemas.microsoft.com/office/drawing/2014/main" id="{CA5A17AB-595B-6654-8A32-BC0666E7F9AF}"/>
+                </a:ext>
+              </a:extLst>
+            </p:cNvPr>
+            <p:cNvPicPr>
+              <a:picLocks noChangeAspect="1" noChangeArrowheads="1"/>
+            </p:cNvPicPr>
+            <p:nvPr/>
+          </p:nvPicPr>
+          <p:blipFill>
+            <a:blip r:embed="rId8">
+              <a:extLst>
+                <a:ext uri="{28A0092B-C50C-407E-A947-70E740481C1C}">
+                  <a14:useLocalDpi xmlns:a14="http://schemas.microsoft.com/office/drawing/2010/main" val="0"/>
+                </a:ext>
+              </a:extLst>
+            </a:blip>
+            <a:srcRect/>
+            <a:stretch>
+              <a:fillRect/>
+            </a:stretch>
+          </p:blipFill>
+          <p:spPr bwMode="auto">
+            <a:xfrm>
+              <a:off x="4676968" y="4682865"/>
+              <a:ext cx="2630876" cy="784599"/>
+            </a:xfrm>
+            <a:prstGeom prst="rect">
+              <a:avLst/>
+            </a:prstGeom>
+            <a:noFill/>
+            <a:extLst>
+              <a:ext uri="{909E8E84-426E-40DD-AFC4-6F175D3DCCD1}">
+                <a14:hiddenFill xmlns:a14="http://schemas.microsoft.com/office/drawing/2010/main">
+                  <a:solidFill>
+                    <a:srgbClr val="FFFFFF"/>
+                  </a:solidFill>
+                </a14:hiddenFill>
+              </a:ext>
+            </a:extLst>
+          </p:spPr>
+        </p:pic>
+        <p:pic>
+          <p:nvPicPr>
+            <p:cNvPr id="2074" name="Picture 26">
+              <a:extLst>
+                <a:ext uri="{FF2B5EF4-FFF2-40B4-BE49-F238E27FC236}">
+                  <a16:creationId xmlns:a16="http://schemas.microsoft.com/office/drawing/2014/main" id="{E638BD59-EBB1-53E3-B126-E59ACE2F3FAB}"/>
+                </a:ext>
+              </a:extLst>
+            </p:cNvPr>
+            <p:cNvPicPr>
+              <a:picLocks noChangeAspect="1" noChangeArrowheads="1"/>
+            </p:cNvPicPr>
+            <p:nvPr/>
+          </p:nvPicPr>
+          <p:blipFill>
+            <a:blip r:embed="rId9">
+              <a:extLst>
+                <a:ext uri="{28A0092B-C50C-407E-A947-70E740481C1C}">
+                  <a14:useLocalDpi xmlns:a14="http://schemas.microsoft.com/office/drawing/2010/main" val="0"/>
+                </a:ext>
+              </a:extLst>
+            </a:blip>
+            <a:srcRect/>
+            <a:stretch>
+              <a:fillRect/>
+            </a:stretch>
+          </p:blipFill>
+          <p:spPr bwMode="auto">
+            <a:xfrm>
+              <a:off x="4676968" y="5147958"/>
+              <a:ext cx="2630876" cy="784599"/>
+            </a:xfrm>
+            <a:prstGeom prst="rect">
+              <a:avLst/>
+            </a:prstGeom>
+            <a:noFill/>
+            <a:extLst>
+              <a:ext uri="{909E8E84-426E-40DD-AFC4-6F175D3DCCD1}">
+                <a14:hiddenFill xmlns:a14="http://schemas.microsoft.com/office/drawing/2010/main">
+                  <a:solidFill>
+                    <a:srgbClr val="FFFFFF"/>
+                  </a:solidFill>
+                </a14:hiddenFill>
+              </a:ext>
+            </a:extLst>
+          </p:spPr>
+        </p:pic>
+        <p:sp>
+          <p:nvSpPr>
+            <p:cNvPr id="15" name="TextBox 14">
+              <a:extLst>
+                <a:ext uri="{FF2B5EF4-FFF2-40B4-BE49-F238E27FC236}">
+                  <a16:creationId xmlns:a16="http://schemas.microsoft.com/office/drawing/2014/main" id="{FD7E2A12-26BF-007F-FE71-C78FDAE564E1}"/>
+                </a:ext>
+              </a:extLst>
+            </p:cNvPr>
+            <p:cNvSpPr txBox="1"/>
+            <p:nvPr/>
+          </p:nvSpPr>
+          <p:spPr>
+            <a:xfrm>
+              <a:off x="3846830" y="5252416"/>
+              <a:ext cx="880954" cy="338554"/>
+            </a:xfrm>
+            <a:prstGeom prst="rect">
+              <a:avLst/>
+            </a:prstGeom>
+            <a:noFill/>
+          </p:spPr>
+          <p:txBody>
+            <a:bodyPr wrap="square" rtlCol="0">
+              <a:spAutoFit/>
+            </a:bodyPr>
+            <a:lstStyle/>
+            <a:p>
+              <a:pPr algn="ctr"/>
+              <a:r>
+                <a:rPr lang="en-US" sz="1600" dirty="0"/>
+                <a:t>pNFHD6</a:t>
+              </a:r>
+            </a:p>
+          </p:txBody>
+        </p:sp>
+        <p:sp>
+          <p:nvSpPr>
+            <p:cNvPr id="16" name="TextBox 15">
+              <a:extLst>
+                <a:ext uri="{FF2B5EF4-FFF2-40B4-BE49-F238E27FC236}">
+                  <a16:creationId xmlns:a16="http://schemas.microsoft.com/office/drawing/2014/main" id="{381D9E1A-BCFC-F69E-85E2-2057895184FA}"/>
+                </a:ext>
+              </a:extLst>
+            </p:cNvPr>
+            <p:cNvSpPr txBox="1"/>
+            <p:nvPr/>
+          </p:nvSpPr>
+          <p:spPr>
+            <a:xfrm>
+              <a:off x="3846830" y="4806371"/>
+              <a:ext cx="880954" cy="338554"/>
+            </a:xfrm>
+            <a:prstGeom prst="rect">
+              <a:avLst/>
+            </a:prstGeom>
+            <a:noFill/>
+          </p:spPr>
+          <p:txBody>
+            <a:bodyPr wrap="square" rtlCol="0">
+              <a:spAutoFit/>
+            </a:bodyPr>
+            <a:lstStyle/>
+            <a:p>
+              <a:pPr algn="ctr"/>
+              <a:r>
+                <a:rPr lang="en-US" sz="1600" dirty="0"/>
+                <a:t>NFHD6</a:t>
+              </a:r>
+            </a:p>
+          </p:txBody>
+        </p:sp>
+      </p:grpSp>
+      <p:sp>
+        <p:nvSpPr>
+          <p:cNvPr id="18" name="TextBox 17">
+            <a:extLst>
+              <a:ext uri="{FF2B5EF4-FFF2-40B4-BE49-F238E27FC236}">
+                <a16:creationId xmlns:a16="http://schemas.microsoft.com/office/drawing/2014/main" id="{32AD661C-C76C-141B-5730-C8D48A00697F}"/>
+              </a:ext>
+            </a:extLst>
+          </p:cNvPr>
+          <p:cNvSpPr txBox="1"/>
+          <p:nvPr/>
+        </p:nvSpPr>
+        <p:spPr>
+          <a:xfrm>
+            <a:off x="7645398" y="4863766"/>
+            <a:ext cx="4546602" cy="523220"/>
+          </a:xfrm>
+          <a:prstGeom prst="rect">
+            <a:avLst/>
+          </a:prstGeom>
+          <a:noFill/>
+        </p:spPr>
+        <p:txBody>
+          <a:bodyPr wrap="square" rtlCol="0">
+            <a:spAutoFit/>
+          </a:bodyPr>
+          <a:lstStyle/>
+          <a:p>
+            <a:pPr marL="285750" indent="-285750">
+              <a:buFont typeface="Arial" panose="020B0604020202020204" pitchFamily="34" charset="0"/>
+              <a:buChar char="•"/>
+            </a:pPr>
+            <a:r>
+              <a:rPr lang="en-US" sz="1400" dirty="0"/>
+              <a:t>Deletion of Block 6 reduces neutralizing charge in NFH and leads to response to ionic strength.</a:t>
             </a:r>
           </a:p>
         </p:txBody>

--- a/NF Collab Summary.pptx
+++ b/NF Collab Summary.pptx
@@ -7234,7 +7234,54 @@
         </p:nvSpPr>
         <p:spPr>
           <a:xfrm>
-            <a:off x="7645398" y="4863766"/>
+            <a:off x="7645398" y="4702207"/>
+            <a:ext cx="4546602" cy="307777"/>
+          </a:xfrm>
+          <a:prstGeom prst="rect">
+            <a:avLst/>
+          </a:prstGeom>
+          <a:noFill/>
+        </p:spPr>
+        <p:txBody>
+          <a:bodyPr wrap="square" rtlCol="0">
+            <a:spAutoFit/>
+          </a:bodyPr>
+          <a:lstStyle/>
+          <a:p>
+            <a:pPr marL="285750" indent="-285750">
+              <a:buFont typeface="Arial" panose="020B0604020202020204" pitchFamily="34" charset="0"/>
+              <a:buChar char="•"/>
+            </a:pPr>
+            <a:r>
+              <a:rPr lang="en-US" sz="1400" dirty="0"/>
+              <a:t>Block 6 avg charge -0.01 ~ -0.02 (</a:t>
+            </a:r>
+            <a:r>
+              <a:rPr lang="en-US" sz="1400" dirty="0" err="1"/>
+              <a:t>phospho</a:t>
+            </a:r>
+            <a:r>
+              <a:rPr lang="en-US" sz="1400" dirty="0"/>
+              <a:t>) </a:t>
+            </a:r>
+          </a:p>
+        </p:txBody>
+      </p:sp>
+      <p:sp>
+        <p:nvSpPr>
+          <p:cNvPr id="19" name="TextBox 18">
+            <a:extLst>
+              <a:ext uri="{FF2B5EF4-FFF2-40B4-BE49-F238E27FC236}">
+                <a16:creationId xmlns:a16="http://schemas.microsoft.com/office/drawing/2014/main" id="{02D6330B-0BE6-89AF-4C77-9BB0B204D13C}"/>
+              </a:ext>
+            </a:extLst>
+          </p:cNvPr>
+          <p:cNvSpPr txBox="1"/>
+          <p:nvPr/>
+        </p:nvSpPr>
+        <p:spPr>
+          <a:xfrm>
+            <a:off x="7645398" y="5305905"/>
             <a:ext cx="4546602" cy="523220"/>
           </a:xfrm>
           <a:prstGeom prst="rect">
@@ -7254,7 +7301,15 @@
             </a:pPr>
             <a:r>
               <a:rPr lang="en-US" sz="1400" dirty="0"/>
-              <a:t>Deletion of Block 6 reduces neutralizing charge in NFH and leads to response to ionic strength.</a:t>
+              <a:t>Deletion of Block 6 reduces neutralizing charge in NFH and repulsion in </a:t>
+            </a:r>
+            <a:r>
+              <a:rPr lang="en-US" sz="1400" dirty="0" err="1"/>
+              <a:t>pNFH</a:t>
+            </a:r>
+            <a:r>
+              <a:rPr lang="en-US" sz="1400" dirty="0"/>
+              <a:t>.</a:t>
             </a:r>
           </a:p>
         </p:txBody>

--- a/NF Collab Summary.pptx
+++ b/NF Collab Summary.pptx
@@ -2669,8 +2669,13 @@
           <a:p>
             <a:r>
               <a:rPr lang="en-US" dirty="0"/>
-              <a:t>Last updated: 04/05/2024</a:t>
-            </a:r>
+              <a:t>Last updated</a:t>
+            </a:r>
+            <a:r>
+              <a:rPr lang="en-US"/>
+              <a:t>: 04/08/2024</a:t>
+            </a:r>
+            <a:endParaRPr lang="en-US" dirty="0"/>
           </a:p>
         </p:txBody>
       </p:sp>

--- a/NF Collab Summary.pptx
+++ b/NF Collab Summary.pptx
@@ -2669,13 +2669,8 @@
           <a:p>
             <a:r>
               <a:rPr lang="en-US" dirty="0"/>
-              <a:t>Last updated</a:t>
-            </a:r>
-            <a:r>
-              <a:rPr lang="en-US"/>
-              <a:t>: 04/08/2024</a:t>
-            </a:r>
-            <a:endParaRPr lang="en-US" dirty="0"/>
+              <a:t>Last updated: 04/08/2024</a:t>
+            </a:r>
           </a:p>
         </p:txBody>
       </p:sp>
@@ -2782,7 +2777,12 @@
             <p:ph idx="1"/>
           </p:nvPr>
         </p:nvSpPr>
-        <p:spPr/>
+        <p:spPr>
+          <a:xfrm>
+            <a:off x="838200" y="1346694"/>
+            <a:ext cx="10515600" cy="4164611"/>
+          </a:xfrm>
+        </p:spPr>
         <p:txBody>
           <a:bodyPr>
             <a:normAutofit/>
@@ -7259,7 +7259,7 @@
             </a:pPr>
             <a:r>
               <a:rPr lang="en-US" sz="1400" dirty="0"/>
-              <a:t>Block 6 avg charge -0.01 ~ -0.02 (</a:t>
+              <a:t>Block 6 charge density -0.01 ~ -0.02e (</a:t>
             </a:r>
             <a:r>
               <a:rPr lang="en-US" sz="1400" dirty="0" err="1"/>

--- a/NF Collab Summary.pptx
+++ b/NF Collab Summary.pptx
@@ -2641,7 +2641,7 @@
           <a:p>
             <a:r>
               <a:rPr lang="en-US" dirty="0"/>
-              <a:t>[WIP] NF Results</a:t>
+              <a:t>NF Collaboration Summary</a:t>
             </a:r>
           </a:p>
         </p:txBody>

--- a/NF Collab Summary.pptx
+++ b/NF Collab Summary.pptx
@@ -5,10 +5,10 @@
     <p:sldMasterId id="2147483684" r:id="rId1"/>
   </p:sldMasterIdLst>
   <p:notesMasterIdLst>
-    <p:notesMasterId r:id="rId11"/>
+    <p:notesMasterId r:id="rId12"/>
   </p:notesMasterIdLst>
   <p:handoutMasterIdLst>
-    <p:handoutMasterId r:id="rId12"/>
+    <p:handoutMasterId r:id="rId13"/>
   </p:handoutMasterIdLst>
   <p:sldIdLst>
     <p:sldId id="256" r:id="rId2"/>
@@ -20,6 +20,7 @@
     <p:sldId id="257" r:id="rId8"/>
     <p:sldId id="269" r:id="rId9"/>
     <p:sldId id="271" r:id="rId10"/>
+    <p:sldId id="272" r:id="rId11"/>
   </p:sldIdLst>
   <p:sldSz cx="12192000" cy="6858000"/>
   <p:notesSz cx="6858000" cy="9144000"/>
@@ -223,7 +224,7 @@
           <a:p>
             <a:fld id="{14580B53-B3FA-440E-B97E-7F7743C74805}" type="datetimeFigureOut">
               <a:rPr lang="en-US" smtClean="0"/>
-              <a:t>4/8/2024</a:t>
+              <a:t>4/9/2024</a:t>
             </a:fld>
             <a:endParaRPr lang="en-US"/>
           </a:p>
@@ -400,7 +401,7 @@
           <a:p>
             <a:fld id="{DFF06B30-C56E-4ACA-940F-52D7F8EC3A48}" type="datetimeFigureOut">
               <a:rPr lang="en-US" smtClean="0"/>
-              <a:t>4/8/2024</a:t>
+              <a:t>4/9/2024</a:t>
             </a:fld>
             <a:endParaRPr lang="en-US"/>
           </a:p>
@@ -1157,7 +1158,7 @@
           <a:p>
             <a:fld id="{6D309A34-CB22-414B-B337-22A54F31417C}" type="datetime1">
               <a:rPr lang="en-US" smtClean="0"/>
-              <a:t>4/8/2024</a:t>
+              <a:t>4/9/2024</a:t>
             </a:fld>
             <a:endParaRPr lang="en-US"/>
           </a:p>
@@ -1304,7 +1305,7 @@
           <a:p>
             <a:fld id="{2875BB1A-84CA-4261-AA50-DA2DDF53AC57}" type="datetime1">
               <a:rPr lang="en-US" smtClean="0"/>
-              <a:t>4/8/2024</a:t>
+              <a:t>4/9/2024</a:t>
             </a:fld>
             <a:endParaRPr lang="en-US"/>
           </a:p>
@@ -1628,7 +1629,7 @@
           <a:p>
             <a:fld id="{01337600-D417-47B7-AA41-087585197EDC}" type="datetime1">
               <a:rPr lang="en-US" smtClean="0"/>
-              <a:t>4/8/2024</a:t>
+              <a:t>4/9/2024</a:t>
             </a:fld>
             <a:endParaRPr lang="en-US"/>
           </a:p>
@@ -1912,7 +1913,7 @@
           <a:p>
             <a:fld id="{D07EAAE8-4F5E-4E22-B18A-33ECA1052179}" type="datetime1">
               <a:rPr lang="en-US" smtClean="0"/>
-              <a:t>4/8/2024</a:t>
+              <a:t>4/9/2024</a:t>
             </a:fld>
             <a:endParaRPr lang="en-US"/>
           </a:p>
@@ -2191,7 +2192,7 @@
           <a:p>
             <a:fld id="{CE037CEF-216D-4711-8A5B-8A9A7F84D340}" type="datetime1">
               <a:rPr lang="en-US" smtClean="0"/>
-              <a:t>4/8/2024</a:t>
+              <a:t>4/9/2024</a:t>
             </a:fld>
             <a:endParaRPr lang="en-US"/>
           </a:p>
@@ -2716,6 +2717,555 @@
 </p:sld>
 </file>
 
+<file path=ppt/slides/slide10.xml><?xml version="1.0" encoding="utf-8"?>
+<p:sld xmlns:a="http://schemas.openxmlformats.org/drawingml/2006/main" xmlns:r="http://schemas.openxmlformats.org/officeDocument/2006/relationships" xmlns:p="http://schemas.openxmlformats.org/presentationml/2006/main">
+  <p:cSld>
+    <p:spTree>
+      <p:nvGrpSpPr>
+        <p:cNvPr id="1" name=""/>
+        <p:cNvGrpSpPr/>
+        <p:nvPr/>
+      </p:nvGrpSpPr>
+      <p:grpSpPr>
+        <a:xfrm>
+          <a:off x="0" y="0"/>
+          <a:ext cx="0" cy="0"/>
+          <a:chOff x="0" y="0"/>
+          <a:chExt cx="0" cy="0"/>
+        </a:xfrm>
+      </p:grpSpPr>
+      <p:sp>
+        <p:nvSpPr>
+          <p:cNvPr id="2" name="Title 1">
+            <a:extLst>
+              <a:ext uri="{FF2B5EF4-FFF2-40B4-BE49-F238E27FC236}">
+                <a16:creationId xmlns:a16="http://schemas.microsoft.com/office/drawing/2014/main" id="{9808CA21-23A5-204B-FAD8-77E8EF2926B9}"/>
+              </a:ext>
+            </a:extLst>
+          </p:cNvPr>
+          <p:cNvSpPr>
+            <a:spLocks noGrp="1"/>
+          </p:cNvSpPr>
+          <p:nvPr>
+            <p:ph type="title"/>
+          </p:nvPr>
+        </p:nvSpPr>
+        <p:spPr/>
+        <p:txBody>
+          <a:bodyPr>
+            <a:normAutofit/>
+          </a:bodyPr>
+          <a:lstStyle/>
+          <a:p>
+            <a:r>
+              <a:rPr lang="en-US" sz="4000" dirty="0"/>
+              <a:t>Alternate figure for modified NFM</a:t>
+            </a:r>
+          </a:p>
+        </p:txBody>
+      </p:sp>
+      <p:sp>
+        <p:nvSpPr>
+          <p:cNvPr id="3" name="Slide Number Placeholder 2">
+            <a:extLst>
+              <a:ext uri="{FF2B5EF4-FFF2-40B4-BE49-F238E27FC236}">
+                <a16:creationId xmlns:a16="http://schemas.microsoft.com/office/drawing/2014/main" id="{C7BA3843-1D0F-302F-AE41-0BF2093789A6}"/>
+              </a:ext>
+            </a:extLst>
+          </p:cNvPr>
+          <p:cNvSpPr>
+            <a:spLocks noGrp="1"/>
+          </p:cNvSpPr>
+          <p:nvPr>
+            <p:ph type="sldNum" sz="quarter" idx="12"/>
+          </p:nvPr>
+        </p:nvSpPr>
+        <p:spPr/>
+        <p:txBody>
+          <a:bodyPr/>
+          <a:lstStyle/>
+          <a:p>
+            <a:fld id="{B40DB54C-0C58-4481-B5FF-5C3F14CFF9B3}" type="slidenum">
+              <a:rPr lang="en-US" smtClean="0"/>
+              <a:t>10</a:t>
+            </a:fld>
+            <a:endParaRPr lang="en-US"/>
+          </a:p>
+        </p:txBody>
+      </p:sp>
+      <p:pic>
+        <p:nvPicPr>
+          <p:cNvPr id="1028" name="Picture 4">
+            <a:extLst>
+              <a:ext uri="{FF2B5EF4-FFF2-40B4-BE49-F238E27FC236}">
+                <a16:creationId xmlns:a16="http://schemas.microsoft.com/office/drawing/2014/main" id="{EE537FC0-1415-7D1F-AD94-069687D50269}"/>
+              </a:ext>
+            </a:extLst>
+          </p:cNvPr>
+          <p:cNvPicPr>
+            <a:picLocks noChangeAspect="1" noChangeArrowheads="1"/>
+          </p:cNvPicPr>
+          <p:nvPr/>
+        </p:nvPicPr>
+        <p:blipFill>
+          <a:blip r:embed="rId2">
+            <a:extLst>
+              <a:ext uri="{28A0092B-C50C-407E-A947-70E740481C1C}">
+                <a14:useLocalDpi xmlns:a14="http://schemas.microsoft.com/office/drawing/2010/main" val="0"/>
+              </a:ext>
+            </a:extLst>
+          </a:blip>
+          <a:srcRect/>
+          <a:stretch>
+            <a:fillRect/>
+          </a:stretch>
+        </p:blipFill>
+        <p:spPr bwMode="auto">
+          <a:xfrm>
+            <a:off x="267231" y="1261593"/>
+            <a:ext cx="3191335" cy="2015007"/>
+          </a:xfrm>
+          <a:prstGeom prst="rect">
+            <a:avLst/>
+          </a:prstGeom>
+          <a:noFill/>
+          <a:extLst>
+            <a:ext uri="{909E8E84-426E-40DD-AFC4-6F175D3DCCD1}">
+              <a14:hiddenFill xmlns:a14="http://schemas.microsoft.com/office/drawing/2010/main">
+                <a:solidFill>
+                  <a:srgbClr val="FFFFFF"/>
+                </a:solidFill>
+              </a14:hiddenFill>
+            </a:ext>
+          </a:extLst>
+        </p:spPr>
+      </p:pic>
+      <p:grpSp>
+        <p:nvGrpSpPr>
+          <p:cNvPr id="21" name="Group 20">
+            <a:extLst>
+              <a:ext uri="{FF2B5EF4-FFF2-40B4-BE49-F238E27FC236}">
+                <a16:creationId xmlns:a16="http://schemas.microsoft.com/office/drawing/2014/main" id="{9A53BE67-56CD-5909-C9B7-28342D514A9C}"/>
+              </a:ext>
+            </a:extLst>
+          </p:cNvPr>
+          <p:cNvGrpSpPr/>
+          <p:nvPr/>
+        </p:nvGrpSpPr>
+        <p:grpSpPr>
+          <a:xfrm>
+            <a:off x="3766992" y="1205873"/>
+            <a:ext cx="2982439" cy="2030478"/>
+            <a:chOff x="3961726" y="3034672"/>
+            <a:chExt cx="2982439" cy="2030478"/>
+          </a:xfrm>
+        </p:grpSpPr>
+        <p:grpSp>
+          <p:nvGrpSpPr>
+            <p:cNvPr id="14" name="Group 13">
+              <a:extLst>
+                <a:ext uri="{FF2B5EF4-FFF2-40B4-BE49-F238E27FC236}">
+                  <a16:creationId xmlns:a16="http://schemas.microsoft.com/office/drawing/2014/main" id="{979B66B2-B2E0-3771-878A-C9281C9D5525}"/>
+                </a:ext>
+              </a:extLst>
+            </p:cNvPr>
+            <p:cNvGrpSpPr/>
+            <p:nvPr/>
+          </p:nvGrpSpPr>
+          <p:grpSpPr>
+            <a:xfrm>
+              <a:off x="4580871" y="3034672"/>
+              <a:ext cx="2363294" cy="1600209"/>
+              <a:chOff x="4496204" y="1210731"/>
+              <a:chExt cx="2363294" cy="1600209"/>
+            </a:xfrm>
+          </p:grpSpPr>
+          <p:pic>
+            <p:nvPicPr>
+              <p:cNvPr id="18" name="Picture 6">
+                <a:extLst>
+                  <a:ext uri="{FF2B5EF4-FFF2-40B4-BE49-F238E27FC236}">
+                    <a16:creationId xmlns:a16="http://schemas.microsoft.com/office/drawing/2014/main" id="{3C1155A6-22F8-6D64-9099-CE4D5544BDF0}"/>
+                  </a:ext>
+                </a:extLst>
+              </p:cNvPr>
+              <p:cNvPicPr>
+                <a:picLocks noChangeAspect="1" noChangeArrowheads="1"/>
+              </p:cNvPicPr>
+              <p:nvPr/>
+            </p:nvPicPr>
+            <p:blipFill>
+              <a:blip r:embed="rId3">
+                <a:extLst>
+                  <a:ext uri="{28A0092B-C50C-407E-A947-70E740481C1C}">
+                    <a14:useLocalDpi xmlns:a14="http://schemas.microsoft.com/office/drawing/2010/main" val="0"/>
+                  </a:ext>
+                </a:extLst>
+              </a:blip>
+              <a:srcRect/>
+              <a:stretch>
+                <a:fillRect/>
+              </a:stretch>
+            </p:blipFill>
+            <p:spPr bwMode="auto">
+              <a:xfrm>
+                <a:off x="4496205" y="1210731"/>
+                <a:ext cx="2363293" cy="728136"/>
+              </a:xfrm>
+              <a:prstGeom prst="rect">
+                <a:avLst/>
+              </a:prstGeom>
+              <a:noFill/>
+              <a:extLst>
+                <a:ext uri="{909E8E84-426E-40DD-AFC4-6F175D3DCCD1}">
+                  <a14:hiddenFill xmlns:a14="http://schemas.microsoft.com/office/drawing/2010/main">
+                    <a:solidFill>
+                      <a:srgbClr val="FFFFFF"/>
+                    </a:solidFill>
+                  </a14:hiddenFill>
+                </a:ext>
+              </a:extLst>
+            </p:spPr>
+          </p:pic>
+          <p:pic>
+            <p:nvPicPr>
+              <p:cNvPr id="19" name="Picture 12">
+                <a:extLst>
+                  <a:ext uri="{FF2B5EF4-FFF2-40B4-BE49-F238E27FC236}">
+                    <a16:creationId xmlns:a16="http://schemas.microsoft.com/office/drawing/2014/main" id="{8B4AF748-7CE1-D0DC-45C7-43D7089073D6}"/>
+                  </a:ext>
+                </a:extLst>
+              </p:cNvPr>
+              <p:cNvPicPr>
+                <a:picLocks noChangeAspect="1" noChangeArrowheads="1"/>
+              </p:cNvPicPr>
+              <p:nvPr/>
+            </p:nvPicPr>
+            <p:blipFill>
+              <a:blip r:embed="rId4">
+                <a:extLst>
+                  <a:ext uri="{28A0092B-C50C-407E-A947-70E740481C1C}">
+                    <a14:useLocalDpi xmlns:a14="http://schemas.microsoft.com/office/drawing/2010/main" val="0"/>
+                  </a:ext>
+                </a:extLst>
+              </a:blip>
+              <a:srcRect/>
+              <a:stretch>
+                <a:fillRect/>
+              </a:stretch>
+            </p:blipFill>
+            <p:spPr bwMode="auto">
+              <a:xfrm>
+                <a:off x="4496205" y="1642534"/>
+                <a:ext cx="2363293" cy="728136"/>
+              </a:xfrm>
+              <a:prstGeom prst="rect">
+                <a:avLst/>
+              </a:prstGeom>
+              <a:noFill/>
+              <a:extLst>
+                <a:ext uri="{909E8E84-426E-40DD-AFC4-6F175D3DCCD1}">
+                  <a14:hiddenFill xmlns:a14="http://schemas.microsoft.com/office/drawing/2010/main">
+                    <a:solidFill>
+                      <a:srgbClr val="FFFFFF"/>
+                    </a:solidFill>
+                  </a14:hiddenFill>
+                </a:ext>
+              </a:extLst>
+            </p:spPr>
+          </p:pic>
+          <p:pic>
+            <p:nvPicPr>
+              <p:cNvPr id="20" name="Picture 14">
+                <a:extLst>
+                  <a:ext uri="{FF2B5EF4-FFF2-40B4-BE49-F238E27FC236}">
+                    <a16:creationId xmlns:a16="http://schemas.microsoft.com/office/drawing/2014/main" id="{1FFDA207-8C68-5E7D-C26C-40B1125975A5}"/>
+                  </a:ext>
+                </a:extLst>
+              </p:cNvPr>
+              <p:cNvPicPr>
+                <a:picLocks noChangeAspect="1" noChangeArrowheads="1"/>
+              </p:cNvPicPr>
+              <p:nvPr/>
+            </p:nvPicPr>
+            <p:blipFill>
+              <a:blip r:embed="rId5">
+                <a:extLst>
+                  <a:ext uri="{28A0092B-C50C-407E-A947-70E740481C1C}">
+                    <a14:useLocalDpi xmlns:a14="http://schemas.microsoft.com/office/drawing/2010/main" val="0"/>
+                  </a:ext>
+                </a:extLst>
+              </a:blip>
+              <a:srcRect/>
+              <a:stretch>
+                <a:fillRect/>
+              </a:stretch>
+            </p:blipFill>
+            <p:spPr bwMode="auto">
+              <a:xfrm>
+                <a:off x="4496204" y="2082804"/>
+                <a:ext cx="2363293" cy="728136"/>
+              </a:xfrm>
+              <a:prstGeom prst="rect">
+                <a:avLst/>
+              </a:prstGeom>
+              <a:noFill/>
+              <a:extLst>
+                <a:ext uri="{909E8E84-426E-40DD-AFC4-6F175D3DCCD1}">
+                  <a14:hiddenFill xmlns:a14="http://schemas.microsoft.com/office/drawing/2010/main">
+                    <a:solidFill>
+                      <a:srgbClr val="FFFFFF"/>
+                    </a:solidFill>
+                  </a14:hiddenFill>
+                </a:ext>
+              </a:extLst>
+            </p:spPr>
+          </p:pic>
+        </p:grpSp>
+        <p:sp>
+          <p:nvSpPr>
+            <p:cNvPr id="15" name="TextBox 14">
+              <a:extLst>
+                <a:ext uri="{FF2B5EF4-FFF2-40B4-BE49-F238E27FC236}">
+                  <a16:creationId xmlns:a16="http://schemas.microsoft.com/office/drawing/2014/main" id="{FA9E10F3-D4B5-86C0-976B-D30D6CFA5A55}"/>
+                </a:ext>
+              </a:extLst>
+            </p:cNvPr>
+            <p:cNvSpPr txBox="1"/>
+            <p:nvPr/>
+          </p:nvSpPr>
+          <p:spPr>
+            <a:xfrm>
+              <a:off x="3961730" y="3127921"/>
+              <a:ext cx="619141" cy="338554"/>
+            </a:xfrm>
+            <a:prstGeom prst="rect">
+              <a:avLst/>
+            </a:prstGeom>
+            <a:noFill/>
+          </p:spPr>
+          <p:txBody>
+            <a:bodyPr wrap="square" rtlCol="0">
+              <a:spAutoFit/>
+            </a:bodyPr>
+            <a:lstStyle/>
+            <a:p>
+              <a:pPr algn="ctr"/>
+              <a:r>
+                <a:rPr lang="en-US" sz="1600" dirty="0"/>
+                <a:t>NFM</a:t>
+              </a:r>
+            </a:p>
+          </p:txBody>
+        </p:sp>
+        <p:sp>
+          <p:nvSpPr>
+            <p:cNvPr id="16" name="TextBox 15">
+              <a:extLst>
+                <a:ext uri="{FF2B5EF4-FFF2-40B4-BE49-F238E27FC236}">
+                  <a16:creationId xmlns:a16="http://schemas.microsoft.com/office/drawing/2014/main" id="{0B03ADE2-E6F1-CE30-007E-7CA8CBDBCCEC}"/>
+                </a:ext>
+              </a:extLst>
+            </p:cNvPr>
+            <p:cNvSpPr txBox="1"/>
+            <p:nvPr/>
+          </p:nvSpPr>
+          <p:spPr>
+            <a:xfrm>
+              <a:off x="3961730" y="3568191"/>
+              <a:ext cx="619141" cy="338554"/>
+            </a:xfrm>
+            <a:prstGeom prst="rect">
+              <a:avLst/>
+            </a:prstGeom>
+            <a:noFill/>
+          </p:spPr>
+          <p:txBody>
+            <a:bodyPr wrap="square" rtlCol="0">
+              <a:spAutoFit/>
+            </a:bodyPr>
+            <a:lstStyle/>
+            <a:p>
+              <a:pPr algn="ctr"/>
+              <a:r>
+                <a:rPr lang="en-US" sz="1600" dirty="0"/>
+                <a:t>S1</a:t>
+              </a:r>
+            </a:p>
+          </p:txBody>
+        </p:sp>
+        <p:sp>
+          <p:nvSpPr>
+            <p:cNvPr id="17" name="TextBox 16">
+              <a:extLst>
+                <a:ext uri="{FF2B5EF4-FFF2-40B4-BE49-F238E27FC236}">
+                  <a16:creationId xmlns:a16="http://schemas.microsoft.com/office/drawing/2014/main" id="{6CBBBEE2-62AE-8A0A-B206-85074543BFBB}"/>
+                </a:ext>
+              </a:extLst>
+            </p:cNvPr>
+            <p:cNvSpPr txBox="1"/>
+            <p:nvPr/>
+          </p:nvSpPr>
+          <p:spPr>
+            <a:xfrm>
+              <a:off x="3962134" y="4008630"/>
+              <a:ext cx="619141" cy="338554"/>
+            </a:xfrm>
+            <a:prstGeom prst="rect">
+              <a:avLst/>
+            </a:prstGeom>
+            <a:noFill/>
+          </p:spPr>
+          <p:txBody>
+            <a:bodyPr wrap="square" rtlCol="0">
+              <a:spAutoFit/>
+            </a:bodyPr>
+            <a:lstStyle/>
+            <a:p>
+              <a:pPr algn="ctr"/>
+              <a:r>
+                <a:rPr lang="en-US" sz="1600" dirty="0"/>
+                <a:t>S2</a:t>
+              </a:r>
+            </a:p>
+          </p:txBody>
+        </p:sp>
+        <p:sp>
+          <p:nvSpPr>
+            <p:cNvPr id="7" name="TextBox 6">
+              <a:extLst>
+                <a:ext uri="{FF2B5EF4-FFF2-40B4-BE49-F238E27FC236}">
+                  <a16:creationId xmlns:a16="http://schemas.microsoft.com/office/drawing/2014/main" id="{0E5A0DCD-856F-8B11-3929-B4298C0037C0}"/>
+                </a:ext>
+              </a:extLst>
+            </p:cNvPr>
+            <p:cNvSpPr txBox="1"/>
+            <p:nvPr/>
+          </p:nvSpPr>
+          <p:spPr>
+            <a:xfrm>
+              <a:off x="3961726" y="4438699"/>
+              <a:ext cx="619141" cy="338554"/>
+            </a:xfrm>
+            <a:prstGeom prst="rect">
+              <a:avLst/>
+            </a:prstGeom>
+            <a:noFill/>
+          </p:spPr>
+          <p:txBody>
+            <a:bodyPr wrap="square" rtlCol="0">
+              <a:spAutoFit/>
+            </a:bodyPr>
+            <a:lstStyle/>
+            <a:p>
+              <a:pPr algn="ctr"/>
+              <a:r>
+                <a:rPr lang="en-US" sz="1600" dirty="0"/>
+                <a:t>Even</a:t>
+              </a:r>
+            </a:p>
+          </p:txBody>
+        </p:sp>
+        <p:pic>
+          <p:nvPicPr>
+            <p:cNvPr id="1030" name="Picture 6">
+              <a:extLst>
+                <a:ext uri="{FF2B5EF4-FFF2-40B4-BE49-F238E27FC236}">
+                  <a16:creationId xmlns:a16="http://schemas.microsoft.com/office/drawing/2014/main" id="{23475B6E-681D-5D1D-1595-19F57900716E}"/>
+                </a:ext>
+              </a:extLst>
+            </p:cNvPr>
+            <p:cNvPicPr>
+              <a:picLocks noChangeAspect="1" noChangeArrowheads="1"/>
+            </p:cNvPicPr>
+            <p:nvPr/>
+          </p:nvPicPr>
+          <p:blipFill>
+            <a:blip r:embed="rId6">
+              <a:extLst>
+                <a:ext uri="{28A0092B-C50C-407E-A947-70E740481C1C}">
+                  <a14:useLocalDpi xmlns:a14="http://schemas.microsoft.com/office/drawing/2010/main" val="0"/>
+                </a:ext>
+              </a:extLst>
+            </a:blip>
+            <a:srcRect/>
+            <a:stretch>
+              <a:fillRect/>
+            </a:stretch>
+          </p:blipFill>
+          <p:spPr bwMode="auto">
+            <a:xfrm>
+              <a:off x="4580867" y="4337013"/>
+              <a:ext cx="2363297" cy="728137"/>
+            </a:xfrm>
+            <a:prstGeom prst="rect">
+              <a:avLst/>
+            </a:prstGeom>
+            <a:noFill/>
+            <a:extLst>
+              <a:ext uri="{909E8E84-426E-40DD-AFC4-6F175D3DCCD1}">
+                <a14:hiddenFill xmlns:a14="http://schemas.microsoft.com/office/drawing/2010/main">
+                  <a:solidFill>
+                    <a:srgbClr val="FFFFFF"/>
+                  </a:solidFill>
+                </a14:hiddenFill>
+              </a:ext>
+            </a:extLst>
+          </p:spPr>
+        </p:pic>
+      </p:grpSp>
+      <p:sp>
+        <p:nvSpPr>
+          <p:cNvPr id="22" name="TextBox 21">
+            <a:extLst>
+              <a:ext uri="{FF2B5EF4-FFF2-40B4-BE49-F238E27FC236}">
+                <a16:creationId xmlns:a16="http://schemas.microsoft.com/office/drawing/2014/main" id="{0BC3BBBF-4D7A-3280-4073-F847D39C7CAB}"/>
+              </a:ext>
+            </a:extLst>
+          </p:cNvPr>
+          <p:cNvSpPr txBox="1"/>
+          <p:nvPr/>
+        </p:nvSpPr>
+        <p:spPr>
+          <a:xfrm>
+            <a:off x="7645398" y="1771927"/>
+            <a:ext cx="4546602" cy="523220"/>
+          </a:xfrm>
+          <a:prstGeom prst="rect">
+            <a:avLst/>
+          </a:prstGeom>
+          <a:noFill/>
+        </p:spPr>
+        <p:txBody>
+          <a:bodyPr wrap="square" rtlCol="0">
+            <a:spAutoFit/>
+          </a:bodyPr>
+          <a:lstStyle/>
+          <a:p>
+            <a:pPr marL="285750" indent="-285750">
+              <a:buFont typeface="Arial" panose="020B0604020202020204" pitchFamily="34" charset="0"/>
+              <a:buChar char="•"/>
+            </a:pPr>
+            <a:r>
+              <a:rPr lang="en-US" sz="1400" dirty="0"/>
+              <a:t>Shuffled charge distributions lead to brushes with less prominent shoulders</a:t>
+            </a:r>
+          </a:p>
+        </p:txBody>
+      </p:sp>
+    </p:spTree>
+    <p:extLst>
+      <p:ext uri="{BB962C8B-B14F-4D97-AF65-F5344CB8AC3E}">
+        <p14:creationId xmlns:p14="http://schemas.microsoft.com/office/powerpoint/2010/main" val="2799813615"/>
+      </p:ext>
+    </p:extLst>
+  </p:cSld>
+  <p:clrMapOvr>
+    <a:masterClrMapping/>
+  </p:clrMapOvr>
+</p:sld>
+</file>
+
 <file path=ppt/slides/slide2.xml><?xml version="1.0" encoding="utf-8"?>
 <p:sld xmlns:a="http://schemas.openxmlformats.org/drawingml/2006/main" xmlns:r="http://schemas.openxmlformats.org/officeDocument/2006/relationships" xmlns:p="http://schemas.openxmlformats.org/presentationml/2006/main">
   <p:cSld>
@@ -5104,13 +5654,20 @@
             <p:ph type="title"/>
           </p:nvPr>
         </p:nvSpPr>
-        <p:spPr/>
-        <p:txBody>
-          <a:bodyPr/>
+        <p:spPr>
+          <a:xfrm>
+            <a:off x="-1" y="136525"/>
+            <a:ext cx="12124267" cy="800128"/>
+          </a:xfrm>
+        </p:spPr>
+        <p:txBody>
+          <a:bodyPr>
+            <a:normAutofit/>
+          </a:bodyPr>
           <a:lstStyle/>
           <a:p>
             <a:r>
-              <a:rPr lang="en-US" dirty="0"/>
+              <a:rPr lang="en-US" sz="4000" dirty="0"/>
               <a:t>Agreement with AFM-measured heights</a:t>
             </a:r>
           </a:p>
@@ -5262,8 +5819,8 @@
           </a:p>
         </p:txBody>
       </p:sp>
-      <mc:AlternateContent xmlns:mc="http://schemas.openxmlformats.org/markup-compatibility/2006">
-        <mc:Choice xmlns:a14="http://schemas.microsoft.com/office/drawing/2010/main" Requires="a14">
+      <mc:AlternateContent xmlns:mc="http://schemas.openxmlformats.org/markup-compatibility/2006" xmlns:a14="http://schemas.microsoft.com/office/drawing/2010/main">
+        <mc:Choice Requires="a14">
           <p:sp>
             <p:nvSpPr>
               <p:cNvPr id="4" name="TextBox 3">
@@ -5480,7 +6037,7 @@
             </p:txBody>
           </p:sp>
         </mc:Choice>
-        <mc:Fallback>
+        <mc:Fallback xmlns="">
           <p:sp>
             <p:nvSpPr>
               <p:cNvPr id="4" name="TextBox 3">
@@ -5631,7 +6188,7 @@
           <a:lstStyle/>
           <a:p>
             <a:r>
-              <a:rPr lang="en-US" sz="3600" dirty="0"/>
+              <a:rPr lang="en-US" sz="3200" dirty="0"/>
               <a:t>Effect of Sequence on Morphology (Unmodified proteins)</a:t>
             </a:r>
           </a:p>
@@ -6357,7 +6914,7 @@
           <a:lstStyle/>
           <a:p>
             <a:r>
-              <a:rPr lang="en-US" sz="3600" dirty="0"/>
+              <a:rPr lang="en-US" sz="3200" dirty="0"/>
               <a:t>Effect of Sequence on Morphology (Modified proteins)</a:t>
             </a:r>
           </a:p>

--- a/NF Collab Summary.pptx
+++ b/NF Collab Summary.pptx
@@ -224,7 +224,7 @@
           <a:p>
             <a:fld id="{14580B53-B3FA-440E-B97E-7F7743C74805}" type="datetimeFigureOut">
               <a:rPr lang="en-US" smtClean="0"/>
-              <a:t>4/9/2024</a:t>
+              <a:t>4/18/2024</a:t>
             </a:fld>
             <a:endParaRPr lang="en-US"/>
           </a:p>
@@ -401,7 +401,7 @@
           <a:p>
             <a:fld id="{DFF06B30-C56E-4ACA-940F-52D7F8EC3A48}" type="datetimeFigureOut">
               <a:rPr lang="en-US" smtClean="0"/>
-              <a:t>4/9/2024</a:t>
+              <a:t>4/18/2024</a:t>
             </a:fld>
             <a:endParaRPr lang="en-US"/>
           </a:p>
@@ -1158,7 +1158,7 @@
           <a:p>
             <a:fld id="{6D309A34-CB22-414B-B337-22A54F31417C}" type="datetime1">
               <a:rPr lang="en-US" smtClean="0"/>
-              <a:t>4/9/2024</a:t>
+              <a:t>4/18/2024</a:t>
             </a:fld>
             <a:endParaRPr lang="en-US"/>
           </a:p>
@@ -1305,7 +1305,7 @@
           <a:p>
             <a:fld id="{2875BB1A-84CA-4261-AA50-DA2DDF53AC57}" type="datetime1">
               <a:rPr lang="en-US" smtClean="0"/>
-              <a:t>4/9/2024</a:t>
+              <a:t>4/18/2024</a:t>
             </a:fld>
             <a:endParaRPr lang="en-US"/>
           </a:p>
@@ -1629,7 +1629,7 @@
           <a:p>
             <a:fld id="{01337600-D417-47B7-AA41-087585197EDC}" type="datetime1">
               <a:rPr lang="en-US" smtClean="0"/>
-              <a:t>4/9/2024</a:t>
+              <a:t>4/18/2024</a:t>
             </a:fld>
             <a:endParaRPr lang="en-US"/>
           </a:p>
@@ -1913,7 +1913,7 @@
           <a:p>
             <a:fld id="{D07EAAE8-4F5E-4E22-B18A-33ECA1052179}" type="datetime1">
               <a:rPr lang="en-US" smtClean="0"/>
-              <a:t>4/9/2024</a:t>
+              <a:t>4/18/2024</a:t>
             </a:fld>
             <a:endParaRPr lang="en-US"/>
           </a:p>
@@ -2192,7 +2192,7 @@
           <a:p>
             <a:fld id="{CE037CEF-216D-4711-8A5B-8A9A7F84D340}" type="datetime1">
               <a:rPr lang="en-US" smtClean="0"/>
-              <a:t>4/9/2024</a:t>
+              <a:t>4/18/2024</a:t>
             </a:fld>
             <a:endParaRPr lang="en-US"/>
           </a:p>
@@ -3557,12 +3557,41 @@
           </a:p>
         </p:txBody>
       </p:sp>
+      <p:sp>
+        <p:nvSpPr>
+          <p:cNvPr id="23" name="Slide Number Placeholder 22">
+            <a:extLst>
+              <a:ext uri="{FF2B5EF4-FFF2-40B4-BE49-F238E27FC236}">
+                <a16:creationId xmlns:a16="http://schemas.microsoft.com/office/drawing/2014/main" id="{3640DB4C-A7A5-355A-BE46-AD20B9A4F813}"/>
+              </a:ext>
+            </a:extLst>
+          </p:cNvPr>
+          <p:cNvSpPr>
+            <a:spLocks noGrp="1"/>
+          </p:cNvSpPr>
+          <p:nvPr>
+            <p:ph type="sldNum" sz="quarter" idx="12"/>
+          </p:nvPr>
+        </p:nvSpPr>
+        <p:spPr/>
+        <p:txBody>
+          <a:bodyPr/>
+          <a:lstStyle/>
+          <a:p>
+            <a:fld id="{B40DB54C-0C58-4481-B5FF-5C3F14CFF9B3}" type="slidenum">
+              <a:rPr lang="en-US" smtClean="0"/>
+              <a:t>3</a:t>
+            </a:fld>
+            <a:endParaRPr lang="en-US"/>
+          </a:p>
+        </p:txBody>
+      </p:sp>
       <p:grpSp>
         <p:nvGrpSpPr>
-          <p:cNvPr id="11" name="Group 10">
-            <a:extLst>
-              <a:ext uri="{FF2B5EF4-FFF2-40B4-BE49-F238E27FC236}">
-                <a16:creationId xmlns:a16="http://schemas.microsoft.com/office/drawing/2014/main" id="{0F7CF599-CB1B-2DC2-5328-CB34F4243BF5}"/>
+          <p:cNvPr id="8" name="Group 7">
+            <a:extLst>
+              <a:ext uri="{FF2B5EF4-FFF2-40B4-BE49-F238E27FC236}">
+                <a16:creationId xmlns:a16="http://schemas.microsoft.com/office/drawing/2014/main" id="{0B51F1FA-0307-4536-AA12-32195C5B75BE}"/>
               </a:ext>
             </a:extLst>
           </p:cNvPr>
@@ -3571,117 +3600,12 @@
         </p:nvGrpSpPr>
         <p:grpSpPr>
           <a:xfrm>
-            <a:off x="1713997" y="1973478"/>
-            <a:ext cx="9847483" cy="2170958"/>
-            <a:chOff x="1482291" y="4099527"/>
-            <a:chExt cx="9064587" cy="1998362"/>
+            <a:off x="1855914" y="2173976"/>
+            <a:ext cx="9705566" cy="2001919"/>
+            <a:chOff x="1855914" y="2173976"/>
+            <a:chExt cx="9705566" cy="2001919"/>
           </a:xfrm>
         </p:grpSpPr>
-        <p:grpSp>
-          <p:nvGrpSpPr>
-            <p:cNvPr id="12" name="Group 11">
-              <a:extLst>
-                <a:ext uri="{FF2B5EF4-FFF2-40B4-BE49-F238E27FC236}">
-                  <a16:creationId xmlns:a16="http://schemas.microsoft.com/office/drawing/2014/main" id="{29734673-1DF3-7429-F19B-58CB18494CC9}"/>
-                </a:ext>
-              </a:extLst>
-            </p:cNvPr>
-            <p:cNvGrpSpPr/>
-            <p:nvPr/>
-          </p:nvGrpSpPr>
-          <p:grpSpPr>
-            <a:xfrm>
-              <a:off x="1482291" y="4099527"/>
-              <a:ext cx="5113243" cy="1998362"/>
-              <a:chOff x="982757" y="1430638"/>
-              <a:chExt cx="5113243" cy="1998362"/>
-            </a:xfrm>
-          </p:grpSpPr>
-          <p:pic>
-            <p:nvPicPr>
-              <p:cNvPr id="16" name="Picture 15">
-                <a:extLst>
-                  <a:ext uri="{FF2B5EF4-FFF2-40B4-BE49-F238E27FC236}">
-                    <a16:creationId xmlns:a16="http://schemas.microsoft.com/office/drawing/2014/main" id="{AB983F8C-1386-0455-077F-26EA1FCF271B}"/>
-                  </a:ext>
-                </a:extLst>
-              </p:cNvPr>
-              <p:cNvPicPr>
-                <a:picLocks noChangeAspect="1"/>
-              </p:cNvPicPr>
-              <p:nvPr/>
-            </p:nvPicPr>
-            <p:blipFill>
-              <a:blip r:embed="rId2"/>
-              <a:stretch>
-                <a:fillRect/>
-              </a:stretch>
-            </p:blipFill>
-            <p:spPr>
-              <a:xfrm>
-                <a:off x="982757" y="1430638"/>
-                <a:ext cx="4969309" cy="1998362"/>
-              </a:xfrm>
-              <a:prstGeom prst="rect">
-                <a:avLst/>
-              </a:prstGeom>
-            </p:spPr>
-          </p:pic>
-          <p:sp>
-            <p:nvSpPr>
-              <p:cNvPr id="17" name="Rectangle 16">
-                <a:extLst>
-                  <a:ext uri="{FF2B5EF4-FFF2-40B4-BE49-F238E27FC236}">
-                    <a16:creationId xmlns:a16="http://schemas.microsoft.com/office/drawing/2014/main" id="{15A1CD5E-469B-1939-3547-E449B4AA9C5B}"/>
-                  </a:ext>
-                </a:extLst>
-              </p:cNvPr>
-              <p:cNvSpPr/>
-              <p:nvPr/>
-            </p:nvSpPr>
-            <p:spPr>
-              <a:xfrm>
-                <a:off x="5435600" y="1574800"/>
-                <a:ext cx="660400" cy="457200"/>
-              </a:xfrm>
-              <a:prstGeom prst="rect">
-                <a:avLst/>
-              </a:prstGeom>
-              <a:solidFill>
-                <a:schemeClr val="bg1"/>
-              </a:solidFill>
-              <a:ln>
-                <a:solidFill>
-                  <a:schemeClr val="bg1"/>
-                </a:solidFill>
-              </a:ln>
-            </p:spPr>
-            <p:style>
-              <a:lnRef idx="2">
-                <a:schemeClr val="accent1">
-                  <a:shade val="15000"/>
-                </a:schemeClr>
-              </a:lnRef>
-              <a:fillRef idx="1">
-                <a:schemeClr val="accent1"/>
-              </a:fillRef>
-              <a:effectRef idx="0">
-                <a:schemeClr val="accent1"/>
-              </a:effectRef>
-              <a:fontRef idx="minor">
-                <a:schemeClr val="lt1"/>
-              </a:fontRef>
-            </p:style>
-            <p:txBody>
-              <a:bodyPr rtlCol="0" anchor="ctr"/>
-              <a:lstStyle/>
-              <a:p>
-                <a:pPr algn="ctr"/>
-                <a:endParaRPr lang="en-US"/>
-              </a:p>
-            </p:txBody>
-          </p:sp>
-        </p:grpSp>
         <p:sp>
           <p:nvSpPr>
             <p:cNvPr id="13" name="TextBox 12">
@@ -3696,8 +3620,8 @@
           </p:nvSpPr>
           <p:spPr>
             <a:xfrm>
-              <a:off x="7349065" y="4287622"/>
-              <a:ext cx="2633133" cy="369332"/>
+              <a:off x="8087476" y="2177259"/>
+              <a:ext cx="2860553" cy="401231"/>
             </a:xfrm>
             <a:prstGeom prst="rect">
               <a:avLst/>
@@ -3731,8 +3655,8 @@
           </p:nvSpPr>
           <p:spPr>
             <a:xfrm>
-              <a:off x="7349066" y="5024292"/>
-              <a:ext cx="3197812" cy="368300"/>
+              <a:off x="8087477" y="2977554"/>
+              <a:ext cx="3474003" cy="400110"/>
             </a:xfrm>
             <a:prstGeom prst="rect">
               <a:avLst/>
@@ -3766,8 +3690,8 @@
           </p:nvSpPr>
           <p:spPr>
             <a:xfrm>
-              <a:off x="7349065" y="5709272"/>
-              <a:ext cx="2633133" cy="369332"/>
+              <a:off x="8087476" y="3722255"/>
+              <a:ext cx="2860553" cy="401231"/>
             </a:xfrm>
             <a:prstGeom prst="rect">
               <a:avLst/>
@@ -3787,36 +3711,37 @@
             </a:p>
           </p:txBody>
         </p:sp>
+        <p:pic>
+          <p:nvPicPr>
+            <p:cNvPr id="7" name="Picture 6">
+              <a:extLst>
+                <a:ext uri="{FF2B5EF4-FFF2-40B4-BE49-F238E27FC236}">
+                  <a16:creationId xmlns:a16="http://schemas.microsoft.com/office/drawing/2014/main" id="{8D3EAA72-2B56-ADC4-FF8F-CDC1EF005E9A}"/>
+                </a:ext>
+              </a:extLst>
+            </p:cNvPr>
+            <p:cNvPicPr>
+              <a:picLocks noChangeAspect="1"/>
+            </p:cNvPicPr>
+            <p:nvPr/>
+          </p:nvPicPr>
+          <p:blipFill>
+            <a:blip r:embed="rId2"/>
+            <a:stretch>
+              <a:fillRect/>
+            </a:stretch>
+          </p:blipFill>
+          <p:spPr>
+            <a:xfrm>
+              <a:off x="1855914" y="2173976"/>
+              <a:ext cx="5495760" cy="2001919"/>
+            </a:xfrm>
+            <a:prstGeom prst="rect">
+              <a:avLst/>
+            </a:prstGeom>
+          </p:spPr>
+        </p:pic>
       </p:grpSp>
-      <p:sp>
-        <p:nvSpPr>
-          <p:cNvPr id="23" name="Slide Number Placeholder 22">
-            <a:extLst>
-              <a:ext uri="{FF2B5EF4-FFF2-40B4-BE49-F238E27FC236}">
-                <a16:creationId xmlns:a16="http://schemas.microsoft.com/office/drawing/2014/main" id="{3640DB4C-A7A5-355A-BE46-AD20B9A4F813}"/>
-              </a:ext>
-            </a:extLst>
-          </p:cNvPr>
-          <p:cNvSpPr>
-            <a:spLocks noGrp="1"/>
-          </p:cNvSpPr>
-          <p:nvPr>
-            <p:ph type="sldNum" sz="quarter" idx="12"/>
-          </p:nvPr>
-        </p:nvSpPr>
-        <p:spPr/>
-        <p:txBody>
-          <a:bodyPr/>
-          <a:lstStyle/>
-          <a:p>
-            <a:fld id="{B40DB54C-0C58-4481-B5FF-5C3F14CFF9B3}" type="slidenum">
-              <a:rPr lang="en-US" smtClean="0"/>
-              <a:t>3</a:t>
-            </a:fld>
-            <a:endParaRPr lang="en-US"/>
-          </a:p>
-        </p:txBody>
-      </p:sp>
     </p:spTree>
     <p:extLst>
       <p:ext uri="{BB962C8B-B14F-4D97-AF65-F5344CB8AC3E}">
@@ -3827,81 +3752,6 @@
   <p:clrMapOvr>
     <a:masterClrMapping/>
   </p:clrMapOvr>
-  <p:timing>
-    <p:tnLst>
-      <p:par>
-        <p:cTn id="1" dur="indefinite" restart="never" nodeType="tmRoot">
-          <p:childTnLst>
-            <p:seq concurrent="1" nextAc="seek">
-              <p:cTn id="2" dur="indefinite" nodeType="mainSeq">
-                <p:childTnLst>
-                  <p:par>
-                    <p:cTn id="3" fill="hold">
-                      <p:stCondLst>
-                        <p:cond delay="indefinite"/>
-                      </p:stCondLst>
-                      <p:childTnLst>
-                        <p:par>
-                          <p:cTn id="4" fill="hold">
-                            <p:stCondLst>
-                              <p:cond delay="0"/>
-                            </p:stCondLst>
-                            <p:childTnLst>
-                              <p:par>
-                                <p:cTn id="5" presetID="1" presetClass="entr" presetSubtype="0" fill="hold" nodeType="clickEffect">
-                                  <p:stCondLst>
-                                    <p:cond delay="0"/>
-                                  </p:stCondLst>
-                                  <p:childTnLst>
-                                    <p:set>
-                                      <p:cBhvr>
-                                        <p:cTn id="6" dur="1" fill="hold">
-                                          <p:stCondLst>
-                                            <p:cond delay="0"/>
-                                          </p:stCondLst>
-                                        </p:cTn>
-                                        <p:tgtEl>
-                                          <p:spTgt spid="11"/>
-                                        </p:tgtEl>
-                                        <p:attrNameLst>
-                                          <p:attrName>style.visibility</p:attrName>
-                                        </p:attrNameLst>
-                                      </p:cBhvr>
-                                      <p:to>
-                                        <p:strVal val="visible"/>
-                                      </p:to>
-                                    </p:set>
-                                  </p:childTnLst>
-                                </p:cTn>
-                              </p:par>
-                            </p:childTnLst>
-                          </p:cTn>
-                        </p:par>
-                      </p:childTnLst>
-                    </p:cTn>
-                  </p:par>
-                </p:childTnLst>
-              </p:cTn>
-              <p:prevCondLst>
-                <p:cond evt="onPrev" delay="0">
-                  <p:tgtEl>
-                    <p:sldTgt/>
-                  </p:tgtEl>
-                </p:cond>
-              </p:prevCondLst>
-              <p:nextCondLst>
-                <p:cond evt="onNext" delay="0">
-                  <p:tgtEl>
-                    <p:sldTgt/>
-                  </p:tgtEl>
-                </p:cond>
-              </p:nextCondLst>
-            </p:seq>
-          </p:childTnLst>
-        </p:cTn>
-      </p:par>
-    </p:tnLst>
-  </p:timing>
 </p:sld>
 </file>
 
